--- a/other-talks/SODA 2026.pptx
+++ b/other-talks/SODA 2026.pptx
@@ -5,7 +5,7 @@
     <p:sldMasterId id="2147483648" r:id="rId1"/>
   </p:sldMasterIdLst>
   <p:notesMasterIdLst>
-    <p:notesMasterId r:id="rId31"/>
+    <p:notesMasterId r:id="rId32"/>
   </p:notesMasterIdLst>
   <p:sldIdLst>
     <p:sldId id="257" r:id="rId2"/>
@@ -16,27 +16,28 @@
     <p:sldId id="299" r:id="rId7"/>
     <p:sldId id="290" r:id="rId8"/>
     <p:sldId id="300" r:id="rId9"/>
-    <p:sldId id="322" r:id="rId10"/>
-    <p:sldId id="304" r:id="rId11"/>
-    <p:sldId id="301" r:id="rId12"/>
-    <p:sldId id="305" r:id="rId13"/>
+    <p:sldId id="304" r:id="rId10"/>
+    <p:sldId id="322" r:id="rId11"/>
+    <p:sldId id="305" r:id="rId12"/>
+    <p:sldId id="323" r:id="rId13"/>
     <p:sldId id="258" r:id="rId14"/>
-    <p:sldId id="306" r:id="rId15"/>
-    <p:sldId id="307" r:id="rId16"/>
-    <p:sldId id="308" r:id="rId17"/>
-    <p:sldId id="309" r:id="rId18"/>
-    <p:sldId id="291" r:id="rId19"/>
-    <p:sldId id="310" r:id="rId20"/>
-    <p:sldId id="311" r:id="rId21"/>
-    <p:sldId id="312" r:id="rId22"/>
-    <p:sldId id="313" r:id="rId23"/>
-    <p:sldId id="314" r:id="rId24"/>
-    <p:sldId id="320" r:id="rId25"/>
-    <p:sldId id="315" r:id="rId26"/>
-    <p:sldId id="292" r:id="rId27"/>
-    <p:sldId id="318" r:id="rId28"/>
-    <p:sldId id="319" r:id="rId29"/>
-    <p:sldId id="321" r:id="rId30"/>
+    <p:sldId id="307" r:id="rId15"/>
+    <p:sldId id="309" r:id="rId16"/>
+    <p:sldId id="291" r:id="rId17"/>
+    <p:sldId id="310" r:id="rId18"/>
+    <p:sldId id="311" r:id="rId19"/>
+    <p:sldId id="312" r:id="rId20"/>
+    <p:sldId id="313" r:id="rId21"/>
+    <p:sldId id="314" r:id="rId22"/>
+    <p:sldId id="320" r:id="rId23"/>
+    <p:sldId id="315" r:id="rId24"/>
+    <p:sldId id="292" r:id="rId25"/>
+    <p:sldId id="318" r:id="rId26"/>
+    <p:sldId id="319" r:id="rId27"/>
+    <p:sldId id="321" r:id="rId28"/>
+    <p:sldId id="301" r:id="rId29"/>
+    <p:sldId id="306" r:id="rId30"/>
+    <p:sldId id="308" r:id="rId31"/>
   </p:sldIdLst>
   <p:sldSz cx="12192000" cy="6858000"/>
   <p:notesSz cx="6858000" cy="9144000"/>
@@ -143,218 +144,6 @@
 </p:presentation>
 </file>
 
-<file path=ppt/changesInfos/changesInfo1.xml><?xml version="1.0" encoding="utf-8"?>
-<pc:chgInfo xmlns:a="http://schemas.openxmlformats.org/drawingml/2006/main" xmlns:r="http://schemas.openxmlformats.org/officeDocument/2006/relationships" xmlns:ac="http://schemas.microsoft.com/office/drawing/2013/main/command" xmlns:pc="http://schemas.microsoft.com/office/powerpoint/2013/main/command">
-  <pc:docChgLst>
-    <pc:chgData name="Samson Zhou" userId="be955f33642ecbf5" providerId="LiveId" clId="{18D9C49A-30F7-48FE-9D6C-E100F2E84471}"/>
-    <pc:docChg chg="custSel addSld modSld">
-      <pc:chgData name="Samson Zhou" userId="be955f33642ecbf5" providerId="LiveId" clId="{18D9C49A-30F7-48FE-9D6C-E100F2E84471}" dt="2026-01-04T04:29:18.677" v="18" actId="1076"/>
-      <pc:docMkLst>
-        <pc:docMk/>
-      </pc:docMkLst>
-      <pc:sldChg chg="addSp delSp modSp mod delAnim modAnim">
-        <pc:chgData name="Samson Zhou" userId="be955f33642ecbf5" providerId="LiveId" clId="{18D9C49A-30F7-48FE-9D6C-E100F2E84471}" dt="2026-01-04T04:29:18.677" v="18" actId="1076"/>
-        <pc:sldMkLst>
-          <pc:docMk/>
-          <pc:sldMk cId="0" sldId="289"/>
-        </pc:sldMkLst>
-        <pc:spChg chg="add mod">
-          <ac:chgData name="Samson Zhou" userId="be955f33642ecbf5" providerId="LiveId" clId="{18D9C49A-30F7-48FE-9D6C-E100F2E84471}" dt="2026-01-04T04:27:15.234" v="2"/>
-          <ac:spMkLst>
-            <pc:docMk/>
-            <pc:sldMk cId="0" sldId="289"/>
-            <ac:spMk id="4" creationId="{226330B1-DCC1-5146-391C-9679F3B09AF6}"/>
-          </ac:spMkLst>
-        </pc:spChg>
-        <pc:picChg chg="add mod">
-          <ac:chgData name="Samson Zhou" userId="be955f33642ecbf5" providerId="LiveId" clId="{18D9C49A-30F7-48FE-9D6C-E100F2E84471}" dt="2026-01-04T04:28:32.778" v="10" actId="1076"/>
-          <ac:picMkLst>
-            <pc:docMk/>
-            <pc:sldMk cId="0" sldId="289"/>
-            <ac:picMk id="5" creationId="{8F16C3D3-2CB1-59C5-9DD9-87DE04961E46}"/>
-          </ac:picMkLst>
-        </pc:picChg>
-        <pc:picChg chg="add mod">
-          <ac:chgData name="Samson Zhou" userId="be955f33642ecbf5" providerId="LiveId" clId="{18D9C49A-30F7-48FE-9D6C-E100F2E84471}" dt="2026-01-04T04:28:51.823" v="12" actId="1076"/>
-          <ac:picMkLst>
-            <pc:docMk/>
-            <pc:sldMk cId="0" sldId="289"/>
-            <ac:picMk id="6" creationId="{38C318C9-648C-8F87-0556-B053374A031C}"/>
-          </ac:picMkLst>
-        </pc:picChg>
-        <pc:picChg chg="add mod">
-          <ac:chgData name="Samson Zhou" userId="be955f33642ecbf5" providerId="LiveId" clId="{18D9C49A-30F7-48FE-9D6C-E100F2E84471}" dt="2026-01-04T04:29:06.249" v="14" actId="1076"/>
-          <ac:picMkLst>
-            <pc:docMk/>
-            <pc:sldMk cId="0" sldId="289"/>
-            <ac:picMk id="7" creationId="{6B7A87E5-BDE7-6EAB-FFDD-61A2FC299175}"/>
-          </ac:picMkLst>
-        </pc:picChg>
-        <pc:picChg chg="add mod">
-          <ac:chgData name="Samson Zhou" userId="be955f33642ecbf5" providerId="LiveId" clId="{18D9C49A-30F7-48FE-9D6C-E100F2E84471}" dt="2026-01-04T04:29:06.249" v="14" actId="1076"/>
-          <ac:picMkLst>
-            <pc:docMk/>
-            <pc:sldMk cId="0" sldId="289"/>
-            <ac:picMk id="8" creationId="{9E9B3A67-7398-FC79-EE50-42F6CBFCBCEB}"/>
-          </ac:picMkLst>
-        </pc:picChg>
-        <pc:picChg chg="add mod">
-          <ac:chgData name="Samson Zhou" userId="be955f33642ecbf5" providerId="LiveId" clId="{18D9C49A-30F7-48FE-9D6C-E100F2E84471}" dt="2026-01-04T04:29:06.249" v="14" actId="1076"/>
-          <ac:picMkLst>
-            <pc:docMk/>
-            <pc:sldMk cId="0" sldId="289"/>
-            <ac:picMk id="9" creationId="{BA4E84FC-89B5-0667-1B89-9DBF5EF95CF2}"/>
-          </ac:picMkLst>
-        </pc:picChg>
-        <pc:picChg chg="add mod">
-          <ac:chgData name="Samson Zhou" userId="be955f33642ecbf5" providerId="LiveId" clId="{18D9C49A-30F7-48FE-9D6C-E100F2E84471}" dt="2026-01-04T04:29:10.988" v="16" actId="1076"/>
-          <ac:picMkLst>
-            <pc:docMk/>
-            <pc:sldMk cId="0" sldId="289"/>
-            <ac:picMk id="10" creationId="{E6C5601F-72EB-77F9-1C9C-9079F350CF2F}"/>
-          </ac:picMkLst>
-        </pc:picChg>
-        <pc:picChg chg="add mod">
-          <ac:chgData name="Samson Zhou" userId="be955f33642ecbf5" providerId="LiveId" clId="{18D9C49A-30F7-48FE-9D6C-E100F2E84471}" dt="2026-01-04T04:29:10.988" v="16" actId="1076"/>
-          <ac:picMkLst>
-            <pc:docMk/>
-            <pc:sldMk cId="0" sldId="289"/>
-            <ac:picMk id="11" creationId="{5EAC5A2E-A636-34AF-B5A2-23DDEA7B9F5C}"/>
-          </ac:picMkLst>
-        </pc:picChg>
-        <pc:picChg chg="add mod">
-          <ac:chgData name="Samson Zhou" userId="be955f33642ecbf5" providerId="LiveId" clId="{18D9C49A-30F7-48FE-9D6C-E100F2E84471}" dt="2026-01-04T04:29:10.988" v="16" actId="1076"/>
-          <ac:picMkLst>
-            <pc:docMk/>
-            <pc:sldMk cId="0" sldId="289"/>
-            <ac:picMk id="12" creationId="{51F2F725-BC42-F193-74A6-D139762B4CD5}"/>
-          </ac:picMkLst>
-        </pc:picChg>
-        <pc:picChg chg="add mod">
-          <ac:chgData name="Samson Zhou" userId="be955f33642ecbf5" providerId="LiveId" clId="{18D9C49A-30F7-48FE-9D6C-E100F2E84471}" dt="2026-01-04T04:29:18.677" v="18" actId="1076"/>
-          <ac:picMkLst>
-            <pc:docMk/>
-            <pc:sldMk cId="0" sldId="289"/>
-            <ac:picMk id="13" creationId="{33D61271-348B-7B99-F13C-4078A6F83969}"/>
-          </ac:picMkLst>
-        </pc:picChg>
-        <pc:picChg chg="add mod">
-          <ac:chgData name="Samson Zhou" userId="be955f33642ecbf5" providerId="LiveId" clId="{18D9C49A-30F7-48FE-9D6C-E100F2E84471}" dt="2026-01-04T04:29:18.677" v="18" actId="1076"/>
-          <ac:picMkLst>
-            <pc:docMk/>
-            <pc:sldMk cId="0" sldId="289"/>
-            <ac:picMk id="14" creationId="{F754B883-1BCE-5DA1-78C4-018445A014AD}"/>
-          </ac:picMkLst>
-        </pc:picChg>
-        <pc:picChg chg="add mod">
-          <ac:chgData name="Samson Zhou" userId="be955f33642ecbf5" providerId="LiveId" clId="{18D9C49A-30F7-48FE-9D6C-E100F2E84471}" dt="2026-01-04T04:29:18.677" v="18" actId="1076"/>
-          <ac:picMkLst>
-            <pc:docMk/>
-            <pc:sldMk cId="0" sldId="289"/>
-            <ac:picMk id="15" creationId="{FAEFBAD9-68A1-6824-F2BD-FCF79BE4239A}"/>
-          </ac:picMkLst>
-        </pc:picChg>
-        <pc:picChg chg="del">
-          <ac:chgData name="Samson Zhou" userId="be955f33642ecbf5" providerId="LiveId" clId="{18D9C49A-30F7-48FE-9D6C-E100F2E84471}" dt="2026-01-04T04:27:14.602" v="1" actId="478"/>
-          <ac:picMkLst>
-            <pc:docMk/>
-            <pc:sldMk cId="0" sldId="289"/>
-            <ac:picMk id="71" creationId="{00000000-0000-0000-0000-000000000000}"/>
-          </ac:picMkLst>
-        </pc:picChg>
-        <pc:picChg chg="del">
-          <ac:chgData name="Samson Zhou" userId="be955f33642ecbf5" providerId="LiveId" clId="{18D9C49A-30F7-48FE-9D6C-E100F2E84471}" dt="2026-01-04T04:27:14.602" v="1" actId="478"/>
-          <ac:picMkLst>
-            <pc:docMk/>
-            <pc:sldMk cId="0" sldId="289"/>
-            <ac:picMk id="72" creationId="{00000000-0000-0000-0000-000000000000}"/>
-          </ac:picMkLst>
-        </pc:picChg>
-        <pc:picChg chg="del">
-          <ac:chgData name="Samson Zhou" userId="be955f33642ecbf5" providerId="LiveId" clId="{18D9C49A-30F7-48FE-9D6C-E100F2E84471}" dt="2026-01-04T04:27:14.602" v="1" actId="478"/>
-          <ac:picMkLst>
-            <pc:docMk/>
-            <pc:sldMk cId="0" sldId="289"/>
-            <ac:picMk id="73" creationId="{00000000-0000-0000-0000-000000000000}"/>
-          </ac:picMkLst>
-        </pc:picChg>
-        <pc:picChg chg="del">
-          <ac:chgData name="Samson Zhou" userId="be955f33642ecbf5" providerId="LiveId" clId="{18D9C49A-30F7-48FE-9D6C-E100F2E84471}" dt="2026-01-04T04:27:14.602" v="1" actId="478"/>
-          <ac:picMkLst>
-            <pc:docMk/>
-            <pc:sldMk cId="0" sldId="289"/>
-            <ac:picMk id="74" creationId="{00000000-0000-0000-0000-000000000000}"/>
-          </ac:picMkLst>
-        </pc:picChg>
-        <pc:picChg chg="del">
-          <ac:chgData name="Samson Zhou" userId="be955f33642ecbf5" providerId="LiveId" clId="{18D9C49A-30F7-48FE-9D6C-E100F2E84471}" dt="2026-01-04T04:27:14.602" v="1" actId="478"/>
-          <ac:picMkLst>
-            <pc:docMk/>
-            <pc:sldMk cId="0" sldId="289"/>
-            <ac:picMk id="77" creationId="{00000000-0000-0000-0000-000000000000}"/>
-          </ac:picMkLst>
-        </pc:picChg>
-        <pc:picChg chg="del">
-          <ac:chgData name="Samson Zhou" userId="be955f33642ecbf5" providerId="LiveId" clId="{18D9C49A-30F7-48FE-9D6C-E100F2E84471}" dt="2026-01-04T04:27:14.602" v="1" actId="478"/>
-          <ac:picMkLst>
-            <pc:docMk/>
-            <pc:sldMk cId="0" sldId="289"/>
-            <ac:picMk id="78" creationId="{00000000-0000-0000-0000-000000000000}"/>
-          </ac:picMkLst>
-        </pc:picChg>
-        <pc:picChg chg="del">
-          <ac:chgData name="Samson Zhou" userId="be955f33642ecbf5" providerId="LiveId" clId="{18D9C49A-30F7-48FE-9D6C-E100F2E84471}" dt="2026-01-04T04:27:14.602" v="1" actId="478"/>
-          <ac:picMkLst>
-            <pc:docMk/>
-            <pc:sldMk cId="0" sldId="289"/>
-            <ac:picMk id="79" creationId="{00000000-0000-0000-0000-000000000000}"/>
-          </ac:picMkLst>
-        </pc:picChg>
-        <pc:picChg chg="del">
-          <ac:chgData name="Samson Zhou" userId="be955f33642ecbf5" providerId="LiveId" clId="{18D9C49A-30F7-48FE-9D6C-E100F2E84471}" dt="2026-01-04T04:27:14.602" v="1" actId="478"/>
-          <ac:picMkLst>
-            <pc:docMk/>
-            <pc:sldMk cId="0" sldId="289"/>
-            <ac:picMk id="83" creationId="{00000000-0000-0000-0000-000000000000}"/>
-          </ac:picMkLst>
-        </pc:picChg>
-        <pc:picChg chg="del">
-          <ac:chgData name="Samson Zhou" userId="be955f33642ecbf5" providerId="LiveId" clId="{18D9C49A-30F7-48FE-9D6C-E100F2E84471}" dt="2026-01-04T04:27:14.602" v="1" actId="478"/>
-          <ac:picMkLst>
-            <pc:docMk/>
-            <pc:sldMk cId="0" sldId="289"/>
-            <ac:picMk id="84" creationId="{00000000-0000-0000-0000-000000000000}"/>
-          </ac:picMkLst>
-        </pc:picChg>
-        <pc:picChg chg="del">
-          <ac:chgData name="Samson Zhou" userId="be955f33642ecbf5" providerId="LiveId" clId="{18D9C49A-30F7-48FE-9D6C-E100F2E84471}" dt="2026-01-04T04:27:14.602" v="1" actId="478"/>
-          <ac:picMkLst>
-            <pc:docMk/>
-            <pc:sldMk cId="0" sldId="289"/>
-            <ac:picMk id="92" creationId="{00000000-0000-0000-0000-000000000000}"/>
-          </ac:picMkLst>
-        </pc:picChg>
-        <pc:picChg chg="add mod">
-          <ac:chgData name="Samson Zhou" userId="be955f33642ecbf5" providerId="LiveId" clId="{18D9C49A-30F7-48FE-9D6C-E100F2E84471}" dt="2026-01-04T04:28:25.629" v="8" actId="1076"/>
-          <ac:picMkLst>
-            <pc:docMk/>
-            <pc:sldMk cId="0" sldId="289"/>
-            <ac:picMk id="2062" creationId="{4C497FFD-9965-B5C6-6232-5C3F0DC0843C}"/>
-          </ac:picMkLst>
-        </pc:picChg>
-      </pc:sldChg>
-      <pc:sldChg chg="add">
-        <pc:chgData name="Samson Zhou" userId="be955f33642ecbf5" providerId="LiveId" clId="{18D9C49A-30F7-48FE-9D6C-E100F2E84471}" dt="2026-01-04T04:27:07.932" v="0" actId="2890"/>
-        <pc:sldMkLst>
-          <pc:docMk/>
-          <pc:sldMk cId="2323179293" sldId="290"/>
-        </pc:sldMkLst>
-      </pc:sldChg>
-    </pc:docChg>
-  </pc:docChgLst>
-</pc:chgInfo>
-</file>
-
 <file path=ppt/notesMasters/notesMaster1.xml><?xml version="1.0" encoding="utf-8"?>
 <p:notesMaster xmlns:a="http://schemas.openxmlformats.org/drawingml/2006/main" xmlns:r="http://schemas.openxmlformats.org/officeDocument/2006/relationships" xmlns:p="http://schemas.openxmlformats.org/presentationml/2006/main">
   <p:cSld>
@@ -437,7 +226,7 @@
           <a:p>
             <a:fld id="{6938B3B9-8E5D-4915-BD1F-560EDF1323DA}" type="datetimeFigureOut">
               <a:rPr lang="en-US" smtClean="0"/>
-              <a:t>1/9/2026</a:t>
+              <a:t>1/11/2026</a:t>
             </a:fld>
             <a:endParaRPr lang="en-US"/>
           </a:p>
@@ -1658,7 +1447,7 @@
           <a:p>
             <a:fld id="{6E0CE53B-9A48-4112-BF8D-833B32DC6276}" type="slidenum">
               <a:rPr lang="en-US" smtClean="0"/>
-              <a:t>24</a:t>
+              <a:t>22</a:t>
             </a:fld>
             <a:endParaRPr lang="en-US"/>
           </a:p>
@@ -1824,7 +1613,7 @@
           <a:p>
             <a:fld id="{58243E69-C83C-483A-87B8-C8AE9230D595}" type="datetimeFigureOut">
               <a:rPr lang="en-US" smtClean="0"/>
-              <a:t>1/9/2026</a:t>
+              <a:t>1/11/2026</a:t>
             </a:fld>
             <a:endParaRPr lang="en-US"/>
           </a:p>
@@ -2022,7 +1811,7 @@
           <a:p>
             <a:fld id="{58243E69-C83C-483A-87B8-C8AE9230D595}" type="datetimeFigureOut">
               <a:rPr lang="en-US" smtClean="0"/>
-              <a:t>1/9/2026</a:t>
+              <a:t>1/11/2026</a:t>
             </a:fld>
             <a:endParaRPr lang="en-US"/>
           </a:p>
@@ -2230,7 +2019,7 @@
           <a:p>
             <a:fld id="{58243E69-C83C-483A-87B8-C8AE9230D595}" type="datetimeFigureOut">
               <a:rPr lang="en-US" smtClean="0"/>
-              <a:t>1/9/2026</a:t>
+              <a:t>1/11/2026</a:t>
             </a:fld>
             <a:endParaRPr lang="en-US"/>
           </a:p>
@@ -2787,7 +2576,7 @@
           <a:p>
             <a:fld id="{58243E69-C83C-483A-87B8-C8AE9230D595}" type="datetimeFigureOut">
               <a:rPr lang="en-US" smtClean="0"/>
-              <a:t>1/9/2026</a:t>
+              <a:t>1/11/2026</a:t>
             </a:fld>
             <a:endParaRPr lang="en-US"/>
           </a:p>
@@ -3062,7 +2851,7 @@
           <a:p>
             <a:fld id="{58243E69-C83C-483A-87B8-C8AE9230D595}" type="datetimeFigureOut">
               <a:rPr lang="en-US" smtClean="0"/>
-              <a:t>1/9/2026</a:t>
+              <a:t>1/11/2026</a:t>
             </a:fld>
             <a:endParaRPr lang="en-US"/>
           </a:p>
@@ -3327,7 +3116,7 @@
           <a:p>
             <a:fld id="{58243E69-C83C-483A-87B8-C8AE9230D595}" type="datetimeFigureOut">
               <a:rPr lang="en-US" smtClean="0"/>
-              <a:t>1/9/2026</a:t>
+              <a:t>1/11/2026</a:t>
             </a:fld>
             <a:endParaRPr lang="en-US"/>
           </a:p>
@@ -3739,7 +3528,7 @@
           <a:p>
             <a:fld id="{58243E69-C83C-483A-87B8-C8AE9230D595}" type="datetimeFigureOut">
               <a:rPr lang="en-US" smtClean="0"/>
-              <a:t>1/9/2026</a:t>
+              <a:t>1/11/2026</a:t>
             </a:fld>
             <a:endParaRPr lang="en-US"/>
           </a:p>
@@ -3880,7 +3669,7 @@
           <a:p>
             <a:fld id="{58243E69-C83C-483A-87B8-C8AE9230D595}" type="datetimeFigureOut">
               <a:rPr lang="en-US" smtClean="0"/>
-              <a:t>1/9/2026</a:t>
+              <a:t>1/11/2026</a:t>
             </a:fld>
             <a:endParaRPr lang="en-US"/>
           </a:p>
@@ -3993,7 +3782,7 @@
           <a:p>
             <a:fld id="{58243E69-C83C-483A-87B8-C8AE9230D595}" type="datetimeFigureOut">
               <a:rPr lang="en-US" smtClean="0"/>
-              <a:t>1/9/2026</a:t>
+              <a:t>1/11/2026</a:t>
             </a:fld>
             <a:endParaRPr lang="en-US"/>
           </a:p>
@@ -4304,7 +4093,7 @@
           <a:p>
             <a:fld id="{58243E69-C83C-483A-87B8-C8AE9230D595}" type="datetimeFigureOut">
               <a:rPr lang="en-US" smtClean="0"/>
-              <a:t>1/9/2026</a:t>
+              <a:t>1/11/2026</a:t>
             </a:fld>
             <a:endParaRPr lang="en-US"/>
           </a:p>
@@ -4592,7 +4381,7 @@
           <a:p>
             <a:fld id="{58243E69-C83C-483A-87B8-C8AE9230D595}" type="datetimeFigureOut">
               <a:rPr lang="en-US" smtClean="0"/>
-              <a:t>1/9/2026</a:t>
+              <a:t>1/11/2026</a:t>
             </a:fld>
             <a:endParaRPr lang="en-US"/>
           </a:p>
@@ -4833,7 +4622,7 @@
           <a:p>
             <a:fld id="{58243E69-C83C-483A-87B8-C8AE9230D595}" type="datetimeFigureOut">
               <a:rPr lang="en-US" smtClean="0"/>
-              <a:t>1/9/2026</a:t>
+              <a:t>1/11/2026</a:t>
             </a:fld>
             <a:endParaRPr lang="en-US"/>
           </a:p>
@@ -5308,42 +5097,42 @@
         </p:nvSpPr>
         <p:spPr>
           <a:xfrm>
-            <a:off x="1365380" y="3743184"/>
-            <a:ext cx="9144000" cy="1655762"/>
+            <a:off x="3441601" y="2774016"/>
+            <a:ext cx="5308797" cy="2841673"/>
           </a:xfrm>
         </p:spPr>
         <p:txBody>
           <a:bodyPr>
-            <a:normAutofit fontScale="77500" lnSpcReduction="20000"/>
+            <a:noAutofit/>
           </a:bodyPr>
           <a:lstStyle/>
           <a:p>
             <a:r>
-              <a:rPr lang="en-US" dirty="0"/>
+              <a:rPr lang="en-US" sz="3000" dirty="0"/>
               <a:t>Vladimir Braverman</a:t>
             </a:r>
           </a:p>
           <a:p>
             <a:r>
-              <a:rPr lang="en-US" dirty="0"/>
+              <a:rPr lang="en-US" sz="3000" dirty="0"/>
               <a:t>Sumegha Garg</a:t>
             </a:r>
           </a:p>
           <a:p>
             <a:r>
-              <a:rPr lang="en-US" dirty="0"/>
+              <a:rPr lang="en-US" sz="3000" dirty="0"/>
               <a:t>Chen Wang</a:t>
             </a:r>
           </a:p>
           <a:p>
             <a:r>
-              <a:rPr lang="en-US" dirty="0"/>
+              <a:rPr lang="en-US" sz="3000" dirty="0"/>
               <a:t>David P. Woodruff</a:t>
             </a:r>
           </a:p>
           <a:p>
             <a:r>
-              <a:rPr lang="en-US" dirty="0">
+              <a:rPr lang="en-US" sz="3000" dirty="0">
                 <a:solidFill>
                   <a:srgbClr val="FF0000"/>
                 </a:solidFill>
@@ -5551,7 +5340,7 @@
         <p:cNvPr id="1" name="">
           <a:extLst>
             <a:ext uri="{FF2B5EF4-FFF2-40B4-BE49-F238E27FC236}">
-              <a16:creationId xmlns:a16="http://schemas.microsoft.com/office/drawing/2014/main" id="{AE4A1D99-742F-8E3F-9938-5525C897DF61}"/>
+              <a16:creationId xmlns:a16="http://schemas.microsoft.com/office/drawing/2014/main" id="{5A397B2C-228C-CA0E-2AB4-BF6B111D67EE}"/>
             </a:ext>
           </a:extLst>
         </p:cNvPr>
@@ -5571,7 +5360,7 @@
           <p:cNvPr id="2" name="Title 1">
             <a:extLst>
               <a:ext uri="{FF2B5EF4-FFF2-40B4-BE49-F238E27FC236}">
-                <a16:creationId xmlns:a16="http://schemas.microsoft.com/office/drawing/2014/main" id="{9E276AFB-11DA-5CB5-71F0-3900C44A0E8C}"/>
+                <a16:creationId xmlns:a16="http://schemas.microsoft.com/office/drawing/2014/main" id="{7FD4CDDB-6A98-621B-FA9D-1B205E916672}"/>
               </a:ext>
             </a:extLst>
           </p:cNvPr>
@@ -5584,7 +5373,9 @@
         </p:nvSpPr>
         <p:spPr/>
         <p:txBody>
-          <a:bodyPr/>
+          <a:bodyPr>
+            <a:normAutofit fontScale="90000"/>
+          </a:bodyPr>
           <a:lstStyle/>
           <a:p>
             <a:r>
@@ -5593,19 +5384,19 @@
                   <a:srgbClr val="C00000"/>
                 </a:solidFill>
               </a:rPr>
-              <a:t>Motivation</a:t>
+              <a:t>Preview of Results</a:t>
             </a:r>
           </a:p>
         </p:txBody>
       </p:sp>
-      <mc:AlternateContent xmlns:mc="http://schemas.openxmlformats.org/markup-compatibility/2006">
-        <mc:Choice xmlns:a14="http://schemas.microsoft.com/office/drawing/2010/main" Requires="a14">
+      <mc:AlternateContent xmlns:mc="http://schemas.openxmlformats.org/markup-compatibility/2006" xmlns:a14="http://schemas.microsoft.com/office/drawing/2010/main">
+        <mc:Choice Requires="a14">
           <p:sp>
             <p:nvSpPr>
-              <p:cNvPr id="3" name="Content Placeholder 2">
+              <p:cNvPr id="3" name="Text Placeholder 2">
                 <a:extLst>
                   <a:ext uri="{FF2B5EF4-FFF2-40B4-BE49-F238E27FC236}">
-                    <a16:creationId xmlns:a16="http://schemas.microsoft.com/office/drawing/2014/main" id="{3AB19AF5-2F85-6675-2499-0D4EAECA5FF1}"/>
+                    <a16:creationId xmlns:a16="http://schemas.microsoft.com/office/drawing/2014/main" id="{4D990974-99DE-EB0B-2040-0CC8357F574C}"/>
                   </a:ext>
                 </a:extLst>
               </p:cNvPr>
@@ -5613,24 +5404,32 @@
                 <a:spLocks noGrp="1"/>
               </p:cNvSpPr>
               <p:nvPr>
-                <p:ph idx="1"/>
+                <p:ph type="body" idx="1"/>
               </p:nvPr>
             </p:nvSpPr>
-            <p:spPr>
-              <a:xfrm>
-                <a:off x="838200" y="1825624"/>
-                <a:ext cx="10515600" cy="4667251"/>
-              </a:xfrm>
-            </p:spPr>
+            <p:spPr/>
             <p:txBody>
               <a:bodyPr>
                 <a:normAutofit/>
               </a:bodyPr>
               <a:lstStyle/>
               <a:p>
+                <a:pPr>
+                  <a:buClr>
+                    <a:schemeClr val="tx1"/>
+                  </a:buClr>
+                </a:pPr>
+                <a:r>
+                  <a:rPr lang="en-US" sz="3000" dirty="0">
+                    <a:solidFill>
+                      <a:srgbClr val="00B050"/>
+                    </a:solidFill>
+                  </a:rPr>
+                  <a:t>Input</a:t>
+                </a:r>
                 <a:r>
                   <a:rPr lang="en-US" sz="3000" dirty="0"/>
-                  <a:t>Number of experts </a:t>
+                  <a:t>: </a:t>
                 </a:r>
                 <a14:m>
                   <m:oMath xmlns:m="http://schemas.openxmlformats.org/officeDocument/2006/math">
@@ -5647,37 +5446,262 @@
                 </a14:m>
                 <a:r>
                   <a:rPr lang="en-US" sz="3000" dirty="0"/>
-                  <a:t> can be very large – online learning under memory constraints</a:t>
+                  <a:t> experts, time horizon of </a:t>
+                </a:r>
+                <a14:m>
+                  <m:oMath xmlns:m="http://schemas.openxmlformats.org/officeDocument/2006/math">
+                    <m:r>
+                      <a:rPr lang="en-US" sz="3000" b="0" i="1" smtClean="0">
+                        <a:solidFill>
+                          <a:srgbClr val="C00000"/>
+                        </a:solidFill>
+                        <a:latin typeface="Cambria Math" panose="02040503050406030204" pitchFamily="18" charset="0"/>
+                      </a:rPr>
+                      <m:t>𝑇</m:t>
+                    </m:r>
+                    <m:r>
+                      <a:rPr lang="en-US" sz="3000" b="0" i="1" smtClean="0">
+                        <a:solidFill>
+                          <a:srgbClr val="C00000"/>
+                        </a:solidFill>
+                        <a:latin typeface="Cambria Math" panose="02040503050406030204" pitchFamily="18" charset="0"/>
+                      </a:rPr>
+                      <m:t>≫</m:t>
+                    </m:r>
+                    <m:r>
+                      <a:rPr lang="en-US" sz="3000" b="0" i="1" smtClean="0">
+                        <a:solidFill>
+                          <a:srgbClr val="C00000"/>
+                        </a:solidFill>
+                        <a:latin typeface="Cambria Math" panose="02040503050406030204" pitchFamily="18" charset="0"/>
+                      </a:rPr>
+                      <m:t>𝑛</m:t>
+                    </m:r>
+                  </m:oMath>
+                </a14:m>
+                <a:r>
+                  <a:rPr lang="en-US" sz="3000" dirty="0"/>
+                  <a:t> days</a:t>
                 </a:r>
               </a:p>
               <a:p>
+                <a:pPr>
+                  <a:buClr>
+                    <a:schemeClr val="tx1"/>
+                  </a:buClr>
+                </a:pPr>
+                <a:r>
+                  <a:rPr lang="en-US" sz="3000" dirty="0">
+                    <a:solidFill>
+                      <a:srgbClr val="00B050"/>
+                    </a:solidFill>
+                  </a:rPr>
+                  <a:t>Task</a:t>
+                </a:r>
+                <a:r>
+                  <a:rPr lang="en-US" sz="3000" dirty="0"/>
+                  <a:t>: online learning with experts </a:t>
+                </a:r>
+              </a:p>
+              <a:p>
+                <a:pPr>
+                  <a:buClr>
+                    <a:schemeClr val="tx1"/>
+                  </a:buClr>
+                </a:pPr>
                 <a:endParaRPr lang="en-US" sz="3000" dirty="0"/>
               </a:p>
               <a:p>
+                <a:pPr>
+                  <a:buClr>
+                    <a:schemeClr val="tx1"/>
+                  </a:buClr>
+                </a:pPr>
                 <a:r>
                   <a:rPr lang="en-US" sz="3000" dirty="0"/>
-                  <a:t>Not all times are created equal – recent data more valuable than older data</a:t>
+                  <a:t>Two queries are very strong!</a:t>
                 </a:r>
               </a:p>
               <a:p>
-                <a:endParaRPr lang="en-US" sz="3000" dirty="0"/>
+                <a:pPr lvl="1">
+                  <a:buClr>
+                    <a:schemeClr val="tx1"/>
+                  </a:buClr>
+                </a:pPr>
+                <a:r>
+                  <a:rPr lang="en-US" sz="3000" i="1" dirty="0">
+                    <a:solidFill>
+                      <a:srgbClr val="0070C0"/>
+                    </a:solidFill>
+                  </a:rPr>
+                  <a:t>Separation</a:t>
+                </a:r>
+                <a:r>
+                  <a:rPr lang="en-US" sz="3000" dirty="0"/>
+                  <a:t> between regret with two queries and single query</a:t>
+                </a:r>
               </a:p>
               <a:p>
+                <a:pPr lvl="1">
+                  <a:buClr>
+                    <a:schemeClr val="tx1"/>
+                  </a:buClr>
+                </a:pPr>
                 <a:r>
                   <a:rPr lang="en-US" sz="3000" dirty="0"/>
-                  <a:t>Querying experts can be expensive – need strong regret guarantees with limited queries</a:t>
+                  <a:t>Can achieve </a:t>
+                </a:r>
+                <a:r>
+                  <a:rPr lang="en-US" sz="3000" i="1" dirty="0">
+                    <a:solidFill>
+                      <a:srgbClr val="0070C0"/>
+                    </a:solidFill>
+                  </a:rPr>
+                  <a:t>optimal</a:t>
+                </a:r>
+                <a:r>
+                  <a:rPr lang="en-US" sz="3000" dirty="0"/>
+                  <a:t> regret with </a:t>
+                </a:r>
+                <a14:m>
+                  <m:oMath xmlns:m="http://schemas.openxmlformats.org/officeDocument/2006/math">
+                    <m:r>
+                      <m:rPr>
+                        <m:sty m:val="p"/>
+                      </m:rPr>
+                      <a:rPr lang="en-US" sz="3000">
+                        <a:solidFill>
+                          <a:srgbClr val="C00000"/>
+                        </a:solidFill>
+                        <a:latin typeface="Cambria Math" panose="02040503050406030204" pitchFamily="18" charset="0"/>
+                      </a:rPr>
+                      <m:t>polylog</m:t>
+                    </m:r>
+                    <m:d>
+                      <m:dPr>
+                        <m:ctrlPr>
+                          <a:rPr lang="en-US" sz="3000" i="1">
+                            <a:solidFill>
+                              <a:srgbClr val="C00000"/>
+                            </a:solidFill>
+                            <a:latin typeface="Cambria Math" panose="02040503050406030204" pitchFamily="18" charset="0"/>
+                          </a:rPr>
+                        </m:ctrlPr>
+                      </m:dPr>
+                      <m:e>
+                        <m:r>
+                          <a:rPr lang="en-US" sz="3000" i="1">
+                            <a:solidFill>
+                              <a:srgbClr val="C00000"/>
+                            </a:solidFill>
+                            <a:latin typeface="Cambria Math" panose="02040503050406030204" pitchFamily="18" charset="0"/>
+                          </a:rPr>
+                          <m:t>𝑇</m:t>
+                        </m:r>
+                      </m:e>
+                    </m:d>
+                  </m:oMath>
+                </a14:m>
+                <a:r>
+                  <a:rPr lang="en-US" sz="3000" dirty="0"/>
+                  <a:t> memory for many notions of regret</a:t>
+                </a:r>
+              </a:p>
+              <a:p>
+                <a:pPr>
+                  <a:buClr>
+                    <a:schemeClr val="tx1"/>
+                  </a:buClr>
+                </a:pPr>
+                <a:r>
+                  <a:rPr lang="en-US" sz="3000" dirty="0"/>
+                  <a:t>Can get </a:t>
+                </a:r>
+                <a:r>
+                  <a:rPr lang="en-US" sz="3000" i="1" dirty="0">
+                    <a:solidFill>
+                      <a:srgbClr val="0070C0"/>
+                    </a:solidFill>
+                  </a:rPr>
+                  <a:t>sublinear</a:t>
+                </a:r>
+                <a:r>
+                  <a:rPr lang="en-US" sz="3000" dirty="0"/>
+                  <a:t> regret in streaming model with </a:t>
+                </a:r>
+                <a14:m>
+                  <m:oMath xmlns:m="http://schemas.openxmlformats.org/officeDocument/2006/math">
+                    <m:r>
+                      <m:rPr>
+                        <m:sty m:val="p"/>
+                      </m:rPr>
+                      <a:rPr lang="en-US" sz="3000">
+                        <a:solidFill>
+                          <a:srgbClr val="C00000"/>
+                        </a:solidFill>
+                        <a:latin typeface="Cambria Math" panose="02040503050406030204" pitchFamily="18" charset="0"/>
+                      </a:rPr>
+                      <m:t>polylog</m:t>
+                    </m:r>
+                    <m:d>
+                      <m:dPr>
+                        <m:ctrlPr>
+                          <a:rPr lang="en-US" sz="3000" i="1">
+                            <a:solidFill>
+                              <a:srgbClr val="C00000"/>
+                            </a:solidFill>
+                            <a:latin typeface="Cambria Math" panose="02040503050406030204" pitchFamily="18" charset="0"/>
+                          </a:rPr>
+                        </m:ctrlPr>
+                      </m:dPr>
+                      <m:e>
+                        <m:r>
+                          <a:rPr lang="en-US" sz="3000" i="1">
+                            <a:solidFill>
+                              <a:srgbClr val="C00000"/>
+                            </a:solidFill>
+                            <a:latin typeface="Cambria Math" panose="02040503050406030204" pitchFamily="18" charset="0"/>
+                          </a:rPr>
+                          <m:t>𝑇</m:t>
+                        </m:r>
+                      </m:e>
+                    </m:d>
+                  </m:oMath>
+                </a14:m>
+                <a:r>
+                  <a:rPr lang="en-US" sz="3000" dirty="0"/>
+                  <a:t> memory and a single query</a:t>
+                </a:r>
+              </a:p>
+              <a:p>
+                <a:pPr lvl="1">
+                  <a:buClr>
+                    <a:schemeClr val="tx1"/>
+                  </a:buClr>
+                </a:pPr>
+                <a:r>
+                  <a:rPr lang="en-US" sz="3000" i="1" dirty="0">
+                    <a:solidFill>
+                      <a:srgbClr val="0070C0"/>
+                    </a:solidFill>
+                  </a:rPr>
+                  <a:t>Optimal</a:t>
+                </a:r>
+                <a:r>
+                  <a:rPr lang="en-US" sz="3000" dirty="0"/>
+                  <a:t> regret if best expert is distributed “randomly”</a:t>
                 </a:r>
               </a:p>
             </p:txBody>
           </p:sp>
         </mc:Choice>
-        <mc:Fallback>
+        <mc:Fallback xmlns="">
           <p:sp>
             <p:nvSpPr>
-              <p:cNvPr id="3" name="Content Placeholder 2">
+              <p:cNvPr id="3" name="Text Placeholder 2">
                 <a:extLst>
                   <a:ext uri="{FF2B5EF4-FFF2-40B4-BE49-F238E27FC236}">
-                    <a16:creationId xmlns:a16="http://schemas.microsoft.com/office/drawing/2014/main" id="{3AB19AF5-2F85-6675-2499-0D4EAECA5FF1}"/>
+                    <a16:creationId xmlns:a16="http://schemas.microsoft.com/office/drawing/2014/main" id="{4D990974-99DE-EB0B-2040-0CC8357F574C}"/>
                   </a:ext>
                 </a:extLst>
               </p:cNvPr>
@@ -5685,18 +5709,14 @@
                 <a:spLocks noGrp="1" noRot="1" noChangeAspect="1" noMove="1" noResize="1" noEditPoints="1" noAdjustHandles="1" noChangeArrowheads="1" noChangeShapeType="1" noTextEdit="1"/>
               </p:cNvSpPr>
               <p:nvPr>
-                <p:ph idx="1"/>
+                <p:ph type="body" idx="1"/>
               </p:nvPr>
             </p:nvSpPr>
             <p:spPr>
-              <a:xfrm>
-                <a:off x="838200" y="1825624"/>
-                <a:ext cx="10515600" cy="4667251"/>
-              </a:xfrm>
               <a:blipFill>
                 <a:blip r:embed="rId2"/>
                 <a:stretch>
-                  <a:fillRect l="-1217" t="-2611" r="-754"/>
+                  <a:fillRect t="-1606"/>
                 </a:stretch>
               </a:blipFill>
             </p:spPr>
@@ -5718,7 +5738,7 @@
     </p:spTree>
     <p:extLst>
       <p:ext uri="{BB962C8B-B14F-4D97-AF65-F5344CB8AC3E}">
-        <p14:creationId xmlns:p14="http://schemas.microsoft.com/office/powerpoint/2010/main" val="1234717581"/>
+        <p14:creationId xmlns:p14="http://schemas.microsoft.com/office/powerpoint/2010/main" val="3947357021"/>
       </p:ext>
     </p:extLst>
   </p:cSld>
@@ -5729,131 +5749,6 @@
 </file>
 
 <file path=ppt/slides/slide11.xml><?xml version="1.0" encoding="utf-8"?>
-<p:sld xmlns:a="http://schemas.openxmlformats.org/drawingml/2006/main" xmlns:r="http://schemas.openxmlformats.org/officeDocument/2006/relationships" xmlns:p="http://schemas.openxmlformats.org/presentationml/2006/main">
-  <p:cSld>
-    <p:spTree>
-      <p:nvGrpSpPr>
-        <p:cNvPr id="1" name=""/>
-        <p:cNvGrpSpPr/>
-        <p:nvPr/>
-      </p:nvGrpSpPr>
-      <p:grpSpPr>
-        <a:xfrm>
-          <a:off x="0" y="0"/>
-          <a:ext cx="0" cy="0"/>
-          <a:chOff x="0" y="0"/>
-          <a:chExt cx="0" cy="0"/>
-        </a:xfrm>
-      </p:grpSpPr>
-      <p:sp>
-        <p:nvSpPr>
-          <p:cNvPr id="2" name="Title 1">
-            <a:extLst>
-              <a:ext uri="{FF2B5EF4-FFF2-40B4-BE49-F238E27FC236}">
-                <a16:creationId xmlns:a16="http://schemas.microsoft.com/office/drawing/2014/main" id="{5D862B66-0FBF-4E65-BF1A-D66892D79C5C}"/>
-              </a:ext>
-            </a:extLst>
-          </p:cNvPr>
-          <p:cNvSpPr>
-            <a:spLocks noGrp="1"/>
-          </p:cNvSpPr>
-          <p:nvPr>
-            <p:ph type="title"/>
-          </p:nvPr>
-        </p:nvSpPr>
-        <p:spPr/>
-        <p:txBody>
-          <a:bodyPr/>
-          <a:lstStyle/>
-          <a:p>
-            <a:r>
-              <a:rPr lang="en-US" dirty="0">
-                <a:solidFill>
-                  <a:srgbClr val="C00000"/>
-                </a:solidFill>
-              </a:rPr>
-              <a:t>Applications</a:t>
-            </a:r>
-          </a:p>
-        </p:txBody>
-      </p:sp>
-      <p:sp>
-        <p:nvSpPr>
-          <p:cNvPr id="3" name="Content Placeholder 2">
-            <a:extLst>
-              <a:ext uri="{FF2B5EF4-FFF2-40B4-BE49-F238E27FC236}">
-                <a16:creationId xmlns:a16="http://schemas.microsoft.com/office/drawing/2014/main" id="{6ECA1A28-9707-4037-88F8-B854AB988294}"/>
-              </a:ext>
-            </a:extLst>
-          </p:cNvPr>
-          <p:cNvSpPr>
-            <a:spLocks noGrp="1"/>
-          </p:cNvSpPr>
-          <p:nvPr>
-            <p:ph idx="1"/>
-          </p:nvPr>
-        </p:nvSpPr>
-        <p:spPr/>
-        <p:txBody>
-          <a:bodyPr>
-            <a:normAutofit/>
-          </a:bodyPr>
-          <a:lstStyle/>
-          <a:p>
-            <a:r>
-              <a:rPr lang="en-US" sz="3000" b="0" dirty="0"/>
-              <a:t>Ensemble learning, e.g., AdaBoost</a:t>
-            </a:r>
-          </a:p>
-          <a:p>
-            <a:endParaRPr lang="en-US" sz="3000" dirty="0"/>
-          </a:p>
-          <a:p>
-            <a:pPr marL="0" indent="0">
-              <a:buNone/>
-            </a:pPr>
-            <a:endParaRPr lang="en-US" sz="3000" dirty="0"/>
-          </a:p>
-          <a:p>
-            <a:r>
-              <a:rPr lang="en-US" sz="3000" dirty="0"/>
-              <a:t>Forecast and portfolio optimization</a:t>
-            </a:r>
-          </a:p>
-          <a:p>
-            <a:endParaRPr lang="en-US" sz="3000" dirty="0"/>
-          </a:p>
-          <a:p>
-            <a:pPr marL="0" indent="0">
-              <a:buNone/>
-            </a:pPr>
-            <a:endParaRPr lang="en-US" sz="3000" dirty="0"/>
-          </a:p>
-          <a:p>
-            <a:r>
-              <a:rPr lang="en-US" sz="3000" dirty="0"/>
-              <a:t>Special case of online convex optimization</a:t>
-            </a:r>
-          </a:p>
-          <a:p>
-            <a:endParaRPr lang="en-US" sz="3000" dirty="0"/>
-          </a:p>
-        </p:txBody>
-      </p:sp>
-    </p:spTree>
-    <p:extLst>
-      <p:ext uri="{BB962C8B-B14F-4D97-AF65-F5344CB8AC3E}">
-        <p14:creationId xmlns:p14="http://schemas.microsoft.com/office/powerpoint/2010/main" val="2793205786"/>
-      </p:ext>
-    </p:extLst>
-  </p:cSld>
-  <p:clrMapOvr>
-    <a:masterClrMapping/>
-  </p:clrMapOvr>
-</p:sld>
-</file>
-
-<file path=ppt/slides/slide12.xml><?xml version="1.0" encoding="utf-8"?>
 <p:sld xmlns:a="http://schemas.openxmlformats.org/drawingml/2006/main" xmlns:r="http://schemas.openxmlformats.org/officeDocument/2006/relationships" xmlns:p="http://schemas.openxmlformats.org/presentationml/2006/main">
   <p:cSld>
     <p:spTree>
@@ -5908,8 +5803,8 @@
           </a:p>
         </p:txBody>
       </p:sp>
-      <mc:AlternateContent xmlns:mc="http://schemas.openxmlformats.org/markup-compatibility/2006">
-        <mc:Choice xmlns:a14="http://schemas.microsoft.com/office/drawing/2010/main" Requires="a14">
+      <mc:AlternateContent xmlns:mc="http://schemas.openxmlformats.org/markup-compatibility/2006" xmlns:a14="http://schemas.microsoft.com/office/drawing/2010/main">
+        <mc:Choice Requires="a14">
           <p:sp>
             <p:nvSpPr>
               <p:cNvPr id="3" name="Content Placeholder 2">
@@ -6249,6 +6144,14 @@
                     </m:d>
                   </m:oMath>
                 </a14:m>
+                <a:r>
+                  <a:rPr lang="en-US" sz="3000" dirty="0">
+                    <a:solidFill>
+                      <a:srgbClr val="7030A0"/>
+                    </a:solidFill>
+                  </a:rPr>
+                  <a:t> [Cover 66]</a:t>
+                </a:r>
                 <a:endParaRPr lang="en-US" sz="3000" dirty="0"/>
               </a:p>
               <a:p>
@@ -6257,7 +6160,7 @@
             </p:txBody>
           </p:sp>
         </mc:Choice>
-        <mc:Fallback>
+        <mc:Fallback xmlns="">
           <p:sp>
             <p:nvSpPr>
               <p:cNvPr id="3" name="Content Placeholder 2">
@@ -6278,7 +6181,7 @@
               <a:blipFill>
                 <a:blip r:embed="rId2"/>
                 <a:stretch>
-                  <a:fillRect l="-1217" t="-2801" r="-812" b="-1120"/>
+                  <a:fillRect l="-1217" t="-2801" r="-1507"/>
                 </a:stretch>
               </a:blipFill>
             </p:spPr>
@@ -6310,6 +6213,489 @@
 </p:sld>
 </file>
 
+<file path=ppt/slides/slide12.xml><?xml version="1.0" encoding="utf-8"?>
+<p:sld xmlns:a="http://schemas.openxmlformats.org/drawingml/2006/main" xmlns:r="http://schemas.openxmlformats.org/officeDocument/2006/relationships" xmlns:p="http://schemas.openxmlformats.org/presentationml/2006/main">
+  <p:cSld>
+    <p:spTree>
+      <p:nvGrpSpPr>
+        <p:cNvPr id="1" name="">
+          <a:extLst>
+            <a:ext uri="{FF2B5EF4-FFF2-40B4-BE49-F238E27FC236}">
+              <a16:creationId xmlns:a16="http://schemas.microsoft.com/office/drawing/2014/main" id="{16A92213-69C2-9A22-3F91-1E7C5855F7EC}"/>
+            </a:ext>
+          </a:extLst>
+        </p:cNvPr>
+        <p:cNvGrpSpPr/>
+        <p:nvPr/>
+      </p:nvGrpSpPr>
+      <p:grpSpPr>
+        <a:xfrm>
+          <a:off x="0" y="0"/>
+          <a:ext cx="0" cy="0"/>
+          <a:chOff x="0" y="0"/>
+          <a:chExt cx="0" cy="0"/>
+        </a:xfrm>
+      </p:grpSpPr>
+      <p:sp>
+        <p:nvSpPr>
+          <p:cNvPr id="2" name="Title 1">
+            <a:extLst>
+              <a:ext uri="{FF2B5EF4-FFF2-40B4-BE49-F238E27FC236}">
+                <a16:creationId xmlns:a16="http://schemas.microsoft.com/office/drawing/2014/main" id="{EA987276-F676-65D0-DAA5-9A995742B6EA}"/>
+              </a:ext>
+            </a:extLst>
+          </p:cNvPr>
+          <p:cNvSpPr>
+            <a:spLocks noGrp="1"/>
+          </p:cNvSpPr>
+          <p:nvPr>
+            <p:ph type="title"/>
+          </p:nvPr>
+        </p:nvSpPr>
+        <p:spPr/>
+        <p:txBody>
+          <a:bodyPr/>
+          <a:lstStyle/>
+          <a:p>
+            <a:r>
+              <a:rPr lang="en-US" dirty="0">
+                <a:solidFill>
+                  <a:srgbClr val="C00000"/>
+                </a:solidFill>
+              </a:rPr>
+              <a:t>Resource Constraints (Query Complexity)</a:t>
+            </a:r>
+          </a:p>
+        </p:txBody>
+      </p:sp>
+      <p:sp>
+        <p:nvSpPr>
+          <p:cNvPr id="3" name="Content Placeholder 2">
+            <a:extLst>
+              <a:ext uri="{FF2B5EF4-FFF2-40B4-BE49-F238E27FC236}">
+                <a16:creationId xmlns:a16="http://schemas.microsoft.com/office/drawing/2014/main" id="{46BF9832-3BF0-DAE3-08A5-94FA539CB19F}"/>
+              </a:ext>
+            </a:extLst>
+          </p:cNvPr>
+          <p:cNvSpPr>
+            <a:spLocks noGrp="1"/>
+          </p:cNvSpPr>
+          <p:nvPr>
+            <p:ph idx="1"/>
+          </p:nvPr>
+        </p:nvSpPr>
+        <p:spPr>
+          <a:xfrm>
+            <a:off x="838200" y="1825624"/>
+            <a:ext cx="10515600" cy="4667251"/>
+          </a:xfrm>
+        </p:spPr>
+        <p:txBody>
+          <a:bodyPr>
+            <a:normAutofit/>
+          </a:bodyPr>
+          <a:lstStyle/>
+          <a:p>
+            <a:endParaRPr lang="en-US" sz="3000" dirty="0"/>
+          </a:p>
+          <a:p>
+            <a:endParaRPr lang="en-US" sz="3000" dirty="0"/>
+          </a:p>
+        </p:txBody>
+      </p:sp>
+      <mc:AlternateContent xmlns:mc="http://schemas.openxmlformats.org/markup-compatibility/2006" xmlns:a14="http://schemas.microsoft.com/office/drawing/2010/main">
+        <mc:Choice Requires="a14">
+          <p:sp>
+            <p:nvSpPr>
+              <p:cNvPr id="4" name="Content Placeholder 2">
+                <a:extLst>
+                  <a:ext uri="{FF2B5EF4-FFF2-40B4-BE49-F238E27FC236}">
+                    <a16:creationId xmlns:a16="http://schemas.microsoft.com/office/drawing/2014/main" id="{CBAADD42-A14C-A331-1523-D9DB5BAD954D}"/>
+                  </a:ext>
+                </a:extLst>
+              </p:cNvPr>
+              <p:cNvSpPr txBox="1">
+                <a:spLocks/>
+              </p:cNvSpPr>
+              <p:nvPr/>
+            </p:nvSpPr>
+            <p:spPr>
+              <a:xfrm>
+                <a:off x="838200" y="1825625"/>
+                <a:ext cx="10515600" cy="4351338"/>
+              </a:xfrm>
+              <a:prstGeom prst="rect">
+                <a:avLst/>
+              </a:prstGeom>
+            </p:spPr>
+            <p:txBody>
+              <a:bodyPr vert="horz" lIns="91440" tIns="45720" rIns="91440" bIns="45720" rtlCol="0">
+                <a:normAutofit/>
+              </a:bodyPr>
+              <a:lstStyle>
+                <a:lvl1pPr marL="228600" indent="-228600" algn="l" defTabSz="914400" rtl="0" eaLnBrk="1" latinLnBrk="0" hangingPunct="1">
+                  <a:lnSpc>
+                    <a:spcPct val="90000"/>
+                  </a:lnSpc>
+                  <a:spcBef>
+                    <a:spcPts val="1000"/>
+                  </a:spcBef>
+                  <a:buFont typeface="Arial" panose="020B0604020202020204" pitchFamily="34" charset="0"/>
+                  <a:buChar char="•"/>
+                  <a:defRPr sz="2800" kern="1200">
+                    <a:solidFill>
+                      <a:schemeClr val="tx1"/>
+                    </a:solidFill>
+                    <a:latin typeface="+mn-lt"/>
+                    <a:ea typeface="+mn-ea"/>
+                    <a:cs typeface="+mn-cs"/>
+                  </a:defRPr>
+                </a:lvl1pPr>
+                <a:lvl2pPr marL="685800" indent="-228600" algn="l" defTabSz="914400" rtl="0" eaLnBrk="1" latinLnBrk="0" hangingPunct="1">
+                  <a:lnSpc>
+                    <a:spcPct val="90000"/>
+                  </a:lnSpc>
+                  <a:spcBef>
+                    <a:spcPts val="500"/>
+                  </a:spcBef>
+                  <a:buFont typeface="Arial" panose="020B0604020202020204" pitchFamily="34" charset="0"/>
+                  <a:buChar char="•"/>
+                  <a:defRPr sz="2400" kern="1200">
+                    <a:solidFill>
+                      <a:schemeClr val="tx1"/>
+                    </a:solidFill>
+                    <a:latin typeface="+mn-lt"/>
+                    <a:ea typeface="+mn-ea"/>
+                    <a:cs typeface="+mn-cs"/>
+                  </a:defRPr>
+                </a:lvl2pPr>
+                <a:lvl3pPr marL="1143000" indent="-228600" algn="l" defTabSz="914400" rtl="0" eaLnBrk="1" latinLnBrk="0" hangingPunct="1">
+                  <a:lnSpc>
+                    <a:spcPct val="90000"/>
+                  </a:lnSpc>
+                  <a:spcBef>
+                    <a:spcPts val="500"/>
+                  </a:spcBef>
+                  <a:buFont typeface="Arial" panose="020B0604020202020204" pitchFamily="34" charset="0"/>
+                  <a:buChar char="•"/>
+                  <a:defRPr sz="2000" kern="1200">
+                    <a:solidFill>
+                      <a:schemeClr val="tx1"/>
+                    </a:solidFill>
+                    <a:latin typeface="+mn-lt"/>
+                    <a:ea typeface="+mn-ea"/>
+                    <a:cs typeface="+mn-cs"/>
+                  </a:defRPr>
+                </a:lvl3pPr>
+                <a:lvl4pPr marL="1600200" indent="-228600" algn="l" defTabSz="914400" rtl="0" eaLnBrk="1" latinLnBrk="0" hangingPunct="1">
+                  <a:lnSpc>
+                    <a:spcPct val="90000"/>
+                  </a:lnSpc>
+                  <a:spcBef>
+                    <a:spcPts val="500"/>
+                  </a:spcBef>
+                  <a:buFont typeface="Arial" panose="020B0604020202020204" pitchFamily="34" charset="0"/>
+                  <a:buChar char="•"/>
+                  <a:defRPr sz="1800" kern="1200">
+                    <a:solidFill>
+                      <a:schemeClr val="tx1"/>
+                    </a:solidFill>
+                    <a:latin typeface="+mn-lt"/>
+                    <a:ea typeface="+mn-ea"/>
+                    <a:cs typeface="+mn-cs"/>
+                  </a:defRPr>
+                </a:lvl4pPr>
+                <a:lvl5pPr marL="2057400" indent="-228600" algn="l" defTabSz="914400" rtl="0" eaLnBrk="1" latinLnBrk="0" hangingPunct="1">
+                  <a:lnSpc>
+                    <a:spcPct val="90000"/>
+                  </a:lnSpc>
+                  <a:spcBef>
+                    <a:spcPts val="500"/>
+                  </a:spcBef>
+                  <a:buFont typeface="Arial" panose="020B0604020202020204" pitchFamily="34" charset="0"/>
+                  <a:buChar char="•"/>
+                  <a:defRPr sz="1800" kern="1200">
+                    <a:solidFill>
+                      <a:schemeClr val="tx1"/>
+                    </a:solidFill>
+                    <a:latin typeface="+mn-lt"/>
+                    <a:ea typeface="+mn-ea"/>
+                    <a:cs typeface="+mn-cs"/>
+                  </a:defRPr>
+                </a:lvl5pPr>
+                <a:lvl6pPr marL="2514600" indent="-228600" algn="l" defTabSz="914400" rtl="0" eaLnBrk="1" latinLnBrk="0" hangingPunct="1">
+                  <a:lnSpc>
+                    <a:spcPct val="90000"/>
+                  </a:lnSpc>
+                  <a:spcBef>
+                    <a:spcPts val="500"/>
+                  </a:spcBef>
+                  <a:buFont typeface="Arial" panose="020B0604020202020204" pitchFamily="34" charset="0"/>
+                  <a:buChar char="•"/>
+                  <a:defRPr sz="1800" kern="1200">
+                    <a:solidFill>
+                      <a:schemeClr val="tx1"/>
+                    </a:solidFill>
+                    <a:latin typeface="+mn-lt"/>
+                    <a:ea typeface="+mn-ea"/>
+                    <a:cs typeface="+mn-cs"/>
+                  </a:defRPr>
+                </a:lvl6pPr>
+                <a:lvl7pPr marL="2971800" indent="-228600" algn="l" defTabSz="914400" rtl="0" eaLnBrk="1" latinLnBrk="0" hangingPunct="1">
+                  <a:lnSpc>
+                    <a:spcPct val="90000"/>
+                  </a:lnSpc>
+                  <a:spcBef>
+                    <a:spcPts val="500"/>
+                  </a:spcBef>
+                  <a:buFont typeface="Arial" panose="020B0604020202020204" pitchFamily="34" charset="0"/>
+                  <a:buChar char="•"/>
+                  <a:defRPr sz="1800" kern="1200">
+                    <a:solidFill>
+                      <a:schemeClr val="tx1"/>
+                    </a:solidFill>
+                    <a:latin typeface="+mn-lt"/>
+                    <a:ea typeface="+mn-ea"/>
+                    <a:cs typeface="+mn-cs"/>
+                  </a:defRPr>
+                </a:lvl7pPr>
+                <a:lvl8pPr marL="3429000" indent="-228600" algn="l" defTabSz="914400" rtl="0" eaLnBrk="1" latinLnBrk="0" hangingPunct="1">
+                  <a:lnSpc>
+                    <a:spcPct val="90000"/>
+                  </a:lnSpc>
+                  <a:spcBef>
+                    <a:spcPts val="500"/>
+                  </a:spcBef>
+                  <a:buFont typeface="Arial" panose="020B0604020202020204" pitchFamily="34" charset="0"/>
+                  <a:buChar char="•"/>
+                  <a:defRPr sz="1800" kern="1200">
+                    <a:solidFill>
+                      <a:schemeClr val="tx1"/>
+                    </a:solidFill>
+                    <a:latin typeface="+mn-lt"/>
+                    <a:ea typeface="+mn-ea"/>
+                    <a:cs typeface="+mn-cs"/>
+                  </a:defRPr>
+                </a:lvl8pPr>
+                <a:lvl9pPr marL="3886200" indent="-228600" algn="l" defTabSz="914400" rtl="0" eaLnBrk="1" latinLnBrk="0" hangingPunct="1">
+                  <a:lnSpc>
+                    <a:spcPct val="90000"/>
+                  </a:lnSpc>
+                  <a:spcBef>
+                    <a:spcPts val="500"/>
+                  </a:spcBef>
+                  <a:buFont typeface="Arial" panose="020B0604020202020204" pitchFamily="34" charset="0"/>
+                  <a:buChar char="•"/>
+                  <a:defRPr sz="1800" kern="1200">
+                    <a:solidFill>
+                      <a:schemeClr val="tx1"/>
+                    </a:solidFill>
+                    <a:latin typeface="+mn-lt"/>
+                    <a:ea typeface="+mn-ea"/>
+                    <a:cs typeface="+mn-cs"/>
+                  </a:defRPr>
+                </a:lvl9pPr>
+              </a:lstStyle>
+              <a:p>
+                <a:r>
+                  <a:rPr lang="en-US" sz="3000" dirty="0"/>
+                  <a:t>Small query complexity, ideally just a single query per time, i.e., bandit setting</a:t>
+                </a:r>
+              </a:p>
+              <a:p>
+                <a:endParaRPr lang="en-US" sz="3000" dirty="0"/>
+              </a:p>
+              <a:p>
+                <a:endParaRPr lang="en-US" sz="3000" dirty="0"/>
+              </a:p>
+              <a:p>
+                <a:r>
+                  <a:rPr lang="en-US" sz="3000" dirty="0"/>
+                  <a:t>Classical algorithms, e.g., EXP3, achieve regret </a:t>
+                </a:r>
+                <a14:m>
+                  <m:oMath xmlns:m="http://schemas.openxmlformats.org/officeDocument/2006/math">
+                    <m:acc>
+                      <m:accPr>
+                        <m:chr m:val="̃"/>
+                        <m:ctrlPr>
+                          <a:rPr lang="en-US" sz="3000" b="0" i="1" dirty="0" smtClean="0">
+                            <a:solidFill>
+                              <a:srgbClr val="C00000"/>
+                            </a:solidFill>
+                            <a:latin typeface="Cambria Math" panose="02040503050406030204" pitchFamily="18" charset="0"/>
+                          </a:rPr>
+                        </m:ctrlPr>
+                      </m:accPr>
+                      <m:e>
+                        <m:r>
+                          <a:rPr lang="en-US" sz="3000" b="0" i="1" dirty="0" smtClean="0">
+                            <a:solidFill>
+                              <a:srgbClr val="C00000"/>
+                            </a:solidFill>
+                            <a:latin typeface="Cambria Math" panose="02040503050406030204" pitchFamily="18" charset="0"/>
+                          </a:rPr>
+                          <m:t>𝑂</m:t>
+                        </m:r>
+                      </m:e>
+                    </m:acc>
+                    <m:d>
+                      <m:dPr>
+                        <m:ctrlPr>
+                          <a:rPr lang="en-US" sz="3000" i="1">
+                            <a:solidFill>
+                              <a:srgbClr val="C00000"/>
+                            </a:solidFill>
+                            <a:latin typeface="Cambria Math" panose="02040503050406030204" pitchFamily="18" charset="0"/>
+                          </a:rPr>
+                        </m:ctrlPr>
+                      </m:dPr>
+                      <m:e>
+                        <m:rad>
+                          <m:radPr>
+                            <m:degHide m:val="on"/>
+                            <m:ctrlPr>
+                              <a:rPr lang="en-US" sz="3000" i="1">
+                                <a:solidFill>
+                                  <a:srgbClr val="C00000"/>
+                                </a:solidFill>
+                                <a:latin typeface="Cambria Math" panose="02040503050406030204" pitchFamily="18" charset="0"/>
+                              </a:rPr>
+                            </m:ctrlPr>
+                          </m:radPr>
+                          <m:deg/>
+                          <m:e>
+                            <m:r>
+                              <a:rPr lang="en-US" sz="3000" b="0" i="1" smtClean="0">
+                                <a:solidFill>
+                                  <a:srgbClr val="C00000"/>
+                                </a:solidFill>
+                                <a:latin typeface="Cambria Math" panose="02040503050406030204" pitchFamily="18" charset="0"/>
+                              </a:rPr>
+                              <m:t>𝑛</m:t>
+                            </m:r>
+                            <m:r>
+                              <a:rPr lang="en-US" sz="3000" i="1">
+                                <a:solidFill>
+                                  <a:srgbClr val="C00000"/>
+                                </a:solidFill>
+                                <a:latin typeface="Cambria Math" panose="02040503050406030204" pitchFamily="18" charset="0"/>
+                              </a:rPr>
+                              <m:t>𝑇</m:t>
+                            </m:r>
+                          </m:e>
+                        </m:rad>
+                      </m:e>
+                    </m:d>
+                  </m:oMath>
+                </a14:m>
+                <a:r>
+                  <a:rPr lang="en-US" sz="3000" dirty="0"/>
+                  <a:t>, which is known to be optimal </a:t>
+                </a:r>
+                <a:r>
+                  <a:rPr lang="en-US" sz="3000" dirty="0">
+                    <a:solidFill>
+                      <a:srgbClr val="7030A0"/>
+                    </a:solidFill>
+                  </a:rPr>
+                  <a:t>[Auer, </a:t>
+                </a:r>
+                <a:r>
+                  <a:rPr lang="en-US" sz="3000" dirty="0" err="1">
+                    <a:solidFill>
+                      <a:srgbClr val="7030A0"/>
+                    </a:solidFill>
+                  </a:rPr>
+                  <a:t>Cesa</a:t>
+                </a:r>
+                <a:r>
+                  <a:rPr lang="en-US" sz="3000" dirty="0">
+                    <a:solidFill>
+                      <a:srgbClr val="7030A0"/>
+                    </a:solidFill>
+                  </a:rPr>
+                  <a:t>-Bianchi, Fruend-</a:t>
+                </a:r>
+                <a:r>
+                  <a:rPr lang="en-US" sz="3000" dirty="0" err="1">
+                    <a:solidFill>
+                      <a:srgbClr val="7030A0"/>
+                    </a:solidFill>
+                  </a:rPr>
+                  <a:t>Schapire</a:t>
+                </a:r>
+                <a:r>
+                  <a:rPr lang="en-US" sz="3000" dirty="0">
+                    <a:solidFill>
+                      <a:srgbClr val="7030A0"/>
+                    </a:solidFill>
+                  </a:rPr>
+                  <a:t> 02]</a:t>
+                </a:r>
+                <a:endParaRPr lang="en-US" sz="3000" dirty="0"/>
+              </a:p>
+            </p:txBody>
+          </p:sp>
+        </mc:Choice>
+        <mc:Fallback xmlns="">
+          <p:sp>
+            <p:nvSpPr>
+              <p:cNvPr id="4" name="Content Placeholder 2">
+                <a:extLst>
+                  <a:ext uri="{FF2B5EF4-FFF2-40B4-BE49-F238E27FC236}">
+                    <a16:creationId xmlns:a16="http://schemas.microsoft.com/office/drawing/2014/main" id="{CBAADD42-A14C-A331-1523-D9DB5BAD954D}"/>
+                  </a:ext>
+                </a:extLst>
+              </p:cNvPr>
+              <p:cNvSpPr txBox="1">
+                <a:spLocks noRot="1" noChangeAspect="1" noMove="1" noResize="1" noEditPoints="1" noAdjustHandles="1" noChangeArrowheads="1" noChangeShapeType="1" noTextEdit="1"/>
+              </p:cNvSpPr>
+              <p:nvPr/>
+            </p:nvSpPr>
+            <p:spPr>
+              <a:xfrm>
+                <a:off x="838200" y="1825625"/>
+                <a:ext cx="10515600" cy="4351338"/>
+              </a:xfrm>
+              <a:prstGeom prst="rect">
+                <a:avLst/>
+              </a:prstGeom>
+              <a:blipFill>
+                <a:blip r:embed="rId2"/>
+                <a:stretch>
+                  <a:fillRect l="-1217" t="-2801" r="-464"/>
+                </a:stretch>
+              </a:blipFill>
+            </p:spPr>
+            <p:txBody>
+              <a:bodyPr/>
+              <a:lstStyle/>
+              <a:p>
+                <a:r>
+                  <a:rPr lang="en-US">
+                    <a:noFill/>
+                  </a:rPr>
+                  <a:t> </a:t>
+                </a:r>
+              </a:p>
+            </p:txBody>
+          </p:sp>
+        </mc:Fallback>
+      </mc:AlternateContent>
+    </p:spTree>
+    <p:extLst>
+      <p:ext uri="{BB962C8B-B14F-4D97-AF65-F5344CB8AC3E}">
+        <p14:creationId xmlns:p14="http://schemas.microsoft.com/office/powerpoint/2010/main" val="1531611109"/>
+      </p:ext>
+    </p:extLst>
+  </p:cSld>
+  <p:clrMapOvr>
+    <a:masterClrMapping/>
+  </p:clrMapOvr>
+</p:sld>
+</file>
+
 <file path=ppt/slides/slide13.xml><?xml version="1.0" encoding="utf-8"?>
 <p:sld xmlns:a="http://schemas.openxmlformats.org/drawingml/2006/main" xmlns:r="http://schemas.openxmlformats.org/officeDocument/2006/relationships" xmlns:p="http://schemas.openxmlformats.org/presentationml/2006/main">
   <p:cSld>
@@ -6354,7 +6740,7 @@
                   <a:srgbClr val="C00000"/>
                 </a:solidFill>
               </a:rPr>
-              <a:t>Resource Constraints</a:t>
+              <a:t>Resource Constraints (Memory)</a:t>
             </a:r>
           </a:p>
         </p:txBody>
@@ -6394,8 +6780,8 @@
           </a:p>
         </p:txBody>
       </p:sp>
-      <mc:AlternateContent xmlns:mc="http://schemas.openxmlformats.org/markup-compatibility/2006">
-        <mc:Choice xmlns:a14="http://schemas.microsoft.com/office/drawing/2010/main" Requires="a14">
+      <mc:AlternateContent xmlns:mc="http://schemas.openxmlformats.org/markup-compatibility/2006" xmlns:a14="http://schemas.microsoft.com/office/drawing/2010/main">
+        <mc:Choice Requires="a14">
           <p:sp>
             <p:nvSpPr>
               <p:cNvPr id="4" name="Content Placeholder 2">
@@ -6627,7 +7013,10 @@
                     </m:r>
                   </m:oMath>
                 </a14:m>
-                <a:endParaRPr lang="en-US" sz="3000" dirty="0"/>
+                <a:r>
+                  <a:rPr lang="en-US" sz="3000" dirty="0"/>
+                  <a:t>, sublinear memory desired</a:t>
+                </a:r>
               </a:p>
               <a:p>
                 <a:pPr>
@@ -6638,28 +7027,171 @@
                 <a:endParaRPr lang="en-US" sz="3000" dirty="0"/>
               </a:p>
               <a:p>
+                <a:pPr>
+                  <a:buClr>
+                    <a:schemeClr val="tx1"/>
+                  </a:buClr>
+                </a:pPr>
                 <a:r>
                   <a:rPr lang="en-US" sz="3000" dirty="0"/>
-                  <a:t>Polylogarithmic memory desired</a:t>
+                  <a:t>Sequence of works </a:t>
                 </a:r>
-              </a:p>
-              <a:p>
-                <a:pPr marL="0" indent="0">
-                  <a:buFont typeface="Arial" panose="020B0604020202020204" pitchFamily="34" charset="0"/>
-                  <a:buNone/>
-                </a:pPr>
-                <a:endParaRPr lang="en-US" sz="3000" dirty="0"/>
-              </a:p>
-              <a:p>
+                <a:r>
+                  <a:rPr lang="en-US" sz="3000" dirty="0">
+                    <a:solidFill>
+                      <a:srgbClr val="7030A0"/>
+                    </a:solidFill>
+                  </a:rPr>
+                  <a:t>[Srinivas, Woodruff, Xu, Zhou 22], [Peng, Zhang 23], [Aamand, Chen, Nguyen, Silwal 23], [Peng, Rubinstein 23]</a:t>
+                </a:r>
                 <a:r>
                   <a:rPr lang="en-US" sz="3000" dirty="0"/>
-                  <a:t>Small query complexity, ideally just a single query per time, i.e., bandit setting</a:t>
+                  <a:t> culminating in near-optimal regret </a:t>
+                </a:r>
+                <a14:m>
+                  <m:oMath xmlns:m="http://schemas.openxmlformats.org/officeDocument/2006/math">
+                    <m:sSub>
+                      <m:sSubPr>
+                        <m:ctrlPr>
+                          <a:rPr lang="en-US" sz="3000" b="0" i="1" smtClean="0">
+                            <a:solidFill>
+                              <a:srgbClr val="C00000"/>
+                            </a:solidFill>
+                            <a:latin typeface="Cambria Math" panose="02040503050406030204" pitchFamily="18" charset="0"/>
+                          </a:rPr>
+                        </m:ctrlPr>
+                      </m:sSubPr>
+                      <m:e>
+                        <m:acc>
+                          <m:accPr>
+                            <m:chr m:val="̃"/>
+                            <m:ctrlPr>
+                              <a:rPr lang="en-US" sz="3000" b="0" i="1" dirty="0" smtClean="0">
+                                <a:solidFill>
+                                  <a:srgbClr val="C00000"/>
+                                </a:solidFill>
+                                <a:latin typeface="Cambria Math" panose="02040503050406030204" pitchFamily="18" charset="0"/>
+                              </a:rPr>
+                            </m:ctrlPr>
+                          </m:accPr>
+                          <m:e>
+                            <m:r>
+                              <a:rPr lang="en-US" sz="3000" b="0" i="1" dirty="0" smtClean="0">
+                                <a:solidFill>
+                                  <a:srgbClr val="C00000"/>
+                                </a:solidFill>
+                                <a:latin typeface="Cambria Math" panose="02040503050406030204" pitchFamily="18" charset="0"/>
+                              </a:rPr>
+                              <m:t>𝑂</m:t>
+                            </m:r>
+                          </m:e>
+                        </m:acc>
+                      </m:e>
+                      <m:sub>
+                        <m:r>
+                          <a:rPr lang="en-US" sz="3000" b="0" i="1" smtClean="0">
+                            <a:solidFill>
+                              <a:srgbClr val="C00000"/>
+                            </a:solidFill>
+                            <a:latin typeface="Cambria Math" panose="02040503050406030204" pitchFamily="18" charset="0"/>
+                          </a:rPr>
+                          <m:t>𝑛</m:t>
+                        </m:r>
+                      </m:sub>
+                    </m:sSub>
+                    <m:d>
+                      <m:dPr>
+                        <m:ctrlPr>
+                          <a:rPr lang="en-US" sz="3000" i="1">
+                            <a:solidFill>
+                              <a:srgbClr val="C00000"/>
+                            </a:solidFill>
+                            <a:latin typeface="Cambria Math" panose="02040503050406030204" pitchFamily="18" charset="0"/>
+                          </a:rPr>
+                        </m:ctrlPr>
+                      </m:dPr>
+                      <m:e>
+                        <m:rad>
+                          <m:radPr>
+                            <m:degHide m:val="on"/>
+                            <m:ctrlPr>
+                              <a:rPr lang="en-US" sz="3000" b="0" i="1" smtClean="0">
+                                <a:solidFill>
+                                  <a:srgbClr val="C00000"/>
+                                </a:solidFill>
+                                <a:latin typeface="Cambria Math" panose="02040503050406030204" pitchFamily="18" charset="0"/>
+                              </a:rPr>
+                            </m:ctrlPr>
+                          </m:radPr>
+                          <m:deg/>
+                          <m:e>
+                            <m:r>
+                              <a:rPr lang="en-US" sz="3000" b="0" i="1" smtClean="0">
+                                <a:solidFill>
+                                  <a:srgbClr val="C00000"/>
+                                </a:solidFill>
+                                <a:latin typeface="Cambria Math" panose="02040503050406030204" pitchFamily="18" charset="0"/>
+                              </a:rPr>
+                              <m:t>𝑇</m:t>
+                            </m:r>
+                          </m:e>
+                        </m:rad>
+                      </m:e>
+                    </m:d>
+                  </m:oMath>
+                </a14:m>
+                <a:r>
+                  <a:rPr lang="en-US" sz="3000" dirty="0"/>
+                  <a:t> using </a:t>
+                </a:r>
+                <a14:m>
+                  <m:oMath xmlns:m="http://schemas.openxmlformats.org/officeDocument/2006/math">
+                    <m:r>
+                      <m:rPr>
+                        <m:sty m:val="p"/>
+                      </m:rPr>
+                      <a:rPr lang="en-US" sz="3000" b="0" i="0" smtClean="0">
+                        <a:solidFill>
+                          <a:srgbClr val="C00000"/>
+                        </a:solidFill>
+                        <a:latin typeface="Cambria Math" panose="02040503050406030204" pitchFamily="18" charset="0"/>
+                      </a:rPr>
+                      <m:t>polylog</m:t>
+                    </m:r>
+                    <m:d>
+                      <m:dPr>
+                        <m:ctrlPr>
+                          <a:rPr lang="en-US" sz="3000" b="0" i="1" smtClean="0">
+                            <a:solidFill>
+                              <a:srgbClr val="C00000"/>
+                            </a:solidFill>
+                            <a:latin typeface="Cambria Math" panose="02040503050406030204" pitchFamily="18" charset="0"/>
+                          </a:rPr>
+                        </m:ctrlPr>
+                      </m:dPr>
+                      <m:e>
+                        <m:r>
+                          <a:rPr lang="en-US" sz="3000" b="0" i="1" smtClean="0">
+                            <a:solidFill>
+                              <a:srgbClr val="C00000"/>
+                            </a:solidFill>
+                            <a:latin typeface="Cambria Math" panose="02040503050406030204" pitchFamily="18" charset="0"/>
+                          </a:rPr>
+                          <m:t>𝑇</m:t>
+                        </m:r>
+                      </m:e>
+                    </m:d>
+                  </m:oMath>
+                </a14:m>
+                <a:r>
+                  <a:rPr lang="en-US" sz="3000" dirty="0"/>
+                  <a:t> memory </a:t>
                 </a:r>
               </a:p>
             </p:txBody>
           </p:sp>
         </mc:Choice>
-        <mc:Fallback>
+        <mc:Fallback xmlns="">
           <p:sp>
             <p:nvSpPr>
               <p:cNvPr id="4" name="Content Placeholder 2">
@@ -6685,7 +7217,7 @@
               <a:blipFill>
                 <a:blip r:embed="rId2"/>
                 <a:stretch>
-                  <a:fillRect l="-1217" t="-2801"/>
+                  <a:fillRect l="-1217" t="-2801" r="-1159"/>
                 </a:stretch>
               </a:blipFill>
             </p:spPr>
@@ -6725,408 +7257,6 @@
         <p:cNvPr id="1" name="">
           <a:extLst>
             <a:ext uri="{FF2B5EF4-FFF2-40B4-BE49-F238E27FC236}">
-              <a16:creationId xmlns:a16="http://schemas.microsoft.com/office/drawing/2014/main" id="{0937370F-2342-9D54-B171-70117B236DDC}"/>
-            </a:ext>
-          </a:extLst>
-        </p:cNvPr>
-        <p:cNvGrpSpPr/>
-        <p:nvPr/>
-      </p:nvGrpSpPr>
-      <p:grpSpPr>
-        <a:xfrm>
-          <a:off x="0" y="0"/>
-          <a:ext cx="0" cy="0"/>
-          <a:chOff x="0" y="0"/>
-          <a:chExt cx="0" cy="0"/>
-        </a:xfrm>
-      </p:grpSpPr>
-      <p:sp>
-        <p:nvSpPr>
-          <p:cNvPr id="2" name="Title 1">
-            <a:extLst>
-              <a:ext uri="{FF2B5EF4-FFF2-40B4-BE49-F238E27FC236}">
-                <a16:creationId xmlns:a16="http://schemas.microsoft.com/office/drawing/2014/main" id="{42581AB4-1418-1A95-85C1-41F5E4451180}"/>
-              </a:ext>
-            </a:extLst>
-          </p:cNvPr>
-          <p:cNvSpPr>
-            <a:spLocks noGrp="1"/>
-          </p:cNvSpPr>
-          <p:nvPr>
-            <p:ph type="title"/>
-          </p:nvPr>
-        </p:nvSpPr>
-        <p:spPr/>
-        <p:txBody>
-          <a:bodyPr/>
-          <a:lstStyle/>
-          <a:p>
-            <a:r>
-              <a:rPr lang="en-US" dirty="0">
-                <a:solidFill>
-                  <a:srgbClr val="C00000"/>
-                </a:solidFill>
-              </a:rPr>
-              <a:t>Streaming vs. Sliding Window</a:t>
-            </a:r>
-          </a:p>
-        </p:txBody>
-      </p:sp>
-      <mc:AlternateContent xmlns:mc="http://schemas.openxmlformats.org/markup-compatibility/2006">
-        <mc:Choice xmlns:a14="http://schemas.microsoft.com/office/drawing/2010/main" Requires="a14">
-          <p:sp>
-            <p:nvSpPr>
-              <p:cNvPr id="4" name="Content Placeholder 2">
-                <a:extLst>
-                  <a:ext uri="{FF2B5EF4-FFF2-40B4-BE49-F238E27FC236}">
-                    <a16:creationId xmlns:a16="http://schemas.microsoft.com/office/drawing/2014/main" id="{5AFB318C-587B-DE82-315D-ADA9D48AED92}"/>
-                  </a:ext>
-                </a:extLst>
-              </p:cNvPr>
-              <p:cNvSpPr txBox="1">
-                <a:spLocks/>
-              </p:cNvSpPr>
-              <p:nvPr/>
-            </p:nvSpPr>
-            <p:spPr>
-              <a:xfrm>
-                <a:off x="838200" y="1825625"/>
-                <a:ext cx="10515600" cy="4351338"/>
-              </a:xfrm>
-              <a:prstGeom prst="rect">
-                <a:avLst/>
-              </a:prstGeom>
-            </p:spPr>
-            <p:txBody>
-              <a:bodyPr vert="horz" lIns="91440" tIns="45720" rIns="91440" bIns="45720" rtlCol="0">
-                <a:normAutofit/>
-              </a:bodyPr>
-              <a:lstStyle>
-                <a:lvl1pPr marL="228600" indent="-228600" algn="l" defTabSz="914400" rtl="0" eaLnBrk="1" latinLnBrk="0" hangingPunct="1">
-                  <a:lnSpc>
-                    <a:spcPct val="90000"/>
-                  </a:lnSpc>
-                  <a:spcBef>
-                    <a:spcPts val="1000"/>
-                  </a:spcBef>
-                  <a:buFont typeface="Arial" panose="020B0604020202020204" pitchFamily="34" charset="0"/>
-                  <a:buChar char="•"/>
-                  <a:defRPr sz="2800" kern="1200">
-                    <a:solidFill>
-                      <a:schemeClr val="tx1"/>
-                    </a:solidFill>
-                    <a:latin typeface="+mn-lt"/>
-                    <a:ea typeface="+mn-ea"/>
-                    <a:cs typeface="+mn-cs"/>
-                  </a:defRPr>
-                </a:lvl1pPr>
-                <a:lvl2pPr marL="685800" indent="-228600" algn="l" defTabSz="914400" rtl="0" eaLnBrk="1" latinLnBrk="0" hangingPunct="1">
-                  <a:lnSpc>
-                    <a:spcPct val="90000"/>
-                  </a:lnSpc>
-                  <a:spcBef>
-                    <a:spcPts val="500"/>
-                  </a:spcBef>
-                  <a:buFont typeface="Arial" panose="020B0604020202020204" pitchFamily="34" charset="0"/>
-                  <a:buChar char="•"/>
-                  <a:defRPr sz="2400" kern="1200">
-                    <a:solidFill>
-                      <a:schemeClr val="tx1"/>
-                    </a:solidFill>
-                    <a:latin typeface="+mn-lt"/>
-                    <a:ea typeface="+mn-ea"/>
-                    <a:cs typeface="+mn-cs"/>
-                  </a:defRPr>
-                </a:lvl2pPr>
-                <a:lvl3pPr marL="1143000" indent="-228600" algn="l" defTabSz="914400" rtl="0" eaLnBrk="1" latinLnBrk="0" hangingPunct="1">
-                  <a:lnSpc>
-                    <a:spcPct val="90000"/>
-                  </a:lnSpc>
-                  <a:spcBef>
-                    <a:spcPts val="500"/>
-                  </a:spcBef>
-                  <a:buFont typeface="Arial" panose="020B0604020202020204" pitchFamily="34" charset="0"/>
-                  <a:buChar char="•"/>
-                  <a:defRPr sz="2000" kern="1200">
-                    <a:solidFill>
-                      <a:schemeClr val="tx1"/>
-                    </a:solidFill>
-                    <a:latin typeface="+mn-lt"/>
-                    <a:ea typeface="+mn-ea"/>
-                    <a:cs typeface="+mn-cs"/>
-                  </a:defRPr>
-                </a:lvl3pPr>
-                <a:lvl4pPr marL="1600200" indent="-228600" algn="l" defTabSz="914400" rtl="0" eaLnBrk="1" latinLnBrk="0" hangingPunct="1">
-                  <a:lnSpc>
-                    <a:spcPct val="90000"/>
-                  </a:lnSpc>
-                  <a:spcBef>
-                    <a:spcPts val="500"/>
-                  </a:spcBef>
-                  <a:buFont typeface="Arial" panose="020B0604020202020204" pitchFamily="34" charset="0"/>
-                  <a:buChar char="•"/>
-                  <a:defRPr sz="1800" kern="1200">
-                    <a:solidFill>
-                      <a:schemeClr val="tx1"/>
-                    </a:solidFill>
-                    <a:latin typeface="+mn-lt"/>
-                    <a:ea typeface="+mn-ea"/>
-                    <a:cs typeface="+mn-cs"/>
-                  </a:defRPr>
-                </a:lvl4pPr>
-                <a:lvl5pPr marL="2057400" indent="-228600" algn="l" defTabSz="914400" rtl="0" eaLnBrk="1" latinLnBrk="0" hangingPunct="1">
-                  <a:lnSpc>
-                    <a:spcPct val="90000"/>
-                  </a:lnSpc>
-                  <a:spcBef>
-                    <a:spcPts val="500"/>
-                  </a:spcBef>
-                  <a:buFont typeface="Arial" panose="020B0604020202020204" pitchFamily="34" charset="0"/>
-                  <a:buChar char="•"/>
-                  <a:defRPr sz="1800" kern="1200">
-                    <a:solidFill>
-                      <a:schemeClr val="tx1"/>
-                    </a:solidFill>
-                    <a:latin typeface="+mn-lt"/>
-                    <a:ea typeface="+mn-ea"/>
-                    <a:cs typeface="+mn-cs"/>
-                  </a:defRPr>
-                </a:lvl5pPr>
-                <a:lvl6pPr marL="2514600" indent="-228600" algn="l" defTabSz="914400" rtl="0" eaLnBrk="1" latinLnBrk="0" hangingPunct="1">
-                  <a:lnSpc>
-                    <a:spcPct val="90000"/>
-                  </a:lnSpc>
-                  <a:spcBef>
-                    <a:spcPts val="500"/>
-                  </a:spcBef>
-                  <a:buFont typeface="Arial" panose="020B0604020202020204" pitchFamily="34" charset="0"/>
-                  <a:buChar char="•"/>
-                  <a:defRPr sz="1800" kern="1200">
-                    <a:solidFill>
-                      <a:schemeClr val="tx1"/>
-                    </a:solidFill>
-                    <a:latin typeface="+mn-lt"/>
-                    <a:ea typeface="+mn-ea"/>
-                    <a:cs typeface="+mn-cs"/>
-                  </a:defRPr>
-                </a:lvl6pPr>
-                <a:lvl7pPr marL="2971800" indent="-228600" algn="l" defTabSz="914400" rtl="0" eaLnBrk="1" latinLnBrk="0" hangingPunct="1">
-                  <a:lnSpc>
-                    <a:spcPct val="90000"/>
-                  </a:lnSpc>
-                  <a:spcBef>
-                    <a:spcPts val="500"/>
-                  </a:spcBef>
-                  <a:buFont typeface="Arial" panose="020B0604020202020204" pitchFamily="34" charset="0"/>
-                  <a:buChar char="•"/>
-                  <a:defRPr sz="1800" kern="1200">
-                    <a:solidFill>
-                      <a:schemeClr val="tx1"/>
-                    </a:solidFill>
-                    <a:latin typeface="+mn-lt"/>
-                    <a:ea typeface="+mn-ea"/>
-                    <a:cs typeface="+mn-cs"/>
-                  </a:defRPr>
-                </a:lvl7pPr>
-                <a:lvl8pPr marL="3429000" indent="-228600" algn="l" defTabSz="914400" rtl="0" eaLnBrk="1" latinLnBrk="0" hangingPunct="1">
-                  <a:lnSpc>
-                    <a:spcPct val="90000"/>
-                  </a:lnSpc>
-                  <a:spcBef>
-                    <a:spcPts val="500"/>
-                  </a:spcBef>
-                  <a:buFont typeface="Arial" panose="020B0604020202020204" pitchFamily="34" charset="0"/>
-                  <a:buChar char="•"/>
-                  <a:defRPr sz="1800" kern="1200">
-                    <a:solidFill>
-                      <a:schemeClr val="tx1"/>
-                    </a:solidFill>
-                    <a:latin typeface="+mn-lt"/>
-                    <a:ea typeface="+mn-ea"/>
-                    <a:cs typeface="+mn-cs"/>
-                  </a:defRPr>
-                </a:lvl8pPr>
-                <a:lvl9pPr marL="3886200" indent="-228600" algn="l" defTabSz="914400" rtl="0" eaLnBrk="1" latinLnBrk="0" hangingPunct="1">
-                  <a:lnSpc>
-                    <a:spcPct val="90000"/>
-                  </a:lnSpc>
-                  <a:spcBef>
-                    <a:spcPts val="500"/>
-                  </a:spcBef>
-                  <a:buFont typeface="Arial" panose="020B0604020202020204" pitchFamily="34" charset="0"/>
-                  <a:buChar char="•"/>
-                  <a:defRPr sz="1800" kern="1200">
-                    <a:solidFill>
-                      <a:schemeClr val="tx1"/>
-                    </a:solidFill>
-                    <a:latin typeface="+mn-lt"/>
-                    <a:ea typeface="+mn-ea"/>
-                    <a:cs typeface="+mn-cs"/>
-                  </a:defRPr>
-                </a:lvl9pPr>
-              </a:lstStyle>
-              <a:p>
-                <a:pPr>
-                  <a:buClr>
-                    <a:schemeClr val="tx1"/>
-                  </a:buClr>
-                </a:pPr>
-                <a:r>
-                  <a:rPr lang="en-US" sz="3000" dirty="0">
-                    <a:solidFill>
-                      <a:srgbClr val="00B050"/>
-                    </a:solidFill>
-                  </a:rPr>
-                  <a:t>Streaming</a:t>
-                </a:r>
-                <a:r>
-                  <a:rPr lang="en-US" sz="3000" dirty="0"/>
-                  <a:t>: Sequence of predictions and outcomes, minimize regret over full history</a:t>
-                </a:r>
-              </a:p>
-              <a:p>
-                <a:pPr>
-                  <a:buClr>
-                    <a:schemeClr val="tx1"/>
-                  </a:buClr>
-                </a:pPr>
-                <a:endParaRPr lang="en-US" sz="3000" dirty="0"/>
-              </a:p>
-              <a:p>
-                <a:pPr>
-                  <a:buClr>
-                    <a:schemeClr val="tx1"/>
-                  </a:buClr>
-                </a:pPr>
-                <a:r>
-                  <a:rPr lang="en-US" sz="3000" dirty="0">
-                    <a:solidFill>
-                      <a:srgbClr val="00B050"/>
-                    </a:solidFill>
-                  </a:rPr>
-                  <a:t>Sliding window model</a:t>
-                </a:r>
-                <a:r>
-                  <a:rPr lang="en-US" sz="3000" dirty="0"/>
-                  <a:t>: Sequence of predictions and outcomes, , minimize regret over last </a:t>
-                </a:r>
-                <a14:m>
-                  <m:oMath xmlns:m="http://schemas.openxmlformats.org/officeDocument/2006/math">
-                    <m:r>
-                      <a:rPr lang="en-US" sz="3000" b="0" i="1" smtClean="0">
-                        <a:solidFill>
-                          <a:srgbClr val="C00000"/>
-                        </a:solidFill>
-                        <a:latin typeface="Cambria Math" panose="02040503050406030204" pitchFamily="18" charset="0"/>
-                      </a:rPr>
-                      <m:t>𝑊</m:t>
-                    </m:r>
-                  </m:oMath>
-                </a14:m>
-                <a:r>
-                  <a:rPr lang="en-US" sz="3000" dirty="0"/>
-                  <a:t> days</a:t>
-                </a:r>
-              </a:p>
-              <a:p>
-                <a:pPr lvl="1">
-                  <a:buClr>
-                    <a:schemeClr val="tx1"/>
-                  </a:buClr>
-                </a:pPr>
-                <a:r>
-                  <a:rPr lang="en-US" sz="2600" dirty="0"/>
-                  <a:t>Old data expires implicitly</a:t>
-                </a:r>
-              </a:p>
-              <a:p>
-                <a:pPr lvl="1">
-                  <a:buClr>
-                    <a:schemeClr val="tx1"/>
-                  </a:buClr>
-                </a:pPr>
-                <a:endParaRPr lang="en-US" sz="2600" dirty="0"/>
-              </a:p>
-              <a:p>
-                <a:pPr>
-                  <a:buClr>
-                    <a:schemeClr val="tx1"/>
-                  </a:buClr>
-                </a:pPr>
-                <a:r>
-                  <a:rPr lang="en-US" sz="3000" dirty="0"/>
-                  <a:t>Goal is also to minimize memory and minimize query complexity in both settings</a:t>
-                </a:r>
-              </a:p>
-            </p:txBody>
-          </p:sp>
-        </mc:Choice>
-        <mc:Fallback>
-          <p:sp>
-            <p:nvSpPr>
-              <p:cNvPr id="4" name="Content Placeholder 2">
-                <a:extLst>
-                  <a:ext uri="{FF2B5EF4-FFF2-40B4-BE49-F238E27FC236}">
-                    <a16:creationId xmlns:a16="http://schemas.microsoft.com/office/drawing/2014/main" id="{5AFB318C-587B-DE82-315D-ADA9D48AED92}"/>
-                  </a:ext>
-                </a:extLst>
-              </p:cNvPr>
-              <p:cNvSpPr txBox="1">
-                <a:spLocks noRot="1" noChangeAspect="1" noMove="1" noResize="1" noEditPoints="1" noAdjustHandles="1" noChangeArrowheads="1" noChangeShapeType="1" noTextEdit="1"/>
-              </p:cNvSpPr>
-              <p:nvPr/>
-            </p:nvSpPr>
-            <p:spPr>
-              <a:xfrm>
-                <a:off x="838200" y="1825625"/>
-                <a:ext cx="10515600" cy="4351338"/>
-              </a:xfrm>
-              <a:prstGeom prst="rect">
-                <a:avLst/>
-              </a:prstGeom>
-              <a:blipFill>
-                <a:blip r:embed="rId2"/>
-                <a:stretch>
-                  <a:fillRect l="-1217" t="-2801" r="-638" b="-700"/>
-                </a:stretch>
-              </a:blipFill>
-            </p:spPr>
-            <p:txBody>
-              <a:bodyPr/>
-              <a:lstStyle/>
-              <a:p>
-                <a:r>
-                  <a:rPr lang="en-US">
-                    <a:noFill/>
-                  </a:rPr>
-                  <a:t> </a:t>
-                </a:r>
-              </a:p>
-            </p:txBody>
-          </p:sp>
-        </mc:Fallback>
-      </mc:AlternateContent>
-    </p:spTree>
-    <p:extLst>
-      <p:ext uri="{BB962C8B-B14F-4D97-AF65-F5344CB8AC3E}">
-        <p14:creationId xmlns:p14="http://schemas.microsoft.com/office/powerpoint/2010/main" val="759222859"/>
-      </p:ext>
-    </p:extLst>
-  </p:cSld>
-  <p:clrMapOvr>
-    <a:masterClrMapping/>
-  </p:clrMapOvr>
-</p:sld>
-</file>
-
-<file path=ppt/slides/slide15.xml><?xml version="1.0" encoding="utf-8"?>
-<p:sld xmlns:a="http://schemas.openxmlformats.org/drawingml/2006/main" xmlns:r="http://schemas.openxmlformats.org/officeDocument/2006/relationships" xmlns:p="http://schemas.openxmlformats.org/presentationml/2006/main">
-  <p:cSld>
-    <p:spTree>
-      <p:nvGrpSpPr>
-        <p:cNvPr id="1" name="">
-          <a:extLst>
-            <a:ext uri="{FF2B5EF4-FFF2-40B4-BE49-F238E27FC236}">
               <a16:creationId xmlns:a16="http://schemas.microsoft.com/office/drawing/2014/main" id="{85AEC36E-4230-1BFB-8338-4B6F896D1772}"/>
             </a:ext>
           </a:extLst>
@@ -7174,8 +7304,8 @@
           </a:p>
         </p:txBody>
       </p:sp>
-      <mc:AlternateContent xmlns:mc="http://schemas.openxmlformats.org/markup-compatibility/2006">
-        <mc:Choice xmlns:a14="http://schemas.microsoft.com/office/drawing/2010/main" Requires="a14">
+      <mc:AlternateContent xmlns:mc="http://schemas.openxmlformats.org/markup-compatibility/2006" xmlns:a14="http://schemas.microsoft.com/office/drawing/2010/main">
+        <mc:Choice Requires="a14">
           <p:sp>
             <p:nvSpPr>
               <p:cNvPr id="4" name="Content Placeholder 2">
@@ -7431,12 +7561,23 @@
                 </a:r>
               </a:p>
               <a:p>
+                <a:pPr lvl="1">
+                  <a:buClr>
+                    <a:schemeClr val="tx1"/>
+                  </a:buClr>
+                </a:pPr>
+                <a:r>
+                  <a:rPr lang="en-US" sz="3000" dirty="0"/>
+                  <a:t>Generalizes cumulative regret</a:t>
+                </a:r>
+              </a:p>
+              <a:p>
                 <a:pPr>
                   <a:buClr>
                     <a:schemeClr val="tx1"/>
                   </a:buClr>
                 </a:pPr>
-                <a:endParaRPr lang="en-US" sz="2600" dirty="0"/>
+                <a:endParaRPr lang="en-US" sz="3000" dirty="0"/>
               </a:p>
               <a:p>
                 <a:pPr>
@@ -7483,10 +7624,21 @@
                 </a14:m>
                 <a:endParaRPr lang="en-US" sz="3000" dirty="0"/>
               </a:p>
+              <a:p>
+                <a:pPr lvl="1">
+                  <a:buClr>
+                    <a:schemeClr val="tx1"/>
+                  </a:buClr>
+                </a:pPr>
+                <a:r>
+                  <a:rPr lang="en-US" sz="3000" dirty="0"/>
+                  <a:t>Generalizes sliding window regret</a:t>
+                </a:r>
+              </a:p>
             </p:txBody>
           </p:sp>
         </mc:Choice>
-        <mc:Fallback>
+        <mc:Fallback xmlns="">
           <p:sp>
             <p:nvSpPr>
               <p:cNvPr id="4" name="Content Placeholder 2">
@@ -7544,317 +7696,7 @@
 </p:sld>
 </file>
 
-<file path=ppt/slides/slide16.xml><?xml version="1.0" encoding="utf-8"?>
-<p:sld xmlns:a="http://schemas.openxmlformats.org/drawingml/2006/main" xmlns:r="http://schemas.openxmlformats.org/officeDocument/2006/relationships" xmlns:p="http://schemas.openxmlformats.org/presentationml/2006/main">
-  <p:cSld>
-    <p:spTree>
-      <p:nvGrpSpPr>
-        <p:cNvPr id="1" name="">
-          <a:extLst>
-            <a:ext uri="{FF2B5EF4-FFF2-40B4-BE49-F238E27FC236}">
-              <a16:creationId xmlns:a16="http://schemas.microsoft.com/office/drawing/2014/main" id="{B5C9BA4E-1F85-FD01-7DB5-AF4236C3ED13}"/>
-            </a:ext>
-          </a:extLst>
-        </p:cNvPr>
-        <p:cNvGrpSpPr/>
-        <p:nvPr/>
-      </p:nvGrpSpPr>
-      <p:grpSpPr>
-        <a:xfrm>
-          <a:off x="0" y="0"/>
-          <a:ext cx="0" cy="0"/>
-          <a:chOff x="0" y="0"/>
-          <a:chExt cx="0" cy="0"/>
-        </a:xfrm>
-      </p:grpSpPr>
-      <p:sp>
-        <p:nvSpPr>
-          <p:cNvPr id="2" name="Title 1">
-            <a:extLst>
-              <a:ext uri="{FF2B5EF4-FFF2-40B4-BE49-F238E27FC236}">
-                <a16:creationId xmlns:a16="http://schemas.microsoft.com/office/drawing/2014/main" id="{193625B3-B4FF-DAEF-CA5A-FADAA96F2A5D}"/>
-              </a:ext>
-            </a:extLst>
-          </p:cNvPr>
-          <p:cNvSpPr>
-            <a:spLocks noGrp="1"/>
-          </p:cNvSpPr>
-          <p:nvPr>
-            <p:ph type="title"/>
-          </p:nvPr>
-        </p:nvSpPr>
-        <p:spPr/>
-        <p:txBody>
-          <a:bodyPr/>
-          <a:lstStyle/>
-          <a:p>
-            <a:r>
-              <a:rPr lang="en-US" dirty="0">
-                <a:solidFill>
-                  <a:srgbClr val="C00000"/>
-                </a:solidFill>
-              </a:rPr>
-              <a:t>Why Interval Regret?</a:t>
-            </a:r>
-          </a:p>
-        </p:txBody>
-      </p:sp>
-      <p:sp>
-        <p:nvSpPr>
-          <p:cNvPr id="4" name="Content Placeholder 2">
-            <a:extLst>
-              <a:ext uri="{FF2B5EF4-FFF2-40B4-BE49-F238E27FC236}">
-                <a16:creationId xmlns:a16="http://schemas.microsoft.com/office/drawing/2014/main" id="{4676BB91-CE84-BFAC-6902-C50D104E4BB1}"/>
-              </a:ext>
-            </a:extLst>
-          </p:cNvPr>
-          <p:cNvSpPr txBox="1">
-            <a:spLocks/>
-          </p:cNvSpPr>
-          <p:nvPr/>
-        </p:nvSpPr>
-        <p:spPr>
-          <a:xfrm>
-            <a:off x="838200" y="1825625"/>
-            <a:ext cx="10515600" cy="4351338"/>
-          </a:xfrm>
-          <a:prstGeom prst="rect">
-            <a:avLst/>
-          </a:prstGeom>
-        </p:spPr>
-        <p:txBody>
-          <a:bodyPr vert="horz" lIns="91440" tIns="45720" rIns="91440" bIns="45720" rtlCol="0">
-            <a:normAutofit/>
-          </a:bodyPr>
-          <a:lstStyle>
-            <a:lvl1pPr marL="228600" indent="-228600" algn="l" defTabSz="914400" rtl="0" eaLnBrk="1" latinLnBrk="0" hangingPunct="1">
-              <a:lnSpc>
-                <a:spcPct val="90000"/>
-              </a:lnSpc>
-              <a:spcBef>
-                <a:spcPts val="1000"/>
-              </a:spcBef>
-              <a:buFont typeface="Arial" panose="020B0604020202020204" pitchFamily="34" charset="0"/>
-              <a:buChar char="•"/>
-              <a:defRPr sz="2800" kern="1200">
-                <a:solidFill>
-                  <a:schemeClr val="tx1"/>
-                </a:solidFill>
-                <a:latin typeface="+mn-lt"/>
-                <a:ea typeface="+mn-ea"/>
-                <a:cs typeface="+mn-cs"/>
-              </a:defRPr>
-            </a:lvl1pPr>
-            <a:lvl2pPr marL="685800" indent="-228600" algn="l" defTabSz="914400" rtl="0" eaLnBrk="1" latinLnBrk="0" hangingPunct="1">
-              <a:lnSpc>
-                <a:spcPct val="90000"/>
-              </a:lnSpc>
-              <a:spcBef>
-                <a:spcPts val="500"/>
-              </a:spcBef>
-              <a:buFont typeface="Arial" panose="020B0604020202020204" pitchFamily="34" charset="0"/>
-              <a:buChar char="•"/>
-              <a:defRPr sz="2400" kern="1200">
-                <a:solidFill>
-                  <a:schemeClr val="tx1"/>
-                </a:solidFill>
-                <a:latin typeface="+mn-lt"/>
-                <a:ea typeface="+mn-ea"/>
-                <a:cs typeface="+mn-cs"/>
-              </a:defRPr>
-            </a:lvl2pPr>
-            <a:lvl3pPr marL="1143000" indent="-228600" algn="l" defTabSz="914400" rtl="0" eaLnBrk="1" latinLnBrk="0" hangingPunct="1">
-              <a:lnSpc>
-                <a:spcPct val="90000"/>
-              </a:lnSpc>
-              <a:spcBef>
-                <a:spcPts val="500"/>
-              </a:spcBef>
-              <a:buFont typeface="Arial" panose="020B0604020202020204" pitchFamily="34" charset="0"/>
-              <a:buChar char="•"/>
-              <a:defRPr sz="2000" kern="1200">
-                <a:solidFill>
-                  <a:schemeClr val="tx1"/>
-                </a:solidFill>
-                <a:latin typeface="+mn-lt"/>
-                <a:ea typeface="+mn-ea"/>
-                <a:cs typeface="+mn-cs"/>
-              </a:defRPr>
-            </a:lvl3pPr>
-            <a:lvl4pPr marL="1600200" indent="-228600" algn="l" defTabSz="914400" rtl="0" eaLnBrk="1" latinLnBrk="0" hangingPunct="1">
-              <a:lnSpc>
-                <a:spcPct val="90000"/>
-              </a:lnSpc>
-              <a:spcBef>
-                <a:spcPts val="500"/>
-              </a:spcBef>
-              <a:buFont typeface="Arial" panose="020B0604020202020204" pitchFamily="34" charset="0"/>
-              <a:buChar char="•"/>
-              <a:defRPr sz="1800" kern="1200">
-                <a:solidFill>
-                  <a:schemeClr val="tx1"/>
-                </a:solidFill>
-                <a:latin typeface="+mn-lt"/>
-                <a:ea typeface="+mn-ea"/>
-                <a:cs typeface="+mn-cs"/>
-              </a:defRPr>
-            </a:lvl4pPr>
-            <a:lvl5pPr marL="2057400" indent="-228600" algn="l" defTabSz="914400" rtl="0" eaLnBrk="1" latinLnBrk="0" hangingPunct="1">
-              <a:lnSpc>
-                <a:spcPct val="90000"/>
-              </a:lnSpc>
-              <a:spcBef>
-                <a:spcPts val="500"/>
-              </a:spcBef>
-              <a:buFont typeface="Arial" panose="020B0604020202020204" pitchFamily="34" charset="0"/>
-              <a:buChar char="•"/>
-              <a:defRPr sz="1800" kern="1200">
-                <a:solidFill>
-                  <a:schemeClr val="tx1"/>
-                </a:solidFill>
-                <a:latin typeface="+mn-lt"/>
-                <a:ea typeface="+mn-ea"/>
-                <a:cs typeface="+mn-cs"/>
-              </a:defRPr>
-            </a:lvl5pPr>
-            <a:lvl6pPr marL="2514600" indent="-228600" algn="l" defTabSz="914400" rtl="0" eaLnBrk="1" latinLnBrk="0" hangingPunct="1">
-              <a:lnSpc>
-                <a:spcPct val="90000"/>
-              </a:lnSpc>
-              <a:spcBef>
-                <a:spcPts val="500"/>
-              </a:spcBef>
-              <a:buFont typeface="Arial" panose="020B0604020202020204" pitchFamily="34" charset="0"/>
-              <a:buChar char="•"/>
-              <a:defRPr sz="1800" kern="1200">
-                <a:solidFill>
-                  <a:schemeClr val="tx1"/>
-                </a:solidFill>
-                <a:latin typeface="+mn-lt"/>
-                <a:ea typeface="+mn-ea"/>
-                <a:cs typeface="+mn-cs"/>
-              </a:defRPr>
-            </a:lvl6pPr>
-            <a:lvl7pPr marL="2971800" indent="-228600" algn="l" defTabSz="914400" rtl="0" eaLnBrk="1" latinLnBrk="0" hangingPunct="1">
-              <a:lnSpc>
-                <a:spcPct val="90000"/>
-              </a:lnSpc>
-              <a:spcBef>
-                <a:spcPts val="500"/>
-              </a:spcBef>
-              <a:buFont typeface="Arial" panose="020B0604020202020204" pitchFamily="34" charset="0"/>
-              <a:buChar char="•"/>
-              <a:defRPr sz="1800" kern="1200">
-                <a:solidFill>
-                  <a:schemeClr val="tx1"/>
-                </a:solidFill>
-                <a:latin typeface="+mn-lt"/>
-                <a:ea typeface="+mn-ea"/>
-                <a:cs typeface="+mn-cs"/>
-              </a:defRPr>
-            </a:lvl7pPr>
-            <a:lvl8pPr marL="3429000" indent="-228600" algn="l" defTabSz="914400" rtl="0" eaLnBrk="1" latinLnBrk="0" hangingPunct="1">
-              <a:lnSpc>
-                <a:spcPct val="90000"/>
-              </a:lnSpc>
-              <a:spcBef>
-                <a:spcPts val="500"/>
-              </a:spcBef>
-              <a:buFont typeface="Arial" panose="020B0604020202020204" pitchFamily="34" charset="0"/>
-              <a:buChar char="•"/>
-              <a:defRPr sz="1800" kern="1200">
-                <a:solidFill>
-                  <a:schemeClr val="tx1"/>
-                </a:solidFill>
-                <a:latin typeface="+mn-lt"/>
-                <a:ea typeface="+mn-ea"/>
-                <a:cs typeface="+mn-cs"/>
-              </a:defRPr>
-            </a:lvl8pPr>
-            <a:lvl9pPr marL="3886200" indent="-228600" algn="l" defTabSz="914400" rtl="0" eaLnBrk="1" latinLnBrk="0" hangingPunct="1">
-              <a:lnSpc>
-                <a:spcPct val="90000"/>
-              </a:lnSpc>
-              <a:spcBef>
-                <a:spcPts val="500"/>
-              </a:spcBef>
-              <a:buFont typeface="Arial" panose="020B0604020202020204" pitchFamily="34" charset="0"/>
-              <a:buChar char="•"/>
-              <a:defRPr sz="1800" kern="1200">
-                <a:solidFill>
-                  <a:schemeClr val="tx1"/>
-                </a:solidFill>
-                <a:latin typeface="+mn-lt"/>
-                <a:ea typeface="+mn-ea"/>
-                <a:cs typeface="+mn-cs"/>
-              </a:defRPr>
-            </a:lvl9pPr>
-          </a:lstStyle>
-          <a:p>
-            <a:pPr>
-              <a:buClr>
-                <a:schemeClr val="tx1"/>
-              </a:buClr>
-            </a:pPr>
-            <a:r>
-              <a:rPr lang="en-US" sz="3000" dirty="0"/>
-              <a:t>Strong adaptability</a:t>
-            </a:r>
-          </a:p>
-          <a:p>
-            <a:pPr>
-              <a:buClr>
-                <a:schemeClr val="tx1"/>
-              </a:buClr>
-            </a:pPr>
-            <a:endParaRPr lang="en-US" sz="3000" dirty="0"/>
-          </a:p>
-          <a:p>
-            <a:pPr>
-              <a:buClr>
-                <a:schemeClr val="tx1"/>
-              </a:buClr>
-            </a:pPr>
-            <a:r>
-              <a:rPr lang="en-US" sz="3000" dirty="0"/>
-              <a:t>Handles non-stationarity</a:t>
-            </a:r>
-          </a:p>
-          <a:p>
-            <a:pPr>
-              <a:buClr>
-                <a:schemeClr val="tx1"/>
-              </a:buClr>
-            </a:pPr>
-            <a:endParaRPr lang="en-US" sz="3000" dirty="0"/>
-          </a:p>
-          <a:p>
-            <a:pPr>
-              <a:buClr>
-                <a:schemeClr val="tx1"/>
-              </a:buClr>
-            </a:pPr>
-            <a:r>
-              <a:rPr lang="en-US" sz="3000" dirty="0"/>
-              <a:t>Implies sliding window bounds</a:t>
-            </a:r>
-          </a:p>
-        </p:txBody>
-      </p:sp>
-    </p:spTree>
-    <p:extLst>
-      <p:ext uri="{BB962C8B-B14F-4D97-AF65-F5344CB8AC3E}">
-        <p14:creationId xmlns:p14="http://schemas.microsoft.com/office/powerpoint/2010/main" val="1016952316"/>
-      </p:ext>
-    </p:extLst>
-  </p:cSld>
-  <p:clrMapOvr>
-    <a:masterClrMapping/>
-  </p:clrMapOvr>
-</p:sld>
-</file>
-
-<file path=ppt/slides/slide17.xml><?xml version="1.0" encoding="utf-8"?>
+<file path=ppt/slides/slide15.xml><?xml version="1.0" encoding="utf-8"?>
 <p:sld xmlns:a="http://schemas.openxmlformats.org/drawingml/2006/main" xmlns:r="http://schemas.openxmlformats.org/officeDocument/2006/relationships" xmlns:p="http://schemas.openxmlformats.org/presentationml/2006/main">
   <p:cSld>
     <p:spTree>
@@ -7909,8 +7751,8 @@
           </a:p>
         </p:txBody>
       </p:sp>
-      <mc:AlternateContent xmlns:mc="http://schemas.openxmlformats.org/markup-compatibility/2006">
-        <mc:Choice xmlns:a14="http://schemas.microsoft.com/office/drawing/2010/main" Requires="a14">
+      <mc:AlternateContent xmlns:mc="http://schemas.openxmlformats.org/markup-compatibility/2006" xmlns:a14="http://schemas.microsoft.com/office/drawing/2010/main">
+        <mc:Choice Requires="a14">
           <p:sp>
             <p:nvSpPr>
               <p:cNvPr id="7" name="Content Placeholder 2">
@@ -8420,7 +8262,7 @@
             </p:txBody>
           </p:sp>
         </mc:Choice>
-        <mc:Fallback>
+        <mc:Fallback xmlns="">
           <p:sp>
             <p:nvSpPr>
               <p:cNvPr id="7" name="Content Placeholder 2">
@@ -8478,7 +8320,7 @@
 </p:sld>
 </file>
 
-<file path=ppt/slides/slide18.xml><?xml version="1.0" encoding="utf-8"?>
+<file path=ppt/slides/slide16.xml><?xml version="1.0" encoding="utf-8"?>
 <p:sld xmlns:a="http://schemas.openxmlformats.org/drawingml/2006/main" xmlns:r="http://schemas.openxmlformats.org/officeDocument/2006/relationships" xmlns:p="http://schemas.openxmlformats.org/presentationml/2006/main">
   <p:cSld>
     <p:spTree>
@@ -8529,8 +8371,8 @@
           </a:p>
         </p:txBody>
       </p:sp>
-      <mc:AlternateContent xmlns:mc="http://schemas.openxmlformats.org/markup-compatibility/2006">
-        <mc:Choice xmlns:a14="http://schemas.microsoft.com/office/drawing/2010/main" Requires="a14">
+      <mc:AlternateContent xmlns:mc="http://schemas.openxmlformats.org/markup-compatibility/2006" xmlns:a14="http://schemas.microsoft.com/office/drawing/2010/main">
+        <mc:Choice Requires="a14">
           <p:sp>
             <p:nvSpPr>
               <p:cNvPr id="3" name="Text Placeholder 2">
@@ -8803,7 +8645,7 @@
                     <m:d>
                       <m:dPr>
                         <m:ctrlPr>
-                          <a:rPr lang="en-US" sz="3000" b="0" i="0" smtClean="0">
+                          <a:rPr lang="en-US" sz="3000" b="0" i="1" smtClean="0">
                             <a:solidFill>
                               <a:srgbClr val="C00000"/>
                             </a:solidFill>
@@ -9012,7 +8854,7 @@
             </p:txBody>
           </p:sp>
         </mc:Choice>
-        <mc:Fallback>
+        <mc:Fallback xmlns="">
           <p:sp>
             <p:nvSpPr>
               <p:cNvPr id="3" name="Text Placeholder 2">
@@ -9065,7 +8907,7 @@
 </p:sld>
 </file>
 
-<file path=ppt/slides/slide19.xml><?xml version="1.0" encoding="utf-8"?>
+<file path=ppt/slides/slide17.xml><?xml version="1.0" encoding="utf-8"?>
 <p:sld xmlns:a="http://schemas.openxmlformats.org/drawingml/2006/main" xmlns:r="http://schemas.openxmlformats.org/officeDocument/2006/relationships" xmlns:p="http://schemas.openxmlformats.org/presentationml/2006/main">
   <p:cSld>
     <p:spTree>
@@ -9122,8 +8964,8 @@
           </a:p>
         </p:txBody>
       </p:sp>
-      <mc:AlternateContent xmlns:mc="http://schemas.openxmlformats.org/markup-compatibility/2006">
-        <mc:Choice xmlns:a14="http://schemas.microsoft.com/office/drawing/2010/main" Requires="a14">
+      <mc:AlternateContent xmlns:mc="http://schemas.openxmlformats.org/markup-compatibility/2006" xmlns:a14="http://schemas.microsoft.com/office/drawing/2010/main">
+        <mc:Choice Requires="a14">
           <p:sp>
             <p:nvSpPr>
               <p:cNvPr id="3" name="Text Placeholder 2">
@@ -9605,7 +9447,7 @@
             </p:txBody>
           </p:sp>
         </mc:Choice>
-        <mc:Fallback>
+        <mc:Fallback xmlns="">
           <p:sp>
             <p:nvSpPr>
               <p:cNvPr id="3" name="Text Placeholder 2">
@@ -9645,8 +9487,8 @@
           </p:sp>
         </mc:Fallback>
       </mc:AlternateContent>
-      <mc:AlternateContent xmlns:mc="http://schemas.openxmlformats.org/markup-compatibility/2006">
-        <mc:Choice xmlns:a14="http://schemas.microsoft.com/office/drawing/2010/main" Requires="a14">
+      <mc:AlternateContent xmlns:mc="http://schemas.openxmlformats.org/markup-compatibility/2006" xmlns:a14="http://schemas.microsoft.com/office/drawing/2010/main">
+        <mc:Choice Requires="a14">
           <p:sp>
             <p:nvSpPr>
               <p:cNvPr id="4" name="Wave 3">
@@ -9702,7 +9544,7 @@
                       <a:srgbClr val="0070C0"/>
                     </a:solidFill>
                   </a:rPr>
-                  <a:t>Recall: </a:t>
+                  <a:t>Note: </a:t>
                 </a:r>
                 <a14:m>
                   <m:oMath xmlns:m="http://schemas.openxmlformats.org/officeDocument/2006/math">
@@ -9743,31 +9585,13 @@
                           </m:sSupPr>
                           <m:e>
                             <m:r>
-                              <a:rPr lang="en-US" sz="3200" i="1">
+                              <a:rPr lang="en-US" sz="3200" b="0" i="1" smtClean="0">
                                 <a:solidFill>
                                   <a:srgbClr val="C00000"/>
                                 </a:solidFill>
                                 <a:latin typeface="Cambria Math" panose="02040503050406030204" pitchFamily="18" charset="0"/>
                               </a:rPr>
-                              <m:t>|</m:t>
-                            </m:r>
-                            <m:r>
-                              <a:rPr lang="en-US" sz="3200" i="1">
-                                <a:solidFill>
-                                  <a:srgbClr val="C00000"/>
-                                </a:solidFill>
-                                <a:latin typeface="Cambria Math" panose="02040503050406030204" pitchFamily="18" charset="0"/>
-                              </a:rPr>
-                              <m:t>𝐼</m:t>
-                            </m:r>
-                            <m:r>
-                              <a:rPr lang="en-US" sz="3200" i="1">
-                                <a:solidFill>
-                                  <a:srgbClr val="C00000"/>
-                                </a:solidFill>
-                                <a:latin typeface="Cambria Math" panose="02040503050406030204" pitchFamily="18" charset="0"/>
-                              </a:rPr>
-                              <m:t>|</m:t>
+                              <m:t>𝑊</m:t>
                             </m:r>
                           </m:e>
                           <m:sup>
@@ -9805,7 +9629,7 @@
                       <a:schemeClr val="tx1"/>
                     </a:solidFill>
                   </a:rPr>
-                  <a:t>regret for bandit setting</a:t>
+                  <a:t>regret for one query</a:t>
                 </a:r>
               </a:p>
               <a:p>
@@ -9827,13 +9651,13 @@
                       <a:schemeClr val="tx1"/>
                     </a:solidFill>
                   </a:rPr>
-                  <a:t>Our result shows separation between one and two queries in sliding window model</a:t>
+                  <a:t>Separation between one and two queries in sliding window model</a:t>
                 </a:r>
               </a:p>
             </p:txBody>
           </p:sp>
         </mc:Choice>
-        <mc:Fallback>
+        <mc:Fallback xmlns="">
           <p:sp>
             <p:nvSpPr>
               <p:cNvPr id="4" name="Wave 3">
@@ -9859,7 +9683,7 @@
               <a:blipFill>
                 <a:blip r:embed="rId3"/>
                 <a:stretch>
-                  <a:fillRect/>
+                  <a:fillRect l="-377" r="-377"/>
                 </a:stretch>
               </a:blipFill>
               <a:ln w="38100"/>
@@ -9892,1403 +9716,7 @@
 </p:sld>
 </file>
 
-<file path=ppt/slides/slide2.xml><?xml version="1.0" encoding="utf-8"?>
-<p:sld xmlns:a="http://schemas.openxmlformats.org/drawingml/2006/main" xmlns:r="http://schemas.openxmlformats.org/officeDocument/2006/relationships" xmlns:p="http://schemas.openxmlformats.org/presentationml/2006/main">
-  <p:cSld>
-    <p:spTree>
-      <p:nvGrpSpPr>
-        <p:cNvPr id="1" name="Shape 60"/>
-        <p:cNvGrpSpPr/>
-        <p:nvPr/>
-      </p:nvGrpSpPr>
-      <p:grpSpPr>
-        <a:xfrm>
-          <a:off x="0" y="0"/>
-          <a:ext cx="0" cy="0"/>
-          <a:chOff x="0" y="0"/>
-          <a:chExt cx="0" cy="0"/>
-        </a:xfrm>
-      </p:grpSpPr>
-      <p:sp>
-        <p:nvSpPr>
-          <p:cNvPr id="62" name="Google Shape;62;p14"/>
-          <p:cNvSpPr txBox="1">
-            <a:spLocks noGrp="1"/>
-          </p:cNvSpPr>
-          <p:nvPr>
-            <p:ph type="body" idx="1"/>
-          </p:nvPr>
-        </p:nvSpPr>
-        <p:spPr>
-          <a:xfrm>
-            <a:off x="1849271" y="1323245"/>
-            <a:ext cx="8520600" cy="763500"/>
-          </a:xfrm>
-          <a:prstGeom prst="rect">
-            <a:avLst/>
-          </a:prstGeom>
-        </p:spPr>
-        <p:txBody>
-          <a:bodyPr spcFirstLastPara="1" vert="horz" wrap="square" lIns="91425" tIns="91425" rIns="91425" bIns="91425" rtlCol="0" anchor="t" anchorCtr="0">
-            <a:noAutofit/>
-          </a:bodyPr>
-          <a:lstStyle/>
-          <a:p>
-            <a:pPr marL="0" indent="0" algn="ctr">
-              <a:spcAft>
-                <a:spcPts val="1200"/>
-              </a:spcAft>
-              <a:buNone/>
-            </a:pPr>
-            <a:r>
-              <a:rPr lang="en" dirty="0">
-                <a:solidFill>
-                  <a:schemeClr val="dk1"/>
-                </a:solidFill>
-              </a:rPr>
-              <a:t>Fundamental Problem of </a:t>
-            </a:r>
-            <a:r>
-              <a:rPr lang="en" b="1" dirty="0">
-                <a:solidFill>
-                  <a:srgbClr val="EF5000"/>
-                </a:solidFill>
-              </a:rPr>
-              <a:t>Sequential Prediction</a:t>
-            </a:r>
-            <a:endParaRPr dirty="0">
-              <a:solidFill>
-                <a:schemeClr val="dk1"/>
-              </a:solidFill>
-            </a:endParaRPr>
-          </a:p>
-        </p:txBody>
-      </p:sp>
-      <p:sp>
-        <p:nvSpPr>
-          <p:cNvPr id="67" name="Google Shape;67;p14"/>
-          <p:cNvSpPr txBox="1"/>
-          <p:nvPr/>
-        </p:nvSpPr>
-        <p:spPr>
-          <a:xfrm>
-            <a:off x="1030662" y="2348841"/>
-            <a:ext cx="947700" cy="646300"/>
-          </a:xfrm>
-          <a:prstGeom prst="rect">
-            <a:avLst/>
-          </a:prstGeom>
-          <a:noFill/>
-          <a:ln>
-            <a:noFill/>
-          </a:ln>
-        </p:spPr>
-        <p:txBody>
-          <a:bodyPr spcFirstLastPara="1" wrap="square" lIns="91425" tIns="91425" rIns="91425" bIns="91425" anchor="t" anchorCtr="0">
-            <a:spAutoFit/>
-          </a:bodyPr>
-          <a:lstStyle/>
-          <a:p>
-            <a:pPr algn="ctr"/>
-            <a:r>
-              <a:rPr lang="en" sz="3000" b="1" dirty="0"/>
-              <a:t>Day</a:t>
-            </a:r>
-            <a:endParaRPr sz="3000" b="1" dirty="0"/>
-          </a:p>
-        </p:txBody>
-      </p:sp>
-      <p:sp>
-        <p:nvSpPr>
-          <p:cNvPr id="68" name="Google Shape;68;p14"/>
-          <p:cNvSpPr txBox="1"/>
-          <p:nvPr/>
-        </p:nvSpPr>
-        <p:spPr>
-          <a:xfrm>
-            <a:off x="8089283" y="2348841"/>
-            <a:ext cx="878562" cy="646300"/>
-          </a:xfrm>
-          <a:prstGeom prst="rect">
-            <a:avLst/>
-          </a:prstGeom>
-          <a:noFill/>
-          <a:ln>
-            <a:noFill/>
-          </a:ln>
-        </p:spPr>
-        <p:txBody>
-          <a:bodyPr spcFirstLastPara="1" wrap="square" lIns="91425" tIns="91425" rIns="91425" bIns="91425" anchor="t" anchorCtr="0">
-            <a:spAutoFit/>
-          </a:bodyPr>
-          <a:lstStyle/>
-          <a:p>
-            <a:pPr algn="ctr"/>
-            <a:r>
-              <a:rPr lang="en" sz="3000" b="1"/>
-              <a:t>You</a:t>
-            </a:r>
-            <a:endParaRPr sz="3000" b="1"/>
-          </a:p>
-        </p:txBody>
-      </p:sp>
-      <p:sp>
-        <p:nvSpPr>
-          <p:cNvPr id="69" name="Google Shape;69;p14"/>
-          <p:cNvSpPr txBox="1"/>
-          <p:nvPr/>
-        </p:nvSpPr>
-        <p:spPr>
-          <a:xfrm>
-            <a:off x="9402644" y="2348841"/>
-            <a:ext cx="1752900" cy="646300"/>
-          </a:xfrm>
-          <a:prstGeom prst="rect">
-            <a:avLst/>
-          </a:prstGeom>
-          <a:noFill/>
-          <a:ln>
-            <a:noFill/>
-          </a:ln>
-        </p:spPr>
-        <p:txBody>
-          <a:bodyPr spcFirstLastPara="1" wrap="square" lIns="91425" tIns="91425" rIns="91425" bIns="91425" anchor="t" anchorCtr="0">
-            <a:spAutoFit/>
-          </a:bodyPr>
-          <a:lstStyle/>
-          <a:p>
-            <a:pPr algn="ctr"/>
-            <a:r>
-              <a:rPr lang="en" sz="3000" b="1" dirty="0"/>
-              <a:t>Outcome</a:t>
-            </a:r>
-            <a:endParaRPr sz="3000" b="1" dirty="0"/>
-          </a:p>
-        </p:txBody>
-      </p:sp>
-      <p:sp>
-        <p:nvSpPr>
-          <p:cNvPr id="70" name="Google Shape;70;p14"/>
-          <p:cNvSpPr txBox="1"/>
-          <p:nvPr/>
-        </p:nvSpPr>
-        <p:spPr>
-          <a:xfrm>
-            <a:off x="1286634" y="3609796"/>
-            <a:ext cx="520200" cy="646300"/>
-          </a:xfrm>
-          <a:prstGeom prst="rect">
-            <a:avLst/>
-          </a:prstGeom>
-          <a:noFill/>
-          <a:ln>
-            <a:noFill/>
-          </a:ln>
-        </p:spPr>
-        <p:txBody>
-          <a:bodyPr spcFirstLastPara="1" wrap="square" lIns="91425" tIns="91425" rIns="91425" bIns="91425" anchor="t" anchorCtr="0">
-            <a:spAutoFit/>
-          </a:bodyPr>
-          <a:lstStyle/>
-          <a:p>
-            <a:pPr algn="ctr"/>
-            <a:r>
-              <a:rPr lang="en" sz="3000" b="1"/>
-              <a:t>1</a:t>
-            </a:r>
-            <a:endParaRPr sz="3000" b="1"/>
-          </a:p>
-        </p:txBody>
-      </p:sp>
-      <p:pic>
-        <p:nvPicPr>
-          <p:cNvPr id="75" name="Google Shape;75;p14"/>
-          <p:cNvPicPr preferRelativeResize="0"/>
-          <p:nvPr/>
-        </p:nvPicPr>
-        <p:blipFill>
-          <a:blip r:embed="rId3">
-            <a:alphaModFix/>
-          </a:blip>
-          <a:stretch>
-            <a:fillRect/>
-          </a:stretch>
-        </p:blipFill>
-        <p:spPr>
-          <a:xfrm>
-            <a:off x="10008683" y="3595986"/>
-            <a:ext cx="722400" cy="741164"/>
-          </a:xfrm>
-          <a:prstGeom prst="rect">
-            <a:avLst/>
-          </a:prstGeom>
-          <a:noFill/>
-          <a:ln>
-            <a:noFill/>
-          </a:ln>
-        </p:spPr>
-      </p:pic>
-      <p:sp>
-        <p:nvSpPr>
-          <p:cNvPr id="76" name="Google Shape;76;p14"/>
-          <p:cNvSpPr txBox="1"/>
-          <p:nvPr/>
-        </p:nvSpPr>
-        <p:spPr>
-          <a:xfrm>
-            <a:off x="1185534" y="4598846"/>
-            <a:ext cx="722400" cy="646300"/>
-          </a:xfrm>
-          <a:prstGeom prst="rect">
-            <a:avLst/>
-          </a:prstGeom>
-          <a:noFill/>
-          <a:ln>
-            <a:noFill/>
-          </a:ln>
-        </p:spPr>
-        <p:txBody>
-          <a:bodyPr spcFirstLastPara="1" wrap="square" lIns="91425" tIns="91425" rIns="91425" bIns="91425" anchor="t" anchorCtr="0">
-            <a:spAutoFit/>
-          </a:bodyPr>
-          <a:lstStyle/>
-          <a:p>
-            <a:pPr algn="ctr"/>
-            <a:r>
-              <a:rPr lang="en" sz="3000" b="1"/>
-              <a:t>2</a:t>
-            </a:r>
-            <a:endParaRPr sz="3000" b="1"/>
-          </a:p>
-        </p:txBody>
-      </p:sp>
-      <p:pic>
-        <p:nvPicPr>
-          <p:cNvPr id="80" name="Google Shape;80;p14"/>
-          <p:cNvPicPr preferRelativeResize="0"/>
-          <p:nvPr/>
-        </p:nvPicPr>
-        <p:blipFill>
-          <a:blip r:embed="rId4">
-            <a:alphaModFix/>
-          </a:blip>
-          <a:stretch>
-            <a:fillRect/>
-          </a:stretch>
-        </p:blipFill>
-        <p:spPr>
-          <a:xfrm>
-            <a:off x="10059209" y="4636899"/>
-            <a:ext cx="621325" cy="637457"/>
-          </a:xfrm>
-          <a:prstGeom prst="rect">
-            <a:avLst/>
-          </a:prstGeom>
-          <a:noFill/>
-          <a:ln>
-            <a:noFill/>
-          </a:ln>
-        </p:spPr>
-      </p:pic>
-      <p:sp>
-        <p:nvSpPr>
-          <p:cNvPr id="81" name="Google Shape;81;p14"/>
-          <p:cNvSpPr txBox="1"/>
-          <p:nvPr/>
-        </p:nvSpPr>
-        <p:spPr>
-          <a:xfrm>
-            <a:off x="1185534" y="5587896"/>
-            <a:ext cx="722400" cy="646300"/>
-          </a:xfrm>
-          <a:prstGeom prst="rect">
-            <a:avLst/>
-          </a:prstGeom>
-          <a:noFill/>
-          <a:ln>
-            <a:noFill/>
-          </a:ln>
-        </p:spPr>
-        <p:txBody>
-          <a:bodyPr spcFirstLastPara="1" wrap="square" lIns="91425" tIns="91425" rIns="91425" bIns="91425" anchor="t" anchorCtr="0">
-            <a:spAutoFit/>
-          </a:bodyPr>
-          <a:lstStyle/>
-          <a:p>
-            <a:pPr algn="ctr"/>
-            <a:r>
-              <a:rPr lang="en" sz="3000" b="1"/>
-              <a:t>3</a:t>
-            </a:r>
-            <a:endParaRPr sz="3000" b="1"/>
-          </a:p>
-        </p:txBody>
-      </p:sp>
-      <p:pic>
-        <p:nvPicPr>
-          <p:cNvPr id="86" name="Google Shape;86;p14"/>
-          <p:cNvPicPr preferRelativeResize="0"/>
-          <p:nvPr/>
-        </p:nvPicPr>
-        <p:blipFill>
-          <a:blip r:embed="rId4">
-            <a:alphaModFix/>
-          </a:blip>
-          <a:stretch>
-            <a:fillRect/>
-          </a:stretch>
-        </p:blipFill>
-        <p:spPr>
-          <a:xfrm>
-            <a:off x="10059209" y="5574099"/>
-            <a:ext cx="621325" cy="637457"/>
-          </a:xfrm>
-          <a:prstGeom prst="rect">
-            <a:avLst/>
-          </a:prstGeom>
-          <a:noFill/>
-          <a:ln>
-            <a:noFill/>
-          </a:ln>
-        </p:spPr>
-      </p:pic>
-      <p:sp>
-        <p:nvSpPr>
-          <p:cNvPr id="94" name="Google Shape;94;p14"/>
-          <p:cNvSpPr txBox="1"/>
-          <p:nvPr/>
-        </p:nvSpPr>
-        <p:spPr>
-          <a:xfrm>
-            <a:off x="8028082" y="3638987"/>
-            <a:ext cx="1034700" cy="646300"/>
-          </a:xfrm>
-          <a:prstGeom prst="rect">
-            <a:avLst/>
-          </a:prstGeom>
-          <a:noFill/>
-          <a:ln>
-            <a:noFill/>
-          </a:ln>
-        </p:spPr>
-        <p:txBody>
-          <a:bodyPr spcFirstLastPara="1" wrap="square" lIns="91425" tIns="91425" rIns="91425" bIns="91425" anchor="t" anchorCtr="0">
-            <a:spAutoFit/>
-          </a:bodyPr>
-          <a:lstStyle/>
-          <a:p>
-            <a:pPr algn="ctr"/>
-            <a:r>
-              <a:rPr lang="en" sz="3000" b="1" dirty="0">
-                <a:solidFill>
-                  <a:srgbClr val="598E00"/>
-                </a:solidFill>
-              </a:rPr>
-              <a:t>?</a:t>
-            </a:r>
-            <a:endParaRPr sz="3000" b="1" dirty="0">
-              <a:solidFill>
-                <a:srgbClr val="598E00"/>
-              </a:solidFill>
-            </a:endParaRPr>
-          </a:p>
-        </p:txBody>
-      </p:sp>
-      <p:sp>
-        <p:nvSpPr>
-          <p:cNvPr id="95" name="Google Shape;95;p14"/>
-          <p:cNvSpPr txBox="1"/>
-          <p:nvPr/>
-        </p:nvSpPr>
-        <p:spPr>
-          <a:xfrm>
-            <a:off x="8028082" y="4628037"/>
-            <a:ext cx="1034700" cy="646300"/>
-          </a:xfrm>
-          <a:prstGeom prst="rect">
-            <a:avLst/>
-          </a:prstGeom>
-          <a:noFill/>
-          <a:ln>
-            <a:noFill/>
-          </a:ln>
-        </p:spPr>
-        <p:txBody>
-          <a:bodyPr spcFirstLastPara="1" wrap="square" lIns="91425" tIns="91425" rIns="91425" bIns="91425" anchor="t" anchorCtr="0">
-            <a:spAutoFit/>
-          </a:bodyPr>
-          <a:lstStyle/>
-          <a:p>
-            <a:pPr algn="ctr"/>
-            <a:r>
-              <a:rPr lang="en" sz="3000" b="1">
-                <a:solidFill>
-                  <a:srgbClr val="598E00"/>
-                </a:solidFill>
-              </a:rPr>
-              <a:t>?</a:t>
-            </a:r>
-            <a:endParaRPr sz="3000" b="1">
-              <a:solidFill>
-                <a:srgbClr val="598E00"/>
-              </a:solidFill>
-            </a:endParaRPr>
-          </a:p>
-        </p:txBody>
-      </p:sp>
-      <p:sp>
-        <p:nvSpPr>
-          <p:cNvPr id="96" name="Google Shape;96;p14"/>
-          <p:cNvSpPr txBox="1"/>
-          <p:nvPr/>
-        </p:nvSpPr>
-        <p:spPr>
-          <a:xfrm>
-            <a:off x="8028082" y="5565237"/>
-            <a:ext cx="1034700" cy="646300"/>
-          </a:xfrm>
-          <a:prstGeom prst="rect">
-            <a:avLst/>
-          </a:prstGeom>
-          <a:noFill/>
-          <a:ln>
-            <a:noFill/>
-          </a:ln>
-        </p:spPr>
-        <p:txBody>
-          <a:bodyPr spcFirstLastPara="1" wrap="square" lIns="91425" tIns="91425" rIns="91425" bIns="91425" anchor="t" anchorCtr="0">
-            <a:spAutoFit/>
-          </a:bodyPr>
-          <a:lstStyle/>
-          <a:p>
-            <a:pPr algn="ctr"/>
-            <a:r>
-              <a:rPr lang="en" sz="3000" b="1">
-                <a:solidFill>
-                  <a:srgbClr val="598E00"/>
-                </a:solidFill>
-              </a:rPr>
-              <a:t>?</a:t>
-            </a:r>
-            <a:endParaRPr sz="3000" b="1">
-              <a:solidFill>
-                <a:srgbClr val="598E00"/>
-              </a:solidFill>
-            </a:endParaRPr>
-          </a:p>
-        </p:txBody>
-      </p:sp>
-      <p:sp>
-        <p:nvSpPr>
-          <p:cNvPr id="41" name="Title 1">
-            <a:extLst>
-              <a:ext uri="{FF2B5EF4-FFF2-40B4-BE49-F238E27FC236}">
-                <a16:creationId xmlns:a16="http://schemas.microsoft.com/office/drawing/2014/main" id="{3A304BFF-2F2D-4D81-B3D6-0B6D0EFE5AEC}"/>
-              </a:ext>
-            </a:extLst>
-          </p:cNvPr>
-          <p:cNvSpPr txBox="1">
-            <a:spLocks/>
-          </p:cNvSpPr>
-          <p:nvPr/>
-        </p:nvSpPr>
-        <p:spPr>
-          <a:xfrm>
-            <a:off x="838200" y="365125"/>
-            <a:ext cx="10515600" cy="1325563"/>
-          </a:xfrm>
-          <a:prstGeom prst="rect">
-            <a:avLst/>
-          </a:prstGeom>
-        </p:spPr>
-        <p:txBody>
-          <a:bodyPr spcFirstLastPara="1" vert="horz" wrap="square" lIns="91425" tIns="91425" rIns="91425" bIns="91425" rtlCol="0" anchor="t" anchorCtr="0">
-            <a:normAutofit/>
-          </a:bodyPr>
-          <a:lstStyle>
-            <a:lvl1pPr lvl="0" algn="l" defTabSz="914400" rtl="0" eaLnBrk="1" latinLnBrk="0" hangingPunct="1">
-              <a:lnSpc>
-                <a:spcPct val="90000"/>
-              </a:lnSpc>
-              <a:spcBef>
-                <a:spcPts val="0"/>
-              </a:spcBef>
-              <a:spcAft>
-                <a:spcPts val="0"/>
-              </a:spcAft>
-              <a:buSzPts val="2800"/>
-              <a:buNone/>
-              <a:defRPr sz="4400" kern="1200">
-                <a:solidFill>
-                  <a:schemeClr val="tx1"/>
-                </a:solidFill>
-                <a:latin typeface="+mj-lt"/>
-                <a:ea typeface="+mj-ea"/>
-                <a:cs typeface="+mj-cs"/>
-              </a:defRPr>
-            </a:lvl1pPr>
-            <a:lvl2pPr lvl="1">
-              <a:spcBef>
-                <a:spcPts val="0"/>
-              </a:spcBef>
-              <a:spcAft>
-                <a:spcPts val="0"/>
-              </a:spcAft>
-              <a:buSzPts val="2800"/>
-              <a:buNone/>
-              <a:defRPr/>
-            </a:lvl2pPr>
-            <a:lvl3pPr lvl="2">
-              <a:spcBef>
-                <a:spcPts val="0"/>
-              </a:spcBef>
-              <a:spcAft>
-                <a:spcPts val="0"/>
-              </a:spcAft>
-              <a:buSzPts val="2800"/>
-              <a:buNone/>
-              <a:defRPr/>
-            </a:lvl3pPr>
-            <a:lvl4pPr lvl="3">
-              <a:spcBef>
-                <a:spcPts val="0"/>
-              </a:spcBef>
-              <a:spcAft>
-                <a:spcPts val="0"/>
-              </a:spcAft>
-              <a:buSzPts val="2800"/>
-              <a:buNone/>
-              <a:defRPr/>
-            </a:lvl4pPr>
-            <a:lvl5pPr lvl="4">
-              <a:spcBef>
-                <a:spcPts val="0"/>
-              </a:spcBef>
-              <a:spcAft>
-                <a:spcPts val="0"/>
-              </a:spcAft>
-              <a:buSzPts val="2800"/>
-              <a:buNone/>
-              <a:defRPr/>
-            </a:lvl5pPr>
-            <a:lvl6pPr lvl="5">
-              <a:spcBef>
-                <a:spcPts val="0"/>
-              </a:spcBef>
-              <a:spcAft>
-                <a:spcPts val="0"/>
-              </a:spcAft>
-              <a:buSzPts val="2800"/>
-              <a:buNone/>
-              <a:defRPr/>
-            </a:lvl6pPr>
-            <a:lvl7pPr lvl="6">
-              <a:spcBef>
-                <a:spcPts val="0"/>
-              </a:spcBef>
-              <a:spcAft>
-                <a:spcPts val="0"/>
-              </a:spcAft>
-              <a:buSzPts val="2800"/>
-              <a:buNone/>
-              <a:defRPr/>
-            </a:lvl7pPr>
-            <a:lvl8pPr lvl="7">
-              <a:spcBef>
-                <a:spcPts val="0"/>
-              </a:spcBef>
-              <a:spcAft>
-                <a:spcPts val="0"/>
-              </a:spcAft>
-              <a:buSzPts val="2800"/>
-              <a:buNone/>
-              <a:defRPr/>
-            </a:lvl8pPr>
-            <a:lvl9pPr lvl="8">
-              <a:spcBef>
-                <a:spcPts val="0"/>
-              </a:spcBef>
-              <a:spcAft>
-                <a:spcPts val="0"/>
-              </a:spcAft>
-              <a:buSzPts val="2800"/>
-              <a:buNone/>
-              <a:defRPr/>
-            </a:lvl9pPr>
-          </a:lstStyle>
-          <a:p>
-            <a:r>
-              <a:rPr lang="en-US" dirty="0">
-                <a:solidFill>
-                  <a:srgbClr val="C00000"/>
-                </a:solidFill>
-              </a:rPr>
-              <a:t>Prediction with Expert Advice</a:t>
-            </a:r>
-          </a:p>
-        </p:txBody>
-      </p:sp>
-      <p:pic>
-        <p:nvPicPr>
-          <p:cNvPr id="2052" name="Picture 4" descr="Albert Einstein Thinking Cartoon ...">
-            <a:extLst>
-              <a:ext uri="{FF2B5EF4-FFF2-40B4-BE49-F238E27FC236}">
-                <a16:creationId xmlns:a16="http://schemas.microsoft.com/office/drawing/2014/main" id="{4C541916-40AC-D082-1E8B-16A0DD178EF1}"/>
-              </a:ext>
-            </a:extLst>
-          </p:cNvPr>
-          <p:cNvPicPr>
-            <a:picLocks noChangeAspect="1" noChangeArrowheads="1"/>
-          </p:cNvPicPr>
-          <p:nvPr/>
-        </p:nvPicPr>
-        <p:blipFill>
-          <a:blip r:embed="rId5">
-            <a:extLst>
-              <a:ext uri="{28A0092B-C50C-407E-A947-70E740481C1C}">
-                <a14:useLocalDpi xmlns:a14="http://schemas.microsoft.com/office/drawing/2010/main" val="0"/>
-              </a:ext>
-            </a:extLst>
-          </a:blip>
-          <a:srcRect/>
-          <a:stretch>
-            <a:fillRect/>
-          </a:stretch>
-        </p:blipFill>
-        <p:spPr bwMode="auto">
-          <a:xfrm>
-            <a:off x="2602832" y="2036959"/>
-            <a:ext cx="621325" cy="1486895"/>
-          </a:xfrm>
-          <a:prstGeom prst="rect">
-            <a:avLst/>
-          </a:prstGeom>
-          <a:noFill/>
-          <a:extLst>
-            <a:ext uri="{909E8E84-426E-40DD-AFC4-6F175D3DCCD1}">
-              <a14:hiddenFill xmlns:a14="http://schemas.microsoft.com/office/drawing/2010/main">
-                <a:solidFill>
-                  <a:srgbClr val="FFFFFF"/>
-                </a:solidFill>
-              </a14:hiddenFill>
-            </a:ext>
-          </a:extLst>
-        </p:spPr>
-      </p:pic>
-      <p:pic>
-        <p:nvPicPr>
-          <p:cNvPr id="2054" name="Picture 6" descr="How to Draw Gandalf - Really Easy ...">
-            <a:extLst>
-              <a:ext uri="{FF2B5EF4-FFF2-40B4-BE49-F238E27FC236}">
-                <a16:creationId xmlns:a16="http://schemas.microsoft.com/office/drawing/2014/main" id="{9B70A0AD-6262-A385-FD0D-9102F0B53194}"/>
-              </a:ext>
-            </a:extLst>
-          </p:cNvPr>
-          <p:cNvPicPr>
-            <a:picLocks noChangeAspect="1" noChangeArrowheads="1"/>
-          </p:cNvPicPr>
-          <p:nvPr/>
-        </p:nvPicPr>
-        <p:blipFill>
-          <a:blip r:embed="rId6">
-            <a:extLst>
-              <a:ext uri="{28A0092B-C50C-407E-A947-70E740481C1C}">
-                <a14:useLocalDpi xmlns:a14="http://schemas.microsoft.com/office/drawing/2010/main" val="0"/>
-              </a:ext>
-            </a:extLst>
-          </a:blip>
-          <a:srcRect/>
-          <a:stretch>
-            <a:fillRect/>
-          </a:stretch>
-        </p:blipFill>
-        <p:spPr bwMode="auto">
-          <a:xfrm>
-            <a:off x="6251478" y="2159131"/>
-            <a:ext cx="1091071" cy="1292336"/>
-          </a:xfrm>
-          <a:prstGeom prst="rect">
-            <a:avLst/>
-          </a:prstGeom>
-          <a:noFill/>
-          <a:extLst>
-            <a:ext uri="{909E8E84-426E-40DD-AFC4-6F175D3DCCD1}">
-              <a14:hiddenFill xmlns:a14="http://schemas.microsoft.com/office/drawing/2010/main">
-                <a:solidFill>
-                  <a:srgbClr val="FFFFFF"/>
-                </a:solidFill>
-              </a14:hiddenFill>
-            </a:ext>
-          </a:extLst>
-        </p:spPr>
-      </p:pic>
-      <p:pic>
-        <p:nvPicPr>
-          <p:cNvPr id="3" name="Picture 10" descr="Lisa Simpson - Wikipedia">
-            <a:extLst>
-              <a:ext uri="{FF2B5EF4-FFF2-40B4-BE49-F238E27FC236}">
-                <a16:creationId xmlns:a16="http://schemas.microsoft.com/office/drawing/2014/main" id="{246DA7FA-04AE-EAAE-47C8-2CDF4DD98686}"/>
-              </a:ext>
-            </a:extLst>
-          </p:cNvPr>
-          <p:cNvPicPr>
-            <a:picLocks noChangeAspect="1" noChangeArrowheads="1"/>
-          </p:cNvPicPr>
-          <p:nvPr/>
-        </p:nvPicPr>
-        <p:blipFill>
-          <a:blip r:embed="rId7">
-            <a:extLst>
-              <a:ext uri="{28A0092B-C50C-407E-A947-70E740481C1C}">
-                <a14:useLocalDpi xmlns:a14="http://schemas.microsoft.com/office/drawing/2010/main" val="0"/>
-              </a:ext>
-            </a:extLst>
-          </a:blip>
-          <a:srcRect/>
-          <a:stretch>
-            <a:fillRect/>
-          </a:stretch>
-        </p:blipFill>
-        <p:spPr bwMode="auto">
-          <a:xfrm>
-            <a:off x="5130980" y="2138613"/>
-            <a:ext cx="852456" cy="1385241"/>
-          </a:xfrm>
-          <a:prstGeom prst="rect">
-            <a:avLst/>
-          </a:prstGeom>
-          <a:noFill/>
-          <a:extLst>
-            <a:ext uri="{909E8E84-426E-40DD-AFC4-6F175D3DCCD1}">
-              <a14:hiddenFill xmlns:a14="http://schemas.microsoft.com/office/drawing/2010/main">
-                <a:solidFill>
-                  <a:srgbClr val="FFFFFF"/>
-                </a:solidFill>
-              </a14:hiddenFill>
-            </a:ext>
-          </a:extLst>
-        </p:spPr>
-      </p:pic>
-      <p:pic>
-        <p:nvPicPr>
-          <p:cNvPr id="2060" name="Picture 12" descr="freetoedit #picsart #starwars #disney ...">
-            <a:extLst>
-              <a:ext uri="{FF2B5EF4-FFF2-40B4-BE49-F238E27FC236}">
-                <a16:creationId xmlns:a16="http://schemas.microsoft.com/office/drawing/2014/main" id="{139CCC9D-5C59-4E79-020B-BC24F26CA97B}"/>
-              </a:ext>
-            </a:extLst>
-          </p:cNvPr>
-          <p:cNvPicPr>
-            <a:picLocks noChangeAspect="1" noChangeArrowheads="1"/>
-          </p:cNvPicPr>
-          <p:nvPr/>
-        </p:nvPicPr>
-        <p:blipFill>
-          <a:blip r:embed="rId8">
-            <a:extLst>
-              <a:ext uri="{28A0092B-C50C-407E-A947-70E740481C1C}">
-                <a14:useLocalDpi xmlns:a14="http://schemas.microsoft.com/office/drawing/2010/main" val="0"/>
-              </a:ext>
-            </a:extLst>
-          </a:blip>
-          <a:srcRect/>
-          <a:stretch>
-            <a:fillRect/>
-          </a:stretch>
-        </p:blipFill>
-        <p:spPr bwMode="auto">
-          <a:xfrm>
-            <a:off x="3772029" y="2272059"/>
-            <a:ext cx="910005" cy="1156941"/>
-          </a:xfrm>
-          <a:prstGeom prst="rect">
-            <a:avLst/>
-          </a:prstGeom>
-          <a:noFill/>
-          <a:extLst>
-            <a:ext uri="{909E8E84-426E-40DD-AFC4-6F175D3DCCD1}">
-              <a14:hiddenFill xmlns:a14="http://schemas.microsoft.com/office/drawing/2010/main">
-                <a:solidFill>
-                  <a:srgbClr val="FFFFFF"/>
-                </a:solidFill>
-              </a14:hiddenFill>
-            </a:ext>
-          </a:extLst>
-        </p:spPr>
-      </p:pic>
-      <p:pic>
-        <p:nvPicPr>
-          <p:cNvPr id="2062" name="Picture 14" descr="Scroll - Free vector clipart images on ...">
-            <a:extLst>
-              <a:ext uri="{FF2B5EF4-FFF2-40B4-BE49-F238E27FC236}">
-                <a16:creationId xmlns:a16="http://schemas.microsoft.com/office/drawing/2014/main" id="{4C497FFD-9965-B5C6-6232-5C3F0DC0843C}"/>
-              </a:ext>
-            </a:extLst>
-          </p:cNvPr>
-          <p:cNvPicPr>
-            <a:picLocks noChangeAspect="1" noChangeArrowheads="1"/>
-          </p:cNvPicPr>
-          <p:nvPr/>
-        </p:nvPicPr>
-        <p:blipFill>
-          <a:blip r:embed="rId9">
-            <a:extLst>
-              <a:ext uri="{28A0092B-C50C-407E-A947-70E740481C1C}">
-                <a14:useLocalDpi xmlns:a14="http://schemas.microsoft.com/office/drawing/2010/main" val="0"/>
-              </a:ext>
-            </a:extLst>
-          </a:blip>
-          <a:srcRect/>
-          <a:stretch>
-            <a:fillRect/>
-          </a:stretch>
-        </p:blipFill>
-        <p:spPr bwMode="auto">
-          <a:xfrm>
-            <a:off x="2602832" y="3685628"/>
-            <a:ext cx="520200" cy="531916"/>
-          </a:xfrm>
-          <a:prstGeom prst="rect">
-            <a:avLst/>
-          </a:prstGeom>
-          <a:noFill/>
-          <a:extLst>
-            <a:ext uri="{909E8E84-426E-40DD-AFC4-6F175D3DCCD1}">
-              <a14:hiddenFill xmlns:a14="http://schemas.microsoft.com/office/drawing/2010/main">
-                <a:solidFill>
-                  <a:srgbClr val="FFFFFF"/>
-                </a:solidFill>
-              </a14:hiddenFill>
-            </a:ext>
-          </a:extLst>
-        </p:spPr>
-      </p:pic>
-      <p:pic>
-        <p:nvPicPr>
-          <p:cNvPr id="5" name="Picture 14" descr="Scroll - Free vector clipart images on ...">
-            <a:extLst>
-              <a:ext uri="{FF2B5EF4-FFF2-40B4-BE49-F238E27FC236}">
-                <a16:creationId xmlns:a16="http://schemas.microsoft.com/office/drawing/2014/main" id="{8F16C3D3-2CB1-59C5-9DD9-87DE04961E46}"/>
-              </a:ext>
-            </a:extLst>
-          </p:cNvPr>
-          <p:cNvPicPr>
-            <a:picLocks noChangeAspect="1" noChangeArrowheads="1"/>
-          </p:cNvPicPr>
-          <p:nvPr/>
-        </p:nvPicPr>
-        <p:blipFill>
-          <a:blip r:embed="rId9">
-            <a:extLst>
-              <a:ext uri="{28A0092B-C50C-407E-A947-70E740481C1C}">
-                <a14:useLocalDpi xmlns:a14="http://schemas.microsoft.com/office/drawing/2010/main" val="0"/>
-              </a:ext>
-            </a:extLst>
-          </a:blip>
-          <a:srcRect/>
-          <a:stretch>
-            <a:fillRect/>
-          </a:stretch>
-        </p:blipFill>
-        <p:spPr bwMode="auto">
-          <a:xfrm>
-            <a:off x="2602832" y="4628037"/>
-            <a:ext cx="520200" cy="531916"/>
-          </a:xfrm>
-          <a:prstGeom prst="rect">
-            <a:avLst/>
-          </a:prstGeom>
-          <a:noFill/>
-          <a:extLst>
-            <a:ext uri="{909E8E84-426E-40DD-AFC4-6F175D3DCCD1}">
-              <a14:hiddenFill xmlns:a14="http://schemas.microsoft.com/office/drawing/2010/main">
-                <a:solidFill>
-                  <a:srgbClr val="FFFFFF"/>
-                </a:solidFill>
-              </a14:hiddenFill>
-            </a:ext>
-          </a:extLst>
-        </p:spPr>
-      </p:pic>
-      <p:pic>
-        <p:nvPicPr>
-          <p:cNvPr id="6" name="Picture 14" descr="Scroll - Free vector clipart images on ...">
-            <a:extLst>
-              <a:ext uri="{FF2B5EF4-FFF2-40B4-BE49-F238E27FC236}">
-                <a16:creationId xmlns:a16="http://schemas.microsoft.com/office/drawing/2014/main" id="{38C318C9-648C-8F87-0556-B053374A031C}"/>
-              </a:ext>
-            </a:extLst>
-          </p:cNvPr>
-          <p:cNvPicPr>
-            <a:picLocks noChangeAspect="1" noChangeArrowheads="1"/>
-          </p:cNvPicPr>
-          <p:nvPr/>
-        </p:nvPicPr>
-        <p:blipFill>
-          <a:blip r:embed="rId9">
-            <a:extLst>
-              <a:ext uri="{28A0092B-C50C-407E-A947-70E740481C1C}">
-                <a14:useLocalDpi xmlns:a14="http://schemas.microsoft.com/office/drawing/2010/main" val="0"/>
-              </a:ext>
-            </a:extLst>
-          </a:blip>
-          <a:srcRect/>
-          <a:stretch>
-            <a:fillRect/>
-          </a:stretch>
-        </p:blipFill>
-        <p:spPr bwMode="auto">
-          <a:xfrm>
-            <a:off x="2602832" y="5574099"/>
-            <a:ext cx="520200" cy="531916"/>
-          </a:xfrm>
-          <a:prstGeom prst="rect">
-            <a:avLst/>
-          </a:prstGeom>
-          <a:noFill/>
-          <a:extLst>
-            <a:ext uri="{909E8E84-426E-40DD-AFC4-6F175D3DCCD1}">
-              <a14:hiddenFill xmlns:a14="http://schemas.microsoft.com/office/drawing/2010/main">
-                <a:solidFill>
-                  <a:srgbClr val="FFFFFF"/>
-                </a:solidFill>
-              </a14:hiddenFill>
-            </a:ext>
-          </a:extLst>
-        </p:spPr>
-      </p:pic>
-      <p:pic>
-        <p:nvPicPr>
-          <p:cNvPr id="7" name="Picture 14" descr="Scroll - Free vector clipart images on ...">
-            <a:extLst>
-              <a:ext uri="{FF2B5EF4-FFF2-40B4-BE49-F238E27FC236}">
-                <a16:creationId xmlns:a16="http://schemas.microsoft.com/office/drawing/2014/main" id="{6B7A87E5-BDE7-6EAB-FFDD-61A2FC299175}"/>
-              </a:ext>
-            </a:extLst>
-          </p:cNvPr>
-          <p:cNvPicPr>
-            <a:picLocks noChangeAspect="1" noChangeArrowheads="1"/>
-          </p:cNvPicPr>
-          <p:nvPr/>
-        </p:nvPicPr>
-        <p:blipFill>
-          <a:blip r:embed="rId9">
-            <a:extLst>
-              <a:ext uri="{28A0092B-C50C-407E-A947-70E740481C1C}">
-                <a14:useLocalDpi xmlns:a14="http://schemas.microsoft.com/office/drawing/2010/main" val="0"/>
-              </a:ext>
-            </a:extLst>
-          </a:blip>
-          <a:srcRect/>
-          <a:stretch>
-            <a:fillRect/>
-          </a:stretch>
-        </p:blipFill>
-        <p:spPr bwMode="auto">
-          <a:xfrm>
-            <a:off x="3919030" y="3685628"/>
-            <a:ext cx="520200" cy="531916"/>
-          </a:xfrm>
-          <a:prstGeom prst="rect">
-            <a:avLst/>
-          </a:prstGeom>
-          <a:noFill/>
-          <a:extLst>
-            <a:ext uri="{909E8E84-426E-40DD-AFC4-6F175D3DCCD1}">
-              <a14:hiddenFill xmlns:a14="http://schemas.microsoft.com/office/drawing/2010/main">
-                <a:solidFill>
-                  <a:srgbClr val="FFFFFF"/>
-                </a:solidFill>
-              </a14:hiddenFill>
-            </a:ext>
-          </a:extLst>
-        </p:spPr>
-      </p:pic>
-      <p:pic>
-        <p:nvPicPr>
-          <p:cNvPr id="8" name="Picture 14" descr="Scroll - Free vector clipart images on ...">
-            <a:extLst>
-              <a:ext uri="{FF2B5EF4-FFF2-40B4-BE49-F238E27FC236}">
-                <a16:creationId xmlns:a16="http://schemas.microsoft.com/office/drawing/2014/main" id="{9E9B3A67-7398-FC79-EE50-42F6CBFCBCEB}"/>
-              </a:ext>
-            </a:extLst>
-          </p:cNvPr>
-          <p:cNvPicPr>
-            <a:picLocks noChangeAspect="1" noChangeArrowheads="1"/>
-          </p:cNvPicPr>
-          <p:nvPr/>
-        </p:nvPicPr>
-        <p:blipFill>
-          <a:blip r:embed="rId9">
-            <a:extLst>
-              <a:ext uri="{28A0092B-C50C-407E-A947-70E740481C1C}">
-                <a14:useLocalDpi xmlns:a14="http://schemas.microsoft.com/office/drawing/2010/main" val="0"/>
-              </a:ext>
-            </a:extLst>
-          </a:blip>
-          <a:srcRect/>
-          <a:stretch>
-            <a:fillRect/>
-          </a:stretch>
-        </p:blipFill>
-        <p:spPr bwMode="auto">
-          <a:xfrm>
-            <a:off x="3919030" y="4628037"/>
-            <a:ext cx="520200" cy="531916"/>
-          </a:xfrm>
-          <a:prstGeom prst="rect">
-            <a:avLst/>
-          </a:prstGeom>
-          <a:noFill/>
-          <a:extLst>
-            <a:ext uri="{909E8E84-426E-40DD-AFC4-6F175D3DCCD1}">
-              <a14:hiddenFill xmlns:a14="http://schemas.microsoft.com/office/drawing/2010/main">
-                <a:solidFill>
-                  <a:srgbClr val="FFFFFF"/>
-                </a:solidFill>
-              </a14:hiddenFill>
-            </a:ext>
-          </a:extLst>
-        </p:spPr>
-      </p:pic>
-      <p:pic>
-        <p:nvPicPr>
-          <p:cNvPr id="9" name="Picture 14" descr="Scroll - Free vector clipart images on ...">
-            <a:extLst>
-              <a:ext uri="{FF2B5EF4-FFF2-40B4-BE49-F238E27FC236}">
-                <a16:creationId xmlns:a16="http://schemas.microsoft.com/office/drawing/2014/main" id="{BA4E84FC-89B5-0667-1B89-9DBF5EF95CF2}"/>
-              </a:ext>
-            </a:extLst>
-          </p:cNvPr>
-          <p:cNvPicPr>
-            <a:picLocks noChangeAspect="1" noChangeArrowheads="1"/>
-          </p:cNvPicPr>
-          <p:nvPr/>
-        </p:nvPicPr>
-        <p:blipFill>
-          <a:blip r:embed="rId9">
-            <a:extLst>
-              <a:ext uri="{28A0092B-C50C-407E-A947-70E740481C1C}">
-                <a14:useLocalDpi xmlns:a14="http://schemas.microsoft.com/office/drawing/2010/main" val="0"/>
-              </a:ext>
-            </a:extLst>
-          </a:blip>
-          <a:srcRect/>
-          <a:stretch>
-            <a:fillRect/>
-          </a:stretch>
-        </p:blipFill>
-        <p:spPr bwMode="auto">
-          <a:xfrm>
-            <a:off x="3919030" y="5574099"/>
-            <a:ext cx="520200" cy="531916"/>
-          </a:xfrm>
-          <a:prstGeom prst="rect">
-            <a:avLst/>
-          </a:prstGeom>
-          <a:noFill/>
-          <a:extLst>
-            <a:ext uri="{909E8E84-426E-40DD-AFC4-6F175D3DCCD1}">
-              <a14:hiddenFill xmlns:a14="http://schemas.microsoft.com/office/drawing/2010/main">
-                <a:solidFill>
-                  <a:srgbClr val="FFFFFF"/>
-                </a:solidFill>
-              </a14:hiddenFill>
-            </a:ext>
-          </a:extLst>
-        </p:spPr>
-      </p:pic>
-      <p:pic>
-        <p:nvPicPr>
-          <p:cNvPr id="10" name="Picture 14" descr="Scroll - Free vector clipart images on ...">
-            <a:extLst>
-              <a:ext uri="{FF2B5EF4-FFF2-40B4-BE49-F238E27FC236}">
-                <a16:creationId xmlns:a16="http://schemas.microsoft.com/office/drawing/2014/main" id="{E6C5601F-72EB-77F9-1C9C-9079F350CF2F}"/>
-              </a:ext>
-            </a:extLst>
-          </p:cNvPr>
-          <p:cNvPicPr>
-            <a:picLocks noChangeAspect="1" noChangeArrowheads="1"/>
-          </p:cNvPicPr>
-          <p:nvPr/>
-        </p:nvPicPr>
-        <p:blipFill>
-          <a:blip r:embed="rId9">
-            <a:extLst>
-              <a:ext uri="{28A0092B-C50C-407E-A947-70E740481C1C}">
-                <a14:useLocalDpi xmlns:a14="http://schemas.microsoft.com/office/drawing/2010/main" val="0"/>
-              </a:ext>
-            </a:extLst>
-          </a:blip>
-          <a:srcRect/>
-          <a:stretch>
-            <a:fillRect/>
-          </a:stretch>
-        </p:blipFill>
-        <p:spPr bwMode="auto">
-          <a:xfrm>
-            <a:off x="5240203" y="3685628"/>
-            <a:ext cx="520200" cy="531916"/>
-          </a:xfrm>
-          <a:prstGeom prst="rect">
-            <a:avLst/>
-          </a:prstGeom>
-          <a:noFill/>
-          <a:extLst>
-            <a:ext uri="{909E8E84-426E-40DD-AFC4-6F175D3DCCD1}">
-              <a14:hiddenFill xmlns:a14="http://schemas.microsoft.com/office/drawing/2010/main">
-                <a:solidFill>
-                  <a:srgbClr val="FFFFFF"/>
-                </a:solidFill>
-              </a14:hiddenFill>
-            </a:ext>
-          </a:extLst>
-        </p:spPr>
-      </p:pic>
-      <p:pic>
-        <p:nvPicPr>
-          <p:cNvPr id="11" name="Picture 14" descr="Scroll - Free vector clipart images on ...">
-            <a:extLst>
-              <a:ext uri="{FF2B5EF4-FFF2-40B4-BE49-F238E27FC236}">
-                <a16:creationId xmlns:a16="http://schemas.microsoft.com/office/drawing/2014/main" id="{5EAC5A2E-A636-34AF-B5A2-23DDEA7B9F5C}"/>
-              </a:ext>
-            </a:extLst>
-          </p:cNvPr>
-          <p:cNvPicPr>
-            <a:picLocks noChangeAspect="1" noChangeArrowheads="1"/>
-          </p:cNvPicPr>
-          <p:nvPr/>
-        </p:nvPicPr>
-        <p:blipFill>
-          <a:blip r:embed="rId9">
-            <a:extLst>
-              <a:ext uri="{28A0092B-C50C-407E-A947-70E740481C1C}">
-                <a14:useLocalDpi xmlns:a14="http://schemas.microsoft.com/office/drawing/2010/main" val="0"/>
-              </a:ext>
-            </a:extLst>
-          </a:blip>
-          <a:srcRect/>
-          <a:stretch>
-            <a:fillRect/>
-          </a:stretch>
-        </p:blipFill>
-        <p:spPr bwMode="auto">
-          <a:xfrm>
-            <a:off x="5240203" y="4628037"/>
-            <a:ext cx="520200" cy="531916"/>
-          </a:xfrm>
-          <a:prstGeom prst="rect">
-            <a:avLst/>
-          </a:prstGeom>
-          <a:noFill/>
-          <a:extLst>
-            <a:ext uri="{909E8E84-426E-40DD-AFC4-6F175D3DCCD1}">
-              <a14:hiddenFill xmlns:a14="http://schemas.microsoft.com/office/drawing/2010/main">
-                <a:solidFill>
-                  <a:srgbClr val="FFFFFF"/>
-                </a:solidFill>
-              </a14:hiddenFill>
-            </a:ext>
-          </a:extLst>
-        </p:spPr>
-      </p:pic>
-      <p:pic>
-        <p:nvPicPr>
-          <p:cNvPr id="12" name="Picture 14" descr="Scroll - Free vector clipart images on ...">
-            <a:extLst>
-              <a:ext uri="{FF2B5EF4-FFF2-40B4-BE49-F238E27FC236}">
-                <a16:creationId xmlns:a16="http://schemas.microsoft.com/office/drawing/2014/main" id="{51F2F725-BC42-F193-74A6-D139762B4CD5}"/>
-              </a:ext>
-            </a:extLst>
-          </p:cNvPr>
-          <p:cNvPicPr>
-            <a:picLocks noChangeAspect="1" noChangeArrowheads="1"/>
-          </p:cNvPicPr>
-          <p:nvPr/>
-        </p:nvPicPr>
-        <p:blipFill>
-          <a:blip r:embed="rId9">
-            <a:extLst>
-              <a:ext uri="{28A0092B-C50C-407E-A947-70E740481C1C}">
-                <a14:useLocalDpi xmlns:a14="http://schemas.microsoft.com/office/drawing/2010/main" val="0"/>
-              </a:ext>
-            </a:extLst>
-          </a:blip>
-          <a:srcRect/>
-          <a:stretch>
-            <a:fillRect/>
-          </a:stretch>
-        </p:blipFill>
-        <p:spPr bwMode="auto">
-          <a:xfrm>
-            <a:off x="5240203" y="5574099"/>
-            <a:ext cx="520200" cy="531916"/>
-          </a:xfrm>
-          <a:prstGeom prst="rect">
-            <a:avLst/>
-          </a:prstGeom>
-          <a:noFill/>
-          <a:extLst>
-            <a:ext uri="{909E8E84-426E-40DD-AFC4-6F175D3DCCD1}">
-              <a14:hiddenFill xmlns:a14="http://schemas.microsoft.com/office/drawing/2010/main">
-                <a:solidFill>
-                  <a:srgbClr val="FFFFFF"/>
-                </a:solidFill>
-              </a14:hiddenFill>
-            </a:ext>
-          </a:extLst>
-        </p:spPr>
-      </p:pic>
-      <p:pic>
-        <p:nvPicPr>
-          <p:cNvPr id="13" name="Picture 14" descr="Scroll - Free vector clipart images on ...">
-            <a:extLst>
-              <a:ext uri="{FF2B5EF4-FFF2-40B4-BE49-F238E27FC236}">
-                <a16:creationId xmlns:a16="http://schemas.microsoft.com/office/drawing/2014/main" id="{33D61271-348B-7B99-F13C-4078A6F83969}"/>
-              </a:ext>
-            </a:extLst>
-          </p:cNvPr>
-          <p:cNvPicPr>
-            <a:picLocks noChangeAspect="1" noChangeArrowheads="1"/>
-          </p:cNvPicPr>
-          <p:nvPr/>
-        </p:nvPicPr>
-        <p:blipFill>
-          <a:blip r:embed="rId9">
-            <a:extLst>
-              <a:ext uri="{28A0092B-C50C-407E-A947-70E740481C1C}">
-                <a14:useLocalDpi xmlns:a14="http://schemas.microsoft.com/office/drawing/2010/main" val="0"/>
-              </a:ext>
-            </a:extLst>
-          </a:blip>
-          <a:srcRect/>
-          <a:stretch>
-            <a:fillRect/>
-          </a:stretch>
-        </p:blipFill>
-        <p:spPr bwMode="auto">
-          <a:xfrm>
-            <a:off x="6561981" y="3685628"/>
-            <a:ext cx="520200" cy="531916"/>
-          </a:xfrm>
-          <a:prstGeom prst="rect">
-            <a:avLst/>
-          </a:prstGeom>
-          <a:noFill/>
-          <a:extLst>
-            <a:ext uri="{909E8E84-426E-40DD-AFC4-6F175D3DCCD1}">
-              <a14:hiddenFill xmlns:a14="http://schemas.microsoft.com/office/drawing/2010/main">
-                <a:solidFill>
-                  <a:srgbClr val="FFFFFF"/>
-                </a:solidFill>
-              </a14:hiddenFill>
-            </a:ext>
-          </a:extLst>
-        </p:spPr>
-      </p:pic>
-      <p:pic>
-        <p:nvPicPr>
-          <p:cNvPr id="14" name="Picture 14" descr="Scroll - Free vector clipart images on ...">
-            <a:extLst>
-              <a:ext uri="{FF2B5EF4-FFF2-40B4-BE49-F238E27FC236}">
-                <a16:creationId xmlns:a16="http://schemas.microsoft.com/office/drawing/2014/main" id="{F754B883-1BCE-5DA1-78C4-018445A014AD}"/>
-              </a:ext>
-            </a:extLst>
-          </p:cNvPr>
-          <p:cNvPicPr>
-            <a:picLocks noChangeAspect="1" noChangeArrowheads="1"/>
-          </p:cNvPicPr>
-          <p:nvPr/>
-        </p:nvPicPr>
-        <p:blipFill>
-          <a:blip r:embed="rId9">
-            <a:extLst>
-              <a:ext uri="{28A0092B-C50C-407E-A947-70E740481C1C}">
-                <a14:useLocalDpi xmlns:a14="http://schemas.microsoft.com/office/drawing/2010/main" val="0"/>
-              </a:ext>
-            </a:extLst>
-          </a:blip>
-          <a:srcRect/>
-          <a:stretch>
-            <a:fillRect/>
-          </a:stretch>
-        </p:blipFill>
-        <p:spPr bwMode="auto">
-          <a:xfrm>
-            <a:off x="6561981" y="4628037"/>
-            <a:ext cx="520200" cy="531916"/>
-          </a:xfrm>
-          <a:prstGeom prst="rect">
-            <a:avLst/>
-          </a:prstGeom>
-          <a:noFill/>
-          <a:extLst>
-            <a:ext uri="{909E8E84-426E-40DD-AFC4-6F175D3DCCD1}">
-              <a14:hiddenFill xmlns:a14="http://schemas.microsoft.com/office/drawing/2010/main">
-                <a:solidFill>
-                  <a:srgbClr val="FFFFFF"/>
-                </a:solidFill>
-              </a14:hiddenFill>
-            </a:ext>
-          </a:extLst>
-        </p:spPr>
-      </p:pic>
-      <p:pic>
-        <p:nvPicPr>
-          <p:cNvPr id="15" name="Picture 14" descr="Scroll - Free vector clipart images on ...">
-            <a:extLst>
-              <a:ext uri="{FF2B5EF4-FFF2-40B4-BE49-F238E27FC236}">
-                <a16:creationId xmlns:a16="http://schemas.microsoft.com/office/drawing/2014/main" id="{FAEFBAD9-68A1-6824-F2BD-FCF79BE4239A}"/>
-              </a:ext>
-            </a:extLst>
-          </p:cNvPr>
-          <p:cNvPicPr>
-            <a:picLocks noChangeAspect="1" noChangeArrowheads="1"/>
-          </p:cNvPicPr>
-          <p:nvPr/>
-        </p:nvPicPr>
-        <p:blipFill>
-          <a:blip r:embed="rId9">
-            <a:extLst>
-              <a:ext uri="{28A0092B-C50C-407E-A947-70E740481C1C}">
-                <a14:useLocalDpi xmlns:a14="http://schemas.microsoft.com/office/drawing/2010/main" val="0"/>
-              </a:ext>
-            </a:extLst>
-          </a:blip>
-          <a:srcRect/>
-          <a:stretch>
-            <a:fillRect/>
-          </a:stretch>
-        </p:blipFill>
-        <p:spPr bwMode="auto">
-          <a:xfrm>
-            <a:off x="6561981" y="5574099"/>
-            <a:ext cx="520200" cy="531916"/>
-          </a:xfrm>
-          <a:prstGeom prst="rect">
-            <a:avLst/>
-          </a:prstGeom>
-          <a:noFill/>
-          <a:extLst>
-            <a:ext uri="{909E8E84-426E-40DD-AFC4-6F175D3DCCD1}">
-              <a14:hiddenFill xmlns:a14="http://schemas.microsoft.com/office/drawing/2010/main">
-                <a:solidFill>
-                  <a:srgbClr val="FFFFFF"/>
-                </a:solidFill>
-              </a14:hiddenFill>
-            </a:ext>
-          </a:extLst>
-        </p:spPr>
-      </p:pic>
-    </p:spTree>
-  </p:cSld>
-  <p:clrMapOvr>
-    <a:masterClrMapping/>
-  </p:clrMapOvr>
-</p:sld>
-</file>
-
-<file path=ppt/slides/slide20.xml><?xml version="1.0" encoding="utf-8"?>
+<file path=ppt/slides/slide18.xml><?xml version="1.0" encoding="utf-8"?>
 <p:sld xmlns:a="http://schemas.openxmlformats.org/drawingml/2006/main" xmlns:r="http://schemas.openxmlformats.org/officeDocument/2006/relationships" xmlns:p="http://schemas.openxmlformats.org/presentationml/2006/main">
   <p:cSld>
     <p:spTree>
@@ -11311,8 +9739,8 @@
           <a:chExt cx="0" cy="0"/>
         </a:xfrm>
       </p:grpSpPr>
-      <mc:AlternateContent xmlns:mc="http://schemas.openxmlformats.org/markup-compatibility/2006">
-        <mc:Choice xmlns:a14="http://schemas.microsoft.com/office/drawing/2010/main" Requires="a14">
+      <mc:AlternateContent xmlns:mc="http://schemas.openxmlformats.org/markup-compatibility/2006" xmlns:a14="http://schemas.microsoft.com/office/drawing/2010/main">
+        <mc:Choice Requires="a14">
           <p:sp>
             <p:nvSpPr>
               <p:cNvPr id="3" name="Text Placeholder 2">
@@ -11516,10 +9944,11 @@
                 </a:r>
               </a:p>
               <a:p>
-                <a:pPr>
+                <a:pPr marL="0" indent="0">
                   <a:buClr>
                     <a:schemeClr val="tx1"/>
                   </a:buClr>
+                  <a:buNone/>
                 </a:pPr>
                 <a:endParaRPr lang="en-US" sz="3000" dirty="0"/>
               </a:p>
@@ -11531,7 +9960,7 @@
                 </a:pPr>
                 <a:r>
                   <a:rPr lang="en-US" sz="3000" dirty="0"/>
-                  <a:t>Online sampling and coresets do not work</a:t>
+                  <a:t>Smooth histograms, online sampling, and coresets do not work</a:t>
                 </a:r>
               </a:p>
               <a:p>
@@ -11603,7 +10032,7 @@
             </p:txBody>
           </p:sp>
         </mc:Choice>
-        <mc:Fallback>
+        <mc:Fallback xmlns="">
           <p:sp>
             <p:nvSpPr>
               <p:cNvPr id="3" name="Text Placeholder 2">
@@ -11719,7 +10148,7 @@
 </p:sld>
 </file>
 
-<file path=ppt/slides/slide21.xml><?xml version="1.0" encoding="utf-8"?>
+<file path=ppt/slides/slide19.xml><?xml version="1.0" encoding="utf-8"?>
 <p:sld xmlns:a="http://schemas.openxmlformats.org/drawingml/2006/main" xmlns:r="http://schemas.openxmlformats.org/officeDocument/2006/relationships" xmlns:p="http://schemas.openxmlformats.org/presentationml/2006/main">
   <p:cSld>
     <p:spTree>
@@ -11943,8 +10372,95 @@
                 </a:pPr>
                 <a:r>
                   <a:rPr lang="en-US" sz="3000" dirty="0"/>
-                  <a:t>Maintain small pool of experts</a:t>
+                  <a:t>Maintain small pool of </a:t>
                 </a:r>
+                <a14:m>
+                  <m:oMath xmlns:m="http://schemas.openxmlformats.org/officeDocument/2006/math">
+                    <m:r>
+                      <a:rPr lang="en-US" sz="3000" b="0" i="1" smtClean="0">
+                        <a:solidFill>
+                          <a:srgbClr val="C00000"/>
+                        </a:solidFill>
+                        <a:latin typeface="Cambria Math" panose="02040503050406030204" pitchFamily="18" charset="0"/>
+                      </a:rPr>
+                      <m:t>𝑘</m:t>
+                    </m:r>
+                    <m:r>
+                      <a:rPr lang="en-US" sz="3000" b="0" i="0" smtClean="0">
+                        <a:solidFill>
+                          <a:srgbClr val="C00000"/>
+                        </a:solidFill>
+                        <a:latin typeface="Cambria Math" panose="02040503050406030204" pitchFamily="18" charset="0"/>
+                      </a:rPr>
+                      <m:t>=</m:t>
+                    </m:r>
+                    <m:r>
+                      <m:rPr>
+                        <m:sty m:val="p"/>
+                      </m:rPr>
+                      <a:rPr lang="en-US" sz="3000">
+                        <a:solidFill>
+                          <a:srgbClr val="C00000"/>
+                        </a:solidFill>
+                        <a:latin typeface="Cambria Math" panose="02040503050406030204" pitchFamily="18" charset="0"/>
+                      </a:rPr>
+                      <m:t>polylog</m:t>
+                    </m:r>
+                    <m:r>
+                      <a:rPr lang="en-US" sz="3000">
+                        <a:solidFill>
+                          <a:srgbClr val="C00000"/>
+                        </a:solidFill>
+                        <a:latin typeface="Cambria Math" panose="02040503050406030204" pitchFamily="18" charset="0"/>
+                      </a:rPr>
+                      <m:t>(</m:t>
+                    </m:r>
+                    <m:r>
+                      <a:rPr lang="en-US" sz="3000" i="1">
+                        <a:solidFill>
+                          <a:srgbClr val="C00000"/>
+                        </a:solidFill>
+                        <a:latin typeface="Cambria Math" panose="02040503050406030204" pitchFamily="18" charset="0"/>
+                      </a:rPr>
+                      <m:t>𝑇</m:t>
+                    </m:r>
+                    <m:r>
+                      <a:rPr lang="en-US" sz="3000" i="1">
+                        <a:solidFill>
+                          <a:srgbClr val="C00000"/>
+                        </a:solidFill>
+                        <a:latin typeface="Cambria Math" panose="02040503050406030204" pitchFamily="18" charset="0"/>
+                      </a:rPr>
+                      <m:t>)</m:t>
+                    </m:r>
+                  </m:oMath>
+                </a14:m>
+                <a:r>
+                  <a:rPr lang="en-US" sz="3000" dirty="0"/>
+                  <a:t> experts on epochs of length </a:t>
+                </a:r>
+                <a14:m>
+                  <m:oMath xmlns:m="http://schemas.openxmlformats.org/officeDocument/2006/math">
+                    <m:r>
+                      <a:rPr lang="en-US" sz="3000" i="1">
+                        <a:solidFill>
+                          <a:srgbClr val="C00000"/>
+                        </a:solidFill>
+                        <a:latin typeface="Cambria Math" panose="02040503050406030204" pitchFamily="18" charset="0"/>
+                      </a:rPr>
+                      <m:t>𝐵</m:t>
+                    </m:r>
+                  </m:oMath>
+                </a14:m>
+                <a:endParaRPr lang="en-US" sz="3000" dirty="0"/>
+              </a:p>
+              <a:p>
+                <a:pPr>
+                  <a:buClr>
+                    <a:schemeClr val="tx1"/>
+                  </a:buClr>
+                </a:pPr>
+                <a:endParaRPr lang="en-US" sz="3000" dirty="0"/>
               </a:p>
               <a:p>
                 <a:pPr>
@@ -11954,8 +10470,31 @@
                 </a:pPr>
                 <a:r>
                   <a:rPr lang="en-US" sz="3000" dirty="0"/>
-                  <a:t>Run EXP3/MWU on each pool</a:t>
+                  <a:t>Want good performance if best expert is in pool </a:t>
                 </a:r>
+              </a:p>
+              <a:p>
+                <a:pPr lvl="1">
+                  <a:buClr>
+                    <a:schemeClr val="tx1"/>
+                  </a:buClr>
+                  <a:buFont typeface="Calibri" panose="020F0502020204030204" pitchFamily="34" charset="0"/>
+                  <a:buChar char="→"/>
+                </a:pPr>
+                <a:r>
+                  <a:rPr lang="en-US" sz="3000" dirty="0"/>
+                  <a:t>Run bandit algorithm, e.g., EXP3, on pool</a:t>
+                </a:r>
+              </a:p>
+              <a:p>
+                <a:pPr lvl="1">
+                  <a:buClr>
+                    <a:schemeClr val="tx1"/>
+                  </a:buClr>
+                  <a:buFont typeface="Calibri" panose="020F0502020204030204" pitchFamily="34" charset="0"/>
+                  <a:buChar char="→"/>
+                </a:pPr>
+                <a:endParaRPr lang="en-US" sz="3000" dirty="0"/>
               </a:p>
               <a:p>
                 <a:pPr>
@@ -11965,74 +10504,21 @@
                 </a:pPr>
                 <a:r>
                   <a:rPr lang="en-US" sz="3000" dirty="0"/>
-                  <a:t>Sample + prune</a:t>
+                  <a:t>Want to get new experts if all experts in pool are bad</a:t>
                 </a:r>
               </a:p>
               <a:p>
-                <a:pPr>
+                <a:pPr lvl="1">
                   <a:buClr>
                     <a:schemeClr val="tx1"/>
                   </a:buClr>
+                  <a:buFont typeface="Calibri" panose="020F0502020204030204" pitchFamily="34" charset="0"/>
+                  <a:buChar char="→"/>
                 </a:pPr>
                 <a:r>
                   <a:rPr lang="en-US" sz="3000" dirty="0"/>
-                  <a:t>Evict experts not beating baseline</a:t>
+                  <a:t>Sample and prune after epoch, evict experts not beating a baseline</a:t>
                 </a:r>
-              </a:p>
-              <a:p>
-                <a:pPr>
-                  <a:buClr>
-                    <a:schemeClr val="tx1"/>
-                  </a:buClr>
-                </a:pPr>
-                <a:r>
-                  <a:rPr lang="en-US" sz="3000" dirty="0"/>
-                  <a:t>Pool size stays </a:t>
-                </a:r>
-                <a14:m>
-                  <m:oMath xmlns:m="http://schemas.openxmlformats.org/officeDocument/2006/math">
-                    <m:r>
-                      <m:rPr>
-                        <m:sty m:val="p"/>
-                      </m:rPr>
-                      <a:rPr lang="en-US" sz="3000" b="0" i="0" smtClean="0">
-                        <a:solidFill>
-                          <a:srgbClr val="C00000"/>
-                        </a:solidFill>
-                        <a:latin typeface="Cambria Math" panose="02040503050406030204" pitchFamily="18" charset="0"/>
-                      </a:rPr>
-                      <m:t>polylog</m:t>
-                    </m:r>
-                    <m:r>
-                      <a:rPr lang="en-US" sz="3000" b="0" i="0" smtClean="0">
-                        <a:solidFill>
-                          <a:srgbClr val="C00000"/>
-                        </a:solidFill>
-                        <a:latin typeface="Cambria Math" panose="02040503050406030204" pitchFamily="18" charset="0"/>
-                      </a:rPr>
-                      <m:t>(</m:t>
-                    </m:r>
-                    <m:r>
-                      <a:rPr lang="en-US" sz="3000" b="0" i="1" smtClean="0">
-                        <a:solidFill>
-                          <a:srgbClr val="C00000"/>
-                        </a:solidFill>
-                        <a:latin typeface="Cambria Math" panose="02040503050406030204" pitchFamily="18" charset="0"/>
-                      </a:rPr>
-                      <m:t>𝑇</m:t>
-                    </m:r>
-                    <m:r>
-                      <a:rPr lang="en-US" sz="3000" b="0" i="1" smtClean="0">
-                        <a:solidFill>
-                          <a:srgbClr val="C00000"/>
-                        </a:solidFill>
-                        <a:latin typeface="Cambria Math" panose="02040503050406030204" pitchFamily="18" charset="0"/>
-                      </a:rPr>
-                      <m:t>)</m:t>
-                    </m:r>
-                  </m:oMath>
-                </a14:m>
-                <a:endParaRPr lang="en-US" sz="3000" dirty="0"/>
               </a:p>
             </p:txBody>
           </p:sp>
@@ -12063,7 +10549,7 @@
               <a:blipFill>
                 <a:blip r:embed="rId2"/>
                 <a:stretch>
-                  <a:fillRect l="-1073" t="-2677"/>
+                  <a:fillRect l="-1073" t="-2677" r="-858"/>
                 </a:stretch>
               </a:blipFill>
             </p:spPr>
@@ -12153,7 +10639,1755 @@
 </p:sld>
 </file>
 
-<file path=ppt/slides/slide22.xml><?xml version="1.0" encoding="utf-8"?>
+<file path=ppt/slides/slide2.xml><?xml version="1.0" encoding="utf-8"?>
+<p:sld xmlns:a="http://schemas.openxmlformats.org/drawingml/2006/main" xmlns:r="http://schemas.openxmlformats.org/officeDocument/2006/relationships" xmlns:p="http://schemas.openxmlformats.org/presentationml/2006/main">
+  <p:cSld>
+    <p:spTree>
+      <p:nvGrpSpPr>
+        <p:cNvPr id="1" name="Shape 60"/>
+        <p:cNvGrpSpPr/>
+        <p:nvPr/>
+      </p:nvGrpSpPr>
+      <p:grpSpPr>
+        <a:xfrm>
+          <a:off x="0" y="0"/>
+          <a:ext cx="0" cy="0"/>
+          <a:chOff x="0" y="0"/>
+          <a:chExt cx="0" cy="0"/>
+        </a:xfrm>
+      </p:grpSpPr>
+      <p:sp>
+        <p:nvSpPr>
+          <p:cNvPr id="62" name="Google Shape;62;p14"/>
+          <p:cNvSpPr txBox="1">
+            <a:spLocks noGrp="1"/>
+          </p:cNvSpPr>
+          <p:nvPr>
+            <p:ph type="body" idx="1"/>
+          </p:nvPr>
+        </p:nvSpPr>
+        <p:spPr>
+          <a:xfrm>
+            <a:off x="1849271" y="1323245"/>
+            <a:ext cx="8520600" cy="763500"/>
+          </a:xfrm>
+          <a:prstGeom prst="rect">
+            <a:avLst/>
+          </a:prstGeom>
+        </p:spPr>
+        <p:txBody>
+          <a:bodyPr spcFirstLastPara="1" vert="horz" wrap="square" lIns="91425" tIns="91425" rIns="91425" bIns="91425" rtlCol="0" anchor="t" anchorCtr="0">
+            <a:noAutofit/>
+          </a:bodyPr>
+          <a:lstStyle/>
+          <a:p>
+            <a:pPr marL="0" indent="0" algn="ctr">
+              <a:spcAft>
+                <a:spcPts val="1200"/>
+              </a:spcAft>
+              <a:buNone/>
+            </a:pPr>
+            <a:r>
+              <a:rPr lang="en" dirty="0">
+                <a:solidFill>
+                  <a:schemeClr val="dk1"/>
+                </a:solidFill>
+              </a:rPr>
+              <a:t>Fundamental Problem of </a:t>
+            </a:r>
+            <a:r>
+              <a:rPr lang="en" b="1" dirty="0">
+                <a:solidFill>
+                  <a:srgbClr val="EF5000"/>
+                </a:solidFill>
+              </a:rPr>
+              <a:t>Sequential Prediction</a:t>
+            </a:r>
+            <a:endParaRPr dirty="0">
+              <a:solidFill>
+                <a:schemeClr val="dk1"/>
+              </a:solidFill>
+            </a:endParaRPr>
+          </a:p>
+        </p:txBody>
+      </p:sp>
+      <p:sp>
+        <p:nvSpPr>
+          <p:cNvPr id="67" name="Google Shape;67;p14"/>
+          <p:cNvSpPr txBox="1"/>
+          <p:nvPr/>
+        </p:nvSpPr>
+        <p:spPr>
+          <a:xfrm>
+            <a:off x="1030662" y="2348841"/>
+            <a:ext cx="947700" cy="646300"/>
+          </a:xfrm>
+          <a:prstGeom prst="rect">
+            <a:avLst/>
+          </a:prstGeom>
+          <a:noFill/>
+          <a:ln>
+            <a:noFill/>
+          </a:ln>
+        </p:spPr>
+        <p:txBody>
+          <a:bodyPr spcFirstLastPara="1" wrap="square" lIns="91425" tIns="91425" rIns="91425" bIns="91425" anchor="t" anchorCtr="0">
+            <a:spAutoFit/>
+          </a:bodyPr>
+          <a:lstStyle/>
+          <a:p>
+            <a:pPr algn="ctr"/>
+            <a:r>
+              <a:rPr lang="en" sz="3000" b="1" dirty="0"/>
+              <a:t>Day</a:t>
+            </a:r>
+            <a:endParaRPr sz="3000" b="1" dirty="0"/>
+          </a:p>
+        </p:txBody>
+      </p:sp>
+      <p:sp>
+        <p:nvSpPr>
+          <p:cNvPr id="68" name="Google Shape;68;p14"/>
+          <p:cNvSpPr txBox="1"/>
+          <p:nvPr/>
+        </p:nvSpPr>
+        <p:spPr>
+          <a:xfrm>
+            <a:off x="8089283" y="2348841"/>
+            <a:ext cx="878562" cy="646300"/>
+          </a:xfrm>
+          <a:prstGeom prst="rect">
+            <a:avLst/>
+          </a:prstGeom>
+          <a:noFill/>
+          <a:ln>
+            <a:noFill/>
+          </a:ln>
+        </p:spPr>
+        <p:txBody>
+          <a:bodyPr spcFirstLastPara="1" wrap="square" lIns="91425" tIns="91425" rIns="91425" bIns="91425" anchor="t" anchorCtr="0">
+            <a:spAutoFit/>
+          </a:bodyPr>
+          <a:lstStyle/>
+          <a:p>
+            <a:pPr algn="ctr"/>
+            <a:r>
+              <a:rPr lang="en" sz="3000" b="1"/>
+              <a:t>You</a:t>
+            </a:r>
+            <a:endParaRPr sz="3000" b="1"/>
+          </a:p>
+        </p:txBody>
+      </p:sp>
+      <p:sp>
+        <p:nvSpPr>
+          <p:cNvPr id="69" name="Google Shape;69;p14"/>
+          <p:cNvSpPr txBox="1"/>
+          <p:nvPr/>
+        </p:nvSpPr>
+        <p:spPr>
+          <a:xfrm>
+            <a:off x="9402644" y="2348841"/>
+            <a:ext cx="1752900" cy="646300"/>
+          </a:xfrm>
+          <a:prstGeom prst="rect">
+            <a:avLst/>
+          </a:prstGeom>
+          <a:noFill/>
+          <a:ln>
+            <a:noFill/>
+          </a:ln>
+        </p:spPr>
+        <p:txBody>
+          <a:bodyPr spcFirstLastPara="1" wrap="square" lIns="91425" tIns="91425" rIns="91425" bIns="91425" anchor="t" anchorCtr="0">
+            <a:spAutoFit/>
+          </a:bodyPr>
+          <a:lstStyle/>
+          <a:p>
+            <a:pPr algn="ctr"/>
+            <a:r>
+              <a:rPr lang="en" sz="3000" b="1" dirty="0"/>
+              <a:t>Outcome</a:t>
+            </a:r>
+            <a:endParaRPr sz="3000" b="1" dirty="0"/>
+          </a:p>
+        </p:txBody>
+      </p:sp>
+      <p:sp>
+        <p:nvSpPr>
+          <p:cNvPr id="70" name="Google Shape;70;p14"/>
+          <p:cNvSpPr txBox="1"/>
+          <p:nvPr/>
+        </p:nvSpPr>
+        <p:spPr>
+          <a:xfrm>
+            <a:off x="1286634" y="3609796"/>
+            <a:ext cx="520200" cy="646300"/>
+          </a:xfrm>
+          <a:prstGeom prst="rect">
+            <a:avLst/>
+          </a:prstGeom>
+          <a:noFill/>
+          <a:ln>
+            <a:noFill/>
+          </a:ln>
+        </p:spPr>
+        <p:txBody>
+          <a:bodyPr spcFirstLastPara="1" wrap="square" lIns="91425" tIns="91425" rIns="91425" bIns="91425" anchor="t" anchorCtr="0">
+            <a:spAutoFit/>
+          </a:bodyPr>
+          <a:lstStyle/>
+          <a:p>
+            <a:pPr algn="ctr"/>
+            <a:r>
+              <a:rPr lang="en" sz="3000" b="1"/>
+              <a:t>1</a:t>
+            </a:r>
+            <a:endParaRPr sz="3000" b="1"/>
+          </a:p>
+        </p:txBody>
+      </p:sp>
+      <p:sp>
+        <p:nvSpPr>
+          <p:cNvPr id="76" name="Google Shape;76;p14"/>
+          <p:cNvSpPr txBox="1"/>
+          <p:nvPr/>
+        </p:nvSpPr>
+        <p:spPr>
+          <a:xfrm>
+            <a:off x="1185534" y="4598846"/>
+            <a:ext cx="722400" cy="646300"/>
+          </a:xfrm>
+          <a:prstGeom prst="rect">
+            <a:avLst/>
+          </a:prstGeom>
+          <a:noFill/>
+          <a:ln>
+            <a:noFill/>
+          </a:ln>
+        </p:spPr>
+        <p:txBody>
+          <a:bodyPr spcFirstLastPara="1" wrap="square" lIns="91425" tIns="91425" rIns="91425" bIns="91425" anchor="t" anchorCtr="0">
+            <a:spAutoFit/>
+          </a:bodyPr>
+          <a:lstStyle/>
+          <a:p>
+            <a:pPr algn="ctr"/>
+            <a:r>
+              <a:rPr lang="en" sz="3000" b="1"/>
+              <a:t>2</a:t>
+            </a:r>
+            <a:endParaRPr sz="3000" b="1"/>
+          </a:p>
+        </p:txBody>
+      </p:sp>
+      <p:sp>
+        <p:nvSpPr>
+          <p:cNvPr id="81" name="Google Shape;81;p14"/>
+          <p:cNvSpPr txBox="1"/>
+          <p:nvPr/>
+        </p:nvSpPr>
+        <p:spPr>
+          <a:xfrm>
+            <a:off x="1185534" y="5587896"/>
+            <a:ext cx="722400" cy="646300"/>
+          </a:xfrm>
+          <a:prstGeom prst="rect">
+            <a:avLst/>
+          </a:prstGeom>
+          <a:noFill/>
+          <a:ln>
+            <a:noFill/>
+          </a:ln>
+        </p:spPr>
+        <p:txBody>
+          <a:bodyPr spcFirstLastPara="1" wrap="square" lIns="91425" tIns="91425" rIns="91425" bIns="91425" anchor="t" anchorCtr="0">
+            <a:spAutoFit/>
+          </a:bodyPr>
+          <a:lstStyle/>
+          <a:p>
+            <a:pPr algn="ctr"/>
+            <a:r>
+              <a:rPr lang="en" sz="3000" b="1"/>
+              <a:t>3</a:t>
+            </a:r>
+            <a:endParaRPr sz="3000" b="1"/>
+          </a:p>
+        </p:txBody>
+      </p:sp>
+      <p:sp>
+        <p:nvSpPr>
+          <p:cNvPr id="94" name="Google Shape;94;p14"/>
+          <p:cNvSpPr txBox="1"/>
+          <p:nvPr/>
+        </p:nvSpPr>
+        <p:spPr>
+          <a:xfrm>
+            <a:off x="8028082" y="3638987"/>
+            <a:ext cx="1034700" cy="646300"/>
+          </a:xfrm>
+          <a:prstGeom prst="rect">
+            <a:avLst/>
+          </a:prstGeom>
+          <a:noFill/>
+          <a:ln>
+            <a:noFill/>
+          </a:ln>
+        </p:spPr>
+        <p:txBody>
+          <a:bodyPr spcFirstLastPara="1" wrap="square" lIns="91425" tIns="91425" rIns="91425" bIns="91425" anchor="t" anchorCtr="0">
+            <a:spAutoFit/>
+          </a:bodyPr>
+          <a:lstStyle/>
+          <a:p>
+            <a:pPr algn="ctr"/>
+            <a:r>
+              <a:rPr lang="en" sz="3000" b="1" dirty="0">
+                <a:solidFill>
+                  <a:srgbClr val="598E00"/>
+                </a:solidFill>
+              </a:rPr>
+              <a:t>?</a:t>
+            </a:r>
+            <a:endParaRPr sz="3000" b="1" dirty="0">
+              <a:solidFill>
+                <a:srgbClr val="598E00"/>
+              </a:solidFill>
+            </a:endParaRPr>
+          </a:p>
+        </p:txBody>
+      </p:sp>
+      <p:sp>
+        <p:nvSpPr>
+          <p:cNvPr id="95" name="Google Shape;95;p14"/>
+          <p:cNvSpPr txBox="1"/>
+          <p:nvPr/>
+        </p:nvSpPr>
+        <p:spPr>
+          <a:xfrm>
+            <a:off x="8028082" y="4628037"/>
+            <a:ext cx="1034700" cy="646300"/>
+          </a:xfrm>
+          <a:prstGeom prst="rect">
+            <a:avLst/>
+          </a:prstGeom>
+          <a:noFill/>
+          <a:ln>
+            <a:noFill/>
+          </a:ln>
+        </p:spPr>
+        <p:txBody>
+          <a:bodyPr spcFirstLastPara="1" wrap="square" lIns="91425" tIns="91425" rIns="91425" bIns="91425" anchor="t" anchorCtr="0">
+            <a:spAutoFit/>
+          </a:bodyPr>
+          <a:lstStyle/>
+          <a:p>
+            <a:pPr algn="ctr"/>
+            <a:r>
+              <a:rPr lang="en" sz="3000" b="1" dirty="0">
+                <a:solidFill>
+                  <a:srgbClr val="598E00"/>
+                </a:solidFill>
+              </a:rPr>
+              <a:t>?</a:t>
+            </a:r>
+            <a:endParaRPr sz="3000" b="1" dirty="0">
+              <a:solidFill>
+                <a:srgbClr val="598E00"/>
+              </a:solidFill>
+            </a:endParaRPr>
+          </a:p>
+        </p:txBody>
+      </p:sp>
+      <p:sp>
+        <p:nvSpPr>
+          <p:cNvPr id="96" name="Google Shape;96;p14"/>
+          <p:cNvSpPr txBox="1"/>
+          <p:nvPr/>
+        </p:nvSpPr>
+        <p:spPr>
+          <a:xfrm>
+            <a:off x="8028082" y="5565237"/>
+            <a:ext cx="1034700" cy="646300"/>
+          </a:xfrm>
+          <a:prstGeom prst="rect">
+            <a:avLst/>
+          </a:prstGeom>
+          <a:noFill/>
+          <a:ln>
+            <a:noFill/>
+          </a:ln>
+        </p:spPr>
+        <p:txBody>
+          <a:bodyPr spcFirstLastPara="1" wrap="square" lIns="91425" tIns="91425" rIns="91425" bIns="91425" anchor="t" anchorCtr="0">
+            <a:spAutoFit/>
+          </a:bodyPr>
+          <a:lstStyle/>
+          <a:p>
+            <a:pPr algn="ctr"/>
+            <a:r>
+              <a:rPr lang="en" sz="3000" b="1">
+                <a:solidFill>
+                  <a:srgbClr val="598E00"/>
+                </a:solidFill>
+              </a:rPr>
+              <a:t>?</a:t>
+            </a:r>
+            <a:endParaRPr sz="3000" b="1">
+              <a:solidFill>
+                <a:srgbClr val="598E00"/>
+              </a:solidFill>
+            </a:endParaRPr>
+          </a:p>
+        </p:txBody>
+      </p:sp>
+      <p:sp>
+        <p:nvSpPr>
+          <p:cNvPr id="41" name="Title 1">
+            <a:extLst>
+              <a:ext uri="{FF2B5EF4-FFF2-40B4-BE49-F238E27FC236}">
+                <a16:creationId xmlns:a16="http://schemas.microsoft.com/office/drawing/2014/main" id="{3A304BFF-2F2D-4D81-B3D6-0B6D0EFE5AEC}"/>
+              </a:ext>
+            </a:extLst>
+          </p:cNvPr>
+          <p:cNvSpPr txBox="1">
+            <a:spLocks/>
+          </p:cNvSpPr>
+          <p:nvPr/>
+        </p:nvSpPr>
+        <p:spPr>
+          <a:xfrm>
+            <a:off x="838200" y="365125"/>
+            <a:ext cx="10515600" cy="1325563"/>
+          </a:xfrm>
+          <a:prstGeom prst="rect">
+            <a:avLst/>
+          </a:prstGeom>
+        </p:spPr>
+        <p:txBody>
+          <a:bodyPr spcFirstLastPara="1" vert="horz" wrap="square" lIns="91425" tIns="91425" rIns="91425" bIns="91425" rtlCol="0" anchor="t" anchorCtr="0">
+            <a:normAutofit/>
+          </a:bodyPr>
+          <a:lstStyle>
+            <a:lvl1pPr lvl="0" algn="l" defTabSz="914400" rtl="0" eaLnBrk="1" latinLnBrk="0" hangingPunct="1">
+              <a:lnSpc>
+                <a:spcPct val="90000"/>
+              </a:lnSpc>
+              <a:spcBef>
+                <a:spcPts val="0"/>
+              </a:spcBef>
+              <a:spcAft>
+                <a:spcPts val="0"/>
+              </a:spcAft>
+              <a:buSzPts val="2800"/>
+              <a:buNone/>
+              <a:defRPr sz="4400" kern="1200">
+                <a:solidFill>
+                  <a:schemeClr val="tx1"/>
+                </a:solidFill>
+                <a:latin typeface="+mj-lt"/>
+                <a:ea typeface="+mj-ea"/>
+                <a:cs typeface="+mj-cs"/>
+              </a:defRPr>
+            </a:lvl1pPr>
+            <a:lvl2pPr lvl="1">
+              <a:spcBef>
+                <a:spcPts val="0"/>
+              </a:spcBef>
+              <a:spcAft>
+                <a:spcPts val="0"/>
+              </a:spcAft>
+              <a:buSzPts val="2800"/>
+              <a:buNone/>
+              <a:defRPr/>
+            </a:lvl2pPr>
+            <a:lvl3pPr lvl="2">
+              <a:spcBef>
+                <a:spcPts val="0"/>
+              </a:spcBef>
+              <a:spcAft>
+                <a:spcPts val="0"/>
+              </a:spcAft>
+              <a:buSzPts val="2800"/>
+              <a:buNone/>
+              <a:defRPr/>
+            </a:lvl3pPr>
+            <a:lvl4pPr lvl="3">
+              <a:spcBef>
+                <a:spcPts val="0"/>
+              </a:spcBef>
+              <a:spcAft>
+                <a:spcPts val="0"/>
+              </a:spcAft>
+              <a:buSzPts val="2800"/>
+              <a:buNone/>
+              <a:defRPr/>
+            </a:lvl4pPr>
+            <a:lvl5pPr lvl="4">
+              <a:spcBef>
+                <a:spcPts val="0"/>
+              </a:spcBef>
+              <a:spcAft>
+                <a:spcPts val="0"/>
+              </a:spcAft>
+              <a:buSzPts val="2800"/>
+              <a:buNone/>
+              <a:defRPr/>
+            </a:lvl5pPr>
+            <a:lvl6pPr lvl="5">
+              <a:spcBef>
+                <a:spcPts val="0"/>
+              </a:spcBef>
+              <a:spcAft>
+                <a:spcPts val="0"/>
+              </a:spcAft>
+              <a:buSzPts val="2800"/>
+              <a:buNone/>
+              <a:defRPr/>
+            </a:lvl6pPr>
+            <a:lvl7pPr lvl="6">
+              <a:spcBef>
+                <a:spcPts val="0"/>
+              </a:spcBef>
+              <a:spcAft>
+                <a:spcPts val="0"/>
+              </a:spcAft>
+              <a:buSzPts val="2800"/>
+              <a:buNone/>
+              <a:defRPr/>
+            </a:lvl7pPr>
+            <a:lvl8pPr lvl="7">
+              <a:spcBef>
+                <a:spcPts val="0"/>
+              </a:spcBef>
+              <a:spcAft>
+                <a:spcPts val="0"/>
+              </a:spcAft>
+              <a:buSzPts val="2800"/>
+              <a:buNone/>
+              <a:defRPr/>
+            </a:lvl8pPr>
+            <a:lvl9pPr lvl="8">
+              <a:spcBef>
+                <a:spcPts val="0"/>
+              </a:spcBef>
+              <a:spcAft>
+                <a:spcPts val="0"/>
+              </a:spcAft>
+              <a:buSzPts val="2800"/>
+              <a:buNone/>
+              <a:defRPr/>
+            </a:lvl9pPr>
+          </a:lstStyle>
+          <a:p>
+            <a:r>
+              <a:rPr lang="en-US" dirty="0">
+                <a:solidFill>
+                  <a:srgbClr val="C00000"/>
+                </a:solidFill>
+              </a:rPr>
+              <a:t>Online Learning with Experts</a:t>
+            </a:r>
+          </a:p>
+        </p:txBody>
+      </p:sp>
+      <p:pic>
+        <p:nvPicPr>
+          <p:cNvPr id="2052" name="Picture 4" descr="Albert Einstein Thinking Cartoon ...">
+            <a:extLst>
+              <a:ext uri="{FF2B5EF4-FFF2-40B4-BE49-F238E27FC236}">
+                <a16:creationId xmlns:a16="http://schemas.microsoft.com/office/drawing/2014/main" id="{4C541916-40AC-D082-1E8B-16A0DD178EF1}"/>
+              </a:ext>
+            </a:extLst>
+          </p:cNvPr>
+          <p:cNvPicPr>
+            <a:picLocks noChangeAspect="1" noChangeArrowheads="1"/>
+          </p:cNvPicPr>
+          <p:nvPr/>
+        </p:nvPicPr>
+        <p:blipFill>
+          <a:blip r:embed="rId3">
+            <a:extLst>
+              <a:ext uri="{28A0092B-C50C-407E-A947-70E740481C1C}">
+                <a14:useLocalDpi xmlns:a14="http://schemas.microsoft.com/office/drawing/2010/main" val="0"/>
+              </a:ext>
+            </a:extLst>
+          </a:blip>
+          <a:srcRect/>
+          <a:stretch>
+            <a:fillRect/>
+          </a:stretch>
+        </p:blipFill>
+        <p:spPr bwMode="auto">
+          <a:xfrm>
+            <a:off x="2602832" y="2036959"/>
+            <a:ext cx="621325" cy="1486895"/>
+          </a:xfrm>
+          <a:prstGeom prst="rect">
+            <a:avLst/>
+          </a:prstGeom>
+          <a:noFill/>
+          <a:extLst>
+            <a:ext uri="{909E8E84-426E-40DD-AFC4-6F175D3DCCD1}">
+              <a14:hiddenFill xmlns:a14="http://schemas.microsoft.com/office/drawing/2010/main">
+                <a:solidFill>
+                  <a:srgbClr val="FFFFFF"/>
+                </a:solidFill>
+              </a14:hiddenFill>
+            </a:ext>
+          </a:extLst>
+        </p:spPr>
+      </p:pic>
+      <p:pic>
+        <p:nvPicPr>
+          <p:cNvPr id="2054" name="Picture 6" descr="How to Draw Gandalf - Really Easy ...">
+            <a:extLst>
+              <a:ext uri="{FF2B5EF4-FFF2-40B4-BE49-F238E27FC236}">
+                <a16:creationId xmlns:a16="http://schemas.microsoft.com/office/drawing/2014/main" id="{9B70A0AD-6262-A385-FD0D-9102F0B53194}"/>
+              </a:ext>
+            </a:extLst>
+          </p:cNvPr>
+          <p:cNvPicPr>
+            <a:picLocks noChangeAspect="1" noChangeArrowheads="1"/>
+          </p:cNvPicPr>
+          <p:nvPr/>
+        </p:nvPicPr>
+        <p:blipFill>
+          <a:blip r:embed="rId4">
+            <a:extLst>
+              <a:ext uri="{28A0092B-C50C-407E-A947-70E740481C1C}">
+                <a14:useLocalDpi xmlns:a14="http://schemas.microsoft.com/office/drawing/2010/main" val="0"/>
+              </a:ext>
+            </a:extLst>
+          </a:blip>
+          <a:srcRect/>
+          <a:stretch>
+            <a:fillRect/>
+          </a:stretch>
+        </p:blipFill>
+        <p:spPr bwMode="auto">
+          <a:xfrm>
+            <a:off x="6251478" y="2159131"/>
+            <a:ext cx="1091071" cy="1292336"/>
+          </a:xfrm>
+          <a:prstGeom prst="rect">
+            <a:avLst/>
+          </a:prstGeom>
+          <a:noFill/>
+          <a:extLst>
+            <a:ext uri="{909E8E84-426E-40DD-AFC4-6F175D3DCCD1}">
+              <a14:hiddenFill xmlns:a14="http://schemas.microsoft.com/office/drawing/2010/main">
+                <a:solidFill>
+                  <a:srgbClr val="FFFFFF"/>
+                </a:solidFill>
+              </a14:hiddenFill>
+            </a:ext>
+          </a:extLst>
+        </p:spPr>
+      </p:pic>
+      <p:pic>
+        <p:nvPicPr>
+          <p:cNvPr id="3" name="Picture 10" descr="Lisa Simpson - Wikipedia">
+            <a:extLst>
+              <a:ext uri="{FF2B5EF4-FFF2-40B4-BE49-F238E27FC236}">
+                <a16:creationId xmlns:a16="http://schemas.microsoft.com/office/drawing/2014/main" id="{246DA7FA-04AE-EAAE-47C8-2CDF4DD98686}"/>
+              </a:ext>
+            </a:extLst>
+          </p:cNvPr>
+          <p:cNvPicPr>
+            <a:picLocks noChangeAspect="1" noChangeArrowheads="1"/>
+          </p:cNvPicPr>
+          <p:nvPr/>
+        </p:nvPicPr>
+        <p:blipFill>
+          <a:blip r:embed="rId5">
+            <a:extLst>
+              <a:ext uri="{28A0092B-C50C-407E-A947-70E740481C1C}">
+                <a14:useLocalDpi xmlns:a14="http://schemas.microsoft.com/office/drawing/2010/main" val="0"/>
+              </a:ext>
+            </a:extLst>
+          </a:blip>
+          <a:srcRect/>
+          <a:stretch>
+            <a:fillRect/>
+          </a:stretch>
+        </p:blipFill>
+        <p:spPr bwMode="auto">
+          <a:xfrm>
+            <a:off x="5130980" y="2138613"/>
+            <a:ext cx="852456" cy="1385241"/>
+          </a:xfrm>
+          <a:prstGeom prst="rect">
+            <a:avLst/>
+          </a:prstGeom>
+          <a:noFill/>
+          <a:extLst>
+            <a:ext uri="{909E8E84-426E-40DD-AFC4-6F175D3DCCD1}">
+              <a14:hiddenFill xmlns:a14="http://schemas.microsoft.com/office/drawing/2010/main">
+                <a:solidFill>
+                  <a:srgbClr val="FFFFFF"/>
+                </a:solidFill>
+              </a14:hiddenFill>
+            </a:ext>
+          </a:extLst>
+        </p:spPr>
+      </p:pic>
+      <p:pic>
+        <p:nvPicPr>
+          <p:cNvPr id="2060" name="Picture 12" descr="freetoedit #picsart #starwars #disney ...">
+            <a:extLst>
+              <a:ext uri="{FF2B5EF4-FFF2-40B4-BE49-F238E27FC236}">
+                <a16:creationId xmlns:a16="http://schemas.microsoft.com/office/drawing/2014/main" id="{139CCC9D-5C59-4E79-020B-BC24F26CA97B}"/>
+              </a:ext>
+            </a:extLst>
+          </p:cNvPr>
+          <p:cNvPicPr>
+            <a:picLocks noChangeAspect="1" noChangeArrowheads="1"/>
+          </p:cNvPicPr>
+          <p:nvPr/>
+        </p:nvPicPr>
+        <p:blipFill>
+          <a:blip r:embed="rId6">
+            <a:extLst>
+              <a:ext uri="{28A0092B-C50C-407E-A947-70E740481C1C}">
+                <a14:useLocalDpi xmlns:a14="http://schemas.microsoft.com/office/drawing/2010/main" val="0"/>
+              </a:ext>
+            </a:extLst>
+          </a:blip>
+          <a:srcRect/>
+          <a:stretch>
+            <a:fillRect/>
+          </a:stretch>
+        </p:blipFill>
+        <p:spPr bwMode="auto">
+          <a:xfrm>
+            <a:off x="3772029" y="2272059"/>
+            <a:ext cx="910005" cy="1156941"/>
+          </a:xfrm>
+          <a:prstGeom prst="rect">
+            <a:avLst/>
+          </a:prstGeom>
+          <a:noFill/>
+          <a:extLst>
+            <a:ext uri="{909E8E84-426E-40DD-AFC4-6F175D3DCCD1}">
+              <a14:hiddenFill xmlns:a14="http://schemas.microsoft.com/office/drawing/2010/main">
+                <a:solidFill>
+                  <a:srgbClr val="FFFFFF"/>
+                </a:solidFill>
+              </a14:hiddenFill>
+            </a:ext>
+          </a:extLst>
+        </p:spPr>
+      </p:pic>
+      <p:pic>
+        <p:nvPicPr>
+          <p:cNvPr id="2062" name="Picture 14" descr="Scroll - Free vector clipart images on ...">
+            <a:extLst>
+              <a:ext uri="{FF2B5EF4-FFF2-40B4-BE49-F238E27FC236}">
+                <a16:creationId xmlns:a16="http://schemas.microsoft.com/office/drawing/2014/main" id="{4C497FFD-9965-B5C6-6232-5C3F0DC0843C}"/>
+              </a:ext>
+            </a:extLst>
+          </p:cNvPr>
+          <p:cNvPicPr>
+            <a:picLocks noChangeAspect="1" noChangeArrowheads="1"/>
+          </p:cNvPicPr>
+          <p:nvPr/>
+        </p:nvPicPr>
+        <p:blipFill>
+          <a:blip r:embed="rId7">
+            <a:extLst>
+              <a:ext uri="{28A0092B-C50C-407E-A947-70E740481C1C}">
+                <a14:useLocalDpi xmlns:a14="http://schemas.microsoft.com/office/drawing/2010/main" val="0"/>
+              </a:ext>
+            </a:extLst>
+          </a:blip>
+          <a:srcRect/>
+          <a:stretch>
+            <a:fillRect/>
+          </a:stretch>
+        </p:blipFill>
+        <p:spPr bwMode="auto">
+          <a:xfrm>
+            <a:off x="2602832" y="3685628"/>
+            <a:ext cx="520200" cy="531916"/>
+          </a:xfrm>
+          <a:prstGeom prst="rect">
+            <a:avLst/>
+          </a:prstGeom>
+          <a:noFill/>
+          <a:extLst>
+            <a:ext uri="{909E8E84-426E-40DD-AFC4-6F175D3DCCD1}">
+              <a14:hiddenFill xmlns:a14="http://schemas.microsoft.com/office/drawing/2010/main">
+                <a:solidFill>
+                  <a:srgbClr val="FFFFFF"/>
+                </a:solidFill>
+              </a14:hiddenFill>
+            </a:ext>
+          </a:extLst>
+        </p:spPr>
+      </p:pic>
+      <p:pic>
+        <p:nvPicPr>
+          <p:cNvPr id="5" name="Picture 14" descr="Scroll - Free vector clipart images on ...">
+            <a:extLst>
+              <a:ext uri="{FF2B5EF4-FFF2-40B4-BE49-F238E27FC236}">
+                <a16:creationId xmlns:a16="http://schemas.microsoft.com/office/drawing/2014/main" id="{8F16C3D3-2CB1-59C5-9DD9-87DE04961E46}"/>
+              </a:ext>
+            </a:extLst>
+          </p:cNvPr>
+          <p:cNvPicPr>
+            <a:picLocks noChangeAspect="1" noChangeArrowheads="1"/>
+          </p:cNvPicPr>
+          <p:nvPr/>
+        </p:nvPicPr>
+        <p:blipFill>
+          <a:blip r:embed="rId7">
+            <a:extLst>
+              <a:ext uri="{28A0092B-C50C-407E-A947-70E740481C1C}">
+                <a14:useLocalDpi xmlns:a14="http://schemas.microsoft.com/office/drawing/2010/main" val="0"/>
+              </a:ext>
+            </a:extLst>
+          </a:blip>
+          <a:srcRect/>
+          <a:stretch>
+            <a:fillRect/>
+          </a:stretch>
+        </p:blipFill>
+        <p:spPr bwMode="auto">
+          <a:xfrm>
+            <a:off x="2602832" y="4628037"/>
+            <a:ext cx="520200" cy="531916"/>
+          </a:xfrm>
+          <a:prstGeom prst="rect">
+            <a:avLst/>
+          </a:prstGeom>
+          <a:noFill/>
+          <a:extLst>
+            <a:ext uri="{909E8E84-426E-40DD-AFC4-6F175D3DCCD1}">
+              <a14:hiddenFill xmlns:a14="http://schemas.microsoft.com/office/drawing/2010/main">
+                <a:solidFill>
+                  <a:srgbClr val="FFFFFF"/>
+                </a:solidFill>
+              </a14:hiddenFill>
+            </a:ext>
+          </a:extLst>
+        </p:spPr>
+      </p:pic>
+      <p:pic>
+        <p:nvPicPr>
+          <p:cNvPr id="6" name="Picture 14" descr="Scroll - Free vector clipart images on ...">
+            <a:extLst>
+              <a:ext uri="{FF2B5EF4-FFF2-40B4-BE49-F238E27FC236}">
+                <a16:creationId xmlns:a16="http://schemas.microsoft.com/office/drawing/2014/main" id="{38C318C9-648C-8F87-0556-B053374A031C}"/>
+              </a:ext>
+            </a:extLst>
+          </p:cNvPr>
+          <p:cNvPicPr>
+            <a:picLocks noChangeAspect="1" noChangeArrowheads="1"/>
+          </p:cNvPicPr>
+          <p:nvPr/>
+        </p:nvPicPr>
+        <p:blipFill>
+          <a:blip r:embed="rId7">
+            <a:extLst>
+              <a:ext uri="{28A0092B-C50C-407E-A947-70E740481C1C}">
+                <a14:useLocalDpi xmlns:a14="http://schemas.microsoft.com/office/drawing/2010/main" val="0"/>
+              </a:ext>
+            </a:extLst>
+          </a:blip>
+          <a:srcRect/>
+          <a:stretch>
+            <a:fillRect/>
+          </a:stretch>
+        </p:blipFill>
+        <p:spPr bwMode="auto">
+          <a:xfrm>
+            <a:off x="2602832" y="5574099"/>
+            <a:ext cx="520200" cy="531916"/>
+          </a:xfrm>
+          <a:prstGeom prst="rect">
+            <a:avLst/>
+          </a:prstGeom>
+          <a:noFill/>
+          <a:extLst>
+            <a:ext uri="{909E8E84-426E-40DD-AFC4-6F175D3DCCD1}">
+              <a14:hiddenFill xmlns:a14="http://schemas.microsoft.com/office/drawing/2010/main">
+                <a:solidFill>
+                  <a:srgbClr val="FFFFFF"/>
+                </a:solidFill>
+              </a14:hiddenFill>
+            </a:ext>
+          </a:extLst>
+        </p:spPr>
+      </p:pic>
+      <p:pic>
+        <p:nvPicPr>
+          <p:cNvPr id="7" name="Picture 14" descr="Scroll - Free vector clipart images on ...">
+            <a:extLst>
+              <a:ext uri="{FF2B5EF4-FFF2-40B4-BE49-F238E27FC236}">
+                <a16:creationId xmlns:a16="http://schemas.microsoft.com/office/drawing/2014/main" id="{6B7A87E5-BDE7-6EAB-FFDD-61A2FC299175}"/>
+              </a:ext>
+            </a:extLst>
+          </p:cNvPr>
+          <p:cNvPicPr>
+            <a:picLocks noChangeAspect="1" noChangeArrowheads="1"/>
+          </p:cNvPicPr>
+          <p:nvPr/>
+        </p:nvPicPr>
+        <p:blipFill>
+          <a:blip r:embed="rId7">
+            <a:extLst>
+              <a:ext uri="{28A0092B-C50C-407E-A947-70E740481C1C}">
+                <a14:useLocalDpi xmlns:a14="http://schemas.microsoft.com/office/drawing/2010/main" val="0"/>
+              </a:ext>
+            </a:extLst>
+          </a:blip>
+          <a:srcRect/>
+          <a:stretch>
+            <a:fillRect/>
+          </a:stretch>
+        </p:blipFill>
+        <p:spPr bwMode="auto">
+          <a:xfrm>
+            <a:off x="3919030" y="3685628"/>
+            <a:ext cx="520200" cy="531916"/>
+          </a:xfrm>
+          <a:prstGeom prst="rect">
+            <a:avLst/>
+          </a:prstGeom>
+          <a:noFill/>
+          <a:extLst>
+            <a:ext uri="{909E8E84-426E-40DD-AFC4-6F175D3DCCD1}">
+              <a14:hiddenFill xmlns:a14="http://schemas.microsoft.com/office/drawing/2010/main">
+                <a:solidFill>
+                  <a:srgbClr val="FFFFFF"/>
+                </a:solidFill>
+              </a14:hiddenFill>
+            </a:ext>
+          </a:extLst>
+        </p:spPr>
+      </p:pic>
+      <p:pic>
+        <p:nvPicPr>
+          <p:cNvPr id="8" name="Picture 14" descr="Scroll - Free vector clipart images on ...">
+            <a:extLst>
+              <a:ext uri="{FF2B5EF4-FFF2-40B4-BE49-F238E27FC236}">
+                <a16:creationId xmlns:a16="http://schemas.microsoft.com/office/drawing/2014/main" id="{9E9B3A67-7398-FC79-EE50-42F6CBFCBCEB}"/>
+              </a:ext>
+            </a:extLst>
+          </p:cNvPr>
+          <p:cNvPicPr>
+            <a:picLocks noChangeAspect="1" noChangeArrowheads="1"/>
+          </p:cNvPicPr>
+          <p:nvPr/>
+        </p:nvPicPr>
+        <p:blipFill>
+          <a:blip r:embed="rId7">
+            <a:extLst>
+              <a:ext uri="{28A0092B-C50C-407E-A947-70E740481C1C}">
+                <a14:useLocalDpi xmlns:a14="http://schemas.microsoft.com/office/drawing/2010/main" val="0"/>
+              </a:ext>
+            </a:extLst>
+          </a:blip>
+          <a:srcRect/>
+          <a:stretch>
+            <a:fillRect/>
+          </a:stretch>
+        </p:blipFill>
+        <p:spPr bwMode="auto">
+          <a:xfrm>
+            <a:off x="3919030" y="4628037"/>
+            <a:ext cx="520200" cy="531916"/>
+          </a:xfrm>
+          <a:prstGeom prst="rect">
+            <a:avLst/>
+          </a:prstGeom>
+          <a:noFill/>
+          <a:extLst>
+            <a:ext uri="{909E8E84-426E-40DD-AFC4-6F175D3DCCD1}">
+              <a14:hiddenFill xmlns:a14="http://schemas.microsoft.com/office/drawing/2010/main">
+                <a:solidFill>
+                  <a:srgbClr val="FFFFFF"/>
+                </a:solidFill>
+              </a14:hiddenFill>
+            </a:ext>
+          </a:extLst>
+        </p:spPr>
+      </p:pic>
+      <p:pic>
+        <p:nvPicPr>
+          <p:cNvPr id="9" name="Picture 14" descr="Scroll - Free vector clipart images on ...">
+            <a:extLst>
+              <a:ext uri="{FF2B5EF4-FFF2-40B4-BE49-F238E27FC236}">
+                <a16:creationId xmlns:a16="http://schemas.microsoft.com/office/drawing/2014/main" id="{BA4E84FC-89B5-0667-1B89-9DBF5EF95CF2}"/>
+              </a:ext>
+            </a:extLst>
+          </p:cNvPr>
+          <p:cNvPicPr>
+            <a:picLocks noChangeAspect="1" noChangeArrowheads="1"/>
+          </p:cNvPicPr>
+          <p:nvPr/>
+        </p:nvPicPr>
+        <p:blipFill>
+          <a:blip r:embed="rId7">
+            <a:extLst>
+              <a:ext uri="{28A0092B-C50C-407E-A947-70E740481C1C}">
+                <a14:useLocalDpi xmlns:a14="http://schemas.microsoft.com/office/drawing/2010/main" val="0"/>
+              </a:ext>
+            </a:extLst>
+          </a:blip>
+          <a:srcRect/>
+          <a:stretch>
+            <a:fillRect/>
+          </a:stretch>
+        </p:blipFill>
+        <p:spPr bwMode="auto">
+          <a:xfrm>
+            <a:off x="3919030" y="5574099"/>
+            <a:ext cx="520200" cy="531916"/>
+          </a:xfrm>
+          <a:prstGeom prst="rect">
+            <a:avLst/>
+          </a:prstGeom>
+          <a:noFill/>
+          <a:extLst>
+            <a:ext uri="{909E8E84-426E-40DD-AFC4-6F175D3DCCD1}">
+              <a14:hiddenFill xmlns:a14="http://schemas.microsoft.com/office/drawing/2010/main">
+                <a:solidFill>
+                  <a:srgbClr val="FFFFFF"/>
+                </a:solidFill>
+              </a14:hiddenFill>
+            </a:ext>
+          </a:extLst>
+        </p:spPr>
+      </p:pic>
+      <p:pic>
+        <p:nvPicPr>
+          <p:cNvPr id="10" name="Picture 14" descr="Scroll - Free vector clipart images on ...">
+            <a:extLst>
+              <a:ext uri="{FF2B5EF4-FFF2-40B4-BE49-F238E27FC236}">
+                <a16:creationId xmlns:a16="http://schemas.microsoft.com/office/drawing/2014/main" id="{E6C5601F-72EB-77F9-1C9C-9079F350CF2F}"/>
+              </a:ext>
+            </a:extLst>
+          </p:cNvPr>
+          <p:cNvPicPr>
+            <a:picLocks noChangeAspect="1" noChangeArrowheads="1"/>
+          </p:cNvPicPr>
+          <p:nvPr/>
+        </p:nvPicPr>
+        <p:blipFill>
+          <a:blip r:embed="rId7">
+            <a:extLst>
+              <a:ext uri="{28A0092B-C50C-407E-A947-70E740481C1C}">
+                <a14:useLocalDpi xmlns:a14="http://schemas.microsoft.com/office/drawing/2010/main" val="0"/>
+              </a:ext>
+            </a:extLst>
+          </a:blip>
+          <a:srcRect/>
+          <a:stretch>
+            <a:fillRect/>
+          </a:stretch>
+        </p:blipFill>
+        <p:spPr bwMode="auto">
+          <a:xfrm>
+            <a:off x="5240203" y="3685628"/>
+            <a:ext cx="520200" cy="531916"/>
+          </a:xfrm>
+          <a:prstGeom prst="rect">
+            <a:avLst/>
+          </a:prstGeom>
+          <a:noFill/>
+          <a:extLst>
+            <a:ext uri="{909E8E84-426E-40DD-AFC4-6F175D3DCCD1}">
+              <a14:hiddenFill xmlns:a14="http://schemas.microsoft.com/office/drawing/2010/main">
+                <a:solidFill>
+                  <a:srgbClr val="FFFFFF"/>
+                </a:solidFill>
+              </a14:hiddenFill>
+            </a:ext>
+          </a:extLst>
+        </p:spPr>
+      </p:pic>
+      <p:pic>
+        <p:nvPicPr>
+          <p:cNvPr id="11" name="Picture 14" descr="Scroll - Free vector clipart images on ...">
+            <a:extLst>
+              <a:ext uri="{FF2B5EF4-FFF2-40B4-BE49-F238E27FC236}">
+                <a16:creationId xmlns:a16="http://schemas.microsoft.com/office/drawing/2014/main" id="{5EAC5A2E-A636-34AF-B5A2-23DDEA7B9F5C}"/>
+              </a:ext>
+            </a:extLst>
+          </p:cNvPr>
+          <p:cNvPicPr>
+            <a:picLocks noChangeAspect="1" noChangeArrowheads="1"/>
+          </p:cNvPicPr>
+          <p:nvPr/>
+        </p:nvPicPr>
+        <p:blipFill>
+          <a:blip r:embed="rId7">
+            <a:extLst>
+              <a:ext uri="{28A0092B-C50C-407E-A947-70E740481C1C}">
+                <a14:useLocalDpi xmlns:a14="http://schemas.microsoft.com/office/drawing/2010/main" val="0"/>
+              </a:ext>
+            </a:extLst>
+          </a:blip>
+          <a:srcRect/>
+          <a:stretch>
+            <a:fillRect/>
+          </a:stretch>
+        </p:blipFill>
+        <p:spPr bwMode="auto">
+          <a:xfrm>
+            <a:off x="5240203" y="4628037"/>
+            <a:ext cx="520200" cy="531916"/>
+          </a:xfrm>
+          <a:prstGeom prst="rect">
+            <a:avLst/>
+          </a:prstGeom>
+          <a:noFill/>
+          <a:extLst>
+            <a:ext uri="{909E8E84-426E-40DD-AFC4-6F175D3DCCD1}">
+              <a14:hiddenFill xmlns:a14="http://schemas.microsoft.com/office/drawing/2010/main">
+                <a:solidFill>
+                  <a:srgbClr val="FFFFFF"/>
+                </a:solidFill>
+              </a14:hiddenFill>
+            </a:ext>
+          </a:extLst>
+        </p:spPr>
+      </p:pic>
+      <p:pic>
+        <p:nvPicPr>
+          <p:cNvPr id="12" name="Picture 14" descr="Scroll - Free vector clipart images on ...">
+            <a:extLst>
+              <a:ext uri="{FF2B5EF4-FFF2-40B4-BE49-F238E27FC236}">
+                <a16:creationId xmlns:a16="http://schemas.microsoft.com/office/drawing/2014/main" id="{51F2F725-BC42-F193-74A6-D139762B4CD5}"/>
+              </a:ext>
+            </a:extLst>
+          </p:cNvPr>
+          <p:cNvPicPr>
+            <a:picLocks noChangeAspect="1" noChangeArrowheads="1"/>
+          </p:cNvPicPr>
+          <p:nvPr/>
+        </p:nvPicPr>
+        <p:blipFill>
+          <a:blip r:embed="rId7">
+            <a:extLst>
+              <a:ext uri="{28A0092B-C50C-407E-A947-70E740481C1C}">
+                <a14:useLocalDpi xmlns:a14="http://schemas.microsoft.com/office/drawing/2010/main" val="0"/>
+              </a:ext>
+            </a:extLst>
+          </a:blip>
+          <a:srcRect/>
+          <a:stretch>
+            <a:fillRect/>
+          </a:stretch>
+        </p:blipFill>
+        <p:spPr bwMode="auto">
+          <a:xfrm>
+            <a:off x="5240203" y="5574099"/>
+            <a:ext cx="520200" cy="531916"/>
+          </a:xfrm>
+          <a:prstGeom prst="rect">
+            <a:avLst/>
+          </a:prstGeom>
+          <a:noFill/>
+          <a:extLst>
+            <a:ext uri="{909E8E84-426E-40DD-AFC4-6F175D3DCCD1}">
+              <a14:hiddenFill xmlns:a14="http://schemas.microsoft.com/office/drawing/2010/main">
+                <a:solidFill>
+                  <a:srgbClr val="FFFFFF"/>
+                </a:solidFill>
+              </a14:hiddenFill>
+            </a:ext>
+          </a:extLst>
+        </p:spPr>
+      </p:pic>
+      <p:pic>
+        <p:nvPicPr>
+          <p:cNvPr id="13" name="Picture 14" descr="Scroll - Free vector clipart images on ...">
+            <a:extLst>
+              <a:ext uri="{FF2B5EF4-FFF2-40B4-BE49-F238E27FC236}">
+                <a16:creationId xmlns:a16="http://schemas.microsoft.com/office/drawing/2014/main" id="{33D61271-348B-7B99-F13C-4078A6F83969}"/>
+              </a:ext>
+            </a:extLst>
+          </p:cNvPr>
+          <p:cNvPicPr>
+            <a:picLocks noChangeAspect="1" noChangeArrowheads="1"/>
+          </p:cNvPicPr>
+          <p:nvPr/>
+        </p:nvPicPr>
+        <p:blipFill>
+          <a:blip r:embed="rId7">
+            <a:extLst>
+              <a:ext uri="{28A0092B-C50C-407E-A947-70E740481C1C}">
+                <a14:useLocalDpi xmlns:a14="http://schemas.microsoft.com/office/drawing/2010/main" val="0"/>
+              </a:ext>
+            </a:extLst>
+          </a:blip>
+          <a:srcRect/>
+          <a:stretch>
+            <a:fillRect/>
+          </a:stretch>
+        </p:blipFill>
+        <p:spPr bwMode="auto">
+          <a:xfrm>
+            <a:off x="6561981" y="3685628"/>
+            <a:ext cx="520200" cy="531916"/>
+          </a:xfrm>
+          <a:prstGeom prst="rect">
+            <a:avLst/>
+          </a:prstGeom>
+          <a:noFill/>
+          <a:extLst>
+            <a:ext uri="{909E8E84-426E-40DD-AFC4-6F175D3DCCD1}">
+              <a14:hiddenFill xmlns:a14="http://schemas.microsoft.com/office/drawing/2010/main">
+                <a:solidFill>
+                  <a:srgbClr val="FFFFFF"/>
+                </a:solidFill>
+              </a14:hiddenFill>
+            </a:ext>
+          </a:extLst>
+        </p:spPr>
+      </p:pic>
+      <p:pic>
+        <p:nvPicPr>
+          <p:cNvPr id="14" name="Picture 14" descr="Scroll - Free vector clipart images on ...">
+            <a:extLst>
+              <a:ext uri="{FF2B5EF4-FFF2-40B4-BE49-F238E27FC236}">
+                <a16:creationId xmlns:a16="http://schemas.microsoft.com/office/drawing/2014/main" id="{F754B883-1BCE-5DA1-78C4-018445A014AD}"/>
+              </a:ext>
+            </a:extLst>
+          </p:cNvPr>
+          <p:cNvPicPr>
+            <a:picLocks noChangeAspect="1" noChangeArrowheads="1"/>
+          </p:cNvPicPr>
+          <p:nvPr/>
+        </p:nvPicPr>
+        <p:blipFill>
+          <a:blip r:embed="rId7">
+            <a:extLst>
+              <a:ext uri="{28A0092B-C50C-407E-A947-70E740481C1C}">
+                <a14:useLocalDpi xmlns:a14="http://schemas.microsoft.com/office/drawing/2010/main" val="0"/>
+              </a:ext>
+            </a:extLst>
+          </a:blip>
+          <a:srcRect/>
+          <a:stretch>
+            <a:fillRect/>
+          </a:stretch>
+        </p:blipFill>
+        <p:spPr bwMode="auto">
+          <a:xfrm>
+            <a:off x="6561981" y="4628037"/>
+            <a:ext cx="520200" cy="531916"/>
+          </a:xfrm>
+          <a:prstGeom prst="rect">
+            <a:avLst/>
+          </a:prstGeom>
+          <a:noFill/>
+          <a:extLst>
+            <a:ext uri="{909E8E84-426E-40DD-AFC4-6F175D3DCCD1}">
+              <a14:hiddenFill xmlns:a14="http://schemas.microsoft.com/office/drawing/2010/main">
+                <a:solidFill>
+                  <a:srgbClr val="FFFFFF"/>
+                </a:solidFill>
+              </a14:hiddenFill>
+            </a:ext>
+          </a:extLst>
+        </p:spPr>
+      </p:pic>
+      <p:pic>
+        <p:nvPicPr>
+          <p:cNvPr id="15" name="Picture 14" descr="Scroll - Free vector clipart images on ...">
+            <a:extLst>
+              <a:ext uri="{FF2B5EF4-FFF2-40B4-BE49-F238E27FC236}">
+                <a16:creationId xmlns:a16="http://schemas.microsoft.com/office/drawing/2014/main" id="{FAEFBAD9-68A1-6824-F2BD-FCF79BE4239A}"/>
+              </a:ext>
+            </a:extLst>
+          </p:cNvPr>
+          <p:cNvPicPr>
+            <a:picLocks noChangeAspect="1" noChangeArrowheads="1"/>
+          </p:cNvPicPr>
+          <p:nvPr/>
+        </p:nvPicPr>
+        <p:blipFill>
+          <a:blip r:embed="rId7">
+            <a:extLst>
+              <a:ext uri="{28A0092B-C50C-407E-A947-70E740481C1C}">
+                <a14:useLocalDpi xmlns:a14="http://schemas.microsoft.com/office/drawing/2010/main" val="0"/>
+              </a:ext>
+            </a:extLst>
+          </a:blip>
+          <a:srcRect/>
+          <a:stretch>
+            <a:fillRect/>
+          </a:stretch>
+        </p:blipFill>
+        <p:spPr bwMode="auto">
+          <a:xfrm>
+            <a:off x="6561981" y="5574099"/>
+            <a:ext cx="520200" cy="531916"/>
+          </a:xfrm>
+          <a:prstGeom prst="rect">
+            <a:avLst/>
+          </a:prstGeom>
+          <a:noFill/>
+          <a:extLst>
+            <a:ext uri="{909E8E84-426E-40DD-AFC4-6F175D3DCCD1}">
+              <a14:hiddenFill xmlns:a14="http://schemas.microsoft.com/office/drawing/2010/main">
+                <a:solidFill>
+                  <a:srgbClr val="FFFFFF"/>
+                </a:solidFill>
+              </a14:hiddenFill>
+            </a:ext>
+          </a:extLst>
+        </p:spPr>
+      </p:pic>
+      <p:sp>
+        <p:nvSpPr>
+          <p:cNvPr id="2" name="Left Brace 1">
+            <a:extLst>
+              <a:ext uri="{FF2B5EF4-FFF2-40B4-BE49-F238E27FC236}">
+                <a16:creationId xmlns:a16="http://schemas.microsoft.com/office/drawing/2014/main" id="{DE553C71-0C96-9A8C-01EA-D4FFBB2756AB}"/>
+              </a:ext>
+            </a:extLst>
+          </p:cNvPr>
+          <p:cNvSpPr/>
+          <p:nvPr/>
+        </p:nvSpPr>
+        <p:spPr>
+          <a:xfrm>
+            <a:off x="590213" y="3523854"/>
+            <a:ext cx="497467" cy="2611225"/>
+          </a:xfrm>
+          <a:prstGeom prst="leftBrace">
+            <a:avLst/>
+          </a:prstGeom>
+          <a:ln w="38100"/>
+        </p:spPr>
+        <p:style>
+          <a:lnRef idx="1">
+            <a:schemeClr val="accent1"/>
+          </a:lnRef>
+          <a:fillRef idx="0">
+            <a:schemeClr val="accent1"/>
+          </a:fillRef>
+          <a:effectRef idx="0">
+            <a:schemeClr val="accent1"/>
+          </a:effectRef>
+          <a:fontRef idx="minor">
+            <a:schemeClr val="tx1"/>
+          </a:fontRef>
+        </p:style>
+        <p:txBody>
+          <a:bodyPr rtlCol="0" anchor="ctr"/>
+          <a:lstStyle/>
+          <a:p>
+            <a:pPr algn="ctr"/>
+            <a:endParaRPr lang="en-US"/>
+          </a:p>
+        </p:txBody>
+      </p:sp>
+      <mc:AlternateContent xmlns:mc="http://schemas.openxmlformats.org/markup-compatibility/2006" xmlns:a14="http://schemas.microsoft.com/office/drawing/2010/main">
+        <mc:Choice Requires="a14">
+          <p:sp>
+            <p:nvSpPr>
+              <p:cNvPr id="16" name="TextBox 15">
+                <a:extLst>
+                  <a:ext uri="{FF2B5EF4-FFF2-40B4-BE49-F238E27FC236}">
+                    <a16:creationId xmlns:a16="http://schemas.microsoft.com/office/drawing/2014/main" id="{E0169FBA-3D68-3C4E-7CB6-EF2719BEFEF3}"/>
+                  </a:ext>
+                </a:extLst>
+              </p:cNvPr>
+              <p:cNvSpPr txBox="1"/>
+              <p:nvPr/>
+            </p:nvSpPr>
+            <p:spPr>
+              <a:xfrm>
+                <a:off x="176955" y="4573744"/>
+                <a:ext cx="428608" cy="584775"/>
+              </a:xfrm>
+              <a:prstGeom prst="rect">
+                <a:avLst/>
+              </a:prstGeom>
+              <a:noFill/>
+            </p:spPr>
+            <p:txBody>
+              <a:bodyPr wrap="square">
+                <a:spAutoFit/>
+              </a:bodyPr>
+              <a:lstStyle/>
+              <a:p>
+                <a:pPr/>
+                <a14:m>
+                  <m:oMathPara xmlns:m="http://schemas.openxmlformats.org/officeDocument/2006/math">
+                    <m:oMathParaPr>
+                      <m:jc m:val="centerGroup"/>
+                    </m:oMathParaPr>
+                    <m:oMath xmlns:m="http://schemas.openxmlformats.org/officeDocument/2006/math">
+                      <m:r>
+                        <a:rPr lang="en-US" sz="3200" b="0" i="1" smtClean="0">
+                          <a:solidFill>
+                            <a:srgbClr val="C00000"/>
+                          </a:solidFill>
+                          <a:latin typeface="Cambria Math" panose="02040503050406030204" pitchFamily="18" charset="0"/>
+                        </a:rPr>
+                        <m:t>𝑇</m:t>
+                      </m:r>
+                    </m:oMath>
+                  </m:oMathPara>
+                </a14:m>
+                <a:endParaRPr lang="en-US" sz="3200" dirty="0"/>
+              </a:p>
+            </p:txBody>
+          </p:sp>
+        </mc:Choice>
+        <mc:Fallback xmlns="">
+          <p:sp>
+            <p:nvSpPr>
+              <p:cNvPr id="16" name="TextBox 15">
+                <a:extLst>
+                  <a:ext uri="{FF2B5EF4-FFF2-40B4-BE49-F238E27FC236}">
+                    <a16:creationId xmlns:a16="http://schemas.microsoft.com/office/drawing/2014/main" id="{E0169FBA-3D68-3C4E-7CB6-EF2719BEFEF3}"/>
+                  </a:ext>
+                </a:extLst>
+              </p:cNvPr>
+              <p:cNvSpPr txBox="1">
+                <a:spLocks noRot="1" noChangeAspect="1" noMove="1" noResize="1" noEditPoints="1" noAdjustHandles="1" noChangeArrowheads="1" noChangeShapeType="1" noTextEdit="1"/>
+              </p:cNvSpPr>
+              <p:nvPr/>
+            </p:nvSpPr>
+            <p:spPr>
+              <a:xfrm>
+                <a:off x="176955" y="4573744"/>
+                <a:ext cx="428608" cy="584775"/>
+              </a:xfrm>
+              <a:prstGeom prst="rect">
+                <a:avLst/>
+              </a:prstGeom>
+              <a:blipFill>
+                <a:blip r:embed="rId8"/>
+                <a:stretch>
+                  <a:fillRect/>
+                </a:stretch>
+              </a:blipFill>
+            </p:spPr>
+            <p:txBody>
+              <a:bodyPr/>
+              <a:lstStyle/>
+              <a:p>
+                <a:r>
+                  <a:rPr lang="en-US">
+                    <a:noFill/>
+                  </a:rPr>
+                  <a:t> </a:t>
+                </a:r>
+              </a:p>
+            </p:txBody>
+          </p:sp>
+        </mc:Fallback>
+      </mc:AlternateContent>
+      <p:sp>
+        <p:nvSpPr>
+          <p:cNvPr id="17" name="Right Brace 16">
+            <a:extLst>
+              <a:ext uri="{FF2B5EF4-FFF2-40B4-BE49-F238E27FC236}">
+                <a16:creationId xmlns:a16="http://schemas.microsoft.com/office/drawing/2014/main" id="{797FF0D1-F85F-3EC4-1325-ECD22234FC53}"/>
+              </a:ext>
+            </a:extLst>
+          </p:cNvPr>
+          <p:cNvSpPr/>
+          <p:nvPr/>
+        </p:nvSpPr>
+        <p:spPr>
+          <a:xfrm rot="5400000">
+            <a:off x="4727495" y="4138190"/>
+            <a:ext cx="339665" cy="4369706"/>
+          </a:xfrm>
+          <a:prstGeom prst="rightBrace">
+            <a:avLst/>
+          </a:prstGeom>
+          <a:ln w="38100">
+            <a:solidFill>
+              <a:srgbClr val="0070C0"/>
+            </a:solidFill>
+          </a:ln>
+        </p:spPr>
+        <p:style>
+          <a:lnRef idx="1">
+            <a:schemeClr val="accent1"/>
+          </a:lnRef>
+          <a:fillRef idx="0">
+            <a:schemeClr val="accent1"/>
+          </a:fillRef>
+          <a:effectRef idx="0">
+            <a:schemeClr val="accent1"/>
+          </a:effectRef>
+          <a:fontRef idx="minor">
+            <a:schemeClr val="tx1"/>
+          </a:fontRef>
+        </p:style>
+        <p:txBody>
+          <a:bodyPr rtlCol="0" anchor="ctr"/>
+          <a:lstStyle/>
+          <a:p>
+            <a:pPr algn="ctr"/>
+            <a:endParaRPr lang="en-US" dirty="0"/>
+          </a:p>
+        </p:txBody>
+      </p:sp>
+      <mc:AlternateContent xmlns:mc="http://schemas.openxmlformats.org/markup-compatibility/2006" xmlns:a14="http://schemas.microsoft.com/office/drawing/2010/main">
+        <mc:Choice Requires="a14">
+          <p:sp>
+            <p:nvSpPr>
+              <p:cNvPr id="18" name="TextBox 17">
+                <a:extLst>
+                  <a:ext uri="{FF2B5EF4-FFF2-40B4-BE49-F238E27FC236}">
+                    <a16:creationId xmlns:a16="http://schemas.microsoft.com/office/drawing/2014/main" id="{9A7A2EF2-9682-9E2B-3838-03A08C7BF259}"/>
+                  </a:ext>
+                </a:extLst>
+              </p:cNvPr>
+              <p:cNvSpPr txBox="1"/>
+              <p:nvPr/>
+            </p:nvSpPr>
+            <p:spPr>
+              <a:xfrm>
+                <a:off x="4702372" y="6329051"/>
+                <a:ext cx="428608" cy="584775"/>
+              </a:xfrm>
+              <a:prstGeom prst="rect">
+                <a:avLst/>
+              </a:prstGeom>
+              <a:noFill/>
+            </p:spPr>
+            <p:txBody>
+              <a:bodyPr wrap="square">
+                <a:spAutoFit/>
+              </a:bodyPr>
+              <a:lstStyle/>
+              <a:p>
+                <a:pPr/>
+                <a14:m>
+                  <m:oMathPara xmlns:m="http://schemas.openxmlformats.org/officeDocument/2006/math">
+                    <m:oMathParaPr>
+                      <m:jc m:val="centerGroup"/>
+                    </m:oMathParaPr>
+                    <m:oMath xmlns:m="http://schemas.openxmlformats.org/officeDocument/2006/math">
+                      <m:r>
+                        <a:rPr lang="en-US" sz="3200" b="0" i="1" smtClean="0">
+                          <a:solidFill>
+                            <a:srgbClr val="C00000"/>
+                          </a:solidFill>
+                          <a:latin typeface="Cambria Math" panose="02040503050406030204" pitchFamily="18" charset="0"/>
+                        </a:rPr>
+                        <m:t>𝑛</m:t>
+                      </m:r>
+                    </m:oMath>
+                  </m:oMathPara>
+                </a14:m>
+                <a:endParaRPr lang="en-US" sz="3200" dirty="0"/>
+              </a:p>
+            </p:txBody>
+          </p:sp>
+        </mc:Choice>
+        <mc:Fallback xmlns="">
+          <p:sp>
+            <p:nvSpPr>
+              <p:cNvPr id="18" name="TextBox 17">
+                <a:extLst>
+                  <a:ext uri="{FF2B5EF4-FFF2-40B4-BE49-F238E27FC236}">
+                    <a16:creationId xmlns:a16="http://schemas.microsoft.com/office/drawing/2014/main" id="{9A7A2EF2-9682-9E2B-3838-03A08C7BF259}"/>
+                  </a:ext>
+                </a:extLst>
+              </p:cNvPr>
+              <p:cNvSpPr txBox="1">
+                <a:spLocks noRot="1" noChangeAspect="1" noMove="1" noResize="1" noEditPoints="1" noAdjustHandles="1" noChangeArrowheads="1" noChangeShapeType="1" noTextEdit="1"/>
+              </p:cNvSpPr>
+              <p:nvPr/>
+            </p:nvSpPr>
+            <p:spPr>
+              <a:xfrm>
+                <a:off x="4702372" y="6329051"/>
+                <a:ext cx="428608" cy="584775"/>
+              </a:xfrm>
+              <a:prstGeom prst="rect">
+                <a:avLst/>
+              </a:prstGeom>
+              <a:blipFill>
+                <a:blip r:embed="rId9"/>
+                <a:stretch>
+                  <a:fillRect/>
+                </a:stretch>
+              </a:blipFill>
+            </p:spPr>
+            <p:txBody>
+              <a:bodyPr/>
+              <a:lstStyle/>
+              <a:p>
+                <a:r>
+                  <a:rPr lang="en-US">
+                    <a:noFill/>
+                  </a:rPr>
+                  <a:t> </a:t>
+                </a:r>
+              </a:p>
+            </p:txBody>
+          </p:sp>
+        </mc:Fallback>
+      </mc:AlternateContent>
+      <p:sp>
+        <p:nvSpPr>
+          <p:cNvPr id="19" name="Google Shape;95;p14">
+            <a:extLst>
+              <a:ext uri="{FF2B5EF4-FFF2-40B4-BE49-F238E27FC236}">
+                <a16:creationId xmlns:a16="http://schemas.microsoft.com/office/drawing/2014/main" id="{C1A4987C-F061-BFF9-B23E-F564BDD73CCC}"/>
+              </a:ext>
+            </a:extLst>
+          </p:cNvPr>
+          <p:cNvSpPr txBox="1"/>
+          <p:nvPr/>
+        </p:nvSpPr>
+        <p:spPr>
+          <a:xfrm>
+            <a:off x="9854767" y="3609796"/>
+            <a:ext cx="1034700" cy="646300"/>
+          </a:xfrm>
+          <a:prstGeom prst="rect">
+            <a:avLst/>
+          </a:prstGeom>
+          <a:noFill/>
+          <a:ln>
+            <a:noFill/>
+          </a:ln>
+        </p:spPr>
+        <p:txBody>
+          <a:bodyPr spcFirstLastPara="1" wrap="square" lIns="91425" tIns="91425" rIns="91425" bIns="91425" anchor="t" anchorCtr="0">
+            <a:spAutoFit/>
+          </a:bodyPr>
+          <a:lstStyle/>
+          <a:p>
+            <a:pPr algn="ctr"/>
+            <a:r>
+              <a:rPr lang="en" sz="3000" b="1" dirty="0">
+                <a:solidFill>
+                  <a:srgbClr val="598E00"/>
+                </a:solidFill>
+              </a:rPr>
+              <a:t>?</a:t>
+            </a:r>
+            <a:endParaRPr sz="3000" b="1" dirty="0">
+              <a:solidFill>
+                <a:srgbClr val="598E00"/>
+              </a:solidFill>
+            </a:endParaRPr>
+          </a:p>
+        </p:txBody>
+      </p:sp>
+      <p:sp>
+        <p:nvSpPr>
+          <p:cNvPr id="20" name="Google Shape;95;p14">
+            <a:extLst>
+              <a:ext uri="{FF2B5EF4-FFF2-40B4-BE49-F238E27FC236}">
+                <a16:creationId xmlns:a16="http://schemas.microsoft.com/office/drawing/2014/main" id="{AC702C54-D329-E529-F973-B70745F3F442}"/>
+              </a:ext>
+            </a:extLst>
+          </p:cNvPr>
+          <p:cNvSpPr txBox="1"/>
+          <p:nvPr/>
+        </p:nvSpPr>
+        <p:spPr>
+          <a:xfrm>
+            <a:off x="9854767" y="4628037"/>
+            <a:ext cx="1034700" cy="646300"/>
+          </a:xfrm>
+          <a:prstGeom prst="rect">
+            <a:avLst/>
+          </a:prstGeom>
+          <a:noFill/>
+          <a:ln>
+            <a:noFill/>
+          </a:ln>
+        </p:spPr>
+        <p:txBody>
+          <a:bodyPr spcFirstLastPara="1" wrap="square" lIns="91425" tIns="91425" rIns="91425" bIns="91425" anchor="t" anchorCtr="0">
+            <a:spAutoFit/>
+          </a:bodyPr>
+          <a:lstStyle/>
+          <a:p>
+            <a:pPr algn="ctr"/>
+            <a:r>
+              <a:rPr lang="en" sz="3000" b="1" dirty="0">
+                <a:solidFill>
+                  <a:srgbClr val="598E00"/>
+                </a:solidFill>
+              </a:rPr>
+              <a:t>?</a:t>
+            </a:r>
+            <a:endParaRPr sz="3000" b="1" dirty="0">
+              <a:solidFill>
+                <a:srgbClr val="598E00"/>
+              </a:solidFill>
+            </a:endParaRPr>
+          </a:p>
+        </p:txBody>
+      </p:sp>
+      <p:sp>
+        <p:nvSpPr>
+          <p:cNvPr id="21" name="Google Shape;95;p14">
+            <a:extLst>
+              <a:ext uri="{FF2B5EF4-FFF2-40B4-BE49-F238E27FC236}">
+                <a16:creationId xmlns:a16="http://schemas.microsoft.com/office/drawing/2014/main" id="{3E5B5EFA-6F12-FFE0-0FF3-45D58F75F290}"/>
+              </a:ext>
+            </a:extLst>
+          </p:cNvPr>
+          <p:cNvSpPr txBox="1"/>
+          <p:nvPr/>
+        </p:nvSpPr>
+        <p:spPr>
+          <a:xfrm>
+            <a:off x="9854767" y="5587896"/>
+            <a:ext cx="1034700" cy="646300"/>
+          </a:xfrm>
+          <a:prstGeom prst="rect">
+            <a:avLst/>
+          </a:prstGeom>
+          <a:noFill/>
+          <a:ln>
+            <a:noFill/>
+          </a:ln>
+        </p:spPr>
+        <p:txBody>
+          <a:bodyPr spcFirstLastPara="1" wrap="square" lIns="91425" tIns="91425" rIns="91425" bIns="91425" anchor="t" anchorCtr="0">
+            <a:spAutoFit/>
+          </a:bodyPr>
+          <a:lstStyle/>
+          <a:p>
+            <a:pPr algn="ctr"/>
+            <a:r>
+              <a:rPr lang="en" sz="3000" b="1" dirty="0">
+                <a:solidFill>
+                  <a:srgbClr val="598E00"/>
+                </a:solidFill>
+              </a:rPr>
+              <a:t>?</a:t>
+            </a:r>
+            <a:endParaRPr sz="3000" b="1" dirty="0">
+              <a:solidFill>
+                <a:srgbClr val="598E00"/>
+              </a:solidFill>
+            </a:endParaRPr>
+          </a:p>
+        </p:txBody>
+      </p:sp>
+    </p:spTree>
+  </p:cSld>
+  <p:clrMapOvr>
+    <a:masterClrMapping/>
+  </p:clrMapOvr>
+</p:sld>
+</file>
+
+<file path=ppt/slides/slide20.xml><?xml version="1.0" encoding="utf-8"?>
 <p:sld xmlns:a="http://schemas.openxmlformats.org/drawingml/2006/main" xmlns:r="http://schemas.openxmlformats.org/officeDocument/2006/relationships" xmlns:p="http://schemas.openxmlformats.org/presentationml/2006/main">
   <p:cSld>
     <p:spTree>
@@ -12176,267 +12410,384 @@
           <a:chExt cx="0" cy="0"/>
         </a:xfrm>
       </p:grpSpPr>
-      <p:sp>
-        <p:nvSpPr>
-          <p:cNvPr id="3" name="Text Placeholder 2">
-            <a:extLst>
-              <a:ext uri="{FF2B5EF4-FFF2-40B4-BE49-F238E27FC236}">
-                <a16:creationId xmlns:a16="http://schemas.microsoft.com/office/drawing/2014/main" id="{380B9724-A9E8-C119-CCD9-E439CBA2361A}"/>
-              </a:ext>
-            </a:extLst>
-          </p:cNvPr>
-          <p:cNvSpPr txBox="1">
-            <a:spLocks/>
-          </p:cNvSpPr>
-          <p:nvPr/>
-        </p:nvSpPr>
-        <p:spPr>
-          <a:xfrm>
-            <a:off x="415600" y="1536633"/>
-            <a:ext cx="11360800" cy="4555200"/>
-          </a:xfrm>
-          <a:prstGeom prst="rect">
-            <a:avLst/>
-          </a:prstGeom>
-        </p:spPr>
-        <p:txBody>
-          <a:bodyPr vert="horz" lIns="91440" tIns="45720" rIns="91440" bIns="45720" rtlCol="0">
-            <a:normAutofit/>
-          </a:bodyPr>
-          <a:lstStyle>
-            <a:lvl1pPr marL="228600" indent="-228600" algn="l" defTabSz="914400" rtl="0" eaLnBrk="1" latinLnBrk="0" hangingPunct="1">
-              <a:lnSpc>
-                <a:spcPct val="90000"/>
-              </a:lnSpc>
-              <a:spcBef>
-                <a:spcPts val="1000"/>
-              </a:spcBef>
-              <a:buFont typeface="Arial" panose="020B0604020202020204" pitchFamily="34" charset="0"/>
-              <a:buChar char="•"/>
-              <a:defRPr sz="2800" kern="1200">
-                <a:solidFill>
-                  <a:schemeClr val="tx1"/>
-                </a:solidFill>
-                <a:latin typeface="+mn-lt"/>
-                <a:ea typeface="+mn-ea"/>
-                <a:cs typeface="+mn-cs"/>
-              </a:defRPr>
-            </a:lvl1pPr>
-            <a:lvl2pPr marL="685800" indent="-228600" algn="l" defTabSz="914400" rtl="0" eaLnBrk="1" latinLnBrk="0" hangingPunct="1">
-              <a:lnSpc>
-                <a:spcPct val="90000"/>
-              </a:lnSpc>
-              <a:spcBef>
-                <a:spcPts val="500"/>
-              </a:spcBef>
-              <a:buFont typeface="Arial" panose="020B0604020202020204" pitchFamily="34" charset="0"/>
-              <a:buChar char="•"/>
-              <a:defRPr sz="2400" kern="1200">
-                <a:solidFill>
-                  <a:schemeClr val="tx1"/>
-                </a:solidFill>
-                <a:latin typeface="+mn-lt"/>
-                <a:ea typeface="+mn-ea"/>
-                <a:cs typeface="+mn-cs"/>
-              </a:defRPr>
-            </a:lvl2pPr>
-            <a:lvl3pPr marL="1143000" indent="-228600" algn="l" defTabSz="914400" rtl="0" eaLnBrk="1" latinLnBrk="0" hangingPunct="1">
-              <a:lnSpc>
-                <a:spcPct val="90000"/>
-              </a:lnSpc>
-              <a:spcBef>
-                <a:spcPts val="500"/>
-              </a:spcBef>
-              <a:buFont typeface="Arial" panose="020B0604020202020204" pitchFamily="34" charset="0"/>
-              <a:buChar char="•"/>
-              <a:defRPr sz="2000" kern="1200">
-                <a:solidFill>
-                  <a:schemeClr val="tx1"/>
-                </a:solidFill>
-                <a:latin typeface="+mn-lt"/>
-                <a:ea typeface="+mn-ea"/>
-                <a:cs typeface="+mn-cs"/>
-              </a:defRPr>
-            </a:lvl3pPr>
-            <a:lvl4pPr marL="1600200" indent="-228600" algn="l" defTabSz="914400" rtl="0" eaLnBrk="1" latinLnBrk="0" hangingPunct="1">
-              <a:lnSpc>
-                <a:spcPct val="90000"/>
-              </a:lnSpc>
-              <a:spcBef>
-                <a:spcPts val="500"/>
-              </a:spcBef>
-              <a:buFont typeface="Arial" panose="020B0604020202020204" pitchFamily="34" charset="0"/>
-              <a:buChar char="•"/>
-              <a:defRPr sz="1800" kern="1200">
-                <a:solidFill>
-                  <a:schemeClr val="tx1"/>
-                </a:solidFill>
-                <a:latin typeface="+mn-lt"/>
-                <a:ea typeface="+mn-ea"/>
-                <a:cs typeface="+mn-cs"/>
-              </a:defRPr>
-            </a:lvl4pPr>
-            <a:lvl5pPr marL="2057400" indent="-228600" algn="l" defTabSz="914400" rtl="0" eaLnBrk="1" latinLnBrk="0" hangingPunct="1">
-              <a:lnSpc>
-                <a:spcPct val="90000"/>
-              </a:lnSpc>
-              <a:spcBef>
-                <a:spcPts val="500"/>
-              </a:spcBef>
-              <a:buFont typeface="Arial" panose="020B0604020202020204" pitchFamily="34" charset="0"/>
-              <a:buChar char="•"/>
-              <a:defRPr sz="1800" kern="1200">
-                <a:solidFill>
-                  <a:schemeClr val="tx1"/>
-                </a:solidFill>
-                <a:latin typeface="+mn-lt"/>
-                <a:ea typeface="+mn-ea"/>
-                <a:cs typeface="+mn-cs"/>
-              </a:defRPr>
-            </a:lvl5pPr>
-            <a:lvl6pPr marL="2514600" indent="-228600" algn="l" defTabSz="914400" rtl="0" eaLnBrk="1" latinLnBrk="0" hangingPunct="1">
-              <a:lnSpc>
-                <a:spcPct val="90000"/>
-              </a:lnSpc>
-              <a:spcBef>
-                <a:spcPts val="500"/>
-              </a:spcBef>
-              <a:buFont typeface="Arial" panose="020B0604020202020204" pitchFamily="34" charset="0"/>
-              <a:buChar char="•"/>
-              <a:defRPr sz="1800" kern="1200">
-                <a:solidFill>
-                  <a:schemeClr val="tx1"/>
-                </a:solidFill>
-                <a:latin typeface="+mn-lt"/>
-                <a:ea typeface="+mn-ea"/>
-                <a:cs typeface="+mn-cs"/>
-              </a:defRPr>
-            </a:lvl6pPr>
-            <a:lvl7pPr marL="2971800" indent="-228600" algn="l" defTabSz="914400" rtl="0" eaLnBrk="1" latinLnBrk="0" hangingPunct="1">
-              <a:lnSpc>
-                <a:spcPct val="90000"/>
-              </a:lnSpc>
-              <a:spcBef>
-                <a:spcPts val="500"/>
-              </a:spcBef>
-              <a:buFont typeface="Arial" panose="020B0604020202020204" pitchFamily="34" charset="0"/>
-              <a:buChar char="•"/>
-              <a:defRPr sz="1800" kern="1200">
-                <a:solidFill>
-                  <a:schemeClr val="tx1"/>
-                </a:solidFill>
-                <a:latin typeface="+mn-lt"/>
-                <a:ea typeface="+mn-ea"/>
-                <a:cs typeface="+mn-cs"/>
-              </a:defRPr>
-            </a:lvl7pPr>
-            <a:lvl8pPr marL="3429000" indent="-228600" algn="l" defTabSz="914400" rtl="0" eaLnBrk="1" latinLnBrk="0" hangingPunct="1">
-              <a:lnSpc>
-                <a:spcPct val="90000"/>
-              </a:lnSpc>
-              <a:spcBef>
-                <a:spcPts val="500"/>
-              </a:spcBef>
-              <a:buFont typeface="Arial" panose="020B0604020202020204" pitchFamily="34" charset="0"/>
-              <a:buChar char="•"/>
-              <a:defRPr sz="1800" kern="1200">
-                <a:solidFill>
-                  <a:schemeClr val="tx1"/>
-                </a:solidFill>
-                <a:latin typeface="+mn-lt"/>
-                <a:ea typeface="+mn-ea"/>
-                <a:cs typeface="+mn-cs"/>
-              </a:defRPr>
-            </a:lvl8pPr>
-            <a:lvl9pPr marL="3886200" indent="-228600" algn="l" defTabSz="914400" rtl="0" eaLnBrk="1" latinLnBrk="0" hangingPunct="1">
-              <a:lnSpc>
-                <a:spcPct val="90000"/>
-              </a:lnSpc>
-              <a:spcBef>
-                <a:spcPts val="500"/>
-              </a:spcBef>
-              <a:buFont typeface="Arial" panose="020B0604020202020204" pitchFamily="34" charset="0"/>
-              <a:buChar char="•"/>
-              <a:defRPr sz="1800" kern="1200">
-                <a:solidFill>
-                  <a:schemeClr val="tx1"/>
-                </a:solidFill>
-                <a:latin typeface="+mn-lt"/>
-                <a:ea typeface="+mn-ea"/>
-                <a:cs typeface="+mn-cs"/>
-              </a:defRPr>
-            </a:lvl9pPr>
-          </a:lstStyle>
-          <a:p>
-            <a:pPr>
-              <a:buClr>
-                <a:schemeClr val="tx1"/>
-              </a:buClr>
-            </a:pPr>
-            <a:r>
-              <a:rPr lang="en-US" sz="3000" dirty="0">
-                <a:solidFill>
-                  <a:srgbClr val="00B050"/>
-                </a:solidFill>
-              </a:rPr>
-              <a:t>Good epoch </a:t>
-            </a:r>
-            <a:r>
-              <a:rPr lang="en-US" sz="3000" dirty="0"/>
-              <a:t>= best expert eventually evicted if sampled during this time, i.e., other arms doing well</a:t>
-            </a:r>
-          </a:p>
-          <a:p>
-            <a:pPr>
-              <a:buClr>
-                <a:schemeClr val="tx1"/>
-              </a:buClr>
-            </a:pPr>
-            <a:r>
-              <a:rPr lang="en-US" sz="3000" dirty="0">
-                <a:solidFill>
-                  <a:srgbClr val="00B050"/>
-                </a:solidFill>
-              </a:rPr>
-              <a:t>Bad epoch </a:t>
-            </a:r>
-            <a:r>
-              <a:rPr lang="en-US" sz="3000" dirty="0"/>
-              <a:t>= best expert will stay if sampled during this time, i.e., no arms besides best arm doing well</a:t>
-            </a:r>
-          </a:p>
-          <a:p>
-            <a:pPr>
-              <a:buClr>
-                <a:schemeClr val="tx1"/>
-              </a:buClr>
-            </a:pPr>
-            <a:endParaRPr lang="en-US" sz="3000" dirty="0"/>
-          </a:p>
-          <a:p>
-            <a:pPr>
-              <a:buClr>
-                <a:schemeClr val="tx1"/>
-              </a:buClr>
-            </a:pPr>
-            <a:r>
-              <a:rPr lang="en-US" sz="3000" dirty="0"/>
-              <a:t>Good regret on good epochs</a:t>
-            </a:r>
-          </a:p>
-          <a:p>
-            <a:pPr>
-              <a:buClr>
-                <a:schemeClr val="tx1"/>
-              </a:buClr>
-            </a:pPr>
-            <a:r>
-              <a:rPr lang="en-US" sz="3000" dirty="0"/>
-              <a:t>Bounded number of bad epochs (because the best expert will get sampled and stay in pool)</a:t>
-            </a:r>
-          </a:p>
-        </p:txBody>
-      </p:sp>
+      <mc:AlternateContent xmlns:mc="http://schemas.openxmlformats.org/markup-compatibility/2006">
+        <mc:Choice xmlns:a14="http://schemas.microsoft.com/office/drawing/2010/main" Requires="a14">
+          <p:sp>
+            <p:nvSpPr>
+              <p:cNvPr id="3" name="Text Placeholder 2">
+                <a:extLst>
+                  <a:ext uri="{FF2B5EF4-FFF2-40B4-BE49-F238E27FC236}">
+                    <a16:creationId xmlns:a16="http://schemas.microsoft.com/office/drawing/2014/main" id="{380B9724-A9E8-C119-CCD9-E439CBA2361A}"/>
+                  </a:ext>
+                </a:extLst>
+              </p:cNvPr>
+              <p:cNvSpPr txBox="1">
+                <a:spLocks/>
+              </p:cNvSpPr>
+              <p:nvPr/>
+            </p:nvSpPr>
+            <p:spPr>
+              <a:xfrm>
+                <a:off x="415600" y="1536633"/>
+                <a:ext cx="11360800" cy="4555200"/>
+              </a:xfrm>
+              <a:prstGeom prst="rect">
+                <a:avLst/>
+              </a:prstGeom>
+            </p:spPr>
+            <p:txBody>
+              <a:bodyPr vert="horz" lIns="91440" tIns="45720" rIns="91440" bIns="45720" rtlCol="0">
+                <a:normAutofit/>
+              </a:bodyPr>
+              <a:lstStyle>
+                <a:lvl1pPr marL="228600" indent="-228600" algn="l" defTabSz="914400" rtl="0" eaLnBrk="1" latinLnBrk="0" hangingPunct="1">
+                  <a:lnSpc>
+                    <a:spcPct val="90000"/>
+                  </a:lnSpc>
+                  <a:spcBef>
+                    <a:spcPts val="1000"/>
+                  </a:spcBef>
+                  <a:buFont typeface="Arial" panose="020B0604020202020204" pitchFamily="34" charset="0"/>
+                  <a:buChar char="•"/>
+                  <a:defRPr sz="2800" kern="1200">
+                    <a:solidFill>
+                      <a:schemeClr val="tx1"/>
+                    </a:solidFill>
+                    <a:latin typeface="+mn-lt"/>
+                    <a:ea typeface="+mn-ea"/>
+                    <a:cs typeface="+mn-cs"/>
+                  </a:defRPr>
+                </a:lvl1pPr>
+                <a:lvl2pPr marL="685800" indent="-228600" algn="l" defTabSz="914400" rtl="0" eaLnBrk="1" latinLnBrk="0" hangingPunct="1">
+                  <a:lnSpc>
+                    <a:spcPct val="90000"/>
+                  </a:lnSpc>
+                  <a:spcBef>
+                    <a:spcPts val="500"/>
+                  </a:spcBef>
+                  <a:buFont typeface="Arial" panose="020B0604020202020204" pitchFamily="34" charset="0"/>
+                  <a:buChar char="•"/>
+                  <a:defRPr sz="2400" kern="1200">
+                    <a:solidFill>
+                      <a:schemeClr val="tx1"/>
+                    </a:solidFill>
+                    <a:latin typeface="+mn-lt"/>
+                    <a:ea typeface="+mn-ea"/>
+                    <a:cs typeface="+mn-cs"/>
+                  </a:defRPr>
+                </a:lvl2pPr>
+                <a:lvl3pPr marL="1143000" indent="-228600" algn="l" defTabSz="914400" rtl="0" eaLnBrk="1" latinLnBrk="0" hangingPunct="1">
+                  <a:lnSpc>
+                    <a:spcPct val="90000"/>
+                  </a:lnSpc>
+                  <a:spcBef>
+                    <a:spcPts val="500"/>
+                  </a:spcBef>
+                  <a:buFont typeface="Arial" panose="020B0604020202020204" pitchFamily="34" charset="0"/>
+                  <a:buChar char="•"/>
+                  <a:defRPr sz="2000" kern="1200">
+                    <a:solidFill>
+                      <a:schemeClr val="tx1"/>
+                    </a:solidFill>
+                    <a:latin typeface="+mn-lt"/>
+                    <a:ea typeface="+mn-ea"/>
+                    <a:cs typeface="+mn-cs"/>
+                  </a:defRPr>
+                </a:lvl3pPr>
+                <a:lvl4pPr marL="1600200" indent="-228600" algn="l" defTabSz="914400" rtl="0" eaLnBrk="1" latinLnBrk="0" hangingPunct="1">
+                  <a:lnSpc>
+                    <a:spcPct val="90000"/>
+                  </a:lnSpc>
+                  <a:spcBef>
+                    <a:spcPts val="500"/>
+                  </a:spcBef>
+                  <a:buFont typeface="Arial" panose="020B0604020202020204" pitchFamily="34" charset="0"/>
+                  <a:buChar char="•"/>
+                  <a:defRPr sz="1800" kern="1200">
+                    <a:solidFill>
+                      <a:schemeClr val="tx1"/>
+                    </a:solidFill>
+                    <a:latin typeface="+mn-lt"/>
+                    <a:ea typeface="+mn-ea"/>
+                    <a:cs typeface="+mn-cs"/>
+                  </a:defRPr>
+                </a:lvl4pPr>
+                <a:lvl5pPr marL="2057400" indent="-228600" algn="l" defTabSz="914400" rtl="0" eaLnBrk="1" latinLnBrk="0" hangingPunct="1">
+                  <a:lnSpc>
+                    <a:spcPct val="90000"/>
+                  </a:lnSpc>
+                  <a:spcBef>
+                    <a:spcPts val="500"/>
+                  </a:spcBef>
+                  <a:buFont typeface="Arial" panose="020B0604020202020204" pitchFamily="34" charset="0"/>
+                  <a:buChar char="•"/>
+                  <a:defRPr sz="1800" kern="1200">
+                    <a:solidFill>
+                      <a:schemeClr val="tx1"/>
+                    </a:solidFill>
+                    <a:latin typeface="+mn-lt"/>
+                    <a:ea typeface="+mn-ea"/>
+                    <a:cs typeface="+mn-cs"/>
+                  </a:defRPr>
+                </a:lvl5pPr>
+                <a:lvl6pPr marL="2514600" indent="-228600" algn="l" defTabSz="914400" rtl="0" eaLnBrk="1" latinLnBrk="0" hangingPunct="1">
+                  <a:lnSpc>
+                    <a:spcPct val="90000"/>
+                  </a:lnSpc>
+                  <a:spcBef>
+                    <a:spcPts val="500"/>
+                  </a:spcBef>
+                  <a:buFont typeface="Arial" panose="020B0604020202020204" pitchFamily="34" charset="0"/>
+                  <a:buChar char="•"/>
+                  <a:defRPr sz="1800" kern="1200">
+                    <a:solidFill>
+                      <a:schemeClr val="tx1"/>
+                    </a:solidFill>
+                    <a:latin typeface="+mn-lt"/>
+                    <a:ea typeface="+mn-ea"/>
+                    <a:cs typeface="+mn-cs"/>
+                  </a:defRPr>
+                </a:lvl6pPr>
+                <a:lvl7pPr marL="2971800" indent="-228600" algn="l" defTabSz="914400" rtl="0" eaLnBrk="1" latinLnBrk="0" hangingPunct="1">
+                  <a:lnSpc>
+                    <a:spcPct val="90000"/>
+                  </a:lnSpc>
+                  <a:spcBef>
+                    <a:spcPts val="500"/>
+                  </a:spcBef>
+                  <a:buFont typeface="Arial" panose="020B0604020202020204" pitchFamily="34" charset="0"/>
+                  <a:buChar char="•"/>
+                  <a:defRPr sz="1800" kern="1200">
+                    <a:solidFill>
+                      <a:schemeClr val="tx1"/>
+                    </a:solidFill>
+                    <a:latin typeface="+mn-lt"/>
+                    <a:ea typeface="+mn-ea"/>
+                    <a:cs typeface="+mn-cs"/>
+                  </a:defRPr>
+                </a:lvl7pPr>
+                <a:lvl8pPr marL="3429000" indent="-228600" algn="l" defTabSz="914400" rtl="0" eaLnBrk="1" latinLnBrk="0" hangingPunct="1">
+                  <a:lnSpc>
+                    <a:spcPct val="90000"/>
+                  </a:lnSpc>
+                  <a:spcBef>
+                    <a:spcPts val="500"/>
+                  </a:spcBef>
+                  <a:buFont typeface="Arial" panose="020B0604020202020204" pitchFamily="34" charset="0"/>
+                  <a:buChar char="•"/>
+                  <a:defRPr sz="1800" kern="1200">
+                    <a:solidFill>
+                      <a:schemeClr val="tx1"/>
+                    </a:solidFill>
+                    <a:latin typeface="+mn-lt"/>
+                    <a:ea typeface="+mn-ea"/>
+                    <a:cs typeface="+mn-cs"/>
+                  </a:defRPr>
+                </a:lvl8pPr>
+                <a:lvl9pPr marL="3886200" indent="-228600" algn="l" defTabSz="914400" rtl="0" eaLnBrk="1" latinLnBrk="0" hangingPunct="1">
+                  <a:lnSpc>
+                    <a:spcPct val="90000"/>
+                  </a:lnSpc>
+                  <a:spcBef>
+                    <a:spcPts val="500"/>
+                  </a:spcBef>
+                  <a:buFont typeface="Arial" panose="020B0604020202020204" pitchFamily="34" charset="0"/>
+                  <a:buChar char="•"/>
+                  <a:defRPr sz="1800" kern="1200">
+                    <a:solidFill>
+                      <a:schemeClr val="tx1"/>
+                    </a:solidFill>
+                    <a:latin typeface="+mn-lt"/>
+                    <a:ea typeface="+mn-ea"/>
+                    <a:cs typeface="+mn-cs"/>
+                  </a:defRPr>
+                </a:lvl9pPr>
+              </a:lstStyle>
+              <a:p>
+                <a:pPr>
+                  <a:buClr>
+                    <a:schemeClr val="tx1"/>
+                  </a:buClr>
+                </a:pPr>
+                <a:r>
+                  <a:rPr lang="en-US" sz="3000" dirty="0">
+                    <a:solidFill>
+                      <a:srgbClr val="00B050"/>
+                    </a:solidFill>
+                  </a:rPr>
+                  <a:t>Good epoch </a:t>
+                </a:r>
+                <a:r>
+                  <a:rPr lang="en-US" sz="3000" dirty="0"/>
+                  <a:t>= experts in pool are doing well (formally, best expert eventually evicted if sampled during this epoch)</a:t>
+                </a:r>
+              </a:p>
+              <a:p>
+                <a:pPr>
+                  <a:buClr>
+                    <a:schemeClr val="tx1"/>
+                  </a:buClr>
+                </a:pPr>
+                <a:r>
+                  <a:rPr lang="en-US" sz="3000" dirty="0"/>
+                  <a:t>Good regret on good epochs: </a:t>
+                </a:r>
+                <a14:m>
+                  <m:oMath xmlns:m="http://schemas.openxmlformats.org/officeDocument/2006/math">
+                    <m:rad>
+                      <m:radPr>
+                        <m:degHide m:val="on"/>
+                        <m:ctrlPr>
+                          <a:rPr lang="en-US" sz="3000" i="1">
+                            <a:solidFill>
+                              <a:srgbClr val="C00000"/>
+                            </a:solidFill>
+                            <a:latin typeface="Cambria Math" panose="02040503050406030204" pitchFamily="18" charset="0"/>
+                          </a:rPr>
+                        </m:ctrlPr>
+                      </m:radPr>
+                      <m:deg/>
+                      <m:e>
+                        <m:r>
+                          <a:rPr lang="en-US" sz="3000" i="1">
+                            <a:solidFill>
+                              <a:srgbClr val="C00000"/>
+                            </a:solidFill>
+                            <a:latin typeface="Cambria Math" panose="02040503050406030204" pitchFamily="18" charset="0"/>
+                          </a:rPr>
+                          <m:t>𝐵</m:t>
+                        </m:r>
+                      </m:e>
+                    </m:rad>
+                  </m:oMath>
+                </a14:m>
+                <a:endParaRPr lang="en-US" sz="3000" dirty="0"/>
+              </a:p>
+              <a:p>
+                <a:pPr>
+                  <a:buClr>
+                    <a:schemeClr val="tx1"/>
+                  </a:buClr>
+                </a:pPr>
+                <a:endParaRPr lang="en-US" sz="3000" dirty="0"/>
+              </a:p>
+              <a:p>
+                <a:pPr>
+                  <a:buClr>
+                    <a:schemeClr val="tx1"/>
+                  </a:buClr>
+                </a:pPr>
+                <a:r>
+                  <a:rPr lang="en-US" sz="3000" dirty="0">
+                    <a:solidFill>
+                      <a:srgbClr val="00B050"/>
+                    </a:solidFill>
+                  </a:rPr>
+                  <a:t>Bad epoch </a:t>
+                </a:r>
+                <a:r>
+                  <a:rPr lang="en-US" sz="3000" dirty="0"/>
+                  <a:t>= no expert in pool is doing well (formally, best expert will stay if sampled during this epoch)</a:t>
+                </a:r>
+              </a:p>
+              <a:p>
+                <a:pPr>
+                  <a:buClr>
+                    <a:schemeClr val="tx1"/>
+                  </a:buClr>
+                </a:pPr>
+                <a:r>
+                  <a:rPr lang="en-US" sz="3000" dirty="0"/>
+                  <a:t>Bad regret on bad epochs: </a:t>
+                </a:r>
+                <a14:m>
+                  <m:oMath xmlns:m="http://schemas.openxmlformats.org/officeDocument/2006/math">
+                    <m:r>
+                      <a:rPr lang="en-US" sz="3000" i="1">
+                        <a:solidFill>
+                          <a:srgbClr val="C00000"/>
+                        </a:solidFill>
+                        <a:latin typeface="Cambria Math" panose="02040503050406030204" pitchFamily="18" charset="0"/>
+                      </a:rPr>
+                      <m:t>𝐵</m:t>
+                    </m:r>
+                  </m:oMath>
+                </a14:m>
+                <a:endParaRPr lang="en-US" sz="3000" dirty="0"/>
+              </a:p>
+              <a:p>
+                <a:pPr>
+                  <a:buClr>
+                    <a:schemeClr val="tx1"/>
+                  </a:buClr>
+                </a:pPr>
+                <a:r>
+                  <a:rPr lang="en-US" sz="3000" dirty="0"/>
+                  <a:t>BUT bounded number of bad epochs (because the best expert will get sampled and stay in pool), roughly </a:t>
+                </a:r>
+                <a14:m>
+                  <m:oMath xmlns:m="http://schemas.openxmlformats.org/officeDocument/2006/math">
+                    <m:r>
+                      <a:rPr lang="en-US" sz="3000" b="0" i="1" smtClean="0">
+                        <a:solidFill>
+                          <a:srgbClr val="C00000"/>
+                        </a:solidFill>
+                        <a:latin typeface="Cambria Math" panose="02040503050406030204" pitchFamily="18" charset="0"/>
+                      </a:rPr>
+                      <m:t>𝑛</m:t>
+                    </m:r>
+                  </m:oMath>
+                </a14:m>
+                <a:endParaRPr lang="en-US" sz="3000" dirty="0"/>
+              </a:p>
+            </p:txBody>
+          </p:sp>
+        </mc:Choice>
+        <mc:Fallback>
+          <p:sp>
+            <p:nvSpPr>
+              <p:cNvPr id="3" name="Text Placeholder 2">
+                <a:extLst>
+                  <a:ext uri="{FF2B5EF4-FFF2-40B4-BE49-F238E27FC236}">
+                    <a16:creationId xmlns:a16="http://schemas.microsoft.com/office/drawing/2014/main" id="{380B9724-A9E8-C119-CCD9-E439CBA2361A}"/>
+                  </a:ext>
+                </a:extLst>
+              </p:cNvPr>
+              <p:cNvSpPr txBox="1">
+                <a:spLocks noRot="1" noChangeAspect="1" noMove="1" noResize="1" noEditPoints="1" noAdjustHandles="1" noChangeArrowheads="1" noChangeShapeType="1" noTextEdit="1"/>
+              </p:cNvSpPr>
+              <p:nvPr/>
+            </p:nvSpPr>
+            <p:spPr>
+              <a:xfrm>
+                <a:off x="415600" y="1536633"/>
+                <a:ext cx="11360800" cy="4555200"/>
+              </a:xfrm>
+              <a:prstGeom prst="rect">
+                <a:avLst/>
+              </a:prstGeom>
+              <a:blipFill>
+                <a:blip r:embed="rId2"/>
+                <a:stretch>
+                  <a:fillRect l="-1073" t="-2677" r="-590" b="-2410"/>
+                </a:stretch>
+              </a:blipFill>
+            </p:spPr>
+            <p:txBody>
+              <a:bodyPr/>
+              <a:lstStyle/>
+              <a:p>
+                <a:r>
+                  <a:rPr lang="en-US">
+                    <a:noFill/>
+                  </a:rPr>
+                  <a:t> </a:t>
+                </a:r>
+              </a:p>
+            </p:txBody>
+          </p:sp>
+        </mc:Fallback>
+      </mc:AlternateContent>
       <p:sp>
         <p:nvSpPr>
           <p:cNvPr id="4" name="Title 1">
@@ -12508,7 +12859,7 @@
 </p:sld>
 </file>
 
-<file path=ppt/slides/slide23.xml><?xml version="1.0" encoding="utf-8"?>
+<file path=ppt/slides/slide21.xml><?xml version="1.0" encoding="utf-8"?>
 <p:sld xmlns:a="http://schemas.openxmlformats.org/drawingml/2006/main" xmlns:r="http://schemas.openxmlformats.org/officeDocument/2006/relationships" xmlns:p="http://schemas.openxmlformats.org/presentationml/2006/main">
   <p:cSld>
     <p:spTree>
@@ -12558,7 +12909,7 @@
             </p:spPr>
             <p:txBody>
               <a:bodyPr vert="horz" lIns="91440" tIns="45720" rIns="91440" bIns="45720" rtlCol="0">
-                <a:normAutofit lnSpcReduction="10000"/>
+                <a:normAutofit/>
               </a:bodyPr>
               <a:lstStyle>
                 <a:lvl1pPr marL="228600" indent="-228600" algn="l" defTabSz="914400" rtl="0" eaLnBrk="1" latinLnBrk="0" hangingPunct="1">
@@ -12732,39 +13083,6 @@
                 </a:pPr>
                 <a:r>
                   <a:rPr lang="en-US" sz="3000" dirty="0"/>
-                  <a:t>Epoch length </a:t>
-                </a:r>
-                <a14:m>
-                  <m:oMath xmlns:m="http://schemas.openxmlformats.org/officeDocument/2006/math">
-                    <m:r>
-                      <a:rPr lang="en-US" sz="3000" b="0" i="1" smtClean="0">
-                        <a:solidFill>
-                          <a:srgbClr val="C00000"/>
-                        </a:solidFill>
-                        <a:latin typeface="Cambria Math" panose="02040503050406030204" pitchFamily="18" charset="0"/>
-                      </a:rPr>
-                      <m:t>𝐵</m:t>
-                    </m:r>
-                  </m:oMath>
-                </a14:m>
-                <a:endParaRPr lang="en-US" sz="3000" dirty="0"/>
-              </a:p>
-              <a:p>
-                <a:pPr>
-                  <a:buClr>
-                    <a:schemeClr val="tx1"/>
-                  </a:buClr>
-                </a:pPr>
-                <a:endParaRPr lang="en-US" sz="3000" dirty="0"/>
-              </a:p>
-              <a:p>
-                <a:pPr>
-                  <a:buClr>
-                    <a:schemeClr val="tx1"/>
-                  </a:buClr>
-                </a:pPr>
-                <a:r>
-                  <a:rPr lang="en-US" sz="3000" dirty="0"/>
                   <a:t>Longer epoch lengths = larger regret </a:t>
                 </a:r>
                 <a14:m>
@@ -12853,6 +13171,18 @@
                     <a:schemeClr val="tx1"/>
                   </a:buClr>
                 </a:pPr>
+                <a:endParaRPr lang="en-US" sz="3000" dirty="0">
+                  <a:solidFill>
+                    <a:srgbClr val="00B050"/>
+                  </a:solidFill>
+                </a:endParaRPr>
+              </a:p>
+              <a:p>
+                <a:pPr>
+                  <a:buClr>
+                    <a:schemeClr val="tx1"/>
+                  </a:buClr>
+                </a:pPr>
                 <a:r>
                   <a:rPr lang="en-US" sz="3000" dirty="0">
                     <a:solidFill>
@@ -12930,14 +13260,6 @@
                     </m:r>
                   </m:oMath>
                 </a14:m>
-                <a:endParaRPr lang="en-US" sz="3000" dirty="0"/>
-              </a:p>
-              <a:p>
-                <a:pPr>
-                  <a:buClr>
-                    <a:schemeClr val="tx1"/>
-                  </a:buClr>
-                </a:pPr>
                 <a:endParaRPr lang="en-US" sz="3000" dirty="0"/>
               </a:p>
               <a:p>
@@ -13078,7 +13400,7 @@
               <a:blipFill>
                 <a:blip r:embed="rId2"/>
                 <a:stretch>
-                  <a:fillRect l="-1073" t="-3481" b="-2811"/>
+                  <a:fillRect l="-1073" t="-1740"/>
                 </a:stretch>
               </a:blipFill>
             </p:spPr>
@@ -13168,7 +13490,7 @@
 </p:sld>
 </file>
 
-<file path=ppt/slides/slide24.xml><?xml version="1.0" encoding="utf-8"?>
+<file path=ppt/slides/slide22.xml><?xml version="1.0" encoding="utf-8"?>
 <p:sld xmlns:a="http://schemas.openxmlformats.org/drawingml/2006/main" xmlns:r="http://schemas.openxmlformats.org/officeDocument/2006/relationships" xmlns:p="http://schemas.openxmlformats.org/presentationml/2006/main">
   <p:cSld>
     <p:spTree>
@@ -13420,7 +13742,7 @@
                 </a:pPr>
                 <a:r>
                   <a:rPr lang="en-US" sz="3000" dirty="0"/>
-                  <a:t>Run EXP3 / MWU on these baselines</a:t>
+                  <a:t>Run EXP3 on these baselines</a:t>
                 </a:r>
               </a:p>
               <a:p>
@@ -13591,7 +13913,7 @@
 </p:sld>
 </file>
 
-<file path=ppt/slides/slide25.xml><?xml version="1.0" encoding="utf-8"?>
+<file path=ppt/slides/slide23.xml><?xml version="1.0" encoding="utf-8"?>
 <p:sld xmlns:a="http://schemas.openxmlformats.org/drawingml/2006/main" xmlns:r="http://schemas.openxmlformats.org/officeDocument/2006/relationships" xmlns:p="http://schemas.openxmlformats.org/presentationml/2006/main">
   <p:cSld>
     <p:spTree>
@@ -14005,7 +14327,7 @@
 </p:sld>
 </file>
 
-<file path=ppt/slides/slide26.xml><?xml version="1.0" encoding="utf-8"?>
+<file path=ppt/slides/slide24.xml><?xml version="1.0" encoding="utf-8"?>
 <p:sld xmlns:a="http://schemas.openxmlformats.org/drawingml/2006/main" xmlns:r="http://schemas.openxmlformats.org/officeDocument/2006/relationships" xmlns:p="http://schemas.openxmlformats.org/presentationml/2006/main">
   <p:cSld>
     <p:spTree>
@@ -14062,8 +14384,8 @@
           </a:p>
         </p:txBody>
       </p:sp>
-      <mc:AlternateContent xmlns:mc="http://schemas.openxmlformats.org/markup-compatibility/2006">
-        <mc:Choice xmlns:a14="http://schemas.microsoft.com/office/drawing/2010/main" Requires="a14">
+      <mc:AlternateContent xmlns:mc="http://schemas.openxmlformats.org/markup-compatibility/2006" xmlns:a14="http://schemas.microsoft.com/office/drawing/2010/main">
+        <mc:Choice Requires="a14">
           <p:sp>
             <p:nvSpPr>
               <p:cNvPr id="3" name="Text Placeholder 2">
@@ -14536,7 +14858,7 @@
             </p:txBody>
           </p:sp>
         </mc:Choice>
-        <mc:Fallback>
+        <mc:Fallback xmlns="">
           <p:sp>
             <p:nvSpPr>
               <p:cNvPr id="3" name="Text Placeholder 2">
@@ -14589,7 +14911,7 @@
 </p:sld>
 </file>
 
-<file path=ppt/slides/slide27.xml><?xml version="1.0" encoding="utf-8"?>
+<file path=ppt/slides/slide25.xml><?xml version="1.0" encoding="utf-8"?>
 <p:sld xmlns:a="http://schemas.openxmlformats.org/drawingml/2006/main" xmlns:r="http://schemas.openxmlformats.org/officeDocument/2006/relationships" xmlns:p="http://schemas.openxmlformats.org/presentationml/2006/main">
   <p:cSld>
     <p:spTree>
@@ -14646,8 +14968,8 @@
           </a:p>
         </p:txBody>
       </p:sp>
-      <mc:AlternateContent xmlns:mc="http://schemas.openxmlformats.org/markup-compatibility/2006">
-        <mc:Choice xmlns:a14="http://schemas.microsoft.com/office/drawing/2010/main" Requires="a14">
+      <mc:AlternateContent xmlns:mc="http://schemas.openxmlformats.org/markup-compatibility/2006" xmlns:a14="http://schemas.microsoft.com/office/drawing/2010/main">
+        <mc:Choice Requires="a14">
           <p:sp>
             <p:nvSpPr>
               <p:cNvPr id="3" name="Text Placeholder 2">
@@ -14912,7 +15234,7 @@
             </p:txBody>
           </p:sp>
         </mc:Choice>
-        <mc:Fallback>
+        <mc:Fallback xmlns="">
           <p:sp>
             <p:nvSpPr>
               <p:cNvPr id="3" name="Text Placeholder 2">
@@ -14965,7 +15287,7 @@
 </p:sld>
 </file>
 
-<file path=ppt/slides/slide28.xml><?xml version="1.0" encoding="utf-8"?>
+<file path=ppt/slides/slide26.xml><?xml version="1.0" encoding="utf-8"?>
 <p:sld xmlns:a="http://schemas.openxmlformats.org/drawingml/2006/main" xmlns:r="http://schemas.openxmlformats.org/officeDocument/2006/relationships" xmlns:p="http://schemas.openxmlformats.org/presentationml/2006/main">
   <p:cSld>
     <p:spTree>
@@ -15127,7 +15449,7 @@
 </p:sld>
 </file>
 
-<file path=ppt/slides/slide29.xml><?xml version="1.0" encoding="utf-8"?>
+<file path=ppt/slides/slide27.xml><?xml version="1.0" encoding="utf-8"?>
 <p:sld xmlns:a="http://schemas.openxmlformats.org/drawingml/2006/main" xmlns:r="http://schemas.openxmlformats.org/officeDocument/2006/relationships" xmlns:p="http://schemas.openxmlformats.org/presentationml/2006/main">
   <p:cSld>
     <p:spTree>
@@ -15184,8 +15506,8 @@
           </a:p>
         </p:txBody>
       </p:sp>
-      <mc:AlternateContent xmlns:mc="http://schemas.openxmlformats.org/markup-compatibility/2006">
-        <mc:Choice xmlns:a14="http://schemas.microsoft.com/office/drawing/2010/main" Requires="a14">
+      <mc:AlternateContent xmlns:mc="http://schemas.openxmlformats.org/markup-compatibility/2006" xmlns:a14="http://schemas.microsoft.com/office/drawing/2010/main">
+        <mc:Choice Requires="a14">
           <p:sp>
             <p:nvSpPr>
               <p:cNvPr id="3" name="Text Placeholder 2">
@@ -15387,7 +15709,7 @@
             </p:txBody>
           </p:sp>
         </mc:Choice>
-        <mc:Fallback>
+        <mc:Fallback xmlns="">
           <p:sp>
             <p:nvSpPr>
               <p:cNvPr id="3" name="Text Placeholder 2">
@@ -15485,6 +15807,533 @@
 </p:sld>
 </file>
 
+<file path=ppt/slides/slide28.xml><?xml version="1.0" encoding="utf-8"?>
+<p:sld xmlns:a="http://schemas.openxmlformats.org/drawingml/2006/main" xmlns:r="http://schemas.openxmlformats.org/officeDocument/2006/relationships" xmlns:p="http://schemas.openxmlformats.org/presentationml/2006/main">
+  <p:cSld>
+    <p:spTree>
+      <p:nvGrpSpPr>
+        <p:cNvPr id="1" name=""/>
+        <p:cNvGrpSpPr/>
+        <p:nvPr/>
+      </p:nvGrpSpPr>
+      <p:grpSpPr>
+        <a:xfrm>
+          <a:off x="0" y="0"/>
+          <a:ext cx="0" cy="0"/>
+          <a:chOff x="0" y="0"/>
+          <a:chExt cx="0" cy="0"/>
+        </a:xfrm>
+      </p:grpSpPr>
+      <p:sp>
+        <p:nvSpPr>
+          <p:cNvPr id="2" name="Title 1">
+            <a:extLst>
+              <a:ext uri="{FF2B5EF4-FFF2-40B4-BE49-F238E27FC236}">
+                <a16:creationId xmlns:a16="http://schemas.microsoft.com/office/drawing/2014/main" id="{5D862B66-0FBF-4E65-BF1A-D66892D79C5C}"/>
+              </a:ext>
+            </a:extLst>
+          </p:cNvPr>
+          <p:cNvSpPr>
+            <a:spLocks noGrp="1"/>
+          </p:cNvSpPr>
+          <p:nvPr>
+            <p:ph type="title"/>
+          </p:nvPr>
+        </p:nvSpPr>
+        <p:spPr/>
+        <p:txBody>
+          <a:bodyPr/>
+          <a:lstStyle/>
+          <a:p>
+            <a:r>
+              <a:rPr lang="en-US" dirty="0">
+                <a:solidFill>
+                  <a:srgbClr val="C00000"/>
+                </a:solidFill>
+              </a:rPr>
+              <a:t>Applications</a:t>
+            </a:r>
+          </a:p>
+        </p:txBody>
+      </p:sp>
+      <p:sp>
+        <p:nvSpPr>
+          <p:cNvPr id="3" name="Content Placeholder 2">
+            <a:extLst>
+              <a:ext uri="{FF2B5EF4-FFF2-40B4-BE49-F238E27FC236}">
+                <a16:creationId xmlns:a16="http://schemas.microsoft.com/office/drawing/2014/main" id="{6ECA1A28-9707-4037-88F8-B854AB988294}"/>
+              </a:ext>
+            </a:extLst>
+          </p:cNvPr>
+          <p:cNvSpPr>
+            <a:spLocks noGrp="1"/>
+          </p:cNvSpPr>
+          <p:nvPr>
+            <p:ph idx="1"/>
+          </p:nvPr>
+        </p:nvSpPr>
+        <p:spPr/>
+        <p:txBody>
+          <a:bodyPr>
+            <a:normAutofit/>
+          </a:bodyPr>
+          <a:lstStyle/>
+          <a:p>
+            <a:r>
+              <a:rPr lang="en-US" sz="3000" b="0" dirty="0"/>
+              <a:t>Ensemble learning, e.g., AdaBoost</a:t>
+            </a:r>
+          </a:p>
+          <a:p>
+            <a:endParaRPr lang="en-US" sz="3000" dirty="0"/>
+          </a:p>
+          <a:p>
+            <a:pPr marL="0" indent="0">
+              <a:buNone/>
+            </a:pPr>
+            <a:endParaRPr lang="en-US" sz="3000" dirty="0"/>
+          </a:p>
+          <a:p>
+            <a:r>
+              <a:rPr lang="en-US" sz="3000" dirty="0"/>
+              <a:t>Forecast and portfolio optimization</a:t>
+            </a:r>
+          </a:p>
+          <a:p>
+            <a:endParaRPr lang="en-US" sz="3000" dirty="0"/>
+          </a:p>
+          <a:p>
+            <a:pPr marL="0" indent="0">
+              <a:buNone/>
+            </a:pPr>
+            <a:endParaRPr lang="en-US" sz="3000" dirty="0"/>
+          </a:p>
+          <a:p>
+            <a:r>
+              <a:rPr lang="en-US" sz="3000" dirty="0"/>
+              <a:t>Special case of online convex optimization</a:t>
+            </a:r>
+          </a:p>
+          <a:p>
+            <a:endParaRPr lang="en-US" sz="3000" dirty="0"/>
+          </a:p>
+        </p:txBody>
+      </p:sp>
+    </p:spTree>
+    <p:extLst>
+      <p:ext uri="{BB962C8B-B14F-4D97-AF65-F5344CB8AC3E}">
+        <p14:creationId xmlns:p14="http://schemas.microsoft.com/office/powerpoint/2010/main" val="2793205786"/>
+      </p:ext>
+    </p:extLst>
+  </p:cSld>
+  <p:clrMapOvr>
+    <a:masterClrMapping/>
+  </p:clrMapOvr>
+</p:sld>
+</file>
+
+<file path=ppt/slides/slide29.xml><?xml version="1.0" encoding="utf-8"?>
+<p:sld xmlns:a="http://schemas.openxmlformats.org/drawingml/2006/main" xmlns:r="http://schemas.openxmlformats.org/officeDocument/2006/relationships" xmlns:p="http://schemas.openxmlformats.org/presentationml/2006/main">
+  <p:cSld>
+    <p:spTree>
+      <p:nvGrpSpPr>
+        <p:cNvPr id="1" name="">
+          <a:extLst>
+            <a:ext uri="{FF2B5EF4-FFF2-40B4-BE49-F238E27FC236}">
+              <a16:creationId xmlns:a16="http://schemas.microsoft.com/office/drawing/2014/main" id="{0937370F-2342-9D54-B171-70117B236DDC}"/>
+            </a:ext>
+          </a:extLst>
+        </p:cNvPr>
+        <p:cNvGrpSpPr/>
+        <p:nvPr/>
+      </p:nvGrpSpPr>
+      <p:grpSpPr>
+        <a:xfrm>
+          <a:off x="0" y="0"/>
+          <a:ext cx="0" cy="0"/>
+          <a:chOff x="0" y="0"/>
+          <a:chExt cx="0" cy="0"/>
+        </a:xfrm>
+      </p:grpSpPr>
+      <p:sp>
+        <p:nvSpPr>
+          <p:cNvPr id="2" name="Title 1">
+            <a:extLst>
+              <a:ext uri="{FF2B5EF4-FFF2-40B4-BE49-F238E27FC236}">
+                <a16:creationId xmlns:a16="http://schemas.microsoft.com/office/drawing/2014/main" id="{42581AB4-1418-1A95-85C1-41F5E4451180}"/>
+              </a:ext>
+            </a:extLst>
+          </p:cNvPr>
+          <p:cNvSpPr>
+            <a:spLocks noGrp="1"/>
+          </p:cNvSpPr>
+          <p:nvPr>
+            <p:ph type="title"/>
+          </p:nvPr>
+        </p:nvSpPr>
+        <p:spPr/>
+        <p:txBody>
+          <a:bodyPr/>
+          <a:lstStyle/>
+          <a:p>
+            <a:r>
+              <a:rPr lang="en-US" dirty="0">
+                <a:solidFill>
+                  <a:srgbClr val="C00000"/>
+                </a:solidFill>
+              </a:rPr>
+              <a:t>Streaming vs. Sliding Window</a:t>
+            </a:r>
+          </a:p>
+        </p:txBody>
+      </p:sp>
+      <mc:AlternateContent xmlns:mc="http://schemas.openxmlformats.org/markup-compatibility/2006" xmlns:a14="http://schemas.microsoft.com/office/drawing/2010/main">
+        <mc:Choice Requires="a14">
+          <p:sp>
+            <p:nvSpPr>
+              <p:cNvPr id="4" name="Content Placeholder 2">
+                <a:extLst>
+                  <a:ext uri="{FF2B5EF4-FFF2-40B4-BE49-F238E27FC236}">
+                    <a16:creationId xmlns:a16="http://schemas.microsoft.com/office/drawing/2014/main" id="{5AFB318C-587B-DE82-315D-ADA9D48AED92}"/>
+                  </a:ext>
+                </a:extLst>
+              </p:cNvPr>
+              <p:cNvSpPr txBox="1">
+                <a:spLocks/>
+              </p:cNvSpPr>
+              <p:nvPr/>
+            </p:nvSpPr>
+            <p:spPr>
+              <a:xfrm>
+                <a:off x="838200" y="1825625"/>
+                <a:ext cx="10515600" cy="4351338"/>
+              </a:xfrm>
+              <a:prstGeom prst="rect">
+                <a:avLst/>
+              </a:prstGeom>
+            </p:spPr>
+            <p:txBody>
+              <a:bodyPr vert="horz" lIns="91440" tIns="45720" rIns="91440" bIns="45720" rtlCol="0">
+                <a:normAutofit/>
+              </a:bodyPr>
+              <a:lstStyle>
+                <a:lvl1pPr marL="228600" indent="-228600" algn="l" defTabSz="914400" rtl="0" eaLnBrk="1" latinLnBrk="0" hangingPunct="1">
+                  <a:lnSpc>
+                    <a:spcPct val="90000"/>
+                  </a:lnSpc>
+                  <a:spcBef>
+                    <a:spcPts val="1000"/>
+                  </a:spcBef>
+                  <a:buFont typeface="Arial" panose="020B0604020202020204" pitchFamily="34" charset="0"/>
+                  <a:buChar char="•"/>
+                  <a:defRPr sz="2800" kern="1200">
+                    <a:solidFill>
+                      <a:schemeClr val="tx1"/>
+                    </a:solidFill>
+                    <a:latin typeface="+mn-lt"/>
+                    <a:ea typeface="+mn-ea"/>
+                    <a:cs typeface="+mn-cs"/>
+                  </a:defRPr>
+                </a:lvl1pPr>
+                <a:lvl2pPr marL="685800" indent="-228600" algn="l" defTabSz="914400" rtl="0" eaLnBrk="1" latinLnBrk="0" hangingPunct="1">
+                  <a:lnSpc>
+                    <a:spcPct val="90000"/>
+                  </a:lnSpc>
+                  <a:spcBef>
+                    <a:spcPts val="500"/>
+                  </a:spcBef>
+                  <a:buFont typeface="Arial" panose="020B0604020202020204" pitchFamily="34" charset="0"/>
+                  <a:buChar char="•"/>
+                  <a:defRPr sz="2400" kern="1200">
+                    <a:solidFill>
+                      <a:schemeClr val="tx1"/>
+                    </a:solidFill>
+                    <a:latin typeface="+mn-lt"/>
+                    <a:ea typeface="+mn-ea"/>
+                    <a:cs typeface="+mn-cs"/>
+                  </a:defRPr>
+                </a:lvl2pPr>
+                <a:lvl3pPr marL="1143000" indent="-228600" algn="l" defTabSz="914400" rtl="0" eaLnBrk="1" latinLnBrk="0" hangingPunct="1">
+                  <a:lnSpc>
+                    <a:spcPct val="90000"/>
+                  </a:lnSpc>
+                  <a:spcBef>
+                    <a:spcPts val="500"/>
+                  </a:spcBef>
+                  <a:buFont typeface="Arial" panose="020B0604020202020204" pitchFamily="34" charset="0"/>
+                  <a:buChar char="•"/>
+                  <a:defRPr sz="2000" kern="1200">
+                    <a:solidFill>
+                      <a:schemeClr val="tx1"/>
+                    </a:solidFill>
+                    <a:latin typeface="+mn-lt"/>
+                    <a:ea typeface="+mn-ea"/>
+                    <a:cs typeface="+mn-cs"/>
+                  </a:defRPr>
+                </a:lvl3pPr>
+                <a:lvl4pPr marL="1600200" indent="-228600" algn="l" defTabSz="914400" rtl="0" eaLnBrk="1" latinLnBrk="0" hangingPunct="1">
+                  <a:lnSpc>
+                    <a:spcPct val="90000"/>
+                  </a:lnSpc>
+                  <a:spcBef>
+                    <a:spcPts val="500"/>
+                  </a:spcBef>
+                  <a:buFont typeface="Arial" panose="020B0604020202020204" pitchFamily="34" charset="0"/>
+                  <a:buChar char="•"/>
+                  <a:defRPr sz="1800" kern="1200">
+                    <a:solidFill>
+                      <a:schemeClr val="tx1"/>
+                    </a:solidFill>
+                    <a:latin typeface="+mn-lt"/>
+                    <a:ea typeface="+mn-ea"/>
+                    <a:cs typeface="+mn-cs"/>
+                  </a:defRPr>
+                </a:lvl4pPr>
+                <a:lvl5pPr marL="2057400" indent="-228600" algn="l" defTabSz="914400" rtl="0" eaLnBrk="1" latinLnBrk="0" hangingPunct="1">
+                  <a:lnSpc>
+                    <a:spcPct val="90000"/>
+                  </a:lnSpc>
+                  <a:spcBef>
+                    <a:spcPts val="500"/>
+                  </a:spcBef>
+                  <a:buFont typeface="Arial" panose="020B0604020202020204" pitchFamily="34" charset="0"/>
+                  <a:buChar char="•"/>
+                  <a:defRPr sz="1800" kern="1200">
+                    <a:solidFill>
+                      <a:schemeClr val="tx1"/>
+                    </a:solidFill>
+                    <a:latin typeface="+mn-lt"/>
+                    <a:ea typeface="+mn-ea"/>
+                    <a:cs typeface="+mn-cs"/>
+                  </a:defRPr>
+                </a:lvl5pPr>
+                <a:lvl6pPr marL="2514600" indent="-228600" algn="l" defTabSz="914400" rtl="0" eaLnBrk="1" latinLnBrk="0" hangingPunct="1">
+                  <a:lnSpc>
+                    <a:spcPct val="90000"/>
+                  </a:lnSpc>
+                  <a:spcBef>
+                    <a:spcPts val="500"/>
+                  </a:spcBef>
+                  <a:buFont typeface="Arial" panose="020B0604020202020204" pitchFamily="34" charset="0"/>
+                  <a:buChar char="•"/>
+                  <a:defRPr sz="1800" kern="1200">
+                    <a:solidFill>
+                      <a:schemeClr val="tx1"/>
+                    </a:solidFill>
+                    <a:latin typeface="+mn-lt"/>
+                    <a:ea typeface="+mn-ea"/>
+                    <a:cs typeface="+mn-cs"/>
+                  </a:defRPr>
+                </a:lvl6pPr>
+                <a:lvl7pPr marL="2971800" indent="-228600" algn="l" defTabSz="914400" rtl="0" eaLnBrk="1" latinLnBrk="0" hangingPunct="1">
+                  <a:lnSpc>
+                    <a:spcPct val="90000"/>
+                  </a:lnSpc>
+                  <a:spcBef>
+                    <a:spcPts val="500"/>
+                  </a:spcBef>
+                  <a:buFont typeface="Arial" panose="020B0604020202020204" pitchFamily="34" charset="0"/>
+                  <a:buChar char="•"/>
+                  <a:defRPr sz="1800" kern="1200">
+                    <a:solidFill>
+                      <a:schemeClr val="tx1"/>
+                    </a:solidFill>
+                    <a:latin typeface="+mn-lt"/>
+                    <a:ea typeface="+mn-ea"/>
+                    <a:cs typeface="+mn-cs"/>
+                  </a:defRPr>
+                </a:lvl7pPr>
+                <a:lvl8pPr marL="3429000" indent="-228600" algn="l" defTabSz="914400" rtl="0" eaLnBrk="1" latinLnBrk="0" hangingPunct="1">
+                  <a:lnSpc>
+                    <a:spcPct val="90000"/>
+                  </a:lnSpc>
+                  <a:spcBef>
+                    <a:spcPts val="500"/>
+                  </a:spcBef>
+                  <a:buFont typeface="Arial" panose="020B0604020202020204" pitchFamily="34" charset="0"/>
+                  <a:buChar char="•"/>
+                  <a:defRPr sz="1800" kern="1200">
+                    <a:solidFill>
+                      <a:schemeClr val="tx1"/>
+                    </a:solidFill>
+                    <a:latin typeface="+mn-lt"/>
+                    <a:ea typeface="+mn-ea"/>
+                    <a:cs typeface="+mn-cs"/>
+                  </a:defRPr>
+                </a:lvl8pPr>
+                <a:lvl9pPr marL="3886200" indent="-228600" algn="l" defTabSz="914400" rtl="0" eaLnBrk="1" latinLnBrk="0" hangingPunct="1">
+                  <a:lnSpc>
+                    <a:spcPct val="90000"/>
+                  </a:lnSpc>
+                  <a:spcBef>
+                    <a:spcPts val="500"/>
+                  </a:spcBef>
+                  <a:buFont typeface="Arial" panose="020B0604020202020204" pitchFamily="34" charset="0"/>
+                  <a:buChar char="•"/>
+                  <a:defRPr sz="1800" kern="1200">
+                    <a:solidFill>
+                      <a:schemeClr val="tx1"/>
+                    </a:solidFill>
+                    <a:latin typeface="+mn-lt"/>
+                    <a:ea typeface="+mn-ea"/>
+                    <a:cs typeface="+mn-cs"/>
+                  </a:defRPr>
+                </a:lvl9pPr>
+              </a:lstStyle>
+              <a:p>
+                <a:pPr>
+                  <a:buClr>
+                    <a:schemeClr val="tx1"/>
+                  </a:buClr>
+                </a:pPr>
+                <a:r>
+                  <a:rPr lang="en-US" sz="3000" dirty="0">
+                    <a:solidFill>
+                      <a:srgbClr val="00B050"/>
+                    </a:solidFill>
+                  </a:rPr>
+                  <a:t>Streaming</a:t>
+                </a:r>
+                <a:r>
+                  <a:rPr lang="en-US" sz="3000" dirty="0"/>
+                  <a:t>: Sequence of predictions and outcomes, minimize regret over full history</a:t>
+                </a:r>
+              </a:p>
+              <a:p>
+                <a:pPr>
+                  <a:buClr>
+                    <a:schemeClr val="tx1"/>
+                  </a:buClr>
+                </a:pPr>
+                <a:endParaRPr lang="en-US" sz="3000" dirty="0"/>
+              </a:p>
+              <a:p>
+                <a:pPr>
+                  <a:buClr>
+                    <a:schemeClr val="tx1"/>
+                  </a:buClr>
+                </a:pPr>
+                <a:r>
+                  <a:rPr lang="en-US" sz="3000" dirty="0">
+                    <a:solidFill>
+                      <a:srgbClr val="00B050"/>
+                    </a:solidFill>
+                  </a:rPr>
+                  <a:t>Sliding window model</a:t>
+                </a:r>
+                <a:r>
+                  <a:rPr lang="en-US" sz="3000" dirty="0"/>
+                  <a:t>: Sequence of predictions and outcomes, minimize regret over last </a:t>
+                </a:r>
+                <a14:m>
+                  <m:oMath xmlns:m="http://schemas.openxmlformats.org/officeDocument/2006/math">
+                    <m:r>
+                      <a:rPr lang="en-US" sz="3000" b="0" i="1" smtClean="0">
+                        <a:solidFill>
+                          <a:srgbClr val="C00000"/>
+                        </a:solidFill>
+                        <a:latin typeface="Cambria Math" panose="02040503050406030204" pitchFamily="18" charset="0"/>
+                      </a:rPr>
+                      <m:t>𝑊</m:t>
+                    </m:r>
+                  </m:oMath>
+                </a14:m>
+                <a:r>
+                  <a:rPr lang="en-US" sz="3000" dirty="0"/>
+                  <a:t> days</a:t>
+                </a:r>
+              </a:p>
+              <a:p>
+                <a:pPr lvl="1">
+                  <a:buClr>
+                    <a:schemeClr val="tx1"/>
+                  </a:buClr>
+                </a:pPr>
+                <a:r>
+                  <a:rPr lang="en-US" sz="3000" dirty="0"/>
+                  <a:t>Old data expires implicitly</a:t>
+                </a:r>
+              </a:p>
+              <a:p>
+                <a:pPr lvl="1">
+                  <a:buClr>
+                    <a:schemeClr val="tx1"/>
+                  </a:buClr>
+                </a:pPr>
+                <a:endParaRPr lang="en-US" sz="3000" dirty="0"/>
+              </a:p>
+              <a:p>
+                <a:pPr>
+                  <a:buClr>
+                    <a:schemeClr val="tx1"/>
+                  </a:buClr>
+                </a:pPr>
+                <a:r>
+                  <a:rPr lang="en-US" sz="3000" dirty="0"/>
+                  <a:t>Goal is also to minimize memory and minimize query complexity in both settings</a:t>
+                </a:r>
+              </a:p>
+            </p:txBody>
+          </p:sp>
+        </mc:Choice>
+        <mc:Fallback xmlns="">
+          <p:sp>
+            <p:nvSpPr>
+              <p:cNvPr id="4" name="Content Placeholder 2">
+                <a:extLst>
+                  <a:ext uri="{FF2B5EF4-FFF2-40B4-BE49-F238E27FC236}">
+                    <a16:creationId xmlns:a16="http://schemas.microsoft.com/office/drawing/2014/main" id="{5AFB318C-587B-DE82-315D-ADA9D48AED92}"/>
+                  </a:ext>
+                </a:extLst>
+              </p:cNvPr>
+              <p:cNvSpPr txBox="1">
+                <a:spLocks noRot="1" noChangeAspect="1" noMove="1" noResize="1" noEditPoints="1" noAdjustHandles="1" noChangeArrowheads="1" noChangeShapeType="1" noTextEdit="1"/>
+              </p:cNvSpPr>
+              <p:nvPr/>
+            </p:nvSpPr>
+            <p:spPr>
+              <a:xfrm>
+                <a:off x="838200" y="1825625"/>
+                <a:ext cx="10515600" cy="4351338"/>
+              </a:xfrm>
+              <a:prstGeom prst="rect">
+                <a:avLst/>
+              </a:prstGeom>
+              <a:blipFill>
+                <a:blip r:embed="rId2"/>
+                <a:stretch>
+                  <a:fillRect l="-1217" t="-2801" r="-638" b="-3221"/>
+                </a:stretch>
+              </a:blipFill>
+            </p:spPr>
+            <p:txBody>
+              <a:bodyPr/>
+              <a:lstStyle/>
+              <a:p>
+                <a:r>
+                  <a:rPr lang="en-US">
+                    <a:noFill/>
+                  </a:rPr>
+                  <a:t> </a:t>
+                </a:r>
+              </a:p>
+            </p:txBody>
+          </p:sp>
+        </mc:Fallback>
+      </mc:AlternateContent>
+    </p:spTree>
+    <p:extLst>
+      <p:ext uri="{BB962C8B-B14F-4D97-AF65-F5344CB8AC3E}">
+        <p14:creationId xmlns:p14="http://schemas.microsoft.com/office/powerpoint/2010/main" val="759222859"/>
+      </p:ext>
+    </p:extLst>
+  </p:cSld>
+  <p:clrMapOvr>
+    <a:masterClrMapping/>
+  </p:clrMapOvr>
+</p:sld>
+</file>
+
 <file path=ppt/slides/slide3.xml><?xml version="1.0" encoding="utf-8"?>
 <p:sld xmlns:a="http://schemas.openxmlformats.org/drawingml/2006/main" xmlns:r="http://schemas.openxmlformats.org/officeDocument/2006/relationships" xmlns:p="http://schemas.openxmlformats.org/presentationml/2006/main">
   <p:cSld>
@@ -15803,40 +16652,6 @@
           </a:p>
         </p:txBody>
       </p:sp>
-      <p:pic>
-        <p:nvPicPr>
-          <p:cNvPr id="80" name="Google Shape;80;p14">
-            <a:extLst>
-              <a:ext uri="{FF2B5EF4-FFF2-40B4-BE49-F238E27FC236}">
-                <a16:creationId xmlns:a16="http://schemas.microsoft.com/office/drawing/2014/main" id="{90E99E5A-FEF9-5C26-5C89-1533533B4C07}"/>
-              </a:ext>
-            </a:extLst>
-          </p:cNvPr>
-          <p:cNvPicPr preferRelativeResize="0"/>
-          <p:nvPr/>
-        </p:nvPicPr>
-        <p:blipFill>
-          <a:blip r:embed="rId4">
-            <a:alphaModFix/>
-          </a:blip>
-          <a:stretch>
-            <a:fillRect/>
-          </a:stretch>
-        </p:blipFill>
-        <p:spPr>
-          <a:xfrm>
-            <a:off x="10059209" y="4636899"/>
-            <a:ext cx="621325" cy="637457"/>
-          </a:xfrm>
-          <a:prstGeom prst="rect">
-            <a:avLst/>
-          </a:prstGeom>
-          <a:noFill/>
-          <a:ln>
-            <a:noFill/>
-          </a:ln>
-        </p:spPr>
-      </p:pic>
       <p:sp>
         <p:nvSpPr>
           <p:cNvPr id="81" name="Google Shape;81;p14">
@@ -15877,40 +16692,6 @@
           </a:p>
         </p:txBody>
       </p:sp>
-      <p:pic>
-        <p:nvPicPr>
-          <p:cNvPr id="86" name="Google Shape;86;p14">
-            <a:extLst>
-              <a:ext uri="{FF2B5EF4-FFF2-40B4-BE49-F238E27FC236}">
-                <a16:creationId xmlns:a16="http://schemas.microsoft.com/office/drawing/2014/main" id="{5FB3BC26-841C-0624-B2E3-EB3E38382FC7}"/>
-              </a:ext>
-            </a:extLst>
-          </p:cNvPr>
-          <p:cNvPicPr preferRelativeResize="0"/>
-          <p:nvPr/>
-        </p:nvPicPr>
-        <p:blipFill>
-          <a:blip r:embed="rId4">
-            <a:alphaModFix/>
-          </a:blip>
-          <a:stretch>
-            <a:fillRect/>
-          </a:stretch>
-        </p:blipFill>
-        <p:spPr>
-          <a:xfrm>
-            <a:off x="10059209" y="5574099"/>
-            <a:ext cx="621325" cy="637457"/>
-          </a:xfrm>
-          <a:prstGeom prst="rect">
-            <a:avLst/>
-          </a:prstGeom>
-          <a:noFill/>
-          <a:ln>
-            <a:noFill/>
-          </a:ln>
-        </p:spPr>
-      </p:pic>
       <p:sp>
         <p:nvSpPr>
           <p:cNvPr id="95" name="Google Shape;95;p14">
@@ -16152,7 +16933,7 @@
                   <a:srgbClr val="C00000"/>
                 </a:solidFill>
               </a:rPr>
-              <a:t>Prediction with Expert Advice</a:t>
+              <a:t>Online Learning with Experts</a:t>
             </a:r>
           </a:p>
         </p:txBody>
@@ -16172,7 +16953,7 @@
           <p:nvPr/>
         </p:nvPicPr>
         <p:blipFill>
-          <a:blip r:embed="rId5">
+          <a:blip r:embed="rId4">
             <a:extLst>
               <a:ext uri="{28A0092B-C50C-407E-A947-70E740481C1C}">
                 <a14:useLocalDpi xmlns:a14="http://schemas.microsoft.com/office/drawing/2010/main" val="0"/>
@@ -16219,7 +17000,7 @@
           <p:nvPr/>
         </p:nvPicPr>
         <p:blipFill>
-          <a:blip r:embed="rId6">
+          <a:blip r:embed="rId5">
             <a:extLst>
               <a:ext uri="{28A0092B-C50C-407E-A947-70E740481C1C}">
                 <a14:useLocalDpi xmlns:a14="http://schemas.microsoft.com/office/drawing/2010/main" val="0"/>
@@ -16266,7 +17047,7 @@
           <p:nvPr/>
         </p:nvPicPr>
         <p:blipFill>
-          <a:blip r:embed="rId7">
+          <a:blip r:embed="rId6">
             <a:extLst>
               <a:ext uri="{28A0092B-C50C-407E-A947-70E740481C1C}">
                 <a14:useLocalDpi xmlns:a14="http://schemas.microsoft.com/office/drawing/2010/main" val="0"/>
@@ -16313,7 +17094,7 @@
           <p:nvPr/>
         </p:nvPicPr>
         <p:blipFill>
-          <a:blip r:embed="rId8">
+          <a:blip r:embed="rId7">
             <a:extLst>
               <a:ext uri="{28A0092B-C50C-407E-A947-70E740481C1C}">
                 <a14:useLocalDpi xmlns:a14="http://schemas.microsoft.com/office/drawing/2010/main" val="0"/>
@@ -16360,7 +17141,7 @@
           <p:nvPr/>
         </p:nvPicPr>
         <p:blipFill>
-          <a:blip r:embed="rId9">
+          <a:blip r:embed="rId8">
             <a:extLst>
               <a:ext uri="{28A0092B-C50C-407E-A947-70E740481C1C}">
                 <a14:useLocalDpi xmlns:a14="http://schemas.microsoft.com/office/drawing/2010/main" val="0"/>
@@ -16407,7 +17188,7 @@
           <p:nvPr/>
         </p:nvPicPr>
         <p:blipFill>
-          <a:blip r:embed="rId9">
+          <a:blip r:embed="rId8">
             <a:extLst>
               <a:ext uri="{28A0092B-C50C-407E-A947-70E740481C1C}">
                 <a14:useLocalDpi xmlns:a14="http://schemas.microsoft.com/office/drawing/2010/main" val="0"/>
@@ -16454,7 +17235,7 @@
           <p:nvPr/>
         </p:nvPicPr>
         <p:blipFill>
-          <a:blip r:embed="rId9">
+          <a:blip r:embed="rId8">
             <a:extLst>
               <a:ext uri="{28A0092B-C50C-407E-A947-70E740481C1C}">
                 <a14:useLocalDpi xmlns:a14="http://schemas.microsoft.com/office/drawing/2010/main" val="0"/>
@@ -16501,7 +17282,7 @@
           <p:nvPr/>
         </p:nvPicPr>
         <p:blipFill>
-          <a:blip r:embed="rId9">
+          <a:blip r:embed="rId8">
             <a:extLst>
               <a:ext uri="{28A0092B-C50C-407E-A947-70E740481C1C}">
                 <a14:useLocalDpi xmlns:a14="http://schemas.microsoft.com/office/drawing/2010/main" val="0"/>
@@ -16548,7 +17329,7 @@
           <p:nvPr/>
         </p:nvPicPr>
         <p:blipFill>
-          <a:blip r:embed="rId9">
+          <a:blip r:embed="rId8">
             <a:extLst>
               <a:ext uri="{28A0092B-C50C-407E-A947-70E740481C1C}">
                 <a14:useLocalDpi xmlns:a14="http://schemas.microsoft.com/office/drawing/2010/main" val="0"/>
@@ -16595,7 +17376,7 @@
           <p:nvPr/>
         </p:nvPicPr>
         <p:blipFill>
-          <a:blip r:embed="rId9">
+          <a:blip r:embed="rId8">
             <a:extLst>
               <a:ext uri="{28A0092B-C50C-407E-A947-70E740481C1C}">
                 <a14:useLocalDpi xmlns:a14="http://schemas.microsoft.com/office/drawing/2010/main" val="0"/>
@@ -16642,7 +17423,7 @@
           <p:nvPr/>
         </p:nvPicPr>
         <p:blipFill>
-          <a:blip r:embed="rId9">
+          <a:blip r:embed="rId8">
             <a:extLst>
               <a:ext uri="{28A0092B-C50C-407E-A947-70E740481C1C}">
                 <a14:useLocalDpi xmlns:a14="http://schemas.microsoft.com/office/drawing/2010/main" val="0"/>
@@ -16689,7 +17470,7 @@
           <p:nvPr/>
         </p:nvPicPr>
         <p:blipFill>
-          <a:blip r:embed="rId9">
+          <a:blip r:embed="rId8">
             <a:extLst>
               <a:ext uri="{28A0092B-C50C-407E-A947-70E740481C1C}">
                 <a14:useLocalDpi xmlns:a14="http://schemas.microsoft.com/office/drawing/2010/main" val="0"/>
@@ -16736,7 +17517,7 @@
           <p:nvPr/>
         </p:nvPicPr>
         <p:blipFill>
-          <a:blip r:embed="rId9">
+          <a:blip r:embed="rId8">
             <a:extLst>
               <a:ext uri="{28A0092B-C50C-407E-A947-70E740481C1C}">
                 <a14:useLocalDpi xmlns:a14="http://schemas.microsoft.com/office/drawing/2010/main" val="0"/>
@@ -16783,7 +17564,7 @@
           <p:nvPr/>
         </p:nvPicPr>
         <p:blipFill>
-          <a:blip r:embed="rId9">
+          <a:blip r:embed="rId8">
             <a:extLst>
               <a:ext uri="{28A0092B-C50C-407E-A947-70E740481C1C}">
                 <a14:useLocalDpi xmlns:a14="http://schemas.microsoft.com/office/drawing/2010/main" val="0"/>
@@ -16917,10 +17698,560 @@
           </a:ln>
         </p:spPr>
       </p:pic>
+      <p:sp>
+        <p:nvSpPr>
+          <p:cNvPr id="4" name="Google Shape;95;p14">
+            <a:extLst>
+              <a:ext uri="{FF2B5EF4-FFF2-40B4-BE49-F238E27FC236}">
+                <a16:creationId xmlns:a16="http://schemas.microsoft.com/office/drawing/2014/main" id="{C85AEF5D-CC5C-D681-BB48-5366BC020410}"/>
+              </a:ext>
+            </a:extLst>
+          </p:cNvPr>
+          <p:cNvSpPr txBox="1"/>
+          <p:nvPr/>
+        </p:nvSpPr>
+        <p:spPr>
+          <a:xfrm>
+            <a:off x="9854767" y="4628037"/>
+            <a:ext cx="1034700" cy="646300"/>
+          </a:xfrm>
+          <a:prstGeom prst="rect">
+            <a:avLst/>
+          </a:prstGeom>
+          <a:noFill/>
+          <a:ln>
+            <a:noFill/>
+          </a:ln>
+        </p:spPr>
+        <p:txBody>
+          <a:bodyPr spcFirstLastPara="1" wrap="square" lIns="91425" tIns="91425" rIns="91425" bIns="91425" anchor="t" anchorCtr="0">
+            <a:spAutoFit/>
+          </a:bodyPr>
+          <a:lstStyle/>
+          <a:p>
+            <a:pPr algn="ctr"/>
+            <a:r>
+              <a:rPr lang="en" sz="3000" b="1" dirty="0">
+                <a:solidFill>
+                  <a:srgbClr val="598E00"/>
+                </a:solidFill>
+              </a:rPr>
+              <a:t>?</a:t>
+            </a:r>
+            <a:endParaRPr sz="3000" b="1" dirty="0">
+              <a:solidFill>
+                <a:srgbClr val="598E00"/>
+              </a:solidFill>
+            </a:endParaRPr>
+          </a:p>
+        </p:txBody>
+      </p:sp>
+      <p:sp>
+        <p:nvSpPr>
+          <p:cNvPr id="10" name="Google Shape;95;p14">
+            <a:extLst>
+              <a:ext uri="{FF2B5EF4-FFF2-40B4-BE49-F238E27FC236}">
+                <a16:creationId xmlns:a16="http://schemas.microsoft.com/office/drawing/2014/main" id="{09729ADD-C7D3-C39E-8742-DD5079E6645E}"/>
+              </a:ext>
+            </a:extLst>
+          </p:cNvPr>
+          <p:cNvSpPr txBox="1"/>
+          <p:nvPr/>
+        </p:nvSpPr>
+        <p:spPr>
+          <a:xfrm>
+            <a:off x="9854767" y="5587896"/>
+            <a:ext cx="1034700" cy="646300"/>
+          </a:xfrm>
+          <a:prstGeom prst="rect">
+            <a:avLst/>
+          </a:prstGeom>
+          <a:noFill/>
+          <a:ln>
+            <a:noFill/>
+          </a:ln>
+        </p:spPr>
+        <p:txBody>
+          <a:bodyPr spcFirstLastPara="1" wrap="square" lIns="91425" tIns="91425" rIns="91425" bIns="91425" anchor="t" anchorCtr="0">
+            <a:spAutoFit/>
+          </a:bodyPr>
+          <a:lstStyle/>
+          <a:p>
+            <a:pPr algn="ctr"/>
+            <a:r>
+              <a:rPr lang="en" sz="3000" b="1" dirty="0">
+                <a:solidFill>
+                  <a:srgbClr val="598E00"/>
+                </a:solidFill>
+              </a:rPr>
+              <a:t>?</a:t>
+            </a:r>
+            <a:endParaRPr sz="3000" b="1" dirty="0">
+              <a:solidFill>
+                <a:srgbClr val="598E00"/>
+              </a:solidFill>
+            </a:endParaRPr>
+          </a:p>
+        </p:txBody>
+      </p:sp>
+      <p:sp>
+        <p:nvSpPr>
+          <p:cNvPr id="13" name="Left Brace 12">
+            <a:extLst>
+              <a:ext uri="{FF2B5EF4-FFF2-40B4-BE49-F238E27FC236}">
+                <a16:creationId xmlns:a16="http://schemas.microsoft.com/office/drawing/2014/main" id="{0DE08B5D-0DE6-A62A-D8C0-63EF440D9D6E}"/>
+              </a:ext>
+            </a:extLst>
+          </p:cNvPr>
+          <p:cNvSpPr/>
+          <p:nvPr/>
+        </p:nvSpPr>
+        <p:spPr>
+          <a:xfrm>
+            <a:off x="590213" y="3523854"/>
+            <a:ext cx="497467" cy="2611225"/>
+          </a:xfrm>
+          <a:prstGeom prst="leftBrace">
+            <a:avLst/>
+          </a:prstGeom>
+          <a:ln w="38100"/>
+        </p:spPr>
+        <p:style>
+          <a:lnRef idx="1">
+            <a:schemeClr val="accent1"/>
+          </a:lnRef>
+          <a:fillRef idx="0">
+            <a:schemeClr val="accent1"/>
+          </a:fillRef>
+          <a:effectRef idx="0">
+            <a:schemeClr val="accent1"/>
+          </a:effectRef>
+          <a:fontRef idx="minor">
+            <a:schemeClr val="tx1"/>
+          </a:fontRef>
+        </p:style>
+        <p:txBody>
+          <a:bodyPr rtlCol="0" anchor="ctr"/>
+          <a:lstStyle/>
+          <a:p>
+            <a:pPr algn="ctr"/>
+            <a:endParaRPr lang="en-US"/>
+          </a:p>
+        </p:txBody>
+      </p:sp>
+      <mc:AlternateContent xmlns:mc="http://schemas.openxmlformats.org/markup-compatibility/2006" xmlns:a14="http://schemas.microsoft.com/office/drawing/2010/main">
+        <mc:Choice Requires="a14">
+          <p:sp>
+            <p:nvSpPr>
+              <p:cNvPr id="17" name="TextBox 16">
+                <a:extLst>
+                  <a:ext uri="{FF2B5EF4-FFF2-40B4-BE49-F238E27FC236}">
+                    <a16:creationId xmlns:a16="http://schemas.microsoft.com/office/drawing/2014/main" id="{E1C72403-6D26-D251-2CBB-66D412AE9175}"/>
+                  </a:ext>
+                </a:extLst>
+              </p:cNvPr>
+              <p:cNvSpPr txBox="1"/>
+              <p:nvPr/>
+            </p:nvSpPr>
+            <p:spPr>
+              <a:xfrm>
+                <a:off x="176955" y="4573744"/>
+                <a:ext cx="428608" cy="584775"/>
+              </a:xfrm>
+              <a:prstGeom prst="rect">
+                <a:avLst/>
+              </a:prstGeom>
+              <a:noFill/>
+            </p:spPr>
+            <p:txBody>
+              <a:bodyPr wrap="square">
+                <a:spAutoFit/>
+              </a:bodyPr>
+              <a:lstStyle/>
+              <a:p>
+                <a:pPr/>
+                <a14:m>
+                  <m:oMathPara xmlns:m="http://schemas.openxmlformats.org/officeDocument/2006/math">
+                    <m:oMathParaPr>
+                      <m:jc m:val="centerGroup"/>
+                    </m:oMathParaPr>
+                    <m:oMath xmlns:m="http://schemas.openxmlformats.org/officeDocument/2006/math">
+                      <m:r>
+                        <a:rPr lang="en-US" sz="3200" b="0" i="1" smtClean="0">
+                          <a:solidFill>
+                            <a:srgbClr val="C00000"/>
+                          </a:solidFill>
+                          <a:latin typeface="Cambria Math" panose="02040503050406030204" pitchFamily="18" charset="0"/>
+                        </a:rPr>
+                        <m:t>𝑇</m:t>
+                      </m:r>
+                    </m:oMath>
+                  </m:oMathPara>
+                </a14:m>
+                <a:endParaRPr lang="en-US" sz="3200" dirty="0"/>
+              </a:p>
+            </p:txBody>
+          </p:sp>
+        </mc:Choice>
+        <mc:Fallback xmlns="">
+          <p:sp>
+            <p:nvSpPr>
+              <p:cNvPr id="17" name="TextBox 16">
+                <a:extLst>
+                  <a:ext uri="{FF2B5EF4-FFF2-40B4-BE49-F238E27FC236}">
+                    <a16:creationId xmlns:a16="http://schemas.microsoft.com/office/drawing/2014/main" id="{E1C72403-6D26-D251-2CBB-66D412AE9175}"/>
+                  </a:ext>
+                </a:extLst>
+              </p:cNvPr>
+              <p:cNvSpPr txBox="1">
+                <a:spLocks noRot="1" noChangeAspect="1" noMove="1" noResize="1" noEditPoints="1" noAdjustHandles="1" noChangeArrowheads="1" noChangeShapeType="1" noTextEdit="1"/>
+              </p:cNvSpPr>
+              <p:nvPr/>
+            </p:nvSpPr>
+            <p:spPr>
+              <a:xfrm>
+                <a:off x="176955" y="4573744"/>
+                <a:ext cx="428608" cy="584775"/>
+              </a:xfrm>
+              <a:prstGeom prst="rect">
+                <a:avLst/>
+              </a:prstGeom>
+              <a:blipFill>
+                <a:blip r:embed="rId9"/>
+                <a:stretch>
+                  <a:fillRect/>
+                </a:stretch>
+              </a:blipFill>
+            </p:spPr>
+            <p:txBody>
+              <a:bodyPr/>
+              <a:lstStyle/>
+              <a:p>
+                <a:r>
+                  <a:rPr lang="en-US">
+                    <a:noFill/>
+                  </a:rPr>
+                  <a:t> </a:t>
+                </a:r>
+              </a:p>
+            </p:txBody>
+          </p:sp>
+        </mc:Fallback>
+      </mc:AlternateContent>
     </p:spTree>
     <p:extLst>
       <p:ext uri="{BB962C8B-B14F-4D97-AF65-F5344CB8AC3E}">
         <p14:creationId xmlns:p14="http://schemas.microsoft.com/office/powerpoint/2010/main" val="4127021007"/>
+      </p:ext>
+    </p:extLst>
+  </p:cSld>
+  <p:clrMapOvr>
+    <a:masterClrMapping/>
+  </p:clrMapOvr>
+</p:sld>
+</file>
+
+<file path=ppt/slides/slide30.xml><?xml version="1.0" encoding="utf-8"?>
+<p:sld xmlns:a="http://schemas.openxmlformats.org/drawingml/2006/main" xmlns:r="http://schemas.openxmlformats.org/officeDocument/2006/relationships" xmlns:p="http://schemas.openxmlformats.org/presentationml/2006/main">
+  <p:cSld>
+    <p:spTree>
+      <p:nvGrpSpPr>
+        <p:cNvPr id="1" name="">
+          <a:extLst>
+            <a:ext uri="{FF2B5EF4-FFF2-40B4-BE49-F238E27FC236}">
+              <a16:creationId xmlns:a16="http://schemas.microsoft.com/office/drawing/2014/main" id="{B5C9BA4E-1F85-FD01-7DB5-AF4236C3ED13}"/>
+            </a:ext>
+          </a:extLst>
+        </p:cNvPr>
+        <p:cNvGrpSpPr/>
+        <p:nvPr/>
+      </p:nvGrpSpPr>
+      <p:grpSpPr>
+        <a:xfrm>
+          <a:off x="0" y="0"/>
+          <a:ext cx="0" cy="0"/>
+          <a:chOff x="0" y="0"/>
+          <a:chExt cx="0" cy="0"/>
+        </a:xfrm>
+      </p:grpSpPr>
+      <p:sp>
+        <p:nvSpPr>
+          <p:cNvPr id="2" name="Title 1">
+            <a:extLst>
+              <a:ext uri="{FF2B5EF4-FFF2-40B4-BE49-F238E27FC236}">
+                <a16:creationId xmlns:a16="http://schemas.microsoft.com/office/drawing/2014/main" id="{193625B3-B4FF-DAEF-CA5A-FADAA96F2A5D}"/>
+              </a:ext>
+            </a:extLst>
+          </p:cNvPr>
+          <p:cNvSpPr>
+            <a:spLocks noGrp="1"/>
+          </p:cNvSpPr>
+          <p:nvPr>
+            <p:ph type="title"/>
+          </p:nvPr>
+        </p:nvSpPr>
+        <p:spPr/>
+        <p:txBody>
+          <a:bodyPr/>
+          <a:lstStyle/>
+          <a:p>
+            <a:r>
+              <a:rPr lang="en-US" dirty="0">
+                <a:solidFill>
+                  <a:srgbClr val="C00000"/>
+                </a:solidFill>
+              </a:rPr>
+              <a:t>Why Interval Regret?</a:t>
+            </a:r>
+          </a:p>
+        </p:txBody>
+      </p:sp>
+      <p:sp>
+        <p:nvSpPr>
+          <p:cNvPr id="4" name="Content Placeholder 2">
+            <a:extLst>
+              <a:ext uri="{FF2B5EF4-FFF2-40B4-BE49-F238E27FC236}">
+                <a16:creationId xmlns:a16="http://schemas.microsoft.com/office/drawing/2014/main" id="{4676BB91-CE84-BFAC-6902-C50D104E4BB1}"/>
+              </a:ext>
+            </a:extLst>
+          </p:cNvPr>
+          <p:cNvSpPr txBox="1">
+            <a:spLocks/>
+          </p:cNvSpPr>
+          <p:nvPr/>
+        </p:nvSpPr>
+        <p:spPr>
+          <a:xfrm>
+            <a:off x="838200" y="1825625"/>
+            <a:ext cx="10515600" cy="4351338"/>
+          </a:xfrm>
+          <a:prstGeom prst="rect">
+            <a:avLst/>
+          </a:prstGeom>
+        </p:spPr>
+        <p:txBody>
+          <a:bodyPr vert="horz" lIns="91440" tIns="45720" rIns="91440" bIns="45720" rtlCol="0">
+            <a:normAutofit/>
+          </a:bodyPr>
+          <a:lstStyle>
+            <a:lvl1pPr marL="228600" indent="-228600" algn="l" defTabSz="914400" rtl="0" eaLnBrk="1" latinLnBrk="0" hangingPunct="1">
+              <a:lnSpc>
+                <a:spcPct val="90000"/>
+              </a:lnSpc>
+              <a:spcBef>
+                <a:spcPts val="1000"/>
+              </a:spcBef>
+              <a:buFont typeface="Arial" panose="020B0604020202020204" pitchFamily="34" charset="0"/>
+              <a:buChar char="•"/>
+              <a:defRPr sz="2800" kern="1200">
+                <a:solidFill>
+                  <a:schemeClr val="tx1"/>
+                </a:solidFill>
+                <a:latin typeface="+mn-lt"/>
+                <a:ea typeface="+mn-ea"/>
+                <a:cs typeface="+mn-cs"/>
+              </a:defRPr>
+            </a:lvl1pPr>
+            <a:lvl2pPr marL="685800" indent="-228600" algn="l" defTabSz="914400" rtl="0" eaLnBrk="1" latinLnBrk="0" hangingPunct="1">
+              <a:lnSpc>
+                <a:spcPct val="90000"/>
+              </a:lnSpc>
+              <a:spcBef>
+                <a:spcPts val="500"/>
+              </a:spcBef>
+              <a:buFont typeface="Arial" panose="020B0604020202020204" pitchFamily="34" charset="0"/>
+              <a:buChar char="•"/>
+              <a:defRPr sz="2400" kern="1200">
+                <a:solidFill>
+                  <a:schemeClr val="tx1"/>
+                </a:solidFill>
+                <a:latin typeface="+mn-lt"/>
+                <a:ea typeface="+mn-ea"/>
+                <a:cs typeface="+mn-cs"/>
+              </a:defRPr>
+            </a:lvl2pPr>
+            <a:lvl3pPr marL="1143000" indent="-228600" algn="l" defTabSz="914400" rtl="0" eaLnBrk="1" latinLnBrk="0" hangingPunct="1">
+              <a:lnSpc>
+                <a:spcPct val="90000"/>
+              </a:lnSpc>
+              <a:spcBef>
+                <a:spcPts val="500"/>
+              </a:spcBef>
+              <a:buFont typeface="Arial" panose="020B0604020202020204" pitchFamily="34" charset="0"/>
+              <a:buChar char="•"/>
+              <a:defRPr sz="2000" kern="1200">
+                <a:solidFill>
+                  <a:schemeClr val="tx1"/>
+                </a:solidFill>
+                <a:latin typeface="+mn-lt"/>
+                <a:ea typeface="+mn-ea"/>
+                <a:cs typeface="+mn-cs"/>
+              </a:defRPr>
+            </a:lvl3pPr>
+            <a:lvl4pPr marL="1600200" indent="-228600" algn="l" defTabSz="914400" rtl="0" eaLnBrk="1" latinLnBrk="0" hangingPunct="1">
+              <a:lnSpc>
+                <a:spcPct val="90000"/>
+              </a:lnSpc>
+              <a:spcBef>
+                <a:spcPts val="500"/>
+              </a:spcBef>
+              <a:buFont typeface="Arial" panose="020B0604020202020204" pitchFamily="34" charset="0"/>
+              <a:buChar char="•"/>
+              <a:defRPr sz="1800" kern="1200">
+                <a:solidFill>
+                  <a:schemeClr val="tx1"/>
+                </a:solidFill>
+                <a:latin typeface="+mn-lt"/>
+                <a:ea typeface="+mn-ea"/>
+                <a:cs typeface="+mn-cs"/>
+              </a:defRPr>
+            </a:lvl4pPr>
+            <a:lvl5pPr marL="2057400" indent="-228600" algn="l" defTabSz="914400" rtl="0" eaLnBrk="1" latinLnBrk="0" hangingPunct="1">
+              <a:lnSpc>
+                <a:spcPct val="90000"/>
+              </a:lnSpc>
+              <a:spcBef>
+                <a:spcPts val="500"/>
+              </a:spcBef>
+              <a:buFont typeface="Arial" panose="020B0604020202020204" pitchFamily="34" charset="0"/>
+              <a:buChar char="•"/>
+              <a:defRPr sz="1800" kern="1200">
+                <a:solidFill>
+                  <a:schemeClr val="tx1"/>
+                </a:solidFill>
+                <a:latin typeface="+mn-lt"/>
+                <a:ea typeface="+mn-ea"/>
+                <a:cs typeface="+mn-cs"/>
+              </a:defRPr>
+            </a:lvl5pPr>
+            <a:lvl6pPr marL="2514600" indent="-228600" algn="l" defTabSz="914400" rtl="0" eaLnBrk="1" latinLnBrk="0" hangingPunct="1">
+              <a:lnSpc>
+                <a:spcPct val="90000"/>
+              </a:lnSpc>
+              <a:spcBef>
+                <a:spcPts val="500"/>
+              </a:spcBef>
+              <a:buFont typeface="Arial" panose="020B0604020202020204" pitchFamily="34" charset="0"/>
+              <a:buChar char="•"/>
+              <a:defRPr sz="1800" kern="1200">
+                <a:solidFill>
+                  <a:schemeClr val="tx1"/>
+                </a:solidFill>
+                <a:latin typeface="+mn-lt"/>
+                <a:ea typeface="+mn-ea"/>
+                <a:cs typeface="+mn-cs"/>
+              </a:defRPr>
+            </a:lvl6pPr>
+            <a:lvl7pPr marL="2971800" indent="-228600" algn="l" defTabSz="914400" rtl="0" eaLnBrk="1" latinLnBrk="0" hangingPunct="1">
+              <a:lnSpc>
+                <a:spcPct val="90000"/>
+              </a:lnSpc>
+              <a:spcBef>
+                <a:spcPts val="500"/>
+              </a:spcBef>
+              <a:buFont typeface="Arial" panose="020B0604020202020204" pitchFamily="34" charset="0"/>
+              <a:buChar char="•"/>
+              <a:defRPr sz="1800" kern="1200">
+                <a:solidFill>
+                  <a:schemeClr val="tx1"/>
+                </a:solidFill>
+                <a:latin typeface="+mn-lt"/>
+                <a:ea typeface="+mn-ea"/>
+                <a:cs typeface="+mn-cs"/>
+              </a:defRPr>
+            </a:lvl7pPr>
+            <a:lvl8pPr marL="3429000" indent="-228600" algn="l" defTabSz="914400" rtl="0" eaLnBrk="1" latinLnBrk="0" hangingPunct="1">
+              <a:lnSpc>
+                <a:spcPct val="90000"/>
+              </a:lnSpc>
+              <a:spcBef>
+                <a:spcPts val="500"/>
+              </a:spcBef>
+              <a:buFont typeface="Arial" panose="020B0604020202020204" pitchFamily="34" charset="0"/>
+              <a:buChar char="•"/>
+              <a:defRPr sz="1800" kern="1200">
+                <a:solidFill>
+                  <a:schemeClr val="tx1"/>
+                </a:solidFill>
+                <a:latin typeface="+mn-lt"/>
+                <a:ea typeface="+mn-ea"/>
+                <a:cs typeface="+mn-cs"/>
+              </a:defRPr>
+            </a:lvl8pPr>
+            <a:lvl9pPr marL="3886200" indent="-228600" algn="l" defTabSz="914400" rtl="0" eaLnBrk="1" latinLnBrk="0" hangingPunct="1">
+              <a:lnSpc>
+                <a:spcPct val="90000"/>
+              </a:lnSpc>
+              <a:spcBef>
+                <a:spcPts val="500"/>
+              </a:spcBef>
+              <a:buFont typeface="Arial" panose="020B0604020202020204" pitchFamily="34" charset="0"/>
+              <a:buChar char="•"/>
+              <a:defRPr sz="1800" kern="1200">
+                <a:solidFill>
+                  <a:schemeClr val="tx1"/>
+                </a:solidFill>
+                <a:latin typeface="+mn-lt"/>
+                <a:ea typeface="+mn-ea"/>
+                <a:cs typeface="+mn-cs"/>
+              </a:defRPr>
+            </a:lvl9pPr>
+          </a:lstStyle>
+          <a:p>
+            <a:pPr>
+              <a:buClr>
+                <a:schemeClr val="tx1"/>
+              </a:buClr>
+            </a:pPr>
+            <a:r>
+              <a:rPr lang="en-US" sz="3000" dirty="0"/>
+              <a:t>Strong adaptability</a:t>
+            </a:r>
+          </a:p>
+          <a:p>
+            <a:pPr>
+              <a:buClr>
+                <a:schemeClr val="tx1"/>
+              </a:buClr>
+            </a:pPr>
+            <a:endParaRPr lang="en-US" sz="3000" dirty="0"/>
+          </a:p>
+          <a:p>
+            <a:pPr>
+              <a:buClr>
+                <a:schemeClr val="tx1"/>
+              </a:buClr>
+            </a:pPr>
+            <a:r>
+              <a:rPr lang="en-US" sz="3000" dirty="0"/>
+              <a:t>Handles non-stationarity</a:t>
+            </a:r>
+          </a:p>
+          <a:p>
+            <a:pPr>
+              <a:buClr>
+                <a:schemeClr val="tx1"/>
+              </a:buClr>
+            </a:pPr>
+            <a:endParaRPr lang="en-US" sz="3000" dirty="0"/>
+          </a:p>
+          <a:p>
+            <a:pPr>
+              <a:buClr>
+                <a:schemeClr val="tx1"/>
+              </a:buClr>
+            </a:pPr>
+            <a:r>
+              <a:rPr lang="en-US" sz="3000" dirty="0"/>
+              <a:t>Implies sliding window bounds</a:t>
+            </a:r>
+          </a:p>
+        </p:txBody>
+      </p:sp>
+    </p:spTree>
+    <p:extLst>
+      <p:ext uri="{BB962C8B-B14F-4D97-AF65-F5344CB8AC3E}">
+        <p14:creationId xmlns:p14="http://schemas.microsoft.com/office/powerpoint/2010/main" val="1016952316"/>
       </p:ext>
     </p:extLst>
   </p:cSld>
@@ -17322,40 +18653,6 @@
           </a:p>
         </p:txBody>
       </p:sp>
-      <p:pic>
-        <p:nvPicPr>
-          <p:cNvPr id="86" name="Google Shape;86;p14">
-            <a:extLst>
-              <a:ext uri="{FF2B5EF4-FFF2-40B4-BE49-F238E27FC236}">
-                <a16:creationId xmlns:a16="http://schemas.microsoft.com/office/drawing/2014/main" id="{4745F7C0-9616-9334-1D81-F77A5CED1CFB}"/>
-              </a:ext>
-            </a:extLst>
-          </p:cNvPr>
-          <p:cNvPicPr preferRelativeResize="0"/>
-          <p:nvPr/>
-        </p:nvPicPr>
-        <p:blipFill>
-          <a:blip r:embed="rId4">
-            <a:alphaModFix/>
-          </a:blip>
-          <a:stretch>
-            <a:fillRect/>
-          </a:stretch>
-        </p:blipFill>
-        <p:spPr>
-          <a:xfrm>
-            <a:off x="10059209" y="5574099"/>
-            <a:ext cx="621325" cy="637457"/>
-          </a:xfrm>
-          <a:prstGeom prst="rect">
-            <a:avLst/>
-          </a:prstGeom>
-          <a:noFill/>
-          <a:ln>
-            <a:noFill/>
-          </a:ln>
-        </p:spPr>
-      </p:pic>
       <p:sp>
         <p:nvSpPr>
           <p:cNvPr id="96" name="Google Shape;96;p14">
@@ -17549,7 +18846,7 @@
                   <a:srgbClr val="C00000"/>
                 </a:solidFill>
               </a:rPr>
-              <a:t>Prediction with Expert Advice</a:t>
+              <a:t>Online Learning with Experts</a:t>
             </a:r>
           </a:p>
         </p:txBody>
@@ -18322,6 +19619,198 @@
           </a:ln>
         </p:spPr>
       </p:pic>
+      <p:sp>
+        <p:nvSpPr>
+          <p:cNvPr id="5" name="Google Shape;95;p14">
+            <a:extLst>
+              <a:ext uri="{FF2B5EF4-FFF2-40B4-BE49-F238E27FC236}">
+                <a16:creationId xmlns:a16="http://schemas.microsoft.com/office/drawing/2014/main" id="{70FBC497-80C9-674B-F276-488C7822C1E5}"/>
+              </a:ext>
+            </a:extLst>
+          </p:cNvPr>
+          <p:cNvSpPr txBox="1"/>
+          <p:nvPr/>
+        </p:nvSpPr>
+        <p:spPr>
+          <a:xfrm>
+            <a:off x="9854767" y="5587896"/>
+            <a:ext cx="1034700" cy="646300"/>
+          </a:xfrm>
+          <a:prstGeom prst="rect">
+            <a:avLst/>
+          </a:prstGeom>
+          <a:noFill/>
+          <a:ln>
+            <a:noFill/>
+          </a:ln>
+        </p:spPr>
+        <p:txBody>
+          <a:bodyPr spcFirstLastPara="1" wrap="square" lIns="91425" tIns="91425" rIns="91425" bIns="91425" anchor="t" anchorCtr="0">
+            <a:spAutoFit/>
+          </a:bodyPr>
+          <a:lstStyle/>
+          <a:p>
+            <a:pPr algn="ctr"/>
+            <a:r>
+              <a:rPr lang="en" sz="3000" b="1" dirty="0">
+                <a:solidFill>
+                  <a:srgbClr val="598E00"/>
+                </a:solidFill>
+              </a:rPr>
+              <a:t>?</a:t>
+            </a:r>
+            <a:endParaRPr sz="3000" b="1" dirty="0">
+              <a:solidFill>
+                <a:srgbClr val="598E00"/>
+              </a:solidFill>
+            </a:endParaRPr>
+          </a:p>
+        </p:txBody>
+      </p:sp>
+      <p:sp>
+        <p:nvSpPr>
+          <p:cNvPr id="8" name="Left Brace 7">
+            <a:extLst>
+              <a:ext uri="{FF2B5EF4-FFF2-40B4-BE49-F238E27FC236}">
+                <a16:creationId xmlns:a16="http://schemas.microsoft.com/office/drawing/2014/main" id="{B780F00B-A7D9-A442-BFB0-A1A03111D3E6}"/>
+              </a:ext>
+            </a:extLst>
+          </p:cNvPr>
+          <p:cNvSpPr/>
+          <p:nvPr/>
+        </p:nvSpPr>
+        <p:spPr>
+          <a:xfrm>
+            <a:off x="590213" y="3523854"/>
+            <a:ext cx="497467" cy="2611225"/>
+          </a:xfrm>
+          <a:prstGeom prst="leftBrace">
+            <a:avLst/>
+          </a:prstGeom>
+          <a:ln w="38100"/>
+        </p:spPr>
+        <p:style>
+          <a:lnRef idx="1">
+            <a:schemeClr val="accent1"/>
+          </a:lnRef>
+          <a:fillRef idx="0">
+            <a:schemeClr val="accent1"/>
+          </a:fillRef>
+          <a:effectRef idx="0">
+            <a:schemeClr val="accent1"/>
+          </a:effectRef>
+          <a:fontRef idx="minor">
+            <a:schemeClr val="tx1"/>
+          </a:fontRef>
+        </p:style>
+        <p:txBody>
+          <a:bodyPr rtlCol="0" anchor="ctr"/>
+          <a:lstStyle/>
+          <a:p>
+            <a:pPr algn="ctr"/>
+            <a:endParaRPr lang="en-US"/>
+          </a:p>
+        </p:txBody>
+      </p:sp>
+      <mc:AlternateContent xmlns:mc="http://schemas.openxmlformats.org/markup-compatibility/2006" xmlns:a14="http://schemas.microsoft.com/office/drawing/2010/main">
+        <mc:Choice Requires="a14">
+          <p:sp>
+            <p:nvSpPr>
+              <p:cNvPr id="13" name="TextBox 12">
+                <a:extLst>
+                  <a:ext uri="{FF2B5EF4-FFF2-40B4-BE49-F238E27FC236}">
+                    <a16:creationId xmlns:a16="http://schemas.microsoft.com/office/drawing/2014/main" id="{87750390-D8E4-FBCF-1A86-7F8A6CB8F689}"/>
+                  </a:ext>
+                </a:extLst>
+              </p:cNvPr>
+              <p:cNvSpPr txBox="1"/>
+              <p:nvPr/>
+            </p:nvSpPr>
+            <p:spPr>
+              <a:xfrm>
+                <a:off x="176955" y="4573744"/>
+                <a:ext cx="428608" cy="584775"/>
+              </a:xfrm>
+              <a:prstGeom prst="rect">
+                <a:avLst/>
+              </a:prstGeom>
+              <a:noFill/>
+            </p:spPr>
+            <p:txBody>
+              <a:bodyPr wrap="square">
+                <a:spAutoFit/>
+              </a:bodyPr>
+              <a:lstStyle/>
+              <a:p>
+                <a:pPr/>
+                <a14:m>
+                  <m:oMathPara xmlns:m="http://schemas.openxmlformats.org/officeDocument/2006/math">
+                    <m:oMathParaPr>
+                      <m:jc m:val="centerGroup"/>
+                    </m:oMathParaPr>
+                    <m:oMath xmlns:m="http://schemas.openxmlformats.org/officeDocument/2006/math">
+                      <m:r>
+                        <a:rPr lang="en-US" sz="3200" b="0" i="1" smtClean="0">
+                          <a:solidFill>
+                            <a:srgbClr val="C00000"/>
+                          </a:solidFill>
+                          <a:latin typeface="Cambria Math" panose="02040503050406030204" pitchFamily="18" charset="0"/>
+                        </a:rPr>
+                        <m:t>𝑇</m:t>
+                      </m:r>
+                    </m:oMath>
+                  </m:oMathPara>
+                </a14:m>
+                <a:endParaRPr lang="en-US" sz="3200" dirty="0"/>
+              </a:p>
+            </p:txBody>
+          </p:sp>
+        </mc:Choice>
+        <mc:Fallback xmlns="">
+          <p:sp>
+            <p:nvSpPr>
+              <p:cNvPr id="13" name="TextBox 12">
+                <a:extLst>
+                  <a:ext uri="{FF2B5EF4-FFF2-40B4-BE49-F238E27FC236}">
+                    <a16:creationId xmlns:a16="http://schemas.microsoft.com/office/drawing/2014/main" id="{87750390-D8E4-FBCF-1A86-7F8A6CB8F689}"/>
+                  </a:ext>
+                </a:extLst>
+              </p:cNvPr>
+              <p:cNvSpPr txBox="1">
+                <a:spLocks noRot="1" noChangeAspect="1" noMove="1" noResize="1" noEditPoints="1" noAdjustHandles="1" noChangeArrowheads="1" noChangeShapeType="1" noTextEdit="1"/>
+              </p:cNvSpPr>
+              <p:nvPr/>
+            </p:nvSpPr>
+            <p:spPr>
+              <a:xfrm>
+                <a:off x="176955" y="4573744"/>
+                <a:ext cx="428608" cy="584775"/>
+              </a:xfrm>
+              <a:prstGeom prst="rect">
+                <a:avLst/>
+              </a:prstGeom>
+              <a:blipFill>
+                <a:blip r:embed="rId10"/>
+                <a:stretch>
+                  <a:fillRect/>
+                </a:stretch>
+              </a:blipFill>
+            </p:spPr>
+            <p:txBody>
+              <a:bodyPr/>
+              <a:lstStyle/>
+              <a:p>
+                <a:r>
+                  <a:rPr lang="en-US">
+                    <a:noFill/>
+                  </a:rPr>
+                  <a:t> </a:t>
+                </a:r>
+              </a:p>
+            </p:txBody>
+          </p:sp>
+        </mc:Fallback>
+      </mc:AlternateContent>
     </p:spTree>
     <p:extLst>
       <p:ext uri="{BB962C8B-B14F-4D97-AF65-F5344CB8AC3E}">
@@ -18906,7 +20395,7 @@
                   <a:srgbClr val="C00000"/>
                 </a:solidFill>
               </a:rPr>
-              <a:t>Prediction with Expert Advice</a:t>
+              <a:t>Online Learning with Experts</a:t>
             </a:r>
           </a:p>
         </p:txBody>
@@ -19687,6 +21176,150 @@
           </a:ln>
         </p:spPr>
       </p:pic>
+      <p:sp>
+        <p:nvSpPr>
+          <p:cNvPr id="6" name="Left Brace 5">
+            <a:extLst>
+              <a:ext uri="{FF2B5EF4-FFF2-40B4-BE49-F238E27FC236}">
+                <a16:creationId xmlns:a16="http://schemas.microsoft.com/office/drawing/2014/main" id="{CFCF0071-F1B3-B026-0B0E-51CBD4997FE0}"/>
+              </a:ext>
+            </a:extLst>
+          </p:cNvPr>
+          <p:cNvSpPr/>
+          <p:nvPr/>
+        </p:nvSpPr>
+        <p:spPr>
+          <a:xfrm>
+            <a:off x="590213" y="3523854"/>
+            <a:ext cx="497467" cy="2611225"/>
+          </a:xfrm>
+          <a:prstGeom prst="leftBrace">
+            <a:avLst/>
+          </a:prstGeom>
+          <a:ln w="38100"/>
+        </p:spPr>
+        <p:style>
+          <a:lnRef idx="1">
+            <a:schemeClr val="accent1"/>
+          </a:lnRef>
+          <a:fillRef idx="0">
+            <a:schemeClr val="accent1"/>
+          </a:fillRef>
+          <a:effectRef idx="0">
+            <a:schemeClr val="accent1"/>
+          </a:effectRef>
+          <a:fontRef idx="minor">
+            <a:schemeClr val="tx1"/>
+          </a:fontRef>
+        </p:style>
+        <p:txBody>
+          <a:bodyPr rtlCol="0" anchor="ctr"/>
+          <a:lstStyle/>
+          <a:p>
+            <a:pPr algn="ctr"/>
+            <a:endParaRPr lang="en-US"/>
+          </a:p>
+        </p:txBody>
+      </p:sp>
+      <mc:AlternateContent xmlns:mc="http://schemas.openxmlformats.org/markup-compatibility/2006" xmlns:a14="http://schemas.microsoft.com/office/drawing/2010/main">
+        <mc:Choice Requires="a14">
+          <p:sp>
+            <p:nvSpPr>
+              <p:cNvPr id="15" name="TextBox 14">
+                <a:extLst>
+                  <a:ext uri="{FF2B5EF4-FFF2-40B4-BE49-F238E27FC236}">
+                    <a16:creationId xmlns:a16="http://schemas.microsoft.com/office/drawing/2014/main" id="{37B06B6C-7776-928B-0FAF-8381B48659D0}"/>
+                  </a:ext>
+                </a:extLst>
+              </p:cNvPr>
+              <p:cNvSpPr txBox="1"/>
+              <p:nvPr/>
+            </p:nvSpPr>
+            <p:spPr>
+              <a:xfrm>
+                <a:off x="176955" y="4573744"/>
+                <a:ext cx="428608" cy="584775"/>
+              </a:xfrm>
+              <a:prstGeom prst="rect">
+                <a:avLst/>
+              </a:prstGeom>
+              <a:noFill/>
+            </p:spPr>
+            <p:txBody>
+              <a:bodyPr wrap="square">
+                <a:spAutoFit/>
+              </a:bodyPr>
+              <a:lstStyle/>
+              <a:p>
+                <a:pPr/>
+                <a14:m>
+                  <m:oMathPara xmlns:m="http://schemas.openxmlformats.org/officeDocument/2006/math">
+                    <m:oMathParaPr>
+                      <m:jc m:val="centerGroup"/>
+                    </m:oMathParaPr>
+                    <m:oMath xmlns:m="http://schemas.openxmlformats.org/officeDocument/2006/math">
+                      <m:r>
+                        <a:rPr lang="en-US" sz="3200" b="0" i="1" smtClean="0">
+                          <a:solidFill>
+                            <a:srgbClr val="C00000"/>
+                          </a:solidFill>
+                          <a:latin typeface="Cambria Math" panose="02040503050406030204" pitchFamily="18" charset="0"/>
+                        </a:rPr>
+                        <m:t>𝑇</m:t>
+                      </m:r>
+                    </m:oMath>
+                  </m:oMathPara>
+                </a14:m>
+                <a:endParaRPr lang="en-US" sz="3200" dirty="0"/>
+              </a:p>
+            </p:txBody>
+          </p:sp>
+        </mc:Choice>
+        <mc:Fallback xmlns="">
+          <p:sp>
+            <p:nvSpPr>
+              <p:cNvPr id="15" name="TextBox 14">
+                <a:extLst>
+                  <a:ext uri="{FF2B5EF4-FFF2-40B4-BE49-F238E27FC236}">
+                    <a16:creationId xmlns:a16="http://schemas.microsoft.com/office/drawing/2014/main" id="{37B06B6C-7776-928B-0FAF-8381B48659D0}"/>
+                  </a:ext>
+                </a:extLst>
+              </p:cNvPr>
+              <p:cNvSpPr txBox="1">
+                <a:spLocks noRot="1" noChangeAspect="1" noMove="1" noResize="1" noEditPoints="1" noAdjustHandles="1" noChangeArrowheads="1" noChangeShapeType="1" noTextEdit="1"/>
+              </p:cNvSpPr>
+              <p:nvPr/>
+            </p:nvSpPr>
+            <p:spPr>
+              <a:xfrm>
+                <a:off x="176955" y="4573744"/>
+                <a:ext cx="428608" cy="584775"/>
+              </a:xfrm>
+              <a:prstGeom prst="rect">
+                <a:avLst/>
+              </a:prstGeom>
+              <a:blipFill>
+                <a:blip r:embed="rId10"/>
+                <a:stretch>
+                  <a:fillRect/>
+                </a:stretch>
+              </a:blipFill>
+            </p:spPr>
+            <p:txBody>
+              <a:bodyPr/>
+              <a:lstStyle/>
+              <a:p>
+                <a:r>
+                  <a:rPr lang="en-US">
+                    <a:noFill/>
+                  </a:rPr>
+                  <a:t> </a:t>
+                </a:r>
+              </a:p>
+            </p:txBody>
+          </p:sp>
+        </mc:Fallback>
+      </mc:AlternateContent>
     </p:spTree>
     <p:extLst>
       <p:ext uri="{BB962C8B-B14F-4D97-AF65-F5344CB8AC3E}">
@@ -20271,7 +21904,7 @@
                   <a:srgbClr val="C00000"/>
                 </a:solidFill>
               </a:rPr>
-              <a:t>Prediction with Expert Advice</a:t>
+              <a:t>Online Learning with Experts</a:t>
             </a:r>
           </a:p>
         </p:txBody>
@@ -21106,10 +22739,10 @@
       </p:pic>
       <p:sp>
         <p:nvSpPr>
-          <p:cNvPr id="17" name="TextBox 16">
-            <a:extLst>
-              <a:ext uri="{FF2B5EF4-FFF2-40B4-BE49-F238E27FC236}">
-                <a16:creationId xmlns:a16="http://schemas.microsoft.com/office/drawing/2014/main" id="{3A6126DF-93B3-E58A-34C0-1674FDC75356}"/>
+          <p:cNvPr id="5" name="TextBox 4">
+            <a:extLst>
+              <a:ext uri="{FF2B5EF4-FFF2-40B4-BE49-F238E27FC236}">
+                <a16:creationId xmlns:a16="http://schemas.microsoft.com/office/drawing/2014/main" id="{22141FCE-3073-9A11-4485-AEF02A9E6C8D}"/>
               </a:ext>
             </a:extLst>
           </p:cNvPr>
@@ -21119,7 +22752,7 @@
         <p:spPr>
           <a:xfrm>
             <a:off x="8600387" y="6255822"/>
-            <a:ext cx="1771254" cy="584775"/>
+            <a:ext cx="1572162" cy="523220"/>
           </a:xfrm>
           <a:prstGeom prst="rect">
             <a:avLst/>
@@ -21133,7 +22766,7 @@
           <a:lstStyle/>
           <a:p>
             <a:r>
-              <a:rPr lang="en-US" sz="3200" dirty="0">
+              <a:rPr lang="en-US" sz="2800" dirty="0">
                 <a:solidFill>
                   <a:srgbClr val="FF0000"/>
                 </a:solidFill>
@@ -21143,6 +22776,150 @@
           </a:p>
         </p:txBody>
       </p:sp>
+      <p:sp>
+        <p:nvSpPr>
+          <p:cNvPr id="20" name="Left Brace 19">
+            <a:extLst>
+              <a:ext uri="{FF2B5EF4-FFF2-40B4-BE49-F238E27FC236}">
+                <a16:creationId xmlns:a16="http://schemas.microsoft.com/office/drawing/2014/main" id="{D677528A-6FFA-B3E6-227D-174D8758BB56}"/>
+              </a:ext>
+            </a:extLst>
+          </p:cNvPr>
+          <p:cNvSpPr/>
+          <p:nvPr/>
+        </p:nvSpPr>
+        <p:spPr>
+          <a:xfrm>
+            <a:off x="590213" y="3523854"/>
+            <a:ext cx="497467" cy="2611225"/>
+          </a:xfrm>
+          <a:prstGeom prst="leftBrace">
+            <a:avLst/>
+          </a:prstGeom>
+          <a:ln w="38100"/>
+        </p:spPr>
+        <p:style>
+          <a:lnRef idx="1">
+            <a:schemeClr val="accent1"/>
+          </a:lnRef>
+          <a:fillRef idx="0">
+            <a:schemeClr val="accent1"/>
+          </a:fillRef>
+          <a:effectRef idx="0">
+            <a:schemeClr val="accent1"/>
+          </a:effectRef>
+          <a:fontRef idx="minor">
+            <a:schemeClr val="tx1"/>
+          </a:fontRef>
+        </p:style>
+        <p:txBody>
+          <a:bodyPr rtlCol="0" anchor="ctr"/>
+          <a:lstStyle/>
+          <a:p>
+            <a:pPr algn="ctr"/>
+            <a:endParaRPr lang="en-US"/>
+          </a:p>
+        </p:txBody>
+      </p:sp>
+      <mc:AlternateContent xmlns:mc="http://schemas.openxmlformats.org/markup-compatibility/2006" xmlns:a14="http://schemas.microsoft.com/office/drawing/2010/main">
+        <mc:Choice Requires="a14">
+          <p:sp>
+            <p:nvSpPr>
+              <p:cNvPr id="21" name="TextBox 20">
+                <a:extLst>
+                  <a:ext uri="{FF2B5EF4-FFF2-40B4-BE49-F238E27FC236}">
+                    <a16:creationId xmlns:a16="http://schemas.microsoft.com/office/drawing/2014/main" id="{6CEAF508-F72D-8494-A537-FAB9A9FA3DB9}"/>
+                  </a:ext>
+                </a:extLst>
+              </p:cNvPr>
+              <p:cNvSpPr txBox="1"/>
+              <p:nvPr/>
+            </p:nvSpPr>
+            <p:spPr>
+              <a:xfrm>
+                <a:off x="176955" y="4573744"/>
+                <a:ext cx="428608" cy="584775"/>
+              </a:xfrm>
+              <a:prstGeom prst="rect">
+                <a:avLst/>
+              </a:prstGeom>
+              <a:noFill/>
+            </p:spPr>
+            <p:txBody>
+              <a:bodyPr wrap="square">
+                <a:spAutoFit/>
+              </a:bodyPr>
+              <a:lstStyle/>
+              <a:p>
+                <a:pPr/>
+                <a14:m>
+                  <m:oMathPara xmlns:m="http://schemas.openxmlformats.org/officeDocument/2006/math">
+                    <m:oMathParaPr>
+                      <m:jc m:val="centerGroup"/>
+                    </m:oMathParaPr>
+                    <m:oMath xmlns:m="http://schemas.openxmlformats.org/officeDocument/2006/math">
+                      <m:r>
+                        <a:rPr lang="en-US" sz="3200" b="0" i="1" smtClean="0">
+                          <a:solidFill>
+                            <a:srgbClr val="C00000"/>
+                          </a:solidFill>
+                          <a:latin typeface="Cambria Math" panose="02040503050406030204" pitchFamily="18" charset="0"/>
+                        </a:rPr>
+                        <m:t>𝑇</m:t>
+                      </m:r>
+                    </m:oMath>
+                  </m:oMathPara>
+                </a14:m>
+                <a:endParaRPr lang="en-US" sz="3200" dirty="0"/>
+              </a:p>
+            </p:txBody>
+          </p:sp>
+        </mc:Choice>
+        <mc:Fallback xmlns="">
+          <p:sp>
+            <p:nvSpPr>
+              <p:cNvPr id="21" name="TextBox 20">
+                <a:extLst>
+                  <a:ext uri="{FF2B5EF4-FFF2-40B4-BE49-F238E27FC236}">
+                    <a16:creationId xmlns:a16="http://schemas.microsoft.com/office/drawing/2014/main" id="{6CEAF508-F72D-8494-A537-FAB9A9FA3DB9}"/>
+                  </a:ext>
+                </a:extLst>
+              </p:cNvPr>
+              <p:cNvSpPr txBox="1">
+                <a:spLocks noRot="1" noChangeAspect="1" noMove="1" noResize="1" noEditPoints="1" noAdjustHandles="1" noChangeArrowheads="1" noChangeShapeType="1" noTextEdit="1"/>
+              </p:cNvSpPr>
+              <p:nvPr/>
+            </p:nvSpPr>
+            <p:spPr>
+              <a:xfrm>
+                <a:off x="176955" y="4573744"/>
+                <a:ext cx="428608" cy="584775"/>
+              </a:xfrm>
+              <a:prstGeom prst="rect">
+                <a:avLst/>
+              </a:prstGeom>
+              <a:blipFill>
+                <a:blip r:embed="rId10"/>
+                <a:stretch>
+                  <a:fillRect/>
+                </a:stretch>
+              </a:blipFill>
+            </p:spPr>
+            <p:txBody>
+              <a:bodyPr/>
+              <a:lstStyle/>
+              <a:p>
+                <a:r>
+                  <a:rPr lang="en-US">
+                    <a:noFill/>
+                  </a:rPr>
+                  <a:t> </a:t>
+                </a:r>
+              </a:p>
+            </p:txBody>
+          </p:sp>
+        </mc:Fallback>
+      </mc:AlternateContent>
     </p:spTree>
     <p:extLst>
       <p:ext uri="{BB962C8B-B14F-4D97-AF65-F5344CB8AC3E}">
@@ -22101,7 +23878,7 @@
                   <a:srgbClr val="C00000"/>
                 </a:solidFill>
               </a:rPr>
-              <a:t>Prediction with Expert Advice</a:t>
+              <a:t>Online Learning with Experts</a:t>
             </a:r>
           </a:p>
         </p:txBody>
@@ -22937,6 +24714,150 @@
           </a:p>
         </p:txBody>
       </p:sp>
+      <p:sp>
+        <p:nvSpPr>
+          <p:cNvPr id="6" name="Left Brace 5">
+            <a:extLst>
+              <a:ext uri="{FF2B5EF4-FFF2-40B4-BE49-F238E27FC236}">
+                <a16:creationId xmlns:a16="http://schemas.microsoft.com/office/drawing/2014/main" id="{954BAF89-34D9-9F89-51EC-1D873C7F08C6}"/>
+              </a:ext>
+            </a:extLst>
+          </p:cNvPr>
+          <p:cNvSpPr/>
+          <p:nvPr/>
+        </p:nvSpPr>
+        <p:spPr>
+          <a:xfrm>
+            <a:off x="590213" y="3523854"/>
+            <a:ext cx="497467" cy="2611225"/>
+          </a:xfrm>
+          <a:prstGeom prst="leftBrace">
+            <a:avLst/>
+          </a:prstGeom>
+          <a:ln w="38100"/>
+        </p:spPr>
+        <p:style>
+          <a:lnRef idx="1">
+            <a:schemeClr val="accent1"/>
+          </a:lnRef>
+          <a:fillRef idx="0">
+            <a:schemeClr val="accent1"/>
+          </a:fillRef>
+          <a:effectRef idx="0">
+            <a:schemeClr val="accent1"/>
+          </a:effectRef>
+          <a:fontRef idx="minor">
+            <a:schemeClr val="tx1"/>
+          </a:fontRef>
+        </p:style>
+        <p:txBody>
+          <a:bodyPr rtlCol="0" anchor="ctr"/>
+          <a:lstStyle/>
+          <a:p>
+            <a:pPr algn="ctr"/>
+            <a:endParaRPr lang="en-US"/>
+          </a:p>
+        </p:txBody>
+      </p:sp>
+      <mc:AlternateContent xmlns:mc="http://schemas.openxmlformats.org/markup-compatibility/2006" xmlns:a14="http://schemas.microsoft.com/office/drawing/2010/main">
+        <mc:Choice Requires="a14">
+          <p:sp>
+            <p:nvSpPr>
+              <p:cNvPr id="7" name="TextBox 6">
+                <a:extLst>
+                  <a:ext uri="{FF2B5EF4-FFF2-40B4-BE49-F238E27FC236}">
+                    <a16:creationId xmlns:a16="http://schemas.microsoft.com/office/drawing/2014/main" id="{0F6D7C13-6184-8DDF-AE88-8CDBFC61E8ED}"/>
+                  </a:ext>
+                </a:extLst>
+              </p:cNvPr>
+              <p:cNvSpPr txBox="1"/>
+              <p:nvPr/>
+            </p:nvSpPr>
+            <p:spPr>
+              <a:xfrm>
+                <a:off x="176955" y="4573744"/>
+                <a:ext cx="428608" cy="584775"/>
+              </a:xfrm>
+              <a:prstGeom prst="rect">
+                <a:avLst/>
+              </a:prstGeom>
+              <a:noFill/>
+            </p:spPr>
+            <p:txBody>
+              <a:bodyPr wrap="square">
+                <a:spAutoFit/>
+              </a:bodyPr>
+              <a:lstStyle/>
+              <a:p>
+                <a:pPr/>
+                <a14:m>
+                  <m:oMathPara xmlns:m="http://schemas.openxmlformats.org/officeDocument/2006/math">
+                    <m:oMathParaPr>
+                      <m:jc m:val="centerGroup"/>
+                    </m:oMathParaPr>
+                    <m:oMath xmlns:m="http://schemas.openxmlformats.org/officeDocument/2006/math">
+                      <m:r>
+                        <a:rPr lang="en-US" sz="3200" b="0" i="1" smtClean="0">
+                          <a:solidFill>
+                            <a:srgbClr val="C00000"/>
+                          </a:solidFill>
+                          <a:latin typeface="Cambria Math" panose="02040503050406030204" pitchFamily="18" charset="0"/>
+                        </a:rPr>
+                        <m:t>𝑇</m:t>
+                      </m:r>
+                    </m:oMath>
+                  </m:oMathPara>
+                </a14:m>
+                <a:endParaRPr lang="en-US" sz="3200" dirty="0"/>
+              </a:p>
+            </p:txBody>
+          </p:sp>
+        </mc:Choice>
+        <mc:Fallback xmlns="">
+          <p:sp>
+            <p:nvSpPr>
+              <p:cNvPr id="7" name="TextBox 6">
+                <a:extLst>
+                  <a:ext uri="{FF2B5EF4-FFF2-40B4-BE49-F238E27FC236}">
+                    <a16:creationId xmlns:a16="http://schemas.microsoft.com/office/drawing/2014/main" id="{0F6D7C13-6184-8DDF-AE88-8CDBFC61E8ED}"/>
+                  </a:ext>
+                </a:extLst>
+              </p:cNvPr>
+              <p:cNvSpPr txBox="1">
+                <a:spLocks noRot="1" noChangeAspect="1" noMove="1" noResize="1" noEditPoints="1" noAdjustHandles="1" noChangeArrowheads="1" noChangeShapeType="1" noTextEdit="1"/>
+              </p:cNvSpPr>
+              <p:nvPr/>
+            </p:nvSpPr>
+            <p:spPr>
+              <a:xfrm>
+                <a:off x="176955" y="4573744"/>
+                <a:ext cx="428608" cy="584775"/>
+              </a:xfrm>
+              <a:prstGeom prst="rect">
+                <a:avLst/>
+              </a:prstGeom>
+              <a:blipFill>
+                <a:blip r:embed="rId9"/>
+                <a:stretch>
+                  <a:fillRect/>
+                </a:stretch>
+              </a:blipFill>
+            </p:spPr>
+            <p:txBody>
+              <a:bodyPr/>
+              <a:lstStyle/>
+              <a:p>
+                <a:r>
+                  <a:rPr lang="en-US">
+                    <a:noFill/>
+                  </a:rPr>
+                  <a:t> </a:t>
+                </a:r>
+              </a:p>
+            </p:txBody>
+          </p:sp>
+        </mc:Fallback>
+      </mc:AlternateContent>
     </p:spTree>
     <p:extLst>
       <p:ext uri="{BB962C8B-B14F-4D97-AF65-F5344CB8AC3E}">
@@ -23895,7 +25816,7 @@
                   <a:srgbClr val="C00000"/>
                 </a:solidFill>
               </a:rPr>
-              <a:t>Prediction with Expert Advice</a:t>
+              <a:t>Online Learning with Experts</a:t>
             </a:r>
           </a:p>
         </p:txBody>
@@ -24820,7 +26741,7 @@
         <p:cNvPr id="1" name="">
           <a:extLst>
             <a:ext uri="{FF2B5EF4-FFF2-40B4-BE49-F238E27FC236}">
-              <a16:creationId xmlns:a16="http://schemas.microsoft.com/office/drawing/2014/main" id="{5A397B2C-228C-CA0E-2AB4-BF6B111D67EE}"/>
+              <a16:creationId xmlns:a16="http://schemas.microsoft.com/office/drawing/2014/main" id="{AE4A1D99-742F-8E3F-9938-5525C897DF61}"/>
             </a:ext>
           </a:extLst>
         </p:cNvPr>
@@ -24840,7 +26761,7 @@
           <p:cNvPr id="2" name="Title 1">
             <a:extLst>
               <a:ext uri="{FF2B5EF4-FFF2-40B4-BE49-F238E27FC236}">
-                <a16:creationId xmlns:a16="http://schemas.microsoft.com/office/drawing/2014/main" id="{7FD4CDDB-6A98-621B-FA9D-1B205E916672}"/>
+                <a16:creationId xmlns:a16="http://schemas.microsoft.com/office/drawing/2014/main" id="{9E276AFB-11DA-5CB5-71F0-3900C44A0E8C}"/>
               </a:ext>
             </a:extLst>
           </p:cNvPr>
@@ -24853,9 +26774,7 @@
         </p:nvSpPr>
         <p:spPr/>
         <p:txBody>
-          <a:bodyPr>
-            <a:normAutofit fontScale="90000"/>
-          </a:bodyPr>
+          <a:bodyPr/>
           <a:lstStyle/>
           <a:p>
             <a:r>
@@ -24864,19 +26783,19 @@
                   <a:srgbClr val="C00000"/>
                 </a:solidFill>
               </a:rPr>
-              <a:t>Preview of Results</a:t>
+              <a:t>Challenges and Motivation</a:t>
             </a:r>
           </a:p>
         </p:txBody>
       </p:sp>
-      <mc:AlternateContent xmlns:mc="http://schemas.openxmlformats.org/markup-compatibility/2006">
-        <mc:Choice xmlns:a14="http://schemas.microsoft.com/office/drawing/2010/main" Requires="a14">
+      <mc:AlternateContent xmlns:mc="http://schemas.openxmlformats.org/markup-compatibility/2006" xmlns:a14="http://schemas.microsoft.com/office/drawing/2010/main">
+        <mc:Choice Requires="a14">
           <p:sp>
             <p:nvSpPr>
-              <p:cNvPr id="3" name="Text Placeholder 2">
+              <p:cNvPr id="3" name="Content Placeholder 2">
                 <a:extLst>
                   <a:ext uri="{FF2B5EF4-FFF2-40B4-BE49-F238E27FC236}">
-                    <a16:creationId xmlns:a16="http://schemas.microsoft.com/office/drawing/2014/main" id="{4D990974-99DE-EB0B-2040-0CC8357F574C}"/>
+                    <a16:creationId xmlns:a16="http://schemas.microsoft.com/office/drawing/2014/main" id="{3AB19AF5-2F85-6675-2499-0D4EAECA5FF1}"/>
                   </a:ext>
                 </a:extLst>
               </p:cNvPr>
@@ -24884,32 +26803,24 @@
                 <a:spLocks noGrp="1"/>
               </p:cNvSpPr>
               <p:nvPr>
-                <p:ph type="body" idx="1"/>
+                <p:ph idx="1"/>
               </p:nvPr>
             </p:nvSpPr>
-            <p:spPr/>
+            <p:spPr>
+              <a:xfrm>
+                <a:off x="838200" y="1825624"/>
+                <a:ext cx="10515600" cy="4667251"/>
+              </a:xfrm>
+            </p:spPr>
             <p:txBody>
               <a:bodyPr>
                 <a:normAutofit/>
               </a:bodyPr>
               <a:lstStyle/>
               <a:p>
-                <a:pPr>
-                  <a:buClr>
-                    <a:schemeClr val="tx1"/>
-                  </a:buClr>
-                </a:pPr>
-                <a:r>
-                  <a:rPr lang="en-US" sz="3000" dirty="0">
-                    <a:solidFill>
-                      <a:srgbClr val="00B050"/>
-                    </a:solidFill>
-                  </a:rPr>
-                  <a:t>Input</a:t>
-                </a:r>
                 <a:r>
                   <a:rPr lang="en-US" sz="3000" dirty="0"/>
-                  <a:t>: </a:t>
+                  <a:t>Number of experts </a:t>
                 </a:r>
                 <a14:m>
                   <m:oMath xmlns:m="http://schemas.openxmlformats.org/officeDocument/2006/math">
@@ -24926,222 +26837,37 @@
                 </a14:m>
                 <a:r>
                   <a:rPr lang="en-US" sz="3000" dirty="0"/>
-                  <a:t> experts, time horizon of </a:t>
-                </a:r>
-                <a14:m>
-                  <m:oMath xmlns:m="http://schemas.openxmlformats.org/officeDocument/2006/math">
-                    <m:r>
-                      <a:rPr lang="en-US" sz="3000" b="0" i="1" smtClean="0">
-                        <a:solidFill>
-                          <a:srgbClr val="C00000"/>
-                        </a:solidFill>
-                        <a:latin typeface="Cambria Math" panose="02040503050406030204" pitchFamily="18" charset="0"/>
-                      </a:rPr>
-                      <m:t>𝑇</m:t>
-                    </m:r>
-                    <m:r>
-                      <a:rPr lang="en-US" sz="3000" b="0" i="1" smtClean="0">
-                        <a:solidFill>
-                          <a:srgbClr val="C00000"/>
-                        </a:solidFill>
-                        <a:latin typeface="Cambria Math" panose="02040503050406030204" pitchFamily="18" charset="0"/>
-                      </a:rPr>
-                      <m:t>≫</m:t>
-                    </m:r>
-                    <m:r>
-                      <a:rPr lang="en-US" sz="3000" b="0" i="1" smtClean="0">
-                        <a:solidFill>
-                          <a:srgbClr val="C00000"/>
-                        </a:solidFill>
-                        <a:latin typeface="Cambria Math" panose="02040503050406030204" pitchFamily="18" charset="0"/>
-                      </a:rPr>
-                      <m:t>𝑛</m:t>
-                    </m:r>
-                  </m:oMath>
-                </a14:m>
-                <a:r>
-                  <a:rPr lang="en-US" sz="3000" dirty="0"/>
-                  <a:t> days</a:t>
+                  <a:t> can be very large – online learning under memory constraints</a:t>
                 </a:r>
               </a:p>
               <a:p>
-                <a:pPr>
-                  <a:buClr>
-                    <a:schemeClr val="tx1"/>
-                  </a:buClr>
-                </a:pPr>
-                <a:r>
-                  <a:rPr lang="en-US" sz="3000" dirty="0">
-                    <a:solidFill>
-                      <a:srgbClr val="00B050"/>
-                    </a:solidFill>
-                  </a:rPr>
-                  <a:t>Task</a:t>
-                </a:r>
+                <a:endParaRPr lang="en-US" sz="3000" dirty="0"/>
+              </a:p>
+              <a:p>
                 <a:r>
                   <a:rPr lang="en-US" sz="3000" dirty="0"/>
-                  <a:t>: online learning with experts </a:t>
+                  <a:t>Not all times are created equal – recent data more valuable than older data</a:t>
                 </a:r>
               </a:p>
               <a:p>
-                <a:pPr>
-                  <a:buClr>
-                    <a:schemeClr val="tx1"/>
-                  </a:buClr>
-                </a:pPr>
                 <a:endParaRPr lang="en-US" sz="3000" dirty="0"/>
               </a:p>
               <a:p>
-                <a:pPr>
-                  <a:buClr>
-                    <a:schemeClr val="tx1"/>
-                  </a:buClr>
-                </a:pPr>
                 <a:r>
                   <a:rPr lang="en-US" sz="3000" dirty="0"/>
-                  <a:t>Two queries are very strong!</a:t>
-                </a:r>
-              </a:p>
-              <a:p>
-                <a:pPr lvl="1">
-                  <a:buClr>
-                    <a:schemeClr val="tx1"/>
-                  </a:buClr>
-                </a:pPr>
-                <a:r>
-                  <a:rPr lang="en-US" sz="3000" dirty="0"/>
-                  <a:t>Separation between regret with two queries and single query</a:t>
-                </a:r>
-              </a:p>
-              <a:p>
-                <a:pPr lvl="1">
-                  <a:buClr>
-                    <a:schemeClr val="tx1"/>
-                  </a:buClr>
-                </a:pPr>
-                <a:r>
-                  <a:rPr lang="en-US" sz="3000" dirty="0"/>
-                  <a:t>Can achieve optimal regret with </a:t>
-                </a:r>
-                <a14:m>
-                  <m:oMath xmlns:m="http://schemas.openxmlformats.org/officeDocument/2006/math">
-                    <m:r>
-                      <m:rPr>
-                        <m:sty m:val="p"/>
-                      </m:rPr>
-                      <a:rPr lang="en-US" sz="3000">
-                        <a:solidFill>
-                          <a:srgbClr val="C00000"/>
-                        </a:solidFill>
-                        <a:latin typeface="Cambria Math" panose="02040503050406030204" pitchFamily="18" charset="0"/>
-                      </a:rPr>
-                      <m:t>polylog</m:t>
-                    </m:r>
-                    <m:d>
-                      <m:dPr>
-                        <m:ctrlPr>
-                          <a:rPr lang="en-US" sz="3000" i="1">
-                            <a:solidFill>
-                              <a:srgbClr val="C00000"/>
-                            </a:solidFill>
-                            <a:latin typeface="Cambria Math" panose="02040503050406030204" pitchFamily="18" charset="0"/>
-                          </a:rPr>
-                        </m:ctrlPr>
-                      </m:dPr>
-                      <m:e>
-                        <m:r>
-                          <a:rPr lang="en-US" sz="3000" i="1">
-                            <a:solidFill>
-                              <a:srgbClr val="C00000"/>
-                            </a:solidFill>
-                            <a:latin typeface="Cambria Math" panose="02040503050406030204" pitchFamily="18" charset="0"/>
-                          </a:rPr>
-                          <m:t>𝑇</m:t>
-                        </m:r>
-                      </m:e>
-                    </m:d>
-                  </m:oMath>
-                </a14:m>
-                <a:r>
-                  <a:rPr lang="en-US" sz="3000" dirty="0"/>
-                  <a:t> memory for many notions of regret</a:t>
-                </a:r>
-              </a:p>
-              <a:p>
-                <a:pPr>
-                  <a:buClr>
-                    <a:schemeClr val="tx1"/>
-                  </a:buClr>
-                </a:pPr>
-                <a:r>
-                  <a:rPr lang="en-US" sz="3000" dirty="0"/>
-                  <a:t>Can get sublinear regret in streaming model with </a:t>
-                </a:r>
-                <a14:m>
-                  <m:oMath xmlns:m="http://schemas.openxmlformats.org/officeDocument/2006/math">
-                    <m:r>
-                      <m:rPr>
-                        <m:sty m:val="p"/>
-                      </m:rPr>
-                      <a:rPr lang="en-US" sz="3000">
-                        <a:solidFill>
-                          <a:srgbClr val="C00000"/>
-                        </a:solidFill>
-                        <a:latin typeface="Cambria Math" panose="02040503050406030204" pitchFamily="18" charset="0"/>
-                      </a:rPr>
-                      <m:t>polylog</m:t>
-                    </m:r>
-                    <m:d>
-                      <m:dPr>
-                        <m:ctrlPr>
-                          <a:rPr lang="en-US" sz="3000" i="1">
-                            <a:solidFill>
-                              <a:srgbClr val="C00000"/>
-                            </a:solidFill>
-                            <a:latin typeface="Cambria Math" panose="02040503050406030204" pitchFamily="18" charset="0"/>
-                          </a:rPr>
-                        </m:ctrlPr>
-                      </m:dPr>
-                      <m:e>
-                        <m:r>
-                          <a:rPr lang="en-US" sz="3000" i="1">
-                            <a:solidFill>
-                              <a:srgbClr val="C00000"/>
-                            </a:solidFill>
-                            <a:latin typeface="Cambria Math" panose="02040503050406030204" pitchFamily="18" charset="0"/>
-                          </a:rPr>
-                          <m:t>𝑇</m:t>
-                        </m:r>
-                      </m:e>
-                    </m:d>
-                  </m:oMath>
-                </a14:m>
-                <a:r>
-                  <a:rPr lang="en-US" sz="3000" dirty="0"/>
-                  <a:t> memory and a single query</a:t>
-                </a:r>
-              </a:p>
-              <a:p>
-                <a:pPr lvl="1">
-                  <a:buClr>
-                    <a:schemeClr val="tx1"/>
-                  </a:buClr>
-                </a:pPr>
-                <a:r>
-                  <a:rPr lang="en-US" sz="3000" dirty="0"/>
-                  <a:t>Optimal regret if best expert is “random”</a:t>
+                  <a:t>Querying experts can be expensive – need strong regret guarantees with limited queries</a:t>
                 </a:r>
               </a:p>
             </p:txBody>
           </p:sp>
         </mc:Choice>
-        <mc:Fallback>
+        <mc:Fallback xmlns="">
           <p:sp>
             <p:nvSpPr>
-              <p:cNvPr id="3" name="Text Placeholder 2">
+              <p:cNvPr id="3" name="Content Placeholder 2">
                 <a:extLst>
                   <a:ext uri="{FF2B5EF4-FFF2-40B4-BE49-F238E27FC236}">
-                    <a16:creationId xmlns:a16="http://schemas.microsoft.com/office/drawing/2014/main" id="{4D990974-99DE-EB0B-2040-0CC8357F574C}"/>
+                    <a16:creationId xmlns:a16="http://schemas.microsoft.com/office/drawing/2014/main" id="{3AB19AF5-2F85-6675-2499-0D4EAECA5FF1}"/>
                   </a:ext>
                 </a:extLst>
               </p:cNvPr>
@@ -25149,14 +26875,18 @@
                 <a:spLocks noGrp="1" noRot="1" noChangeAspect="1" noMove="1" noResize="1" noEditPoints="1" noAdjustHandles="1" noChangeArrowheads="1" noChangeShapeType="1" noTextEdit="1"/>
               </p:cNvSpPr>
               <p:nvPr>
-                <p:ph type="body" idx="1"/>
+                <p:ph idx="1"/>
               </p:nvPr>
             </p:nvSpPr>
             <p:spPr>
+              <a:xfrm>
+                <a:off x="838200" y="1825624"/>
+                <a:ext cx="10515600" cy="4667251"/>
+              </a:xfrm>
               <a:blipFill>
                 <a:blip r:embed="rId2"/>
                 <a:stretch>
-                  <a:fillRect t="-1606"/>
+                  <a:fillRect l="-1217" t="-2611" r="-754"/>
                 </a:stretch>
               </a:blipFill>
             </p:spPr>
@@ -25178,7 +26908,7 @@
     </p:spTree>
     <p:extLst>
       <p:ext uri="{BB962C8B-B14F-4D97-AF65-F5344CB8AC3E}">
-        <p14:creationId xmlns:p14="http://schemas.microsoft.com/office/powerpoint/2010/main" val="3947357021"/>
+        <p14:creationId xmlns:p14="http://schemas.microsoft.com/office/powerpoint/2010/main" val="1234717581"/>
       </p:ext>
     </p:extLst>
   </p:cSld>

--- a/other-talks/SODA 2026.pptx
+++ b/other-talks/SODA 2026.pptx
@@ -194,7 +194,7 @@
             </a:lvl1pPr>
           </a:lstStyle>
           <a:p>
-            <a:endParaRPr lang="en-US"/>
+            <a:endParaRPr lang="en-US" dirty="0"/>
           </a:p>
         </p:txBody>
       </p:sp>
@@ -229,7 +229,7 @@
               <a:rPr lang="en-US" smtClean="0"/>
               <a:t>1/11/2026</a:t>
             </a:fld>
-            <a:endParaRPr lang="en-US"/>
+            <a:endParaRPr lang="en-US" dirty="0"/>
           </a:p>
         </p:txBody>
       </p:sp>
@@ -262,7 +262,7 @@
           <a:bodyPr vert="horz" lIns="91440" tIns="45720" rIns="91440" bIns="45720" rtlCol="0" anchor="ctr"/>
           <a:lstStyle/>
           <a:p>
-            <a:endParaRPr lang="en-US"/>
+            <a:endParaRPr lang="en-US" dirty="0"/>
           </a:p>
         </p:txBody>
       </p:sp>
@@ -352,7 +352,7 @@
             </a:lvl1pPr>
           </a:lstStyle>
           <a:p>
-            <a:endParaRPr lang="en-US"/>
+            <a:endParaRPr lang="en-US" dirty="0"/>
           </a:p>
         </p:txBody>
       </p:sp>
@@ -387,7 +387,7 @@
               <a:rPr lang="en-US" smtClean="0"/>
               <a:t>‹#›</a:t>
             </a:fld>
-            <a:endParaRPr lang="en-US"/>
+            <a:endParaRPr lang="en-US" dirty="0"/>
           </a:p>
         </p:txBody>
       </p:sp>
@@ -586,7 +586,7 @@
               </a:spcAft>
               <a:buNone/>
             </a:pPr>
-            <a:endParaRPr/>
+            <a:endParaRPr dirty="0"/>
           </a:p>
         </p:txBody>
       </p:sp>
@@ -708,7 +708,7 @@
               </a:spcAft>
               <a:buNone/>
             </a:pPr>
-            <a:endParaRPr/>
+            <a:endParaRPr dirty="0"/>
           </a:p>
         </p:txBody>
       </p:sp>
@@ -835,7 +835,7 @@
               </a:spcAft>
               <a:buNone/>
             </a:pPr>
-            <a:endParaRPr/>
+            <a:endParaRPr dirty="0"/>
           </a:p>
         </p:txBody>
       </p:sp>
@@ -962,7 +962,7 @@
               </a:spcAft>
               <a:buNone/>
             </a:pPr>
-            <a:endParaRPr/>
+            <a:endParaRPr dirty="0"/>
           </a:p>
         </p:txBody>
       </p:sp>
@@ -1089,7 +1089,7 @@
               </a:spcAft>
               <a:buNone/>
             </a:pPr>
-            <a:endParaRPr/>
+            <a:endParaRPr dirty="0"/>
           </a:p>
         </p:txBody>
       </p:sp>
@@ -1216,7 +1216,7 @@
               </a:spcAft>
               <a:buNone/>
             </a:pPr>
-            <a:endParaRPr/>
+            <a:endParaRPr dirty="0"/>
           </a:p>
         </p:txBody>
       </p:sp>
@@ -1343,7 +1343,7 @@
               </a:spcAft>
               <a:buNone/>
             </a:pPr>
-            <a:endParaRPr/>
+            <a:endParaRPr dirty="0"/>
           </a:p>
         </p:txBody>
       </p:sp>
@@ -1494,7 +1494,7 @@
               <a:rPr lang="en-US" smtClean="0"/>
               <a:t>22</a:t>
             </a:fld>
-            <a:endParaRPr lang="en-US"/>
+            <a:endParaRPr lang="en-US" dirty="0"/>
           </a:p>
         </p:txBody>
       </p:sp>
@@ -1660,7 +1660,7 @@
               <a:rPr lang="en-US" smtClean="0"/>
               <a:t>1/11/2026</a:t>
             </a:fld>
-            <a:endParaRPr lang="en-US"/>
+            <a:endParaRPr lang="en-US" dirty="0"/>
           </a:p>
         </p:txBody>
       </p:sp>
@@ -1685,7 +1685,7 @@
           <a:bodyPr/>
           <a:lstStyle/>
           <a:p>
-            <a:endParaRPr lang="en-US"/>
+            <a:endParaRPr lang="en-US" dirty="0"/>
           </a:p>
         </p:txBody>
       </p:sp>
@@ -1714,7 +1714,7 @@
               <a:rPr lang="en-US" smtClean="0"/>
               <a:t>‹#›</a:t>
             </a:fld>
-            <a:endParaRPr lang="en-US"/>
+            <a:endParaRPr lang="en-US" dirty="0"/>
           </a:p>
         </p:txBody>
       </p:sp>
@@ -1858,7 +1858,7 @@
               <a:rPr lang="en-US" smtClean="0"/>
               <a:t>1/11/2026</a:t>
             </a:fld>
-            <a:endParaRPr lang="en-US"/>
+            <a:endParaRPr lang="en-US" dirty="0"/>
           </a:p>
         </p:txBody>
       </p:sp>
@@ -1883,7 +1883,7 @@
           <a:bodyPr/>
           <a:lstStyle/>
           <a:p>
-            <a:endParaRPr lang="en-US"/>
+            <a:endParaRPr lang="en-US" dirty="0"/>
           </a:p>
         </p:txBody>
       </p:sp>
@@ -1912,7 +1912,7 @@
               <a:rPr lang="en-US" smtClean="0"/>
               <a:t>‹#›</a:t>
             </a:fld>
-            <a:endParaRPr lang="en-US"/>
+            <a:endParaRPr lang="en-US" dirty="0"/>
           </a:p>
         </p:txBody>
       </p:sp>
@@ -2066,7 +2066,7 @@
               <a:rPr lang="en-US" smtClean="0"/>
               <a:t>1/11/2026</a:t>
             </a:fld>
-            <a:endParaRPr lang="en-US"/>
+            <a:endParaRPr lang="en-US" dirty="0"/>
           </a:p>
         </p:txBody>
       </p:sp>
@@ -2091,7 +2091,7 @@
           <a:bodyPr/>
           <a:lstStyle/>
           <a:p>
-            <a:endParaRPr lang="en-US"/>
+            <a:endParaRPr lang="en-US" dirty="0"/>
           </a:p>
         </p:txBody>
       </p:sp>
@@ -2120,7 +2120,7 @@
               <a:rPr lang="en-US" smtClean="0"/>
               <a:t>‹#›</a:t>
             </a:fld>
-            <a:endParaRPr lang="en-US"/>
+            <a:endParaRPr lang="en-US" dirty="0"/>
           </a:p>
         </p:txBody>
       </p:sp>
@@ -2623,7 +2623,7 @@
               <a:rPr lang="en-US" smtClean="0"/>
               <a:t>1/11/2026</a:t>
             </a:fld>
-            <a:endParaRPr lang="en-US"/>
+            <a:endParaRPr lang="en-US" dirty="0"/>
           </a:p>
         </p:txBody>
       </p:sp>
@@ -2648,7 +2648,7 @@
           <a:bodyPr/>
           <a:lstStyle/>
           <a:p>
-            <a:endParaRPr lang="en-US"/>
+            <a:endParaRPr lang="en-US" dirty="0"/>
           </a:p>
         </p:txBody>
       </p:sp>
@@ -2677,7 +2677,7 @@
               <a:rPr lang="en-US" smtClean="0"/>
               <a:t>‹#›</a:t>
             </a:fld>
-            <a:endParaRPr lang="en-US"/>
+            <a:endParaRPr lang="en-US" dirty="0"/>
           </a:p>
         </p:txBody>
       </p:sp>
@@ -2898,7 +2898,7 @@
               <a:rPr lang="en-US" smtClean="0"/>
               <a:t>1/11/2026</a:t>
             </a:fld>
-            <a:endParaRPr lang="en-US"/>
+            <a:endParaRPr lang="en-US" dirty="0"/>
           </a:p>
         </p:txBody>
       </p:sp>
@@ -2923,7 +2923,7 @@
           <a:bodyPr/>
           <a:lstStyle/>
           <a:p>
-            <a:endParaRPr lang="en-US"/>
+            <a:endParaRPr lang="en-US" dirty="0"/>
           </a:p>
         </p:txBody>
       </p:sp>
@@ -2952,7 +2952,7 @@
               <a:rPr lang="en-US" smtClean="0"/>
               <a:t>‹#›</a:t>
             </a:fld>
-            <a:endParaRPr lang="en-US"/>
+            <a:endParaRPr lang="en-US" dirty="0"/>
           </a:p>
         </p:txBody>
       </p:sp>
@@ -3163,7 +3163,7 @@
               <a:rPr lang="en-US" smtClean="0"/>
               <a:t>1/11/2026</a:t>
             </a:fld>
-            <a:endParaRPr lang="en-US"/>
+            <a:endParaRPr lang="en-US" dirty="0"/>
           </a:p>
         </p:txBody>
       </p:sp>
@@ -3188,7 +3188,7 @@
           <a:bodyPr/>
           <a:lstStyle/>
           <a:p>
-            <a:endParaRPr lang="en-US"/>
+            <a:endParaRPr lang="en-US" dirty="0"/>
           </a:p>
         </p:txBody>
       </p:sp>
@@ -3217,7 +3217,7 @@
               <a:rPr lang="en-US" smtClean="0"/>
               <a:t>‹#›</a:t>
             </a:fld>
-            <a:endParaRPr lang="en-US"/>
+            <a:endParaRPr lang="en-US" dirty="0"/>
           </a:p>
         </p:txBody>
       </p:sp>
@@ -3575,7 +3575,7 @@
               <a:rPr lang="en-US" smtClean="0"/>
               <a:t>1/11/2026</a:t>
             </a:fld>
-            <a:endParaRPr lang="en-US"/>
+            <a:endParaRPr lang="en-US" dirty="0"/>
           </a:p>
         </p:txBody>
       </p:sp>
@@ -3600,7 +3600,7 @@
           <a:bodyPr/>
           <a:lstStyle/>
           <a:p>
-            <a:endParaRPr lang="en-US"/>
+            <a:endParaRPr lang="en-US" dirty="0"/>
           </a:p>
         </p:txBody>
       </p:sp>
@@ -3629,7 +3629,7 @@
               <a:rPr lang="en-US" smtClean="0"/>
               <a:t>‹#›</a:t>
             </a:fld>
-            <a:endParaRPr lang="en-US"/>
+            <a:endParaRPr lang="en-US" dirty="0"/>
           </a:p>
         </p:txBody>
       </p:sp>
@@ -3716,7 +3716,7 @@
               <a:rPr lang="en-US" smtClean="0"/>
               <a:t>1/11/2026</a:t>
             </a:fld>
-            <a:endParaRPr lang="en-US"/>
+            <a:endParaRPr lang="en-US" dirty="0"/>
           </a:p>
         </p:txBody>
       </p:sp>
@@ -3741,7 +3741,7 @@
           <a:bodyPr/>
           <a:lstStyle/>
           <a:p>
-            <a:endParaRPr lang="en-US"/>
+            <a:endParaRPr lang="en-US" dirty="0"/>
           </a:p>
         </p:txBody>
       </p:sp>
@@ -3770,7 +3770,7 @@
               <a:rPr lang="en-US" smtClean="0"/>
               <a:t>‹#›</a:t>
             </a:fld>
-            <a:endParaRPr lang="en-US"/>
+            <a:endParaRPr lang="en-US" dirty="0"/>
           </a:p>
         </p:txBody>
       </p:sp>
@@ -3829,7 +3829,7 @@
               <a:rPr lang="en-US" smtClean="0"/>
               <a:t>1/11/2026</a:t>
             </a:fld>
-            <a:endParaRPr lang="en-US"/>
+            <a:endParaRPr lang="en-US" dirty="0"/>
           </a:p>
         </p:txBody>
       </p:sp>
@@ -3854,7 +3854,7 @@
           <a:bodyPr/>
           <a:lstStyle/>
           <a:p>
-            <a:endParaRPr lang="en-US"/>
+            <a:endParaRPr lang="en-US" dirty="0"/>
           </a:p>
         </p:txBody>
       </p:sp>
@@ -3883,7 +3883,7 @@
               <a:rPr lang="en-US" smtClean="0"/>
               <a:t>‹#›</a:t>
             </a:fld>
-            <a:endParaRPr lang="en-US"/>
+            <a:endParaRPr lang="en-US" dirty="0"/>
           </a:p>
         </p:txBody>
       </p:sp>
@@ -4140,7 +4140,7 @@
               <a:rPr lang="en-US" smtClean="0"/>
               <a:t>1/11/2026</a:t>
             </a:fld>
-            <a:endParaRPr lang="en-US"/>
+            <a:endParaRPr lang="en-US" dirty="0"/>
           </a:p>
         </p:txBody>
       </p:sp>
@@ -4165,7 +4165,7 @@
           <a:bodyPr/>
           <a:lstStyle/>
           <a:p>
-            <a:endParaRPr lang="en-US"/>
+            <a:endParaRPr lang="en-US" dirty="0"/>
           </a:p>
         </p:txBody>
       </p:sp>
@@ -4194,7 +4194,7 @@
               <a:rPr lang="en-US" smtClean="0"/>
               <a:t>‹#›</a:t>
             </a:fld>
-            <a:endParaRPr lang="en-US"/>
+            <a:endParaRPr lang="en-US" dirty="0"/>
           </a:p>
         </p:txBody>
       </p:sp>
@@ -4328,7 +4328,7 @@
             </a:lvl9pPr>
           </a:lstStyle>
           <a:p>
-            <a:endParaRPr lang="en-US"/>
+            <a:endParaRPr lang="en-US" dirty="0"/>
           </a:p>
         </p:txBody>
       </p:sp>
@@ -4428,7 +4428,7 @@
               <a:rPr lang="en-US" smtClean="0"/>
               <a:t>1/11/2026</a:t>
             </a:fld>
-            <a:endParaRPr lang="en-US"/>
+            <a:endParaRPr lang="en-US" dirty="0"/>
           </a:p>
         </p:txBody>
       </p:sp>
@@ -4453,7 +4453,7 @@
           <a:bodyPr/>
           <a:lstStyle/>
           <a:p>
-            <a:endParaRPr lang="en-US"/>
+            <a:endParaRPr lang="en-US" dirty="0"/>
           </a:p>
         </p:txBody>
       </p:sp>
@@ -4482,7 +4482,7 @@
               <a:rPr lang="en-US" smtClean="0"/>
               <a:t>‹#›</a:t>
             </a:fld>
-            <a:endParaRPr lang="en-US"/>
+            <a:endParaRPr lang="en-US" dirty="0"/>
           </a:p>
         </p:txBody>
       </p:sp>
@@ -4669,7 +4669,7 @@
               <a:rPr lang="en-US" smtClean="0"/>
               <a:t>1/11/2026</a:t>
             </a:fld>
-            <a:endParaRPr lang="en-US"/>
+            <a:endParaRPr lang="en-US" dirty="0"/>
           </a:p>
         </p:txBody>
       </p:sp>
@@ -4712,7 +4712,7 @@
             </a:lvl1pPr>
           </a:lstStyle>
           <a:p>
-            <a:endParaRPr lang="en-US"/>
+            <a:endParaRPr lang="en-US" dirty="0"/>
           </a:p>
         </p:txBody>
       </p:sp>
@@ -4759,7 +4759,7 @@
               <a:rPr lang="en-US" smtClean="0"/>
               <a:t>‹#›</a:t>
             </a:fld>
-            <a:endParaRPr lang="en-US"/>
+            <a:endParaRPr lang="en-US" dirty="0"/>
           </a:p>
         </p:txBody>
       </p:sp>
@@ -5848,8 +5848,8 @@
           </a:p>
         </p:txBody>
       </p:sp>
-      <mc:AlternateContent xmlns:mc="http://schemas.openxmlformats.org/markup-compatibility/2006" xmlns:a14="http://schemas.microsoft.com/office/drawing/2010/main">
-        <mc:Choice Requires="a14">
+      <mc:AlternateContent xmlns:mc="http://schemas.openxmlformats.org/markup-compatibility/2006">
+        <mc:Choice xmlns:a14="http://schemas.microsoft.com/office/drawing/2010/main" Requires="a14">
           <p:sp>
             <p:nvSpPr>
               <p:cNvPr id="3" name="Content Placeholder 2">
@@ -6098,7 +6098,7 @@
                 </a14:m>
                 <a:r>
                   <a:rPr lang="en-US" sz="3000" dirty="0"/>
-                  <a:t>– and best possible regret is </a:t>
+                  <a:t> – and best possible regret is </a:t>
                 </a:r>
                 <a14:m>
                   <m:oMath xmlns:m="http://schemas.openxmlformats.org/officeDocument/2006/math">
@@ -6211,7 +6211,7 @@
             </p:txBody>
           </p:sp>
         </mc:Choice>
-        <mc:Fallback xmlns="">
+        <mc:Fallback>
           <p:sp>
             <p:nvSpPr>
               <p:cNvPr id="3" name="Content Placeholder 2">
@@ -6847,8 +6847,8 @@
           </a:p>
         </p:txBody>
       </p:sp>
-      <mc:AlternateContent xmlns:mc="http://schemas.openxmlformats.org/markup-compatibility/2006" xmlns:a14="http://schemas.microsoft.com/office/drawing/2010/main">
-        <mc:Choice Requires="a14">
+      <mc:AlternateContent xmlns:mc="http://schemas.openxmlformats.org/markup-compatibility/2006">
+        <mc:Choice xmlns:a14="http://schemas.microsoft.com/office/drawing/2010/main" Requires="a14">
           <p:sp>
             <p:nvSpPr>
               <p:cNvPr id="4" name="Content Placeholder 2">
@@ -6865,8 +6865,8 @@
             </p:nvSpPr>
             <p:spPr>
               <a:xfrm>
-                <a:off x="838200" y="1825625"/>
-                <a:ext cx="10515600" cy="4351338"/>
+                <a:off x="838200" y="1690688"/>
+                <a:ext cx="10515600" cy="4672789"/>
               </a:xfrm>
               <a:prstGeom prst="rect">
                 <a:avLst/>
@@ -7113,7 +7113,7 @@
                 </a:r>
                 <a:r>
                   <a:rPr lang="en-US" sz="3000" dirty="0"/>
-                  <a:t> culminating in near-optimal regret </a:t>
+                  <a:t> for online learning with experts in the streaming model, culminating in near-optimal regret </a:t>
                 </a:r>
                 <a14:m>
                   <m:oMath xmlns:m="http://schemas.openxmlformats.org/officeDocument/2006/math">
@@ -7255,10 +7255,29 @@
                   <a:t> memory </a:t>
                 </a:r>
               </a:p>
+              <a:p>
+                <a:pPr>
+                  <a:buClr>
+                    <a:schemeClr val="tx1"/>
+                  </a:buClr>
+                </a:pPr>
+                <a:endParaRPr lang="en-US" sz="3000" dirty="0"/>
+              </a:p>
+              <a:p>
+                <a:pPr>
+                  <a:buClr>
+                    <a:schemeClr val="tx1"/>
+                  </a:buClr>
+                </a:pPr>
+                <a:r>
+                  <a:rPr lang="en-US" sz="3000" dirty="0"/>
+                  <a:t>Use many queries per time</a:t>
+                </a:r>
+              </a:p>
             </p:txBody>
           </p:sp>
         </mc:Choice>
-        <mc:Fallback xmlns="">
+        <mc:Fallback>
           <p:sp>
             <p:nvSpPr>
               <p:cNvPr id="4" name="Content Placeholder 2">
@@ -7275,8 +7294,8 @@
             </p:nvSpPr>
             <p:spPr>
               <a:xfrm>
-                <a:off x="838200" y="1825625"/>
-                <a:ext cx="10515600" cy="4351338"/>
+                <a:off x="838200" y="1690688"/>
+                <a:ext cx="10515600" cy="4672789"/>
               </a:xfrm>
               <a:prstGeom prst="rect">
                 <a:avLst/>
@@ -7284,7 +7303,7 @@
               <a:blipFill>
                 <a:blip r:embed="rId2"/>
                 <a:stretch>
-                  <a:fillRect l="-1217" t="-2801" r="-1159"/>
+                  <a:fillRect l="-1217" t="-2608" r="-1159"/>
                 </a:stretch>
               </a:blipFill>
             </p:spPr>
@@ -9922,8 +9941,8 @@
           <a:chExt cx="0" cy="0"/>
         </a:xfrm>
       </p:grpSpPr>
-      <mc:AlternateContent xmlns:mc="http://schemas.openxmlformats.org/markup-compatibility/2006" xmlns:a14="http://schemas.microsoft.com/office/drawing/2010/main">
-        <mc:Choice Requires="a14">
+      <mc:AlternateContent xmlns:mc="http://schemas.openxmlformats.org/markup-compatibility/2006">
+        <mc:Choice xmlns:a14="http://schemas.microsoft.com/office/drawing/2010/main" Requires="a14">
           <p:sp>
             <p:nvSpPr>
               <p:cNvPr id="3" name="Text Placeholder 2">
@@ -9940,8 +9959,8 @@
             </p:nvSpPr>
             <p:spPr>
               <a:xfrm>
-                <a:off x="415600" y="1536633"/>
-                <a:ext cx="11360800" cy="4555200"/>
+                <a:off x="415599" y="1536633"/>
+                <a:ext cx="11583567" cy="4555200"/>
               </a:xfrm>
               <a:prstGeom prst="rect">
                 <a:avLst/>
@@ -10250,7 +10269,7 @@
                 </a:pPr>
                 <a:r>
                   <a:rPr lang="en-US" sz="3000" dirty="0"/>
-                  <a:t>Run bandit algorithm, e.g., EXP3, on pool</a:t>
+                  <a:t> Run bandit algorithm, e.g., EXP3, on pool</a:t>
                 </a:r>
               </a:p>
               <a:p>
@@ -10284,13 +10303,13 @@
                 </a:pPr>
                 <a:r>
                   <a:rPr lang="en-US" sz="3000" dirty="0"/>
-                  <a:t>Sample and prune after epoch, evict experts not beating a baseline</a:t>
+                  <a:t> Sample and prune after epoch, evict experts not beating a baseline</a:t>
                 </a:r>
               </a:p>
             </p:txBody>
           </p:sp>
         </mc:Choice>
-        <mc:Fallback xmlns="">
+        <mc:Fallback>
           <p:sp>
             <p:nvSpPr>
               <p:cNvPr id="3" name="Text Placeholder 2">
@@ -10307,8 +10326,8 @@
             </p:nvSpPr>
             <p:spPr>
               <a:xfrm>
-                <a:off x="415600" y="1536633"/>
-                <a:ext cx="11360800" cy="4555200"/>
+                <a:off x="415599" y="1536633"/>
+                <a:ext cx="11583567" cy="4555200"/>
               </a:xfrm>
               <a:prstGeom prst="rect">
                 <a:avLst/>
@@ -10316,7 +10335,7 @@
               <a:blipFill>
                 <a:blip r:embed="rId2"/>
                 <a:stretch>
-                  <a:fillRect l="-1234" t="-2677" r="-858" b="-3079"/>
+                  <a:fillRect l="-1211" t="-2677" b="-3079"/>
                 </a:stretch>
               </a:blipFill>
             </p:spPr>
@@ -10649,7 +10668,7 @@
                 </a:pPr>
                 <a:r>
                   <a:rPr lang="en-US" sz="3000" dirty="0"/>
-                  <a:t>Good regret on </a:t>
+                  <a:t>“Good” regret on </a:t>
                 </a:r>
                 <a:r>
                   <a:rPr lang="en-US" sz="3000" dirty="0">
@@ -10678,7 +10697,7 @@
                 </a14:m>
                 <a:r>
                   <a:rPr lang="en-US" sz="3000" dirty="0"/>
-                  <a:t>: </a:t>
+                  <a:t>: Roughly </a:t>
                 </a:r>
                 <a14:m>
                   <m:oMath xmlns:m="http://schemas.openxmlformats.org/officeDocument/2006/math">
@@ -10713,6 +10732,95 @@
                   <a:rPr lang="en-US" sz="3000" dirty="0"/>
                   <a:t> (due to EXP3)</a:t>
                 </a:r>
+              </a:p>
+              <a:p>
+                <a:pPr>
+                  <a:buClr>
+                    <a:schemeClr val="tx1"/>
+                  </a:buClr>
+                </a:pPr>
+                <a:r>
+                  <a:rPr lang="en-US" sz="3000" dirty="0"/>
+                  <a:t>Regret due to </a:t>
+                </a:r>
+                <a:r>
+                  <a:rPr lang="en-US" sz="3000" dirty="0">
+                    <a:solidFill>
+                      <a:srgbClr val="00B050"/>
+                    </a:solidFill>
+                  </a:rPr>
+                  <a:t>good epochs</a:t>
+                </a:r>
+                <a:r>
+                  <a:rPr lang="en-US" sz="3000" dirty="0"/>
+                  <a:t>: </a:t>
+                </a:r>
+                <a14:m>
+                  <m:oMath xmlns:m="http://schemas.openxmlformats.org/officeDocument/2006/math">
+                    <m:rad>
+                      <m:radPr>
+                        <m:degHide m:val="on"/>
+                        <m:ctrlPr>
+                          <a:rPr lang="en-US" sz="3000" i="1">
+                            <a:solidFill>
+                              <a:srgbClr val="C00000"/>
+                            </a:solidFill>
+                            <a:latin typeface="Cambria Math" panose="02040503050406030204" pitchFamily="18" charset="0"/>
+                          </a:rPr>
+                        </m:ctrlPr>
+                      </m:radPr>
+                      <m:deg/>
+                      <m:e>
+                        <m:r>
+                          <a:rPr lang="en-US" sz="3000" i="1">
+                            <a:solidFill>
+                              <a:srgbClr val="C00000"/>
+                            </a:solidFill>
+                            <a:latin typeface="Cambria Math" panose="02040503050406030204" pitchFamily="18" charset="0"/>
+                          </a:rPr>
+                          <m:t>𝐵</m:t>
+                        </m:r>
+                      </m:e>
+                    </m:rad>
+                    <m:r>
+                      <a:rPr lang="en-US" sz="3000" i="1">
+                        <a:solidFill>
+                          <a:srgbClr val="C00000"/>
+                        </a:solidFill>
+                        <a:latin typeface="Cambria Math" panose="02040503050406030204" pitchFamily="18" charset="0"/>
+                      </a:rPr>
+                      <m:t>⋅</m:t>
+                    </m:r>
+                    <m:r>
+                      <a:rPr lang="en-US" sz="3000" i="1">
+                        <a:solidFill>
+                          <a:srgbClr val="C00000"/>
+                        </a:solidFill>
+                        <a:latin typeface="Cambria Math" panose="02040503050406030204" pitchFamily="18" charset="0"/>
+                      </a:rPr>
+                      <m:t>𝑇</m:t>
+                    </m:r>
+                    <m:r>
+                      <a:rPr lang="en-US" sz="3000">
+                        <a:solidFill>
+                          <a:srgbClr val="C00000"/>
+                        </a:solidFill>
+                        <a:latin typeface="Cambria Math" panose="02040503050406030204" pitchFamily="18" charset="0"/>
+                      </a:rPr>
+                      <m:t>/</m:t>
+                    </m:r>
+                    <m:r>
+                      <a:rPr lang="en-US" sz="3000" i="1">
+                        <a:solidFill>
+                          <a:srgbClr val="C00000"/>
+                        </a:solidFill>
+                        <a:latin typeface="Cambria Math" panose="02040503050406030204" pitchFamily="18" charset="0"/>
+                      </a:rPr>
+                      <m:t>𝐵</m:t>
+                    </m:r>
+                  </m:oMath>
+                </a14:m>
+                <a:endParaRPr lang="en-US" sz="3000" dirty="0"/>
               </a:p>
             </p:txBody>
           </p:sp>
@@ -11969,6 +12077,170 @@
           </a:p>
         </p:txBody>
       </p:sp>
+      <p:sp>
+        <p:nvSpPr>
+          <p:cNvPr id="28" name="Right Brace 27">
+            <a:extLst>
+              <a:ext uri="{FF2B5EF4-FFF2-40B4-BE49-F238E27FC236}">
+                <a16:creationId xmlns:a16="http://schemas.microsoft.com/office/drawing/2014/main" id="{ADDA3A8F-CF43-CD8F-1585-22CE09990476}"/>
+              </a:ext>
+            </a:extLst>
+          </p:cNvPr>
+          <p:cNvSpPr/>
+          <p:nvPr/>
+        </p:nvSpPr>
+        <p:spPr>
+          <a:xfrm rot="5400000">
+            <a:off x="5773948" y="970225"/>
+            <a:ext cx="339665" cy="9228484"/>
+          </a:xfrm>
+          <a:prstGeom prst="rightBrace">
+            <a:avLst/>
+          </a:prstGeom>
+          <a:ln w="38100">
+            <a:solidFill>
+              <a:srgbClr val="0070C0"/>
+            </a:solidFill>
+          </a:ln>
+        </p:spPr>
+        <p:style>
+          <a:lnRef idx="1">
+            <a:schemeClr val="accent1"/>
+          </a:lnRef>
+          <a:fillRef idx="0">
+            <a:schemeClr val="accent1"/>
+          </a:fillRef>
+          <a:effectRef idx="0">
+            <a:schemeClr val="accent1"/>
+          </a:effectRef>
+          <a:fontRef idx="minor">
+            <a:schemeClr val="tx1"/>
+          </a:fontRef>
+        </p:style>
+        <p:txBody>
+          <a:bodyPr rtlCol="0" anchor="ctr"/>
+          <a:lstStyle/>
+          <a:p>
+            <a:pPr algn="ctr"/>
+            <a:endParaRPr lang="en-US" dirty="0"/>
+          </a:p>
+        </p:txBody>
+      </p:sp>
+      <mc:AlternateContent xmlns:mc="http://schemas.openxmlformats.org/markup-compatibility/2006">
+        <mc:Choice xmlns:a14="http://schemas.microsoft.com/office/drawing/2010/main" Requires="a14">
+          <p:sp>
+            <p:nvSpPr>
+              <p:cNvPr id="29" name="TextBox 28">
+                <a:extLst>
+                  <a:ext uri="{FF2B5EF4-FFF2-40B4-BE49-F238E27FC236}">
+                    <a16:creationId xmlns:a16="http://schemas.microsoft.com/office/drawing/2014/main" id="{FD6AF0E0-6639-F1FF-FF26-EF8225D4C4CB}"/>
+                  </a:ext>
+                </a:extLst>
+              </p:cNvPr>
+              <p:cNvSpPr txBox="1"/>
+              <p:nvPr/>
+            </p:nvSpPr>
+            <p:spPr>
+              <a:xfrm>
+                <a:off x="4864777" y="5889328"/>
+                <a:ext cx="2421222" cy="584775"/>
+              </a:xfrm>
+              <a:prstGeom prst="rect">
+                <a:avLst/>
+              </a:prstGeom>
+              <a:noFill/>
+            </p:spPr>
+            <p:txBody>
+              <a:bodyPr wrap="square">
+                <a:spAutoFit/>
+              </a:bodyPr>
+              <a:lstStyle/>
+              <a:p>
+                <a:pPr/>
+                <a14:m>
+                  <m:oMath xmlns:m="http://schemas.openxmlformats.org/officeDocument/2006/math">
+                    <m:r>
+                      <a:rPr lang="en-US" sz="3200" i="1" smtClean="0">
+                        <a:solidFill>
+                          <a:srgbClr val="C00000"/>
+                        </a:solidFill>
+                        <a:latin typeface="Cambria Math" panose="02040503050406030204" pitchFamily="18" charset="0"/>
+                      </a:rPr>
+                      <m:t>𝑇</m:t>
+                    </m:r>
+                    <m:r>
+                      <a:rPr lang="en-US" sz="3200" b="0" i="1" smtClean="0">
+                        <a:solidFill>
+                          <a:srgbClr val="C00000"/>
+                        </a:solidFill>
+                        <a:latin typeface="Cambria Math" panose="02040503050406030204" pitchFamily="18" charset="0"/>
+                      </a:rPr>
+                      <m:t>/</m:t>
+                    </m:r>
+                    <m:r>
+                      <a:rPr lang="en-US" sz="3200" b="0" i="1" smtClean="0">
+                        <a:solidFill>
+                          <a:srgbClr val="C00000"/>
+                        </a:solidFill>
+                        <a:latin typeface="Cambria Math" panose="02040503050406030204" pitchFamily="18" charset="0"/>
+                      </a:rPr>
+                      <m:t>𝐵</m:t>
+                    </m:r>
+                  </m:oMath>
+                </a14:m>
+                <a:r>
+                  <a:rPr lang="en-US" sz="3200" dirty="0"/>
+                  <a:t> epochs</a:t>
+                </a:r>
+              </a:p>
+            </p:txBody>
+          </p:sp>
+        </mc:Choice>
+        <mc:Fallback>
+          <p:sp>
+            <p:nvSpPr>
+              <p:cNvPr id="29" name="TextBox 28">
+                <a:extLst>
+                  <a:ext uri="{FF2B5EF4-FFF2-40B4-BE49-F238E27FC236}">
+                    <a16:creationId xmlns:a16="http://schemas.microsoft.com/office/drawing/2014/main" id="{FD6AF0E0-6639-F1FF-FF26-EF8225D4C4CB}"/>
+                  </a:ext>
+                </a:extLst>
+              </p:cNvPr>
+              <p:cNvSpPr txBox="1">
+                <a:spLocks noRot="1" noChangeAspect="1" noMove="1" noResize="1" noEditPoints="1" noAdjustHandles="1" noChangeArrowheads="1" noChangeShapeType="1" noTextEdit="1"/>
+              </p:cNvSpPr>
+              <p:nvPr/>
+            </p:nvSpPr>
+            <p:spPr>
+              <a:xfrm>
+                <a:off x="4864777" y="5889328"/>
+                <a:ext cx="2421222" cy="584775"/>
+              </a:xfrm>
+              <a:prstGeom prst="rect">
+                <a:avLst/>
+              </a:prstGeom>
+              <a:blipFill>
+                <a:blip r:embed="rId4"/>
+                <a:stretch>
+                  <a:fillRect t="-12500" b="-34375"/>
+                </a:stretch>
+              </a:blipFill>
+            </p:spPr>
+            <p:txBody>
+              <a:bodyPr/>
+              <a:lstStyle/>
+              <a:p>
+                <a:r>
+                  <a:rPr lang="en-US">
+                    <a:noFill/>
+                  </a:rPr>
+                  <a:t> </a:t>
+                </a:r>
+              </a:p>
+            </p:txBody>
+          </p:sp>
+        </mc:Fallback>
+      </mc:AlternateContent>
     </p:spTree>
     <p:extLst>
       <p:ext uri="{BB962C8B-B14F-4D97-AF65-F5344CB8AC3E}">
@@ -12118,7 +12390,7 @@
               <a:rPr lang="en" sz="3000" b="1"/>
               <a:t>You</a:t>
             </a:r>
-            <a:endParaRPr sz="3000" b="1"/>
+            <a:endParaRPr sz="3000" b="1" dirty="0"/>
           </a:p>
         </p:txBody>
       </p:sp>
@@ -12186,7 +12458,7 @@
               <a:rPr lang="en" sz="3000" b="1"/>
               <a:t>1</a:t>
             </a:r>
-            <a:endParaRPr sz="3000" b="1"/>
+            <a:endParaRPr sz="3000" b="1" dirty="0"/>
           </a:p>
         </p:txBody>
       </p:sp>
@@ -12220,7 +12492,7 @@
               <a:rPr lang="en" sz="3000" b="1"/>
               <a:t>2</a:t>
             </a:r>
-            <a:endParaRPr sz="3000" b="1"/>
+            <a:endParaRPr sz="3000" b="1" dirty="0"/>
           </a:p>
         </p:txBody>
       </p:sp>
@@ -12254,7 +12526,7 @@
               <a:rPr lang="en" sz="3000" b="1"/>
               <a:t>3</a:t>
             </a:r>
-            <a:endParaRPr sz="3000" b="1"/>
+            <a:endParaRPr sz="3000" b="1" dirty="0"/>
           </a:p>
         </p:txBody>
       </p:sp>
@@ -12376,7 +12648,7 @@
               </a:rPr>
               <a:t>?</a:t>
             </a:r>
-            <a:endParaRPr sz="3000" b="1">
+            <a:endParaRPr sz="3000" b="1" dirty="0">
               <a:solidFill>
                 <a:srgbClr val="598E00"/>
               </a:solidFill>
@@ -13327,7 +13599,7 @@
           <a:lstStyle/>
           <a:p>
             <a:pPr algn="ctr"/>
-            <a:endParaRPr lang="en-US"/>
+            <a:endParaRPr lang="en-US" dirty="0"/>
           </a:p>
         </p:txBody>
       </p:sp>
@@ -13772,7 +14044,7 @@
             <p:spPr>
               <a:xfrm>
                 <a:off x="415600" y="1536633"/>
-                <a:ext cx="11360800" cy="4555200"/>
+                <a:ext cx="11360800" cy="4882828"/>
               </a:xfrm>
               <a:prstGeom prst="rect">
                 <a:avLst/>
@@ -13955,10 +14227,18 @@
                 <a:r>
                   <a:rPr lang="en-US" sz="3000" dirty="0">
                     <a:solidFill>
+                      <a:srgbClr val="FF0000"/>
+                    </a:solidFill>
+                  </a:rPr>
+                  <a:t>Bad epoch</a:t>
+                </a:r>
+                <a:r>
+                  <a:rPr lang="en-US" sz="3000" dirty="0">
+                    <a:solidFill>
                       <a:srgbClr val="00B050"/>
                     </a:solidFill>
                   </a:rPr>
-                  <a:t>Bad epoch </a:t>
+                  <a:t> </a:t>
                 </a:r>
                 <a:r>
                   <a:rPr lang="en-US" sz="3000" dirty="0"/>
@@ -13973,7 +14253,19 @@
                 </a:pPr>
                 <a:r>
                   <a:rPr lang="en-US" sz="3000" dirty="0"/>
-                  <a:t>Bad regret on bad epochs: </a:t>
+                  <a:t>Bad regret on </a:t>
+                </a:r>
+                <a:r>
+                  <a:rPr lang="en-US" sz="3000" dirty="0">
+                    <a:solidFill>
+                      <a:srgbClr val="FF0000"/>
+                    </a:solidFill>
+                  </a:rPr>
+                  <a:t>bad epochs</a:t>
+                </a:r>
+                <a:r>
+                  <a:rPr lang="en-US" sz="3000" dirty="0"/>
+                  <a:t>: </a:t>
                 </a:r>
                 <a14:m>
                   <m:oMath xmlns:m="http://schemas.openxmlformats.org/officeDocument/2006/math">
@@ -13998,7 +14290,19 @@
                 </a:pPr>
                 <a:r>
                   <a:rPr lang="en-US" sz="3000" dirty="0"/>
-                  <a:t>BUT bounded number of bad epochs (because the best expert will get sampled and stay in pool), roughly </a:t>
+                  <a:t>Bounded number of </a:t>
+                </a:r>
+                <a:r>
+                  <a:rPr lang="en-US" sz="3000" dirty="0">
+                    <a:solidFill>
+                      <a:srgbClr val="FF0000"/>
+                    </a:solidFill>
+                  </a:rPr>
+                  <a:t>bad epochs</a:t>
+                </a:r>
+                <a:r>
+                  <a:rPr lang="en-US" sz="3000" dirty="0"/>
+                  <a:t>, roughly </a:t>
                 </a:r>
                 <a14:m>
                   <m:oMath xmlns:m="http://schemas.openxmlformats.org/officeDocument/2006/math">
@@ -14049,6 +14353,135 @@
                 </a14:m>
                 <a:endParaRPr lang="en-US" sz="3000" dirty="0"/>
               </a:p>
+              <a:p>
+                <a:pPr>
+                  <a:buClr>
+                    <a:schemeClr val="tx1"/>
+                  </a:buClr>
+                </a:pPr>
+                <a:endParaRPr lang="en-US" sz="3000" dirty="0"/>
+              </a:p>
+              <a:p>
+                <a:pPr>
+                  <a:buClr>
+                    <a:schemeClr val="tx1"/>
+                  </a:buClr>
+                </a:pPr>
+                <a:endParaRPr lang="en-US" sz="3000" dirty="0"/>
+              </a:p>
+              <a:p>
+                <a:pPr>
+                  <a:buClr>
+                    <a:schemeClr val="tx1"/>
+                  </a:buClr>
+                </a:pPr>
+                <a:endParaRPr lang="en-US" sz="3000" dirty="0"/>
+              </a:p>
+              <a:p>
+                <a:pPr>
+                  <a:buClr>
+                    <a:schemeClr val="tx1"/>
+                  </a:buClr>
+                </a:pPr>
+                <a:endParaRPr lang="en-US" sz="3000" dirty="0"/>
+              </a:p>
+              <a:p>
+                <a:pPr>
+                  <a:buClr>
+                    <a:schemeClr val="tx1"/>
+                  </a:buClr>
+                </a:pPr>
+                <a:r>
+                  <a:rPr lang="en-US" sz="3000" dirty="0"/>
+                  <a:t>Regret due to </a:t>
+                </a:r>
+                <a:r>
+                  <a:rPr lang="en-US" sz="3000" dirty="0">
+                    <a:solidFill>
+                      <a:srgbClr val="FF0000"/>
+                    </a:solidFill>
+                  </a:rPr>
+                  <a:t>good epochs</a:t>
+                </a:r>
+                <a:r>
+                  <a:rPr lang="en-US" sz="3000" dirty="0"/>
+                  <a:t>: </a:t>
+                </a:r>
+                <a14:m>
+                  <m:oMath xmlns:m="http://schemas.openxmlformats.org/officeDocument/2006/math">
+                    <m:sSub>
+                      <m:sSubPr>
+                        <m:ctrlPr>
+                          <a:rPr lang="en-US" sz="3000" i="1">
+                            <a:solidFill>
+                              <a:srgbClr val="C00000"/>
+                            </a:solidFill>
+                            <a:latin typeface="Cambria Math" panose="02040503050406030204" pitchFamily="18" charset="0"/>
+                          </a:rPr>
+                        </m:ctrlPr>
+                      </m:sSubPr>
+                      <m:e>
+                        <m:r>
+                          <a:rPr lang="en-US" sz="3000" i="1">
+                            <a:solidFill>
+                              <a:srgbClr val="C00000"/>
+                            </a:solidFill>
+                            <a:latin typeface="Cambria Math" panose="02040503050406030204" pitchFamily="18" charset="0"/>
+                          </a:rPr>
+                          <m:t>𝑂</m:t>
+                        </m:r>
+                      </m:e>
+                      <m:sub>
+                        <m:r>
+                          <a:rPr lang="en-US" sz="3000" i="1">
+                            <a:solidFill>
+                              <a:srgbClr val="C00000"/>
+                            </a:solidFill>
+                            <a:latin typeface="Cambria Math" panose="02040503050406030204" pitchFamily="18" charset="0"/>
+                          </a:rPr>
+                          <m:t>𝑛</m:t>
+                        </m:r>
+                      </m:sub>
+                    </m:sSub>
+                    <m:r>
+                      <a:rPr lang="en-US" sz="3000" i="1">
+                        <a:solidFill>
+                          <a:srgbClr val="C00000"/>
+                        </a:solidFill>
+                        <a:latin typeface="Cambria Math" panose="02040503050406030204" pitchFamily="18" charset="0"/>
+                      </a:rPr>
+                      <m:t>(</m:t>
+                    </m:r>
+                    <m:r>
+                      <a:rPr lang="en-US" sz="3000" b="0" i="1" smtClean="0">
+                        <a:solidFill>
+                          <a:srgbClr val="C00000"/>
+                        </a:solidFill>
+                        <a:latin typeface="Cambria Math" panose="02040503050406030204" pitchFamily="18" charset="0"/>
+                      </a:rPr>
+                      <m:t>𝐵</m:t>
+                    </m:r>
+                    <m:r>
+                      <a:rPr lang="en-US" sz="3000" i="1">
+                        <a:solidFill>
+                          <a:srgbClr val="C00000"/>
+                        </a:solidFill>
+                        <a:latin typeface="Cambria Math" panose="02040503050406030204" pitchFamily="18" charset="0"/>
+                      </a:rPr>
+                      <m:t>)</m:t>
+                    </m:r>
+                  </m:oMath>
+                </a14:m>
+                <a:endParaRPr lang="en-US" sz="3000" dirty="0"/>
+              </a:p>
+              <a:p>
+                <a:pPr>
+                  <a:buClr>
+                    <a:schemeClr val="tx1"/>
+                  </a:buClr>
+                </a:pPr>
+                <a:endParaRPr lang="en-US" sz="3000" dirty="0"/>
+              </a:p>
             </p:txBody>
           </p:sp>
         </mc:Choice>
@@ -14070,7 +14503,7 @@
             <p:spPr>
               <a:xfrm>
                 <a:off x="415600" y="1536633"/>
-                <a:ext cx="11360800" cy="4555200"/>
+                <a:ext cx="11360800" cy="4882828"/>
               </a:xfrm>
               <a:prstGeom prst="rect">
                 <a:avLst/>
@@ -14078,7 +14511,7 @@
               <a:blipFill>
                 <a:blip r:embed="rId2"/>
                 <a:stretch>
-                  <a:fillRect l="-1073" t="-2677" r="-590"/>
+                  <a:fillRect l="-1073" t="-2497"/>
                 </a:stretch>
               </a:blipFill>
             </p:spPr>
@@ -14341,7 +14774,7 @@
           <a:lstStyle/>
           <a:p>
             <a:pPr algn="ctr"/>
-            <a:endParaRPr lang="en-US"/>
+            <a:endParaRPr lang="en-US" dirty="0"/>
           </a:p>
         </p:txBody>
       </p:sp>
@@ -14393,7 +14826,7 @@
           <a:lstStyle/>
           <a:p>
             <a:pPr algn="ctr"/>
-            <a:endParaRPr lang="en-US"/>
+            <a:endParaRPr lang="en-US" dirty="0"/>
           </a:p>
         </p:txBody>
       </p:sp>
@@ -14445,7 +14878,7 @@
           <a:lstStyle/>
           <a:p>
             <a:pPr algn="ctr"/>
-            <a:endParaRPr lang="en-US"/>
+            <a:endParaRPr lang="en-US" dirty="0"/>
           </a:p>
         </p:txBody>
       </p:sp>
@@ -14502,7 +14935,7 @@
           <a:lstStyle/>
           <a:p>
             <a:pPr algn="ctr"/>
-            <a:endParaRPr lang="en-US"/>
+            <a:endParaRPr lang="en-US" dirty="0"/>
           </a:p>
         </p:txBody>
       </p:sp>
@@ -14554,7 +14987,7 @@
           <a:lstStyle/>
           <a:p>
             <a:pPr algn="ctr"/>
-            <a:endParaRPr lang="en-US"/>
+            <a:endParaRPr lang="en-US" dirty="0"/>
           </a:p>
         </p:txBody>
       </p:sp>
@@ -14611,7 +15044,7 @@
           <a:lstStyle/>
           <a:p>
             <a:pPr algn="ctr"/>
-            <a:endParaRPr lang="en-US"/>
+            <a:endParaRPr lang="en-US" dirty="0"/>
           </a:p>
         </p:txBody>
       </p:sp>
@@ -14663,7 +15096,7 @@
           <a:lstStyle/>
           <a:p>
             <a:pPr algn="ctr"/>
-            <a:endParaRPr lang="en-US"/>
+            <a:endParaRPr lang="en-US" dirty="0"/>
           </a:p>
         </p:txBody>
       </p:sp>
@@ -14715,7 +15148,7 @@
           <a:lstStyle/>
           <a:p>
             <a:pPr algn="ctr"/>
-            <a:endParaRPr lang="en-US"/>
+            <a:endParaRPr lang="en-US" dirty="0"/>
           </a:p>
         </p:txBody>
       </p:sp>
@@ -14767,7 +15200,7 @@
           <a:lstStyle/>
           <a:p>
             <a:pPr algn="ctr"/>
-            <a:endParaRPr lang="en-US"/>
+            <a:endParaRPr lang="en-US" dirty="0"/>
           </a:p>
         </p:txBody>
       </p:sp>
@@ -14819,7 +15252,7 @@
           <a:lstStyle/>
           <a:p>
             <a:pPr algn="ctr"/>
-            <a:endParaRPr lang="en-US"/>
+            <a:endParaRPr lang="en-US" dirty="0"/>
           </a:p>
         </p:txBody>
       </p:sp>
@@ -14876,7 +15309,7 @@
           <a:lstStyle/>
           <a:p>
             <a:pPr algn="ctr"/>
-            <a:endParaRPr lang="en-US"/>
+            <a:endParaRPr lang="en-US" dirty="0"/>
           </a:p>
         </p:txBody>
       </p:sp>
@@ -14933,7 +15366,7 @@
           <a:lstStyle/>
           <a:p>
             <a:pPr algn="ctr"/>
-            <a:endParaRPr lang="en-US"/>
+            <a:endParaRPr lang="en-US" dirty="0"/>
           </a:p>
         </p:txBody>
       </p:sp>
@@ -14985,7 +15418,7 @@
           <a:lstStyle/>
           <a:p>
             <a:pPr algn="ctr"/>
-            <a:endParaRPr lang="en-US"/>
+            <a:endParaRPr lang="en-US" dirty="0"/>
           </a:p>
         </p:txBody>
       </p:sp>
@@ -15037,7 +15470,7 @@
           <a:lstStyle/>
           <a:p>
             <a:pPr algn="ctr"/>
-            <a:endParaRPr lang="en-US"/>
+            <a:endParaRPr lang="en-US" dirty="0"/>
           </a:p>
         </p:txBody>
       </p:sp>
@@ -15089,7 +15522,7 @@
           <a:lstStyle/>
           <a:p>
             <a:pPr algn="ctr"/>
-            <a:endParaRPr lang="en-US"/>
+            <a:endParaRPr lang="en-US" dirty="0"/>
           </a:p>
         </p:txBody>
       </p:sp>
@@ -15141,7 +15574,7 @@
           <a:lstStyle/>
           <a:p>
             <a:pPr algn="ctr"/>
-            <a:endParaRPr lang="en-US"/>
+            <a:endParaRPr lang="en-US" dirty="0"/>
           </a:p>
         </p:txBody>
       </p:sp>
@@ -15193,7 +15626,7 @@
           <a:lstStyle/>
           <a:p>
             <a:pPr algn="ctr"/>
-            <a:endParaRPr lang="en-US"/>
+            <a:endParaRPr lang="en-US" dirty="0"/>
           </a:p>
         </p:txBody>
       </p:sp>
@@ -15250,7 +15683,7 @@
           <a:lstStyle/>
           <a:p>
             <a:pPr algn="ctr"/>
-            <a:endParaRPr lang="en-US"/>
+            <a:endParaRPr lang="en-US" dirty="0"/>
           </a:p>
         </p:txBody>
       </p:sp>
@@ -15495,36 +15928,28 @@
                 </a:r>
                 <a14:m>
                   <m:oMath xmlns:m="http://schemas.openxmlformats.org/officeDocument/2006/math">
-                    <m:rad>
-                      <m:radPr>
-                        <m:degHide m:val="on"/>
-                        <m:ctrlPr>
-                          <a:rPr lang="en-US" sz="3000" b="0" i="1" smtClean="0">
-                            <a:solidFill>
-                              <a:srgbClr val="C00000"/>
-                            </a:solidFill>
-                            <a:latin typeface="Cambria Math" panose="02040503050406030204" pitchFamily="18" charset="0"/>
-                          </a:rPr>
-                        </m:ctrlPr>
-                      </m:radPr>
-                      <m:deg/>
-                      <m:e>
-                        <m:r>
-                          <a:rPr lang="en-US" sz="3000" b="0" i="1" smtClean="0">
-                            <a:solidFill>
-                              <a:srgbClr val="C00000"/>
-                            </a:solidFill>
-                            <a:latin typeface="Cambria Math" panose="02040503050406030204" pitchFamily="18" charset="0"/>
-                          </a:rPr>
-                          <m:t>𝐵</m:t>
-                        </m:r>
-                      </m:e>
-                    </m:rad>
+                    <m:r>
+                      <a:rPr lang="en-US" sz="3000" b="0" i="1" smtClean="0">
+                        <a:solidFill>
+                          <a:srgbClr val="C00000"/>
+                        </a:solidFill>
+                        <a:latin typeface="Cambria Math" panose="02040503050406030204" pitchFamily="18" charset="0"/>
+                      </a:rPr>
+                      <m:t>𝐵</m:t>
+                    </m:r>
                   </m:oMath>
                 </a14:m>
                 <a:r>
                   <a:rPr lang="en-US" sz="3000" dirty="0"/>
-                  <a:t> within good epoch</a:t>
+                  <a:t> within </a:t>
+                </a:r>
+                <a:r>
+                  <a:rPr lang="en-US" sz="3000" dirty="0">
+                    <a:solidFill>
+                      <a:srgbClr val="FF0000"/>
+                    </a:solidFill>
+                  </a:rPr>
+                  <a:t>bad epoch</a:t>
                 </a:r>
               </a:p>
               <a:p>
@@ -15570,7 +15995,15 @@
                 </a14:m>
                 <a:r>
                   <a:rPr lang="en-US" sz="3000" dirty="0"/>
-                  <a:t> of “restarts”</a:t>
+                  <a:t> of “restarts” for </a:t>
+                </a:r>
+                <a:r>
+                  <a:rPr lang="en-US" sz="3000" dirty="0">
+                    <a:solidFill>
+                      <a:srgbClr val="00B050"/>
+                    </a:solidFill>
+                  </a:rPr>
+                  <a:t>good epoch</a:t>
                 </a:r>
               </a:p>
               <a:p>
@@ -15881,7 +16314,7 @@
               <a:blipFill>
                 <a:blip r:embed="rId2"/>
                 <a:stretch>
-                  <a:fillRect l="-1073" t="-1572" b="-1451"/>
+                  <a:fillRect l="-1073" t="-2418" r="-376" b="-726"/>
                 </a:stretch>
               </a:blipFill>
             </p:spPr>
@@ -16295,7 +16728,7 @@
           <a:lstStyle/>
           <a:p>
             <a:pPr algn="ctr"/>
-            <a:endParaRPr lang="en-US"/>
+            <a:endParaRPr lang="en-US" dirty="0"/>
           </a:p>
         </p:txBody>
       </p:sp>
@@ -16352,7 +16785,7 @@
           <a:lstStyle/>
           <a:p>
             <a:pPr algn="ctr"/>
-            <a:endParaRPr lang="en-US"/>
+            <a:endParaRPr lang="en-US" dirty="0"/>
           </a:p>
         </p:txBody>
       </p:sp>
@@ -16409,7 +16842,7 @@
           <a:lstStyle/>
           <a:p>
             <a:pPr algn="ctr"/>
-            <a:endParaRPr lang="en-US"/>
+            <a:endParaRPr lang="en-US" dirty="0"/>
           </a:p>
         </p:txBody>
       </p:sp>
@@ -16466,7 +16899,7 @@
           <a:lstStyle/>
           <a:p>
             <a:pPr algn="ctr"/>
-            <a:endParaRPr lang="en-US"/>
+            <a:endParaRPr lang="en-US" dirty="0"/>
           </a:p>
         </p:txBody>
       </p:sp>
@@ -16523,7 +16956,7 @@
           <a:lstStyle/>
           <a:p>
             <a:pPr algn="ctr"/>
-            <a:endParaRPr lang="en-US"/>
+            <a:endParaRPr lang="en-US" dirty="0"/>
           </a:p>
         </p:txBody>
       </p:sp>
@@ -16580,7 +17013,7 @@
           <a:lstStyle/>
           <a:p>
             <a:pPr algn="ctr"/>
-            <a:endParaRPr lang="en-US"/>
+            <a:endParaRPr lang="en-US" dirty="0"/>
           </a:p>
         </p:txBody>
       </p:sp>
@@ -16637,7 +17070,7 @@
           <a:lstStyle/>
           <a:p>
             <a:pPr algn="ctr"/>
-            <a:endParaRPr lang="en-US"/>
+            <a:endParaRPr lang="en-US" dirty="0"/>
           </a:p>
         </p:txBody>
       </p:sp>
@@ -16694,7 +17127,7 @@
           <a:lstStyle/>
           <a:p>
             <a:pPr algn="ctr"/>
-            <a:endParaRPr lang="en-US"/>
+            <a:endParaRPr lang="en-US" dirty="0"/>
           </a:p>
         </p:txBody>
       </p:sp>
@@ -16751,7 +17184,7 @@
           <a:lstStyle/>
           <a:p>
             <a:pPr algn="ctr"/>
-            <a:endParaRPr lang="en-US"/>
+            <a:endParaRPr lang="en-US" dirty="0"/>
           </a:p>
         </p:txBody>
       </p:sp>
@@ -16808,7 +17241,7 @@
           <a:lstStyle/>
           <a:p>
             <a:pPr algn="ctr"/>
-            <a:endParaRPr lang="en-US"/>
+            <a:endParaRPr lang="en-US" dirty="0"/>
           </a:p>
         </p:txBody>
       </p:sp>
@@ -16865,7 +17298,7 @@
           <a:lstStyle/>
           <a:p>
             <a:pPr algn="ctr"/>
-            <a:endParaRPr lang="en-US"/>
+            <a:endParaRPr lang="en-US" dirty="0"/>
           </a:p>
         </p:txBody>
       </p:sp>
@@ -16922,7 +17355,7 @@
           <a:lstStyle/>
           <a:p>
             <a:pPr algn="ctr"/>
-            <a:endParaRPr lang="en-US"/>
+            <a:endParaRPr lang="en-US" dirty="0"/>
           </a:p>
         </p:txBody>
       </p:sp>
@@ -16979,7 +17412,7 @@
           <a:lstStyle/>
           <a:p>
             <a:pPr algn="ctr"/>
-            <a:endParaRPr lang="en-US"/>
+            <a:endParaRPr lang="en-US" dirty="0"/>
           </a:p>
         </p:txBody>
       </p:sp>
@@ -17036,7 +17469,7 @@
           <a:lstStyle/>
           <a:p>
             <a:pPr algn="ctr"/>
-            <a:endParaRPr lang="en-US"/>
+            <a:endParaRPr lang="en-US" dirty="0"/>
           </a:p>
         </p:txBody>
       </p:sp>
@@ -17093,7 +17526,7 @@
           <a:lstStyle/>
           <a:p>
             <a:pPr algn="ctr"/>
-            <a:endParaRPr lang="en-US"/>
+            <a:endParaRPr lang="en-US" dirty="0"/>
           </a:p>
         </p:txBody>
       </p:sp>
@@ -17150,7 +17583,7 @@
           <a:lstStyle/>
           <a:p>
             <a:pPr algn="ctr"/>
-            <a:endParaRPr lang="en-US"/>
+            <a:endParaRPr lang="en-US" dirty="0"/>
           </a:p>
         </p:txBody>
       </p:sp>
@@ -17207,7 +17640,7 @@
           <a:lstStyle/>
           <a:p>
             <a:pPr algn="ctr"/>
-            <a:endParaRPr lang="en-US"/>
+            <a:endParaRPr lang="en-US" dirty="0"/>
           </a:p>
         </p:txBody>
       </p:sp>
@@ -17264,7 +17697,7 @@
           <a:lstStyle/>
           <a:p>
             <a:pPr algn="ctr"/>
-            <a:endParaRPr lang="en-US"/>
+            <a:endParaRPr lang="en-US" dirty="0"/>
           </a:p>
         </p:txBody>
       </p:sp>
@@ -17754,7 +18187,7 @@
           <a:lstStyle/>
           <a:p>
             <a:pPr algn="ctr"/>
-            <a:endParaRPr lang="en-US"/>
+            <a:endParaRPr lang="en-US" dirty="0"/>
           </a:p>
         </p:txBody>
       </p:sp>
@@ -17811,7 +18244,7 @@
           <a:lstStyle/>
           <a:p>
             <a:pPr algn="ctr"/>
-            <a:endParaRPr lang="en-US"/>
+            <a:endParaRPr lang="en-US" dirty="0"/>
           </a:p>
         </p:txBody>
       </p:sp>
@@ -17868,7 +18301,7 @@
           <a:lstStyle/>
           <a:p>
             <a:pPr algn="ctr"/>
-            <a:endParaRPr lang="en-US"/>
+            <a:endParaRPr lang="en-US" dirty="0"/>
           </a:p>
         </p:txBody>
       </p:sp>
@@ -17925,7 +18358,7 @@
           <a:lstStyle/>
           <a:p>
             <a:pPr algn="ctr"/>
-            <a:endParaRPr lang="en-US"/>
+            <a:endParaRPr lang="en-US" dirty="0"/>
           </a:p>
         </p:txBody>
       </p:sp>
@@ -17982,7 +18415,7 @@
           <a:lstStyle/>
           <a:p>
             <a:pPr algn="ctr"/>
-            <a:endParaRPr lang="en-US"/>
+            <a:endParaRPr lang="en-US" dirty="0"/>
           </a:p>
         </p:txBody>
       </p:sp>
@@ -18039,7 +18472,7 @@
           <a:lstStyle/>
           <a:p>
             <a:pPr algn="ctr"/>
-            <a:endParaRPr lang="en-US"/>
+            <a:endParaRPr lang="en-US" dirty="0"/>
           </a:p>
         </p:txBody>
       </p:sp>
@@ -18096,7 +18529,7 @@
           <a:lstStyle/>
           <a:p>
             <a:pPr algn="ctr"/>
-            <a:endParaRPr lang="en-US"/>
+            <a:endParaRPr lang="en-US" dirty="0"/>
           </a:p>
         </p:txBody>
       </p:sp>
@@ -18153,7 +18586,7 @@
           <a:lstStyle/>
           <a:p>
             <a:pPr algn="ctr"/>
-            <a:endParaRPr lang="en-US"/>
+            <a:endParaRPr lang="en-US" dirty="0"/>
           </a:p>
         </p:txBody>
       </p:sp>
@@ -18210,7 +18643,7 @@
           <a:lstStyle/>
           <a:p>
             <a:pPr algn="ctr"/>
-            <a:endParaRPr lang="en-US"/>
+            <a:endParaRPr lang="en-US" dirty="0"/>
           </a:p>
         </p:txBody>
       </p:sp>
@@ -18267,7 +18700,7 @@
           <a:lstStyle/>
           <a:p>
             <a:pPr algn="ctr"/>
-            <a:endParaRPr lang="en-US"/>
+            <a:endParaRPr lang="en-US" dirty="0"/>
           </a:p>
         </p:txBody>
       </p:sp>
@@ -18324,7 +18757,7 @@
           <a:lstStyle/>
           <a:p>
             <a:pPr algn="ctr"/>
-            <a:endParaRPr lang="en-US"/>
+            <a:endParaRPr lang="en-US" dirty="0"/>
           </a:p>
         </p:txBody>
       </p:sp>
@@ -18381,7 +18814,7 @@
           <a:lstStyle/>
           <a:p>
             <a:pPr algn="ctr"/>
-            <a:endParaRPr lang="en-US"/>
+            <a:endParaRPr lang="en-US" dirty="0"/>
           </a:p>
         </p:txBody>
       </p:sp>
@@ -18438,7 +18871,7 @@
           <a:lstStyle/>
           <a:p>
             <a:pPr algn="ctr"/>
-            <a:endParaRPr lang="en-US"/>
+            <a:endParaRPr lang="en-US" dirty="0"/>
           </a:p>
         </p:txBody>
       </p:sp>
@@ -18495,7 +18928,7 @@
           <a:lstStyle/>
           <a:p>
             <a:pPr algn="ctr"/>
-            <a:endParaRPr lang="en-US"/>
+            <a:endParaRPr lang="en-US" dirty="0"/>
           </a:p>
         </p:txBody>
       </p:sp>
@@ -18552,7 +18985,7 @@
           <a:lstStyle/>
           <a:p>
             <a:pPr algn="ctr"/>
-            <a:endParaRPr lang="en-US"/>
+            <a:endParaRPr lang="en-US" dirty="0"/>
           </a:p>
         </p:txBody>
       </p:sp>
@@ -18609,7 +19042,7 @@
           <a:lstStyle/>
           <a:p>
             <a:pPr algn="ctr"/>
-            <a:endParaRPr lang="en-US"/>
+            <a:endParaRPr lang="en-US" dirty="0"/>
           </a:p>
         </p:txBody>
       </p:sp>
@@ -18666,7 +19099,7 @@
           <a:lstStyle/>
           <a:p>
             <a:pPr algn="ctr"/>
-            <a:endParaRPr lang="en-US"/>
+            <a:endParaRPr lang="en-US" dirty="0"/>
           </a:p>
         </p:txBody>
       </p:sp>
@@ -18723,7 +19156,7 @@
           <a:lstStyle/>
           <a:p>
             <a:pPr algn="ctr"/>
-            <a:endParaRPr lang="en-US"/>
+            <a:endParaRPr lang="en-US" dirty="0"/>
           </a:p>
         </p:txBody>
       </p:sp>
@@ -19288,7 +19721,7 @@
             </p:spPr>
             <p:txBody>
               <a:bodyPr vert="horz" lIns="91440" tIns="45720" rIns="91440" bIns="45720" rtlCol="0">
-                <a:normAutofit/>
+                <a:normAutofit lnSpcReduction="10000"/>
               </a:bodyPr>
               <a:lstStyle>
                 <a:lvl1pPr marL="228600" indent="-228600" algn="l" defTabSz="914400" rtl="0" eaLnBrk="1" latinLnBrk="0" hangingPunct="1">
@@ -19470,7 +19903,7 @@
                       <a:srgbClr val="0070C0"/>
                     </a:solidFill>
                   </a:rPr>
-                  <a:t>learning</a:t>
+                  <a:t>playing</a:t>
                 </a:r>
                 <a:r>
                   <a:rPr lang="en-US" sz="3000" dirty="0"/>
@@ -19482,7 +19915,7 @@
                       <a:srgbClr val="0070C0"/>
                     </a:solidFill>
                   </a:rPr>
-                  <a:t>playing</a:t>
+                  <a:t>learning</a:t>
                 </a:r>
               </a:p>
               <a:p>
@@ -19497,7 +19930,7 @@
                       <a:srgbClr val="00B050"/>
                     </a:solidFill>
                   </a:rPr>
-                  <a:t>Query 1</a:t>
+                  <a:t>Query 1 (playing)</a:t>
                 </a:r>
                 <a:r>
                   <a:rPr lang="en-US" sz="3000" dirty="0"/>
@@ -19516,7 +19949,7 @@
                       <a:srgbClr val="00B050"/>
                     </a:solidFill>
                   </a:rPr>
-                  <a:t>Query 2</a:t>
+                  <a:t>Query 2 (learning)</a:t>
                 </a:r>
                 <a:r>
                   <a:rPr lang="en-US" sz="3000" dirty="0"/>
@@ -19725,7 +20158,7 @@
               <a:blipFill>
                 <a:blip r:embed="rId2"/>
                 <a:stretch>
-                  <a:fillRect l="-1073" t="-2677"/>
+                  <a:fillRect l="-1073" t="-3481"/>
                 </a:stretch>
               </a:blipFill>
             </p:spPr>
@@ -19872,8 +20305,8 @@
           </a:p>
         </p:txBody>
       </p:sp>
-      <mc:AlternateContent xmlns:mc="http://schemas.openxmlformats.org/markup-compatibility/2006" xmlns:a14="http://schemas.microsoft.com/office/drawing/2010/main">
-        <mc:Choice Requires="a14">
+      <mc:AlternateContent xmlns:mc="http://schemas.openxmlformats.org/markup-compatibility/2006">
+        <mc:Choice xmlns:a14="http://schemas.microsoft.com/office/drawing/2010/main" Requires="a14">
           <p:sp>
             <p:nvSpPr>
               <p:cNvPr id="3" name="Text Placeholder 2">
@@ -20340,13 +20773,21 @@
                 </a14:m>
                 <a:r>
                   <a:rPr lang="en-US" sz="3000" dirty="0"/>
-                  <a:t> memory</a:t>
+                  <a:t> memory  </a:t>
+                </a:r>
+                <a:r>
+                  <a:rPr lang="en-US" sz="3000" dirty="0">
+                    <a:solidFill>
+                      <a:srgbClr val="7030A0"/>
+                    </a:solidFill>
+                  </a:rPr>
+                  <a:t>(in fact, only best expert needs to be random order)</a:t>
                 </a:r>
               </a:p>
             </p:txBody>
           </p:sp>
         </mc:Choice>
-        <mc:Fallback xmlns="">
+        <mc:Fallback>
           <p:sp>
             <p:nvSpPr>
               <p:cNvPr id="3" name="Text Placeholder 2">
@@ -20367,7 +20808,7 @@
               <a:blipFill>
                 <a:blip r:embed="rId2"/>
                 <a:stretch>
-                  <a:fillRect t="-1606"/>
+                  <a:fillRect t="-1606" b="-402"/>
                 </a:stretch>
               </a:blipFill>
             </p:spPr>
@@ -20456,8 +20897,8 @@
           </a:p>
         </p:txBody>
       </p:sp>
-      <mc:AlternateContent xmlns:mc="http://schemas.openxmlformats.org/markup-compatibility/2006" xmlns:a14="http://schemas.microsoft.com/office/drawing/2010/main">
-        <mc:Choice Requires="a14">
+      <mc:AlternateContent xmlns:mc="http://schemas.openxmlformats.org/markup-compatibility/2006">
+        <mc:Choice xmlns:a14="http://schemas.microsoft.com/office/drawing/2010/main" Requires="a14">
           <p:sp>
             <p:nvSpPr>
               <p:cNvPr id="3" name="Text Placeholder 2">
@@ -20589,7 +21030,19 @@
                 </a14:m>
                 <a:r>
                   <a:rPr lang="en-US" sz="2800" dirty="0"/>
-                  <a:t> (Loss on bad epochs)</a:t>
+                  <a:t> (Loss on </a:t>
+                </a:r>
+                <a:r>
+                  <a:rPr lang="en-US" sz="2800" dirty="0">
+                    <a:solidFill>
+                      <a:srgbClr val="FF0000"/>
+                    </a:solidFill>
+                  </a:rPr>
+                  <a:t>bad epochs</a:t>
+                </a:r>
+                <a:r>
+                  <a:rPr lang="en-US" sz="2800" dirty="0"/>
+                  <a:t>)</a:t>
                 </a:r>
               </a:p>
               <a:p>
@@ -20697,7 +21150,19 @@
                 </a14:m>
                 <a:r>
                   <a:rPr lang="en-US" sz="2800" dirty="0"/>
-                  <a:t> (Loss on good epochs)</a:t>
+                  <a:t> (Loss on </a:t>
+                </a:r>
+                <a:r>
+                  <a:rPr lang="en-US" sz="2800" dirty="0">
+                    <a:solidFill>
+                      <a:srgbClr val="00B050"/>
+                    </a:solidFill>
+                  </a:rPr>
+                  <a:t>good epochs</a:t>
+                </a:r>
+                <a:r>
+                  <a:rPr lang="en-US" sz="2800" dirty="0"/>
+                  <a:t>)</a:t>
                 </a:r>
               </a:p>
               <a:p>
@@ -20722,7 +21187,7 @@
             </p:txBody>
           </p:sp>
         </mc:Choice>
-        <mc:Fallback xmlns="">
+        <mc:Fallback>
           <p:sp>
             <p:nvSpPr>
               <p:cNvPr id="3" name="Text Placeholder 2">
@@ -20746,6 +21211,161 @@
                   <a:fillRect t="-1606"/>
                 </a:stretch>
               </a:blipFill>
+            </p:spPr>
+            <p:txBody>
+              <a:bodyPr/>
+              <a:lstStyle/>
+              <a:p>
+                <a:r>
+                  <a:rPr lang="en-US">
+                    <a:noFill/>
+                  </a:rPr>
+                  <a:t> </a:t>
+                </a:r>
+              </a:p>
+            </p:txBody>
+          </p:sp>
+        </mc:Fallback>
+      </mc:AlternateContent>
+      <mc:AlternateContent xmlns:mc="http://schemas.openxmlformats.org/markup-compatibility/2006">
+        <mc:Choice xmlns:a14="http://schemas.microsoft.com/office/drawing/2010/main" Requires="a14">
+          <p:sp>
+            <p:nvSpPr>
+              <p:cNvPr id="4" name="Explosion: 14 Points 3">
+                <a:extLst>
+                  <a:ext uri="{FF2B5EF4-FFF2-40B4-BE49-F238E27FC236}">
+                    <a16:creationId xmlns:a16="http://schemas.microsoft.com/office/drawing/2014/main" id="{41AA12A0-9A92-657B-7578-FE42D3C41268}"/>
+                  </a:ext>
+                </a:extLst>
+              </p:cNvPr>
+              <p:cNvSpPr/>
+              <p:nvPr/>
+            </p:nvSpPr>
+            <p:spPr>
+              <a:xfrm>
+                <a:off x="5122915" y="3771152"/>
+                <a:ext cx="6014302" cy="3035431"/>
+              </a:xfrm>
+              <a:prstGeom prst="irregularSeal2">
+                <a:avLst/>
+              </a:prstGeom>
+              <a:solidFill>
+                <a:schemeClr val="accent2">
+                  <a:lumMod val="20000"/>
+                  <a:lumOff val="80000"/>
+                </a:schemeClr>
+              </a:solidFill>
+              <a:ln w="38100"/>
+            </p:spPr>
+            <p:style>
+              <a:lnRef idx="2">
+                <a:schemeClr val="accent1">
+                  <a:shade val="15000"/>
+                </a:schemeClr>
+              </a:lnRef>
+              <a:fillRef idx="1">
+                <a:schemeClr val="accent1"/>
+              </a:fillRef>
+              <a:effectRef idx="0">
+                <a:schemeClr val="accent1"/>
+              </a:effectRef>
+              <a:fontRef idx="minor">
+                <a:schemeClr val="lt1"/>
+              </a:fontRef>
+            </p:style>
+            <p:txBody>
+              <a:bodyPr rtlCol="0" anchor="ctr"/>
+              <a:lstStyle/>
+              <a:p>
+                <a:pPr algn="ctr"/>
+                <a:r>
+                  <a:rPr lang="en-US" sz="3000" dirty="0">
+                    <a:solidFill>
+                      <a:schemeClr val="tx1"/>
+                    </a:solidFill>
+                  </a:rPr>
+                  <a:t>Gives </a:t>
+                </a:r>
+                <a14:m>
+                  <m:oMath xmlns:m="http://schemas.openxmlformats.org/officeDocument/2006/math">
+                    <m:sSup>
+                      <m:sSupPr>
+                        <m:ctrlPr>
+                          <a:rPr lang="en-US" sz="3000" b="0" i="1" smtClean="0">
+                            <a:solidFill>
+                              <a:srgbClr val="C00000"/>
+                            </a:solidFill>
+                            <a:latin typeface="Cambria Math" panose="02040503050406030204" pitchFamily="18" charset="0"/>
+                          </a:rPr>
+                        </m:ctrlPr>
+                      </m:sSupPr>
+                      <m:e>
+                        <m:r>
+                          <a:rPr lang="en-US" sz="3000" i="1" smtClean="0">
+                            <a:solidFill>
+                              <a:srgbClr val="C00000"/>
+                            </a:solidFill>
+                            <a:latin typeface="Cambria Math" panose="02040503050406030204" pitchFamily="18" charset="0"/>
+                          </a:rPr>
+                          <m:t>𝑇</m:t>
+                        </m:r>
+                      </m:e>
+                      <m:sup>
+                        <m:r>
+                          <a:rPr lang="en-US" sz="3000" b="0" i="1" smtClean="0">
+                            <a:solidFill>
+                              <a:srgbClr val="C00000"/>
+                            </a:solidFill>
+                            <a:latin typeface="Cambria Math" panose="02040503050406030204" pitchFamily="18" charset="0"/>
+                          </a:rPr>
+                          <m:t>2/3</m:t>
+                        </m:r>
+                      </m:sup>
+                    </m:sSup>
+                  </m:oMath>
+                </a14:m>
+                <a:r>
+                  <a:rPr lang="en-US" sz="3000" dirty="0">
+                    <a:solidFill>
+                      <a:schemeClr val="tx1"/>
+                    </a:solidFill>
+                  </a:rPr>
+                  <a:t> regret! </a:t>
+                </a:r>
+              </a:p>
+            </p:txBody>
+          </p:sp>
+        </mc:Choice>
+        <mc:Fallback>
+          <p:sp>
+            <p:nvSpPr>
+              <p:cNvPr id="4" name="Explosion: 14 Points 3">
+                <a:extLst>
+                  <a:ext uri="{FF2B5EF4-FFF2-40B4-BE49-F238E27FC236}">
+                    <a16:creationId xmlns:a16="http://schemas.microsoft.com/office/drawing/2014/main" id="{41AA12A0-9A92-657B-7578-FE42D3C41268}"/>
+                  </a:ext>
+                </a:extLst>
+              </p:cNvPr>
+              <p:cNvSpPr>
+                <a:spLocks noRot="1" noChangeAspect="1" noMove="1" noResize="1" noEditPoints="1" noAdjustHandles="1" noChangeArrowheads="1" noChangeShapeType="1" noTextEdit="1"/>
+              </p:cNvSpPr>
+              <p:nvPr/>
+            </p:nvSpPr>
+            <p:spPr>
+              <a:xfrm>
+                <a:off x="5122915" y="3771152"/>
+                <a:ext cx="6014302" cy="3035431"/>
+              </a:xfrm>
+              <a:prstGeom prst="irregularSeal2">
+                <a:avLst/>
+              </a:prstGeom>
+              <a:blipFill>
+                <a:blip r:embed="rId3"/>
+                <a:stretch>
+                  <a:fillRect/>
+                </a:stretch>
+              </a:blipFill>
+              <a:ln w="38100"/>
             </p:spPr>
             <p:txBody>
               <a:bodyPr/>
@@ -20862,7 +21482,7 @@
             </a:pPr>
             <a:r>
               <a:rPr lang="en-US" sz="3000" dirty="0"/>
-              <a:t>Best expert losses permuted (weaker assumption)</a:t>
+              <a:t>Losses of best expert in random permutation (weaker assumption)</a:t>
             </a:r>
           </a:p>
           <a:p>
@@ -20989,13 +21609,13 @@
                   <a:srgbClr val="C00000"/>
                 </a:solidFill>
               </a:rPr>
-              <a:t>Future Work?</a:t>
+              <a:t>Future Work</a:t>
             </a:r>
           </a:p>
         </p:txBody>
       </p:sp>
-      <mc:AlternateContent xmlns:mc="http://schemas.openxmlformats.org/markup-compatibility/2006" xmlns:a14="http://schemas.microsoft.com/office/drawing/2010/main">
-        <mc:Choice Requires="a14">
+      <mc:AlternateContent xmlns:mc="http://schemas.openxmlformats.org/markup-compatibility/2006">
+        <mc:Choice xmlns:a14="http://schemas.microsoft.com/office/drawing/2010/main" Requires="a14">
           <p:sp>
             <p:nvSpPr>
               <p:cNvPr id="3" name="Text Placeholder 2">
@@ -21026,7 +21646,267 @@
                 </a:pPr>
                 <a:r>
                   <a:rPr lang="en-US" sz="3000" dirty="0"/>
-                  <a:t>Is it possible to achieve algorithm for </a:t>
+                  <a:t>Our results get</a:t>
+                </a:r>
+                <a:r>
+                  <a:rPr lang="en-US" sz="3000" dirty="0">
+                    <a:solidFill>
+                      <a:srgbClr val="C00000"/>
+                    </a:solidFill>
+                  </a:rPr>
+                  <a:t> </a:t>
+                </a:r>
+                <a14:m>
+                  <m:oMath xmlns:m="http://schemas.openxmlformats.org/officeDocument/2006/math">
+                    <m:sSub>
+                      <m:sSubPr>
+                        <m:ctrlPr>
+                          <a:rPr lang="en-US" sz="3000" b="0" i="1" dirty="0" smtClean="0">
+                            <a:solidFill>
+                              <a:srgbClr val="C00000"/>
+                            </a:solidFill>
+                            <a:latin typeface="Cambria Math" panose="02040503050406030204" pitchFamily="18" charset="0"/>
+                          </a:rPr>
+                        </m:ctrlPr>
+                      </m:sSubPr>
+                      <m:e>
+                        <m:acc>
+                          <m:accPr>
+                            <m:chr m:val="̃"/>
+                            <m:ctrlPr>
+                              <a:rPr lang="en-US" sz="3000" i="1" dirty="0">
+                                <a:solidFill>
+                                  <a:srgbClr val="C00000"/>
+                                </a:solidFill>
+                                <a:latin typeface="Cambria Math" panose="02040503050406030204" pitchFamily="18" charset="0"/>
+                              </a:rPr>
+                            </m:ctrlPr>
+                          </m:accPr>
+                          <m:e>
+                            <m:r>
+                              <a:rPr lang="en-US" sz="3000" i="1" dirty="0">
+                                <a:solidFill>
+                                  <a:srgbClr val="C00000"/>
+                                </a:solidFill>
+                                <a:latin typeface="Cambria Math" panose="02040503050406030204" pitchFamily="18" charset="0"/>
+                              </a:rPr>
+                              <m:t>𝑂</m:t>
+                            </m:r>
+                          </m:e>
+                        </m:acc>
+                      </m:e>
+                      <m:sub>
+                        <m:r>
+                          <a:rPr lang="en-US" sz="3000" b="0" i="1" dirty="0" smtClean="0">
+                            <a:solidFill>
+                              <a:srgbClr val="C00000"/>
+                            </a:solidFill>
+                            <a:latin typeface="Cambria Math" panose="02040503050406030204" pitchFamily="18" charset="0"/>
+                          </a:rPr>
+                          <m:t>𝑛</m:t>
+                        </m:r>
+                      </m:sub>
+                    </m:sSub>
+                    <m:d>
+                      <m:dPr>
+                        <m:ctrlPr>
+                          <a:rPr lang="en-US" sz="3000" i="1">
+                            <a:solidFill>
+                              <a:srgbClr val="C00000"/>
+                            </a:solidFill>
+                            <a:latin typeface="Cambria Math" panose="02040503050406030204" pitchFamily="18" charset="0"/>
+                          </a:rPr>
+                        </m:ctrlPr>
+                      </m:dPr>
+                      <m:e>
+                        <m:sSup>
+                          <m:sSupPr>
+                            <m:ctrlPr>
+                              <a:rPr lang="en-US" sz="3000" b="0" i="1" smtClean="0">
+                                <a:solidFill>
+                                  <a:srgbClr val="C00000"/>
+                                </a:solidFill>
+                                <a:latin typeface="Cambria Math" panose="02040503050406030204" pitchFamily="18" charset="0"/>
+                              </a:rPr>
+                            </m:ctrlPr>
+                          </m:sSupPr>
+                          <m:e>
+                            <m:r>
+                              <a:rPr lang="en-US" sz="3000" b="0" i="1" smtClean="0">
+                                <a:solidFill>
+                                  <a:srgbClr val="C00000"/>
+                                </a:solidFill>
+                                <a:latin typeface="Cambria Math" panose="02040503050406030204" pitchFamily="18" charset="0"/>
+                              </a:rPr>
+                              <m:t>𝑇</m:t>
+                            </m:r>
+                          </m:e>
+                          <m:sup>
+                            <m:r>
+                              <a:rPr lang="en-US" sz="3000" b="0" i="1" smtClean="0">
+                                <a:solidFill>
+                                  <a:srgbClr val="C00000"/>
+                                </a:solidFill>
+                                <a:latin typeface="Cambria Math" panose="02040503050406030204" pitchFamily="18" charset="0"/>
+                              </a:rPr>
+                              <m:t>2/3</m:t>
+                            </m:r>
+                          </m:sup>
+                        </m:sSup>
+                      </m:e>
+                    </m:d>
+                  </m:oMath>
+                </a14:m>
+                <a:r>
+                  <a:rPr lang="en-US" sz="3000" dirty="0"/>
+                  <a:t> regret with one query, but </a:t>
+                </a:r>
+                <a14:m>
+                  <m:oMath xmlns:m="http://schemas.openxmlformats.org/officeDocument/2006/math">
+                    <m:sSub>
+                      <m:sSubPr>
+                        <m:ctrlPr>
+                          <a:rPr lang="en-US" sz="3000" i="1" dirty="0">
+                            <a:solidFill>
+                              <a:srgbClr val="C00000"/>
+                            </a:solidFill>
+                            <a:latin typeface="Cambria Math" panose="02040503050406030204" pitchFamily="18" charset="0"/>
+                          </a:rPr>
+                        </m:ctrlPr>
+                      </m:sSubPr>
+                      <m:e>
+                        <m:acc>
+                          <m:accPr>
+                            <m:chr m:val="̃"/>
+                            <m:ctrlPr>
+                              <a:rPr lang="en-US" sz="3000" i="1" dirty="0">
+                                <a:solidFill>
+                                  <a:srgbClr val="C00000"/>
+                                </a:solidFill>
+                                <a:latin typeface="Cambria Math" panose="02040503050406030204" pitchFamily="18" charset="0"/>
+                              </a:rPr>
+                            </m:ctrlPr>
+                          </m:accPr>
+                          <m:e>
+                            <m:r>
+                              <a:rPr lang="en-US" sz="3000" i="1" dirty="0">
+                                <a:solidFill>
+                                  <a:srgbClr val="C00000"/>
+                                </a:solidFill>
+                                <a:latin typeface="Cambria Math" panose="02040503050406030204" pitchFamily="18" charset="0"/>
+                              </a:rPr>
+                              <m:t>𝑂</m:t>
+                            </m:r>
+                          </m:e>
+                        </m:acc>
+                      </m:e>
+                      <m:sub>
+                        <m:r>
+                          <a:rPr lang="en-US" sz="3000" i="1" dirty="0">
+                            <a:solidFill>
+                              <a:srgbClr val="C00000"/>
+                            </a:solidFill>
+                            <a:latin typeface="Cambria Math" panose="02040503050406030204" pitchFamily="18" charset="0"/>
+                          </a:rPr>
+                          <m:t>𝑛</m:t>
+                        </m:r>
+                      </m:sub>
+                    </m:sSub>
+                    <m:d>
+                      <m:dPr>
+                        <m:ctrlPr>
+                          <a:rPr lang="en-US" sz="3000" i="1">
+                            <a:solidFill>
+                              <a:srgbClr val="C00000"/>
+                            </a:solidFill>
+                            <a:latin typeface="Cambria Math" panose="02040503050406030204" pitchFamily="18" charset="0"/>
+                          </a:rPr>
+                        </m:ctrlPr>
+                      </m:dPr>
+                      <m:e>
+                        <m:rad>
+                          <m:radPr>
+                            <m:degHide m:val="on"/>
+                            <m:ctrlPr>
+                              <a:rPr lang="en-US" sz="3000" b="0" i="1" smtClean="0">
+                                <a:solidFill>
+                                  <a:srgbClr val="C00000"/>
+                                </a:solidFill>
+                                <a:latin typeface="Cambria Math" panose="02040503050406030204" pitchFamily="18" charset="0"/>
+                              </a:rPr>
+                            </m:ctrlPr>
+                          </m:radPr>
+                          <m:deg/>
+                          <m:e>
+                            <m:r>
+                              <a:rPr lang="en-US" sz="3000" b="0" i="1" smtClean="0">
+                                <a:solidFill>
+                                  <a:srgbClr val="C00000"/>
+                                </a:solidFill>
+                                <a:latin typeface="Cambria Math" panose="02040503050406030204" pitchFamily="18" charset="0"/>
+                              </a:rPr>
+                              <m:t>𝑇</m:t>
+                            </m:r>
+                          </m:e>
+                        </m:rad>
+                      </m:e>
+                    </m:d>
+                  </m:oMath>
+                </a14:m>
+                <a:r>
+                  <a:rPr lang="en-US" sz="3000" dirty="0"/>
+                  <a:t> regret either if </a:t>
+                </a:r>
+                <a:r>
+                  <a:rPr lang="en-US" sz="3000" i="1" dirty="0">
+                    <a:solidFill>
+                      <a:schemeClr val="accent1"/>
+                    </a:solidFill>
+                  </a:rPr>
+                  <a:t>best expert is in random-order</a:t>
+                </a:r>
+                <a:r>
+                  <a:rPr lang="en-US" sz="3000" dirty="0"/>
+                  <a:t> or with </a:t>
+                </a:r>
+                <a:r>
+                  <a:rPr lang="en-US" sz="3000" i="1" dirty="0">
+                    <a:solidFill>
+                      <a:srgbClr val="7030A0"/>
+                    </a:solidFill>
+                  </a:rPr>
+                  <a:t>two queries per time</a:t>
+                </a:r>
+                <a:r>
+                  <a:rPr lang="en-US" sz="3000" dirty="0"/>
+                  <a:t> </a:t>
+                </a:r>
+              </a:p>
+              <a:p>
+                <a:pPr>
+                  <a:buClr>
+                    <a:schemeClr val="tx1"/>
+                  </a:buClr>
+                </a:pPr>
+                <a:endParaRPr lang="en-US" sz="3000" dirty="0"/>
+              </a:p>
+              <a:p>
+                <a:pPr>
+                  <a:buClr>
+                    <a:schemeClr val="tx1"/>
+                  </a:buClr>
+                </a:pPr>
+                <a:r>
+                  <a:rPr lang="en-US" sz="3000" dirty="0">
+                    <a:solidFill>
+                      <a:srgbClr val="FF0000"/>
+                    </a:solidFill>
+                  </a:rPr>
+                  <a:t>MAIN GAP</a:t>
+                </a:r>
+                <a:r>
+                  <a:rPr lang="en-US" sz="3000" dirty="0"/>
+                  <a:t>: Is it possible to achieve algorithm for </a:t>
                 </a:r>
                 <a:r>
                   <a:rPr lang="en-US" sz="3000" i="1" dirty="0">
@@ -21082,7 +21962,7 @@
                           <m:radPr>
                             <m:degHide m:val="on"/>
                             <m:ctrlPr>
-                              <a:rPr lang="en-US" sz="3000" b="0" i="1" smtClean="0">
+                              <a:rPr lang="en-US" sz="3000" i="1">
                                 <a:solidFill>
                                   <a:srgbClr val="C00000"/>
                                 </a:solidFill>
@@ -21093,7 +21973,7 @@
                           <m:deg/>
                           <m:e>
                             <m:r>
-                              <a:rPr lang="en-US" sz="3000" b="0" i="1" smtClean="0">
+                              <a:rPr lang="en-US" sz="3000" i="1">
                                 <a:solidFill>
                                   <a:srgbClr val="C00000"/>
                                 </a:solidFill>
@@ -21167,37 +22047,10 @@
                   <a:t> memory?</a:t>
                 </a:r>
               </a:p>
-              <a:p>
-                <a:pPr>
-                  <a:buClr>
-                    <a:schemeClr val="tx1"/>
-                  </a:buClr>
-                </a:pPr>
-                <a:endParaRPr lang="en-US" sz="3000" dirty="0"/>
-              </a:p>
-              <a:p>
-                <a:pPr>
-                  <a:buClr>
-                    <a:schemeClr val="tx1"/>
-                  </a:buClr>
-                </a:pPr>
-                <a:endParaRPr lang="en-US" sz="3000" dirty="0"/>
-              </a:p>
-              <a:p>
-                <a:pPr>
-                  <a:buClr>
-                    <a:schemeClr val="tx1"/>
-                  </a:buClr>
-                </a:pPr>
-                <a:r>
-                  <a:rPr lang="en-US" sz="3000" dirty="0"/>
-                  <a:t>Would show there is no overhead in regret for the streaming model</a:t>
-                </a:r>
-              </a:p>
             </p:txBody>
           </p:sp>
         </mc:Choice>
-        <mc:Fallback xmlns="">
+        <mc:Fallback>
           <p:sp>
             <p:nvSpPr>
               <p:cNvPr id="3" name="Text Placeholder 2">
@@ -21218,7 +22071,7 @@
               <a:blipFill>
                 <a:blip r:embed="rId2"/>
                 <a:stretch>
-                  <a:fillRect t="-1606"/>
+                  <a:fillRect t="-535" r="-697"/>
                 </a:stretch>
               </a:blipFill>
             </p:spPr>
@@ -21982,7 +22835,7 @@
               <a:rPr lang="en" sz="3000" b="1"/>
               <a:t>You</a:t>
             </a:r>
-            <a:endParaRPr sz="3000" b="1"/>
+            <a:endParaRPr sz="3000" b="1" dirty="0"/>
           </a:p>
         </p:txBody>
       </p:sp>
@@ -22062,7 +22915,7 @@
               <a:rPr lang="en" sz="3000" b="1"/>
               <a:t>1</a:t>
             </a:r>
-            <a:endParaRPr sz="3000" b="1"/>
+            <a:endParaRPr sz="3000" b="1" dirty="0"/>
           </a:p>
         </p:txBody>
       </p:sp>
@@ -22136,7 +22989,7 @@
               <a:rPr lang="en" sz="3000" b="1"/>
               <a:t>2</a:t>
             </a:r>
-            <a:endParaRPr sz="3000" b="1"/>
+            <a:endParaRPr sz="3000" b="1" dirty="0"/>
           </a:p>
         </p:txBody>
       </p:sp>
@@ -22176,7 +23029,7 @@
               <a:rPr lang="en" sz="3000" b="1"/>
               <a:t>3</a:t>
             </a:r>
-            <a:endParaRPr sz="3000" b="1"/>
+            <a:endParaRPr sz="3000" b="1" dirty="0"/>
           </a:p>
         </p:txBody>
       </p:sp>
@@ -22220,7 +23073,7 @@
               </a:rPr>
               <a:t>?</a:t>
             </a:r>
-            <a:endParaRPr sz="3000" b="1">
+            <a:endParaRPr sz="3000" b="1" dirty="0">
               <a:solidFill>
                 <a:srgbClr val="598E00"/>
               </a:solidFill>
@@ -22268,7 +23121,7 @@
               </a:rPr>
               <a:t>?</a:t>
             </a:r>
-            <a:endParaRPr sz="3000" b="1">
+            <a:endParaRPr sz="3000" b="1" dirty="0">
               <a:solidFill>
                 <a:srgbClr val="598E00"/>
               </a:solidFill>
@@ -23323,7 +24176,7 @@
           <a:lstStyle/>
           <a:p>
             <a:pPr algn="ctr"/>
-            <a:endParaRPr lang="en-US"/>
+            <a:endParaRPr lang="en-US" dirty="0"/>
           </a:p>
         </p:txBody>
       </p:sp>
@@ -24341,7 +25194,7 @@
               <a:rPr lang="en" sz="3000" b="1"/>
               <a:t>You</a:t>
             </a:r>
-            <a:endParaRPr sz="3000" b="1"/>
+            <a:endParaRPr sz="3000" b="1" dirty="0"/>
           </a:p>
         </p:txBody>
       </p:sp>
@@ -24421,7 +25274,7 @@
               <a:rPr lang="en" sz="3000" b="1"/>
               <a:t>1</a:t>
             </a:r>
-            <a:endParaRPr sz="3000" b="1"/>
+            <a:endParaRPr sz="3000" b="1" dirty="0"/>
           </a:p>
         </p:txBody>
       </p:sp>
@@ -24495,7 +25348,7 @@
               <a:rPr lang="en" sz="3000" b="1"/>
               <a:t>2</a:t>
             </a:r>
-            <a:endParaRPr sz="3000" b="1"/>
+            <a:endParaRPr sz="3000" b="1" dirty="0"/>
           </a:p>
         </p:txBody>
       </p:sp>
@@ -24569,7 +25422,7 @@
               <a:rPr lang="en" sz="3000" b="1"/>
               <a:t>3</a:t>
             </a:r>
-            <a:endParaRPr sz="3000" b="1"/>
+            <a:endParaRPr sz="3000" b="1" dirty="0"/>
           </a:p>
         </p:txBody>
       </p:sp>
@@ -24613,7 +25466,7 @@
               </a:rPr>
               <a:t>?</a:t>
             </a:r>
-            <a:endParaRPr sz="3000" b="1">
+            <a:endParaRPr sz="3000" b="1" dirty="0">
               <a:solidFill>
                 <a:srgbClr val="598E00"/>
               </a:solidFill>
@@ -25628,7 +26481,7 @@
           <a:lstStyle/>
           <a:p>
             <a:pPr algn="ctr"/>
-            <a:endParaRPr lang="en-US"/>
+            <a:endParaRPr lang="en-US" dirty="0"/>
           </a:p>
         </p:txBody>
       </p:sp>
@@ -25904,7 +26757,7 @@
               <a:rPr lang="en" sz="3000" b="1"/>
               <a:t>You</a:t>
             </a:r>
-            <a:endParaRPr sz="3000" b="1"/>
+            <a:endParaRPr sz="3000" b="1" dirty="0"/>
           </a:p>
         </p:txBody>
       </p:sp>
@@ -25984,7 +26837,7 @@
               <a:rPr lang="en" sz="3000" b="1"/>
               <a:t>1</a:t>
             </a:r>
-            <a:endParaRPr sz="3000" b="1"/>
+            <a:endParaRPr sz="3000" b="1" dirty="0"/>
           </a:p>
         </p:txBody>
       </p:sp>
@@ -26058,7 +26911,7 @@
               <a:rPr lang="en" sz="3000" b="1"/>
               <a:t>2</a:t>
             </a:r>
-            <a:endParaRPr sz="3000" b="1"/>
+            <a:endParaRPr sz="3000" b="1" dirty="0"/>
           </a:p>
         </p:txBody>
       </p:sp>
@@ -26132,7 +26985,7 @@
               <a:rPr lang="en" sz="3000" b="1"/>
               <a:t>3</a:t>
             </a:r>
-            <a:endParaRPr sz="3000" b="1"/>
+            <a:endParaRPr sz="3000" b="1" dirty="0"/>
           </a:p>
         </p:txBody>
       </p:sp>
@@ -27137,7 +27990,7 @@
           <a:lstStyle/>
           <a:p>
             <a:pPr algn="ctr"/>
-            <a:endParaRPr lang="en-US"/>
+            <a:endParaRPr lang="en-US" dirty="0"/>
           </a:p>
         </p:txBody>
       </p:sp>
@@ -27413,7 +28266,7 @@
               <a:rPr lang="en" sz="3000" b="1"/>
               <a:t>You</a:t>
             </a:r>
-            <a:endParaRPr sz="3000" b="1"/>
+            <a:endParaRPr sz="3000" b="1" dirty="0"/>
           </a:p>
         </p:txBody>
       </p:sp>
@@ -27493,7 +28346,7 @@
               <a:rPr lang="en" sz="3000" b="1"/>
               <a:t>1</a:t>
             </a:r>
-            <a:endParaRPr sz="3000" b="1"/>
+            <a:endParaRPr sz="3000" b="1" dirty="0"/>
           </a:p>
         </p:txBody>
       </p:sp>
@@ -27567,7 +28420,7 @@
               <a:rPr lang="en" sz="3000" b="1"/>
               <a:t>2</a:t>
             </a:r>
-            <a:endParaRPr sz="3000" b="1"/>
+            <a:endParaRPr sz="3000" b="1" dirty="0"/>
           </a:p>
         </p:txBody>
       </p:sp>
@@ -27641,7 +28494,7 @@
               <a:rPr lang="en" sz="3000" b="1"/>
               <a:t>3</a:t>
             </a:r>
-            <a:endParaRPr sz="3000" b="1"/>
+            <a:endParaRPr sz="3000" b="1" dirty="0"/>
           </a:p>
         </p:txBody>
       </p:sp>
@@ -28619,7 +29472,7 @@
           <a:lstStyle/>
           <a:p>
             <a:pPr algn="ctr"/>
-            <a:endParaRPr lang="en-US"/>
+            <a:endParaRPr lang="en-US" dirty="0"/>
           </a:p>
         </p:txBody>
       </p:sp>
@@ -28737,7 +29590,7 @@
           <a:lstStyle/>
           <a:p>
             <a:pPr algn="ctr"/>
-            <a:endParaRPr lang="en-US"/>
+            <a:endParaRPr lang="en-US" dirty="0"/>
           </a:p>
         </p:txBody>
       </p:sp>
@@ -29013,7 +29866,7 @@
               <a:rPr lang="en" sz="3000" b="1"/>
               <a:t>You</a:t>
             </a:r>
-            <a:endParaRPr sz="3000" b="1"/>
+            <a:endParaRPr sz="3000" b="1" dirty="0"/>
           </a:p>
         </p:txBody>
       </p:sp>
@@ -29093,7 +29946,7 @@
               <a:rPr lang="en" sz="3000" b="1"/>
               <a:t>1</a:t>
             </a:r>
-            <a:endParaRPr sz="3000" b="1"/>
+            <a:endParaRPr sz="3000" b="1" dirty="0"/>
           </a:p>
         </p:txBody>
       </p:sp>
@@ -29303,7 +30156,7 @@
               <a:rPr lang="en" sz="3000" b="1"/>
               <a:t>2</a:t>
             </a:r>
-            <a:endParaRPr sz="3000" b="1"/>
+            <a:endParaRPr sz="3000" b="1" dirty="0"/>
           </a:p>
         </p:txBody>
       </p:sp>
@@ -29479,7 +30332,7 @@
               <a:rPr lang="en" sz="3000" b="1"/>
               <a:t>3</a:t>
             </a:r>
-            <a:endParaRPr sz="3000" b="1"/>
+            <a:endParaRPr sz="3000" b="1" dirty="0"/>
           </a:p>
         </p:txBody>
       </p:sp>
@@ -30141,7 +30994,7 @@
           <a:lstStyle/>
           <a:p>
             <a:pPr algn="ctr"/>
-            <a:endParaRPr lang="en-US"/>
+            <a:endParaRPr lang="en-US" dirty="0"/>
           </a:p>
         </p:txBody>
       </p:sp>
@@ -30193,7 +31046,7 @@
           <a:lstStyle/>
           <a:p>
             <a:pPr algn="ctr"/>
-            <a:endParaRPr lang="en-US"/>
+            <a:endParaRPr lang="en-US" dirty="0"/>
           </a:p>
         </p:txBody>
       </p:sp>
@@ -30245,7 +31098,7 @@
           <a:lstStyle/>
           <a:p>
             <a:pPr algn="ctr"/>
-            <a:endParaRPr lang="en-US"/>
+            <a:endParaRPr lang="en-US" dirty="0"/>
           </a:p>
         </p:txBody>
       </p:sp>
@@ -30297,7 +31150,7 @@
           <a:lstStyle/>
           <a:p>
             <a:pPr algn="ctr"/>
-            <a:endParaRPr lang="en-US"/>
+            <a:endParaRPr lang="en-US" dirty="0"/>
           </a:p>
         </p:txBody>
       </p:sp>
@@ -30383,7 +31236,7 @@
           <a:lstStyle/>
           <a:p>
             <a:pPr algn="ctr"/>
-            <a:endParaRPr lang="en-US"/>
+            <a:endParaRPr lang="en-US" dirty="0"/>
           </a:p>
         </p:txBody>
       </p:sp>
@@ -30435,7 +31288,7 @@
           <a:lstStyle/>
           <a:p>
             <a:pPr algn="ctr"/>
-            <a:endParaRPr lang="en-US"/>
+            <a:endParaRPr lang="en-US" dirty="0"/>
           </a:p>
         </p:txBody>
       </p:sp>
@@ -30675,7 +31528,7 @@
           <a:lstStyle/>
           <a:p>
             <a:pPr algn="ctr"/>
-            <a:endParaRPr lang="en-US"/>
+            <a:endParaRPr lang="en-US" dirty="0"/>
           </a:p>
         </p:txBody>
       </p:sp>
@@ -30951,7 +31804,7 @@
               <a:rPr lang="en" sz="3000" b="1"/>
               <a:t>You</a:t>
             </a:r>
-            <a:endParaRPr sz="3000" b="1"/>
+            <a:endParaRPr sz="3000" b="1" dirty="0"/>
           </a:p>
         </p:txBody>
       </p:sp>
@@ -31031,7 +31884,7 @@
               <a:rPr lang="en" sz="3000" b="1"/>
               <a:t>1</a:t>
             </a:r>
-            <a:endParaRPr sz="3000" b="1"/>
+            <a:endParaRPr sz="3000" b="1" dirty="0"/>
           </a:p>
         </p:txBody>
       </p:sp>
@@ -31241,7 +32094,7 @@
               <a:rPr lang="en" sz="3000" b="1"/>
               <a:t>2</a:t>
             </a:r>
-            <a:endParaRPr sz="3000" b="1"/>
+            <a:endParaRPr sz="3000" b="1" dirty="0"/>
           </a:p>
         </p:txBody>
       </p:sp>
@@ -31417,7 +32270,7 @@
               <a:rPr lang="en" sz="3000" b="1"/>
               <a:t>3</a:t>
             </a:r>
-            <a:endParaRPr sz="3000" b="1"/>
+            <a:endParaRPr sz="3000" b="1" dirty="0"/>
           </a:p>
         </p:txBody>
       </p:sp>
@@ -32079,7 +32932,7 @@
           <a:lstStyle/>
           <a:p>
             <a:pPr algn="ctr"/>
-            <a:endParaRPr lang="en-US"/>
+            <a:endParaRPr lang="en-US" dirty="0"/>
           </a:p>
         </p:txBody>
       </p:sp>
@@ -32131,7 +32984,7 @@
           <a:lstStyle/>
           <a:p>
             <a:pPr algn="ctr"/>
-            <a:endParaRPr lang="en-US"/>
+            <a:endParaRPr lang="en-US" dirty="0"/>
           </a:p>
         </p:txBody>
       </p:sp>
@@ -32183,7 +33036,7 @@
           <a:lstStyle/>
           <a:p>
             <a:pPr algn="ctr"/>
-            <a:endParaRPr lang="en-US"/>
+            <a:endParaRPr lang="en-US" dirty="0"/>
           </a:p>
         </p:txBody>
       </p:sp>
@@ -32235,7 +33088,7 @@
           <a:lstStyle/>
           <a:p>
             <a:pPr algn="ctr"/>
-            <a:endParaRPr lang="en-US"/>
+            <a:endParaRPr lang="en-US" dirty="0"/>
           </a:p>
         </p:txBody>
       </p:sp>
@@ -32321,7 +33174,7 @@
           <a:lstStyle/>
           <a:p>
             <a:pPr algn="ctr"/>
-            <a:endParaRPr lang="en-US"/>
+            <a:endParaRPr lang="en-US" dirty="0"/>
           </a:p>
         </p:txBody>
       </p:sp>
@@ -32373,7 +33226,7 @@
           <a:lstStyle/>
           <a:p>
             <a:pPr algn="ctr"/>
-            <a:endParaRPr lang="en-US"/>
+            <a:endParaRPr lang="en-US" dirty="0"/>
           </a:p>
         </p:txBody>
       </p:sp>
@@ -32635,7 +33488,18 @@
                   <a:schemeClr val="tx1"/>
                 </a:solidFill>
               </a:rPr>
-              <a:t>: # of mistakes by algorithm- # of mistakes by best expert</a:t>
+              <a:t>: (# of mistakes by algorithm) </a:t>
+            </a:r>
+          </a:p>
+          <a:p>
+            <a:pPr algn="ctr"/>
+            <a:r>
+              <a:rPr lang="en-US" sz="3200" dirty="0">
+                <a:solidFill>
+                  <a:schemeClr val="tx1"/>
+                </a:solidFill>
+              </a:rPr>
+              <a:t>– (# of mistakes by best expert)</a:t>
             </a:r>
           </a:p>
         </p:txBody>

--- a/other-talks/SODA 2026.pptx
+++ b/other-talks/SODA 2026.pptx
@@ -6355,8 +6355,8 @@
           </a:p>
         </p:txBody>
       </p:sp>
-      <mc:AlternateContent xmlns:mc="http://schemas.openxmlformats.org/markup-compatibility/2006" xmlns:a14="http://schemas.microsoft.com/office/drawing/2010/main">
-        <mc:Choice Requires="a14">
+      <mc:AlternateContent xmlns:mc="http://schemas.openxmlformats.org/markup-compatibility/2006">
+        <mc:Choice xmlns:a14="http://schemas.microsoft.com/office/drawing/2010/main" Requires="a14">
           <p:sp>
             <p:nvSpPr>
               <p:cNvPr id="4" name="Content Placeholder 2">
@@ -6659,7 +6659,7 @@
                 </a14:m>
                 <a:r>
                   <a:rPr lang="en-US" sz="3000" dirty="0"/>
-                  <a:t>, which is known to be optimal </a:t>
+                  <a:t> in the bandit setting, which is known to be optimal </a:t>
                 </a:r>
                 <a:r>
                   <a:rPr lang="en-US" sz="3000" dirty="0">
@@ -6706,7 +6706,7 @@
             </p:txBody>
           </p:sp>
         </mc:Choice>
-        <mc:Fallback xmlns="">
+        <mc:Fallback>
           <p:sp>
             <p:nvSpPr>
               <p:cNvPr id="4" name="Content Placeholder 2">
@@ -6732,7 +6732,7 @@
               <a:blipFill>
                 <a:blip r:embed="rId2"/>
                 <a:stretch>
-                  <a:fillRect l="-1217" t="-2801"/>
+                  <a:fillRect l="-1217" t="-2801" r="-1275"/>
                 </a:stretch>
               </a:blipFill>
             </p:spPr>
@@ -20126,8 +20126,8 @@
           <a:chExt cx="0" cy="0"/>
         </a:xfrm>
       </p:grpSpPr>
-      <mc:AlternateContent xmlns:mc="http://schemas.openxmlformats.org/markup-compatibility/2006">
-        <mc:Choice xmlns:a14="http://schemas.microsoft.com/office/drawing/2010/main" Requires="a14">
+      <mc:AlternateContent xmlns:mc="http://schemas.openxmlformats.org/markup-compatibility/2006" xmlns:a14="http://schemas.microsoft.com/office/drawing/2010/main">
+        <mc:Choice Requires="a14">
           <p:sp>
             <p:nvSpPr>
               <p:cNvPr id="3" name="Text Placeholder 2">
@@ -20526,7 +20526,7 @@
             </p:txBody>
           </p:sp>
         </mc:Choice>
-        <mc:Fallback>
+        <mc:Fallback xmlns="">
           <p:sp>
             <p:nvSpPr>
               <p:cNvPr id="3" name="Text Placeholder 2">
@@ -21009,8 +21009,8 @@
           </a:fontRef>
         </p:style>
       </p:cxnSp>
-      <mc:AlternateContent xmlns:mc="http://schemas.openxmlformats.org/markup-compatibility/2006">
-        <mc:Choice xmlns:a14="http://schemas.microsoft.com/office/drawing/2010/main" Requires="a14">
+      <mc:AlternateContent xmlns:mc="http://schemas.openxmlformats.org/markup-compatibility/2006" xmlns:a14="http://schemas.microsoft.com/office/drawing/2010/main">
+        <mc:Choice Requires="a14">
           <p:sp>
             <p:nvSpPr>
               <p:cNvPr id="5" name="TextBox 4">
@@ -21063,7 +21063,7 @@
             </p:txBody>
           </p:sp>
         </mc:Choice>
-        <mc:Fallback>
+        <mc:Fallback xmlns="">
           <p:sp>
             <p:nvSpPr>
               <p:cNvPr id="5" name="TextBox 4">
@@ -24145,8 +24145,8 @@
           </a:p>
         </p:txBody>
       </p:sp>
-      <mc:AlternateContent xmlns:mc="http://schemas.openxmlformats.org/markup-compatibility/2006">
-        <mc:Choice xmlns:a14="http://schemas.microsoft.com/office/drawing/2010/main" Requires="a14">
+      <mc:AlternateContent xmlns:mc="http://schemas.openxmlformats.org/markup-compatibility/2006" xmlns:a14="http://schemas.microsoft.com/office/drawing/2010/main">
+        <mc:Choice Requires="a14">
           <p:sp>
             <p:nvSpPr>
               <p:cNvPr id="3" name="Text Placeholder 2">
@@ -24270,7 +24270,7 @@
             </p:txBody>
           </p:sp>
         </mc:Choice>
-        <mc:Fallback>
+        <mc:Fallback xmlns="">
           <p:sp>
             <p:nvSpPr>
               <p:cNvPr id="3" name="Text Placeholder 2">
